--- a/preparation/grip_backup.pptx
+++ b/preparation/grip_backup.pptx
@@ -4,6 +4,9 @@
   <p:sldMasterIdLst>
     <p:sldMasterId id="2147483648" r:id="rId1"/>
   </p:sldMasterIdLst>
+  <p:notesMasterIdLst>
+    <p:notesMasterId r:id="rId21"/>
+  </p:notesMasterIdLst>
   <p:sldIdLst>
     <p:sldId id="265" r:id="rId2"/>
     <p:sldId id="256" r:id="rId3"/>
@@ -18,6 +21,12 @@
     <p:sldId id="263" r:id="rId12"/>
     <p:sldId id="264" r:id="rId13"/>
     <p:sldId id="266" r:id="rId14"/>
+    <p:sldId id="270" r:id="rId15"/>
+    <p:sldId id="271" r:id="rId16"/>
+    <p:sldId id="272" r:id="rId17"/>
+    <p:sldId id="273" r:id="rId18"/>
+    <p:sldId id="274" r:id="rId19"/>
+    <p:sldId id="269" r:id="rId20"/>
   </p:sldIdLst>
   <p:sldSz cx="12192000" cy="6858000"/>
   <p:notesSz cx="6858000" cy="9144000"/>
@@ -124,6 +133,1040 @@
 </p:presentation>
 </file>
 
+<file path=ppt/notesMasters/notesMaster1.xml><?xml version="1.0" encoding="utf-8"?>
+<p:notesMaster xmlns:a="http://schemas.openxmlformats.org/drawingml/2006/main" xmlns:r="http://schemas.openxmlformats.org/officeDocument/2006/relationships" xmlns:p="http://schemas.openxmlformats.org/presentationml/2006/main">
+  <p:cSld>
+    <p:bg>
+      <p:bgRef idx="1001">
+        <a:schemeClr val="bg1"/>
+      </p:bgRef>
+    </p:bg>
+    <p:spTree>
+      <p:nvGrpSpPr>
+        <p:cNvPr id="1" name=""/>
+        <p:cNvGrpSpPr/>
+        <p:nvPr/>
+      </p:nvGrpSpPr>
+      <p:grpSpPr>
+        <a:xfrm>
+          <a:off x="0" y="0"/>
+          <a:ext cx="0" cy="0"/>
+          <a:chOff x="0" y="0"/>
+          <a:chExt cx="0" cy="0"/>
+        </a:xfrm>
+      </p:grpSpPr>
+      <p:sp>
+        <p:nvSpPr>
+          <p:cNvPr id="2" name="页眉占位符 1"/>
+          <p:cNvSpPr>
+            <a:spLocks noGrp="1"/>
+          </p:cNvSpPr>
+          <p:nvPr>
+            <p:ph type="hdr" sz="quarter"/>
+          </p:nvPr>
+        </p:nvSpPr>
+        <p:spPr>
+          <a:xfrm>
+            <a:off x="0" y="0"/>
+            <a:ext cx="2971800" cy="458788"/>
+          </a:xfrm>
+          <a:prstGeom prst="rect">
+            <a:avLst/>
+          </a:prstGeom>
+        </p:spPr>
+        <p:txBody>
+          <a:bodyPr vert="horz" lIns="91440" tIns="45720" rIns="91440" bIns="45720" rtlCol="0"/>
+          <a:lstStyle>
+            <a:lvl1pPr algn="l">
+              <a:defRPr sz="1200"/>
+            </a:lvl1pPr>
+          </a:lstStyle>
+          <a:p>
+            <a:endParaRPr lang="zh-CN" altLang="en-US"/>
+          </a:p>
+        </p:txBody>
+      </p:sp>
+      <p:sp>
+        <p:nvSpPr>
+          <p:cNvPr id="3" name="日期占位符 2"/>
+          <p:cNvSpPr>
+            <a:spLocks noGrp="1"/>
+          </p:cNvSpPr>
+          <p:nvPr>
+            <p:ph type="dt" idx="1"/>
+          </p:nvPr>
+        </p:nvSpPr>
+        <p:spPr>
+          <a:xfrm>
+            <a:off x="3884613" y="0"/>
+            <a:ext cx="2971800" cy="458788"/>
+          </a:xfrm>
+          <a:prstGeom prst="rect">
+            <a:avLst/>
+          </a:prstGeom>
+        </p:spPr>
+        <p:txBody>
+          <a:bodyPr vert="horz" lIns="91440" tIns="45720" rIns="91440" bIns="45720" rtlCol="0"/>
+          <a:lstStyle>
+            <a:lvl1pPr algn="r">
+              <a:defRPr sz="1200"/>
+            </a:lvl1pPr>
+          </a:lstStyle>
+          <a:p>
+            <a:fld id="{F53AE485-1FE1-42FD-B081-9A3C71142F64}" type="datetimeFigureOut">
+              <a:rPr lang="zh-CN" altLang="en-US" smtClean="0"/>
+              <a:t>2019/6/28</a:t>
+            </a:fld>
+            <a:endParaRPr lang="zh-CN" altLang="en-US"/>
+          </a:p>
+        </p:txBody>
+      </p:sp>
+      <p:sp>
+        <p:nvSpPr>
+          <p:cNvPr id="4" name="幻灯片图像占位符 3"/>
+          <p:cNvSpPr>
+            <a:spLocks noGrp="1" noRot="1" noChangeAspect="1"/>
+          </p:cNvSpPr>
+          <p:nvPr>
+            <p:ph type="sldImg" idx="2"/>
+          </p:nvPr>
+        </p:nvSpPr>
+        <p:spPr>
+          <a:xfrm>
+            <a:off x="685800" y="1143000"/>
+            <a:ext cx="5486400" cy="3086100"/>
+          </a:xfrm>
+          <a:prstGeom prst="rect">
+            <a:avLst/>
+          </a:prstGeom>
+          <a:noFill/>
+          <a:ln w="12700">
+            <a:solidFill>
+              <a:prstClr val="black"/>
+            </a:solidFill>
+          </a:ln>
+        </p:spPr>
+        <p:txBody>
+          <a:bodyPr vert="horz" lIns="91440" tIns="45720" rIns="91440" bIns="45720" rtlCol="0" anchor="ctr"/>
+          <a:lstStyle/>
+          <a:p>
+            <a:endParaRPr lang="zh-CN" altLang="en-US"/>
+          </a:p>
+        </p:txBody>
+      </p:sp>
+      <p:sp>
+        <p:nvSpPr>
+          <p:cNvPr id="5" name="备注占位符 4"/>
+          <p:cNvSpPr>
+            <a:spLocks noGrp="1"/>
+          </p:cNvSpPr>
+          <p:nvPr>
+            <p:ph type="body" sz="quarter" idx="3"/>
+          </p:nvPr>
+        </p:nvSpPr>
+        <p:spPr>
+          <a:xfrm>
+            <a:off x="685800" y="4400550"/>
+            <a:ext cx="5486400" cy="3600450"/>
+          </a:xfrm>
+          <a:prstGeom prst="rect">
+            <a:avLst/>
+          </a:prstGeom>
+        </p:spPr>
+        <p:txBody>
+          <a:bodyPr vert="horz" lIns="91440" tIns="45720" rIns="91440" bIns="45720" rtlCol="0"/>
+          <a:lstStyle/>
+          <a:p>
+            <a:pPr lvl="0"/>
+            <a:r>
+              <a:rPr lang="zh-CN" altLang="en-US" smtClean="0"/>
+              <a:t>编辑母版文本样式</a:t>
+            </a:r>
+          </a:p>
+          <a:p>
+            <a:pPr lvl="1"/>
+            <a:r>
+              <a:rPr lang="zh-CN" altLang="en-US" smtClean="0"/>
+              <a:t>第二级</a:t>
+            </a:r>
+          </a:p>
+          <a:p>
+            <a:pPr lvl="2"/>
+            <a:r>
+              <a:rPr lang="zh-CN" altLang="en-US" smtClean="0"/>
+              <a:t>第三级</a:t>
+            </a:r>
+          </a:p>
+          <a:p>
+            <a:pPr lvl="3"/>
+            <a:r>
+              <a:rPr lang="zh-CN" altLang="en-US" smtClean="0"/>
+              <a:t>第四级</a:t>
+            </a:r>
+          </a:p>
+          <a:p>
+            <a:pPr lvl="4"/>
+            <a:r>
+              <a:rPr lang="zh-CN" altLang="en-US" smtClean="0"/>
+              <a:t>第五级</a:t>
+            </a:r>
+            <a:endParaRPr lang="zh-CN" altLang="en-US"/>
+          </a:p>
+        </p:txBody>
+      </p:sp>
+      <p:sp>
+        <p:nvSpPr>
+          <p:cNvPr id="6" name="页脚占位符 5"/>
+          <p:cNvSpPr>
+            <a:spLocks noGrp="1"/>
+          </p:cNvSpPr>
+          <p:nvPr>
+            <p:ph type="ftr" sz="quarter" idx="4"/>
+          </p:nvPr>
+        </p:nvSpPr>
+        <p:spPr>
+          <a:xfrm>
+            <a:off x="0" y="8685213"/>
+            <a:ext cx="2971800" cy="458787"/>
+          </a:xfrm>
+          <a:prstGeom prst="rect">
+            <a:avLst/>
+          </a:prstGeom>
+        </p:spPr>
+        <p:txBody>
+          <a:bodyPr vert="horz" lIns="91440" tIns="45720" rIns="91440" bIns="45720" rtlCol="0" anchor="b"/>
+          <a:lstStyle>
+            <a:lvl1pPr algn="l">
+              <a:defRPr sz="1200"/>
+            </a:lvl1pPr>
+          </a:lstStyle>
+          <a:p>
+            <a:endParaRPr lang="zh-CN" altLang="en-US"/>
+          </a:p>
+        </p:txBody>
+      </p:sp>
+      <p:sp>
+        <p:nvSpPr>
+          <p:cNvPr id="7" name="灯片编号占位符 6"/>
+          <p:cNvSpPr>
+            <a:spLocks noGrp="1"/>
+          </p:cNvSpPr>
+          <p:nvPr>
+            <p:ph type="sldNum" sz="quarter" idx="5"/>
+          </p:nvPr>
+        </p:nvSpPr>
+        <p:spPr>
+          <a:xfrm>
+            <a:off x="3884613" y="8685213"/>
+            <a:ext cx="2971800" cy="458787"/>
+          </a:xfrm>
+          <a:prstGeom prst="rect">
+            <a:avLst/>
+          </a:prstGeom>
+        </p:spPr>
+        <p:txBody>
+          <a:bodyPr vert="horz" lIns="91440" tIns="45720" rIns="91440" bIns="45720" rtlCol="0" anchor="b"/>
+          <a:lstStyle>
+            <a:lvl1pPr algn="r">
+              <a:defRPr sz="1200"/>
+            </a:lvl1pPr>
+          </a:lstStyle>
+          <a:p>
+            <a:fld id="{C138DE22-BA5A-4BDD-81A1-D1DED0E7BFA3}" type="slidenum">
+              <a:rPr lang="zh-CN" altLang="en-US" smtClean="0"/>
+              <a:t>‹#›</a:t>
+            </a:fld>
+            <a:endParaRPr lang="zh-CN" altLang="en-US"/>
+          </a:p>
+        </p:txBody>
+      </p:sp>
+    </p:spTree>
+    <p:extLst>
+      <p:ext uri="{BB962C8B-B14F-4D97-AF65-F5344CB8AC3E}">
+        <p14:creationId xmlns:p14="http://schemas.microsoft.com/office/powerpoint/2010/main" val="3174646065"/>
+      </p:ext>
+    </p:extLst>
+  </p:cSld>
+  <p:clrMap bg1="lt1" tx1="dk1" bg2="lt2" tx2="dk2" accent1="accent1" accent2="accent2" accent3="accent3" accent4="accent4" accent5="accent5" accent6="accent6" hlink="hlink" folHlink="folHlink"/>
+  <p:notesStyle>
+    <a:lvl1pPr marL="0" algn="l" defTabSz="914400" rtl="0" eaLnBrk="1" latinLnBrk="0" hangingPunct="1">
+      <a:defRPr sz="1200" kern="1200">
+        <a:solidFill>
+          <a:schemeClr val="tx1"/>
+        </a:solidFill>
+        <a:latin typeface="+mn-lt"/>
+        <a:ea typeface="+mn-ea"/>
+        <a:cs typeface="+mn-cs"/>
+      </a:defRPr>
+    </a:lvl1pPr>
+    <a:lvl2pPr marL="457200" algn="l" defTabSz="914400" rtl="0" eaLnBrk="1" latinLnBrk="0" hangingPunct="1">
+      <a:defRPr sz="1200" kern="1200">
+        <a:solidFill>
+          <a:schemeClr val="tx1"/>
+        </a:solidFill>
+        <a:latin typeface="+mn-lt"/>
+        <a:ea typeface="+mn-ea"/>
+        <a:cs typeface="+mn-cs"/>
+      </a:defRPr>
+    </a:lvl2pPr>
+    <a:lvl3pPr marL="914400" algn="l" defTabSz="914400" rtl="0" eaLnBrk="1" latinLnBrk="0" hangingPunct="1">
+      <a:defRPr sz="1200" kern="1200">
+        <a:solidFill>
+          <a:schemeClr val="tx1"/>
+        </a:solidFill>
+        <a:latin typeface="+mn-lt"/>
+        <a:ea typeface="+mn-ea"/>
+        <a:cs typeface="+mn-cs"/>
+      </a:defRPr>
+    </a:lvl3pPr>
+    <a:lvl4pPr marL="1371600" algn="l" defTabSz="914400" rtl="0" eaLnBrk="1" latinLnBrk="0" hangingPunct="1">
+      <a:defRPr sz="1200" kern="1200">
+        <a:solidFill>
+          <a:schemeClr val="tx1"/>
+        </a:solidFill>
+        <a:latin typeface="+mn-lt"/>
+        <a:ea typeface="+mn-ea"/>
+        <a:cs typeface="+mn-cs"/>
+      </a:defRPr>
+    </a:lvl4pPr>
+    <a:lvl5pPr marL="1828800" algn="l" defTabSz="914400" rtl="0" eaLnBrk="1" latinLnBrk="0" hangingPunct="1">
+      <a:defRPr sz="1200" kern="1200">
+        <a:solidFill>
+          <a:schemeClr val="tx1"/>
+        </a:solidFill>
+        <a:latin typeface="+mn-lt"/>
+        <a:ea typeface="+mn-ea"/>
+        <a:cs typeface="+mn-cs"/>
+      </a:defRPr>
+    </a:lvl5pPr>
+    <a:lvl6pPr marL="2286000" algn="l" defTabSz="914400" rtl="0" eaLnBrk="1" latinLnBrk="0" hangingPunct="1">
+      <a:defRPr sz="1200" kern="1200">
+        <a:solidFill>
+          <a:schemeClr val="tx1"/>
+        </a:solidFill>
+        <a:latin typeface="+mn-lt"/>
+        <a:ea typeface="+mn-ea"/>
+        <a:cs typeface="+mn-cs"/>
+      </a:defRPr>
+    </a:lvl6pPr>
+    <a:lvl7pPr marL="2743200" algn="l" defTabSz="914400" rtl="0" eaLnBrk="1" latinLnBrk="0" hangingPunct="1">
+      <a:defRPr sz="1200" kern="1200">
+        <a:solidFill>
+          <a:schemeClr val="tx1"/>
+        </a:solidFill>
+        <a:latin typeface="+mn-lt"/>
+        <a:ea typeface="+mn-ea"/>
+        <a:cs typeface="+mn-cs"/>
+      </a:defRPr>
+    </a:lvl7pPr>
+    <a:lvl8pPr marL="3200400" algn="l" defTabSz="914400" rtl="0" eaLnBrk="1" latinLnBrk="0" hangingPunct="1">
+      <a:defRPr sz="1200" kern="1200">
+        <a:solidFill>
+          <a:schemeClr val="tx1"/>
+        </a:solidFill>
+        <a:latin typeface="+mn-lt"/>
+        <a:ea typeface="+mn-ea"/>
+        <a:cs typeface="+mn-cs"/>
+      </a:defRPr>
+    </a:lvl8pPr>
+    <a:lvl9pPr marL="3657600" algn="l" defTabSz="914400" rtl="0" eaLnBrk="1" latinLnBrk="0" hangingPunct="1">
+      <a:defRPr sz="1200" kern="1200">
+        <a:solidFill>
+          <a:schemeClr val="tx1"/>
+        </a:solidFill>
+        <a:latin typeface="+mn-lt"/>
+        <a:ea typeface="+mn-ea"/>
+        <a:cs typeface="+mn-cs"/>
+      </a:defRPr>
+    </a:lvl9pPr>
+  </p:notesStyle>
+</p:notesMaster>
+</file>
+
+<file path=ppt/notesSlides/notesSlide1.xml><?xml version="1.0" encoding="utf-8"?>
+<p:notes xmlns:a="http://schemas.openxmlformats.org/drawingml/2006/main" xmlns:r="http://schemas.openxmlformats.org/officeDocument/2006/relationships" xmlns:p="http://schemas.openxmlformats.org/presentationml/2006/main">
+  <p:cSld>
+    <p:spTree>
+      <p:nvGrpSpPr>
+        <p:cNvPr id="1" name=""/>
+        <p:cNvGrpSpPr/>
+        <p:nvPr/>
+      </p:nvGrpSpPr>
+      <p:grpSpPr>
+        <a:xfrm>
+          <a:off x="0" y="0"/>
+          <a:ext cx="0" cy="0"/>
+          <a:chOff x="0" y="0"/>
+          <a:chExt cx="0" cy="0"/>
+        </a:xfrm>
+      </p:grpSpPr>
+      <p:sp>
+        <p:nvSpPr>
+          <p:cNvPr id="2" name="幻灯片图像占位符 1"/>
+          <p:cNvSpPr>
+            <a:spLocks noGrp="1" noRot="1" noChangeAspect="1"/>
+          </p:cNvSpPr>
+          <p:nvPr>
+            <p:ph type="sldImg"/>
+          </p:nvPr>
+        </p:nvSpPr>
+        <p:spPr/>
+      </p:sp>
+      <p:sp>
+        <p:nvSpPr>
+          <p:cNvPr id="3" name="备注占位符 2"/>
+          <p:cNvSpPr>
+            <a:spLocks noGrp="1"/>
+          </p:cNvSpPr>
+          <p:nvPr>
+            <p:ph type="body" idx="1"/>
+          </p:nvPr>
+        </p:nvSpPr>
+        <p:spPr/>
+        <p:txBody>
+          <a:bodyPr/>
+          <a:lstStyle/>
+          <a:p>
+            <a:r>
+              <a:rPr lang="en-US" altLang="zh-CN" sz="1200" b="0" i="0" u="none" strike="noStrike" kern="1200" baseline="0" dirty="0" smtClean="0">
+                <a:solidFill>
+                  <a:schemeClr val="tx1"/>
+                </a:solidFill>
+                <a:latin typeface="+mn-lt"/>
+                <a:ea typeface="+mn-ea"/>
+                <a:cs typeface="+mn-cs"/>
+              </a:rPr>
+              <a:t>Text=double(['Èç¹ûºìÉ«±äÎªÂÌÉ«ÔÚÌýµ½ÉùÒôÖ®Ç°Çë°´¼üÅÌ×ó¼ü£»' '\n' ...</a:t>
+            </a:r>
+          </a:p>
+          <a:p>
+            <a:r>
+              <a:rPr lang="en-US" altLang="zh-CN" sz="1200" b="0" i="0" u="none" strike="noStrike" kern="1200" baseline="0" dirty="0" smtClean="0">
+                <a:solidFill>
+                  <a:schemeClr val="tx1"/>
+                </a:solidFill>
+                <a:latin typeface="+mn-lt"/>
+                <a:ea typeface="+mn-ea"/>
+                <a:cs typeface="+mn-cs"/>
+              </a:rPr>
+              <a:t>            'Èç¹ûºìÉ«±äÎªÂÌÉ«ÔÚÉùÒôÖ®ºóÇë°´¼üÅÌÓÒ¼ü']);</a:t>
+            </a:r>
+          </a:p>
+          <a:p>
+            <a:r>
+              <a:rPr lang="zh-CN" altLang="en-US" dirty="0" smtClean="0"/>
+              <a:t>如果红色变为绿色在听到声音之前请按键盘左键</a:t>
+            </a:r>
+            <a:endParaRPr lang="zh-CN" altLang="en-US" dirty="0"/>
+          </a:p>
+        </p:txBody>
+      </p:sp>
+      <p:sp>
+        <p:nvSpPr>
+          <p:cNvPr id="4" name="灯片编号占位符 3"/>
+          <p:cNvSpPr>
+            <a:spLocks noGrp="1"/>
+          </p:cNvSpPr>
+          <p:nvPr>
+            <p:ph type="sldNum" sz="quarter" idx="10"/>
+          </p:nvPr>
+        </p:nvSpPr>
+        <p:spPr/>
+        <p:txBody>
+          <a:bodyPr/>
+          <a:lstStyle/>
+          <a:p>
+            <a:fld id="{C138DE22-BA5A-4BDD-81A1-D1DED0E7BFA3}" type="slidenum">
+              <a:rPr lang="zh-CN" altLang="en-US" smtClean="0"/>
+              <a:t>13</a:t>
+            </a:fld>
+            <a:endParaRPr lang="zh-CN" altLang="en-US"/>
+          </a:p>
+        </p:txBody>
+      </p:sp>
+    </p:spTree>
+    <p:extLst>
+      <p:ext uri="{BB962C8B-B14F-4D97-AF65-F5344CB8AC3E}">
+        <p14:creationId xmlns:p14="http://schemas.microsoft.com/office/powerpoint/2010/main" val="4089932181"/>
+      </p:ext>
+    </p:extLst>
+  </p:cSld>
+  <p:clrMapOvr>
+    <a:masterClrMapping/>
+  </p:clrMapOvr>
+</p:notes>
+</file>
+
+<file path=ppt/notesSlides/notesSlide2.xml><?xml version="1.0" encoding="utf-8"?>
+<p:notes xmlns:a="http://schemas.openxmlformats.org/drawingml/2006/main" xmlns:r="http://schemas.openxmlformats.org/officeDocument/2006/relationships" xmlns:p="http://schemas.openxmlformats.org/presentationml/2006/main">
+  <p:cSld>
+    <p:spTree>
+      <p:nvGrpSpPr>
+        <p:cNvPr id="1" name=""/>
+        <p:cNvGrpSpPr/>
+        <p:nvPr/>
+      </p:nvGrpSpPr>
+      <p:grpSpPr>
+        <a:xfrm>
+          <a:off x="0" y="0"/>
+          <a:ext cx="0" cy="0"/>
+          <a:chOff x="0" y="0"/>
+          <a:chExt cx="0" cy="0"/>
+        </a:xfrm>
+      </p:grpSpPr>
+      <p:sp>
+        <p:nvSpPr>
+          <p:cNvPr id="2" name="幻灯片图像占位符 1"/>
+          <p:cNvSpPr>
+            <a:spLocks noGrp="1" noRot="1" noChangeAspect="1"/>
+          </p:cNvSpPr>
+          <p:nvPr>
+            <p:ph type="sldImg"/>
+          </p:nvPr>
+        </p:nvSpPr>
+        <p:spPr/>
+      </p:sp>
+      <p:sp>
+        <p:nvSpPr>
+          <p:cNvPr id="3" name="备注占位符 2"/>
+          <p:cNvSpPr>
+            <a:spLocks noGrp="1"/>
+          </p:cNvSpPr>
+          <p:nvPr>
+            <p:ph type="body" idx="1"/>
+          </p:nvPr>
+        </p:nvSpPr>
+        <p:spPr/>
+        <p:txBody>
+          <a:bodyPr/>
+          <a:lstStyle/>
+          <a:p>
+            <a:r>
+              <a:rPr lang="en-US" altLang="zh-CN" sz="1200" b="0" i="0" u="none" strike="noStrike" kern="1200" baseline="0" dirty="0" smtClean="0">
+                <a:solidFill>
+                  <a:schemeClr val="tx1"/>
+                </a:solidFill>
+                <a:latin typeface="+mn-lt"/>
+                <a:ea typeface="+mn-ea"/>
+                <a:cs typeface="+mn-cs"/>
+              </a:rPr>
+              <a:t>Text=double(['Èç¹ûºìÉ«±äÎªÂÌÉ«ÔÚÌýµ½ÉùÒôÖ®Ç°Çë°´¼üÅÌ×ó¼ü£»' '\n' ...</a:t>
+            </a:r>
+          </a:p>
+          <a:p>
+            <a:r>
+              <a:rPr lang="en-US" altLang="zh-CN" sz="1200" b="0" i="0" u="none" strike="noStrike" kern="1200" baseline="0" dirty="0" smtClean="0">
+                <a:solidFill>
+                  <a:schemeClr val="tx1"/>
+                </a:solidFill>
+                <a:latin typeface="+mn-lt"/>
+                <a:ea typeface="+mn-ea"/>
+                <a:cs typeface="+mn-cs"/>
+              </a:rPr>
+              <a:t>            'Èç¹ûºìÉ«±äÎªÂÌÉ«ÔÚÉùÒôÖ®ºóÇë°´¼üÅÌÓÒ¼ü']);</a:t>
+            </a:r>
+          </a:p>
+          <a:p>
+            <a:r>
+              <a:rPr lang="zh-CN" altLang="en-US" dirty="0" smtClean="0"/>
+              <a:t>如果红色变为绿色在听到声音之前请按键盘左键</a:t>
+            </a:r>
+            <a:endParaRPr lang="zh-CN" altLang="en-US" dirty="0"/>
+          </a:p>
+        </p:txBody>
+      </p:sp>
+      <p:sp>
+        <p:nvSpPr>
+          <p:cNvPr id="4" name="灯片编号占位符 3"/>
+          <p:cNvSpPr>
+            <a:spLocks noGrp="1"/>
+          </p:cNvSpPr>
+          <p:nvPr>
+            <p:ph type="sldNum" sz="quarter" idx="10"/>
+          </p:nvPr>
+        </p:nvSpPr>
+        <p:spPr/>
+        <p:txBody>
+          <a:bodyPr/>
+          <a:lstStyle/>
+          <a:p>
+            <a:fld id="{C138DE22-BA5A-4BDD-81A1-D1DED0E7BFA3}" type="slidenum">
+              <a:rPr lang="zh-CN" altLang="en-US" smtClean="0"/>
+              <a:t>14</a:t>
+            </a:fld>
+            <a:endParaRPr lang="zh-CN" altLang="en-US"/>
+          </a:p>
+        </p:txBody>
+      </p:sp>
+    </p:spTree>
+    <p:extLst>
+      <p:ext uri="{BB962C8B-B14F-4D97-AF65-F5344CB8AC3E}">
+        <p14:creationId xmlns:p14="http://schemas.microsoft.com/office/powerpoint/2010/main" val="2038905719"/>
+      </p:ext>
+    </p:extLst>
+  </p:cSld>
+  <p:clrMapOvr>
+    <a:masterClrMapping/>
+  </p:clrMapOvr>
+</p:notes>
+</file>
+
+<file path=ppt/notesSlides/notesSlide3.xml><?xml version="1.0" encoding="utf-8"?>
+<p:notes xmlns:a="http://schemas.openxmlformats.org/drawingml/2006/main" xmlns:r="http://schemas.openxmlformats.org/officeDocument/2006/relationships" xmlns:p="http://schemas.openxmlformats.org/presentationml/2006/main">
+  <p:cSld>
+    <p:spTree>
+      <p:nvGrpSpPr>
+        <p:cNvPr id="1" name=""/>
+        <p:cNvGrpSpPr/>
+        <p:nvPr/>
+      </p:nvGrpSpPr>
+      <p:grpSpPr>
+        <a:xfrm>
+          <a:off x="0" y="0"/>
+          <a:ext cx="0" cy="0"/>
+          <a:chOff x="0" y="0"/>
+          <a:chExt cx="0" cy="0"/>
+        </a:xfrm>
+      </p:grpSpPr>
+      <p:sp>
+        <p:nvSpPr>
+          <p:cNvPr id="2" name="幻灯片图像占位符 1"/>
+          <p:cNvSpPr>
+            <a:spLocks noGrp="1" noRot="1" noChangeAspect="1"/>
+          </p:cNvSpPr>
+          <p:nvPr>
+            <p:ph type="sldImg"/>
+          </p:nvPr>
+        </p:nvSpPr>
+        <p:spPr/>
+      </p:sp>
+      <p:sp>
+        <p:nvSpPr>
+          <p:cNvPr id="3" name="备注占位符 2"/>
+          <p:cNvSpPr>
+            <a:spLocks noGrp="1"/>
+          </p:cNvSpPr>
+          <p:nvPr>
+            <p:ph type="body" idx="1"/>
+          </p:nvPr>
+        </p:nvSpPr>
+        <p:spPr/>
+        <p:txBody>
+          <a:bodyPr/>
+          <a:lstStyle/>
+          <a:p>
+            <a:r>
+              <a:rPr lang="en-US" altLang="zh-CN" sz="1200" b="0" i="0" u="none" strike="noStrike" kern="1200" baseline="0" dirty="0" smtClean="0">
+                <a:solidFill>
+                  <a:schemeClr val="tx1"/>
+                </a:solidFill>
+                <a:latin typeface="+mn-lt"/>
+                <a:ea typeface="+mn-ea"/>
+                <a:cs typeface="+mn-cs"/>
+              </a:rPr>
+              <a:t>Text=double(['Èç¹ûºìÉ«±äÎªÂÌÉ«ÔÚÌýµ½ÉùÒôÖ®Ç°Çë°´¼üÅÌ×ó¼ü£»' '\n' ...</a:t>
+            </a:r>
+          </a:p>
+          <a:p>
+            <a:r>
+              <a:rPr lang="en-US" altLang="zh-CN" sz="1200" b="0" i="0" u="none" strike="noStrike" kern="1200" baseline="0" dirty="0" smtClean="0">
+                <a:solidFill>
+                  <a:schemeClr val="tx1"/>
+                </a:solidFill>
+                <a:latin typeface="+mn-lt"/>
+                <a:ea typeface="+mn-ea"/>
+                <a:cs typeface="+mn-cs"/>
+              </a:rPr>
+              <a:t>            'Èç¹ûºìÉ«±äÎªÂÌÉ«ÔÚÉùÒôÖ®ºóÇë°´¼üÅÌÓÒ¼ü']);</a:t>
+            </a:r>
+          </a:p>
+          <a:p>
+            <a:r>
+              <a:rPr lang="zh-CN" altLang="en-US" dirty="0" smtClean="0"/>
+              <a:t>如果红色变为绿色在听到声音之前请按键盘左键</a:t>
+            </a:r>
+            <a:endParaRPr lang="zh-CN" altLang="en-US" dirty="0"/>
+          </a:p>
+        </p:txBody>
+      </p:sp>
+      <p:sp>
+        <p:nvSpPr>
+          <p:cNvPr id="4" name="灯片编号占位符 3"/>
+          <p:cNvSpPr>
+            <a:spLocks noGrp="1"/>
+          </p:cNvSpPr>
+          <p:nvPr>
+            <p:ph type="sldNum" sz="quarter" idx="10"/>
+          </p:nvPr>
+        </p:nvSpPr>
+        <p:spPr/>
+        <p:txBody>
+          <a:bodyPr/>
+          <a:lstStyle/>
+          <a:p>
+            <a:fld id="{C138DE22-BA5A-4BDD-81A1-D1DED0E7BFA3}" type="slidenum">
+              <a:rPr lang="zh-CN" altLang="en-US" smtClean="0"/>
+              <a:t>15</a:t>
+            </a:fld>
+            <a:endParaRPr lang="zh-CN" altLang="en-US"/>
+          </a:p>
+        </p:txBody>
+      </p:sp>
+    </p:spTree>
+    <p:extLst>
+      <p:ext uri="{BB962C8B-B14F-4D97-AF65-F5344CB8AC3E}">
+        <p14:creationId xmlns:p14="http://schemas.microsoft.com/office/powerpoint/2010/main" val="3723106143"/>
+      </p:ext>
+    </p:extLst>
+  </p:cSld>
+  <p:clrMapOvr>
+    <a:masterClrMapping/>
+  </p:clrMapOvr>
+</p:notes>
+</file>
+
+<file path=ppt/notesSlides/notesSlide4.xml><?xml version="1.0" encoding="utf-8"?>
+<p:notes xmlns:a="http://schemas.openxmlformats.org/drawingml/2006/main" xmlns:r="http://schemas.openxmlformats.org/officeDocument/2006/relationships" xmlns:p="http://schemas.openxmlformats.org/presentationml/2006/main">
+  <p:cSld>
+    <p:spTree>
+      <p:nvGrpSpPr>
+        <p:cNvPr id="1" name=""/>
+        <p:cNvGrpSpPr/>
+        <p:nvPr/>
+      </p:nvGrpSpPr>
+      <p:grpSpPr>
+        <a:xfrm>
+          <a:off x="0" y="0"/>
+          <a:ext cx="0" cy="0"/>
+          <a:chOff x="0" y="0"/>
+          <a:chExt cx="0" cy="0"/>
+        </a:xfrm>
+      </p:grpSpPr>
+      <p:sp>
+        <p:nvSpPr>
+          <p:cNvPr id="2" name="幻灯片图像占位符 1"/>
+          <p:cNvSpPr>
+            <a:spLocks noGrp="1" noRot="1" noChangeAspect="1"/>
+          </p:cNvSpPr>
+          <p:nvPr>
+            <p:ph type="sldImg"/>
+          </p:nvPr>
+        </p:nvSpPr>
+        <p:spPr/>
+      </p:sp>
+      <p:sp>
+        <p:nvSpPr>
+          <p:cNvPr id="3" name="备注占位符 2"/>
+          <p:cNvSpPr>
+            <a:spLocks noGrp="1"/>
+          </p:cNvSpPr>
+          <p:nvPr>
+            <p:ph type="body" idx="1"/>
+          </p:nvPr>
+        </p:nvSpPr>
+        <p:spPr/>
+        <p:txBody>
+          <a:bodyPr/>
+          <a:lstStyle/>
+          <a:p>
+            <a:r>
+              <a:rPr lang="en-US" altLang="zh-CN" sz="1200" b="0" i="0" u="none" strike="noStrike" kern="1200" baseline="0" dirty="0" smtClean="0">
+                <a:solidFill>
+                  <a:schemeClr val="tx1"/>
+                </a:solidFill>
+                <a:latin typeface="+mn-lt"/>
+                <a:ea typeface="+mn-ea"/>
+                <a:cs typeface="+mn-cs"/>
+              </a:rPr>
+              <a:t>Text=double(['Èç¹ûºìÉ«±äÎªÂÌÉ«ÔÚÌýµ½ÉùÒôÖ®Ç°Çë°´¼üÅÌ×ó¼ü£»' '\n' ...</a:t>
+            </a:r>
+          </a:p>
+          <a:p>
+            <a:r>
+              <a:rPr lang="en-US" altLang="zh-CN" sz="1200" b="0" i="0" u="none" strike="noStrike" kern="1200" baseline="0" dirty="0" smtClean="0">
+                <a:solidFill>
+                  <a:schemeClr val="tx1"/>
+                </a:solidFill>
+                <a:latin typeface="+mn-lt"/>
+                <a:ea typeface="+mn-ea"/>
+                <a:cs typeface="+mn-cs"/>
+              </a:rPr>
+              <a:t>            'Èç¹ûºìÉ«±äÎªÂÌÉ«ÔÚÉùÒôÖ®ºóÇë°´¼üÅÌÓÒ¼ü']);</a:t>
+            </a:r>
+          </a:p>
+          <a:p>
+            <a:r>
+              <a:rPr lang="zh-CN" altLang="en-US" dirty="0" smtClean="0"/>
+              <a:t>如果红色变为绿色在听到声音之前请按键盘左键</a:t>
+            </a:r>
+            <a:endParaRPr lang="zh-CN" altLang="en-US" dirty="0"/>
+          </a:p>
+        </p:txBody>
+      </p:sp>
+      <p:sp>
+        <p:nvSpPr>
+          <p:cNvPr id="4" name="灯片编号占位符 3"/>
+          <p:cNvSpPr>
+            <a:spLocks noGrp="1"/>
+          </p:cNvSpPr>
+          <p:nvPr>
+            <p:ph type="sldNum" sz="quarter" idx="10"/>
+          </p:nvPr>
+        </p:nvSpPr>
+        <p:spPr/>
+        <p:txBody>
+          <a:bodyPr/>
+          <a:lstStyle/>
+          <a:p>
+            <a:fld id="{C138DE22-BA5A-4BDD-81A1-D1DED0E7BFA3}" type="slidenum">
+              <a:rPr lang="zh-CN" altLang="en-US" smtClean="0"/>
+              <a:t>16</a:t>
+            </a:fld>
+            <a:endParaRPr lang="zh-CN" altLang="en-US"/>
+          </a:p>
+        </p:txBody>
+      </p:sp>
+    </p:spTree>
+    <p:extLst>
+      <p:ext uri="{BB962C8B-B14F-4D97-AF65-F5344CB8AC3E}">
+        <p14:creationId xmlns:p14="http://schemas.microsoft.com/office/powerpoint/2010/main" val="1201219021"/>
+      </p:ext>
+    </p:extLst>
+  </p:cSld>
+  <p:clrMapOvr>
+    <a:masterClrMapping/>
+  </p:clrMapOvr>
+</p:notes>
+</file>
+
+<file path=ppt/notesSlides/notesSlide5.xml><?xml version="1.0" encoding="utf-8"?>
+<p:notes xmlns:a="http://schemas.openxmlformats.org/drawingml/2006/main" xmlns:r="http://schemas.openxmlformats.org/officeDocument/2006/relationships" xmlns:p="http://schemas.openxmlformats.org/presentationml/2006/main">
+  <p:cSld>
+    <p:spTree>
+      <p:nvGrpSpPr>
+        <p:cNvPr id="1" name=""/>
+        <p:cNvGrpSpPr/>
+        <p:nvPr/>
+      </p:nvGrpSpPr>
+      <p:grpSpPr>
+        <a:xfrm>
+          <a:off x="0" y="0"/>
+          <a:ext cx="0" cy="0"/>
+          <a:chOff x="0" y="0"/>
+          <a:chExt cx="0" cy="0"/>
+        </a:xfrm>
+      </p:grpSpPr>
+      <p:sp>
+        <p:nvSpPr>
+          <p:cNvPr id="2" name="幻灯片图像占位符 1"/>
+          <p:cNvSpPr>
+            <a:spLocks noGrp="1" noRot="1" noChangeAspect="1"/>
+          </p:cNvSpPr>
+          <p:nvPr>
+            <p:ph type="sldImg"/>
+          </p:nvPr>
+        </p:nvSpPr>
+        <p:spPr/>
+      </p:sp>
+      <p:sp>
+        <p:nvSpPr>
+          <p:cNvPr id="3" name="备注占位符 2"/>
+          <p:cNvSpPr>
+            <a:spLocks noGrp="1"/>
+          </p:cNvSpPr>
+          <p:nvPr>
+            <p:ph type="body" idx="1"/>
+          </p:nvPr>
+        </p:nvSpPr>
+        <p:spPr/>
+        <p:txBody>
+          <a:bodyPr/>
+          <a:lstStyle/>
+          <a:p>
+            <a:r>
+              <a:rPr lang="en-US" altLang="zh-CN" sz="1200" b="0" i="0" u="none" strike="noStrike" kern="1200" baseline="0" dirty="0" smtClean="0">
+                <a:solidFill>
+                  <a:schemeClr val="tx1"/>
+                </a:solidFill>
+                <a:latin typeface="+mn-lt"/>
+                <a:ea typeface="+mn-ea"/>
+                <a:cs typeface="+mn-cs"/>
+              </a:rPr>
+              <a:t>Text=double(['Èç¹ûºìÉ«±äÎªÂÌÉ«ÔÚÌýµ½ÉùÒôÖ®Ç°Çë°´¼üÅÌ×ó¼ü£»' '\n' ...</a:t>
+            </a:r>
+          </a:p>
+          <a:p>
+            <a:r>
+              <a:rPr lang="en-US" altLang="zh-CN" sz="1200" b="0" i="0" u="none" strike="noStrike" kern="1200" baseline="0" dirty="0" smtClean="0">
+                <a:solidFill>
+                  <a:schemeClr val="tx1"/>
+                </a:solidFill>
+                <a:latin typeface="+mn-lt"/>
+                <a:ea typeface="+mn-ea"/>
+                <a:cs typeface="+mn-cs"/>
+              </a:rPr>
+              <a:t>            'Èç¹ûºìÉ«±äÎªÂÌÉ«ÔÚÉùÒôÖ®ºóÇë°´¼üÅÌÓÒ¼ü']);</a:t>
+            </a:r>
+          </a:p>
+          <a:p>
+            <a:r>
+              <a:rPr lang="zh-CN" altLang="en-US" dirty="0" smtClean="0"/>
+              <a:t>如果红色变为绿色在听到声音之前请按键盘左键</a:t>
+            </a:r>
+            <a:endParaRPr lang="zh-CN" altLang="en-US" dirty="0"/>
+          </a:p>
+        </p:txBody>
+      </p:sp>
+      <p:sp>
+        <p:nvSpPr>
+          <p:cNvPr id="4" name="灯片编号占位符 3"/>
+          <p:cNvSpPr>
+            <a:spLocks noGrp="1"/>
+          </p:cNvSpPr>
+          <p:nvPr>
+            <p:ph type="sldNum" sz="quarter" idx="10"/>
+          </p:nvPr>
+        </p:nvSpPr>
+        <p:spPr/>
+        <p:txBody>
+          <a:bodyPr/>
+          <a:lstStyle/>
+          <a:p>
+            <a:fld id="{C138DE22-BA5A-4BDD-81A1-D1DED0E7BFA3}" type="slidenum">
+              <a:rPr lang="zh-CN" altLang="en-US" smtClean="0"/>
+              <a:t>17</a:t>
+            </a:fld>
+            <a:endParaRPr lang="zh-CN" altLang="en-US"/>
+          </a:p>
+        </p:txBody>
+      </p:sp>
+    </p:spTree>
+    <p:extLst>
+      <p:ext uri="{BB962C8B-B14F-4D97-AF65-F5344CB8AC3E}">
+        <p14:creationId xmlns:p14="http://schemas.microsoft.com/office/powerpoint/2010/main" val="3414459492"/>
+      </p:ext>
+    </p:extLst>
+  </p:cSld>
+  <p:clrMapOvr>
+    <a:masterClrMapping/>
+  </p:clrMapOvr>
+</p:notes>
+</file>
+
+<file path=ppt/notesSlides/notesSlide6.xml><?xml version="1.0" encoding="utf-8"?>
+<p:notes xmlns:a="http://schemas.openxmlformats.org/drawingml/2006/main" xmlns:r="http://schemas.openxmlformats.org/officeDocument/2006/relationships" xmlns:p="http://schemas.openxmlformats.org/presentationml/2006/main">
+  <p:cSld>
+    <p:spTree>
+      <p:nvGrpSpPr>
+        <p:cNvPr id="1" name=""/>
+        <p:cNvGrpSpPr/>
+        <p:nvPr/>
+      </p:nvGrpSpPr>
+      <p:grpSpPr>
+        <a:xfrm>
+          <a:off x="0" y="0"/>
+          <a:ext cx="0" cy="0"/>
+          <a:chOff x="0" y="0"/>
+          <a:chExt cx="0" cy="0"/>
+        </a:xfrm>
+      </p:grpSpPr>
+      <p:sp>
+        <p:nvSpPr>
+          <p:cNvPr id="2" name="幻灯片图像占位符 1"/>
+          <p:cNvSpPr>
+            <a:spLocks noGrp="1" noRot="1" noChangeAspect="1"/>
+          </p:cNvSpPr>
+          <p:nvPr>
+            <p:ph type="sldImg"/>
+          </p:nvPr>
+        </p:nvSpPr>
+        <p:spPr/>
+      </p:sp>
+      <p:sp>
+        <p:nvSpPr>
+          <p:cNvPr id="3" name="备注占位符 2"/>
+          <p:cNvSpPr>
+            <a:spLocks noGrp="1"/>
+          </p:cNvSpPr>
+          <p:nvPr>
+            <p:ph type="body" idx="1"/>
+          </p:nvPr>
+        </p:nvSpPr>
+        <p:spPr/>
+        <p:txBody>
+          <a:bodyPr/>
+          <a:lstStyle/>
+          <a:p>
+            <a:r>
+              <a:rPr lang="en-US" altLang="zh-CN" sz="1200" b="0" i="0" u="none" strike="noStrike" kern="1200" baseline="0" dirty="0" smtClean="0">
+                <a:solidFill>
+                  <a:schemeClr val="tx1"/>
+                </a:solidFill>
+                <a:latin typeface="+mn-lt"/>
+                <a:ea typeface="+mn-ea"/>
+                <a:cs typeface="+mn-cs"/>
+              </a:rPr>
+              <a:t>Text=double(['Èç¹ûºìÉ«±äÎªÂÌÉ«ÔÚÌýµ½ÉùÒôÖ®Ç°Çë°´¼üÅÌ×ó¼ü£»' '\n' ...</a:t>
+            </a:r>
+          </a:p>
+          <a:p>
+            <a:r>
+              <a:rPr lang="en-US" altLang="zh-CN" sz="1200" b="0" i="0" u="none" strike="noStrike" kern="1200" baseline="0" dirty="0" smtClean="0">
+                <a:solidFill>
+                  <a:schemeClr val="tx1"/>
+                </a:solidFill>
+                <a:latin typeface="+mn-lt"/>
+                <a:ea typeface="+mn-ea"/>
+                <a:cs typeface="+mn-cs"/>
+              </a:rPr>
+              <a:t>            'Èç¹ûºìÉ«±äÎªÂÌÉ«ÔÚÉùÒôÖ®ºóÇë°´¼üÅÌÓÒ¼ü']);</a:t>
+            </a:r>
+          </a:p>
+          <a:p>
+            <a:r>
+              <a:rPr lang="zh-CN" altLang="en-US" dirty="0" smtClean="0"/>
+              <a:t>如果红色变为绿色在听到声音之前请按键盘左键</a:t>
+            </a:r>
+            <a:endParaRPr lang="zh-CN" altLang="en-US" dirty="0"/>
+          </a:p>
+        </p:txBody>
+      </p:sp>
+      <p:sp>
+        <p:nvSpPr>
+          <p:cNvPr id="4" name="灯片编号占位符 3"/>
+          <p:cNvSpPr>
+            <a:spLocks noGrp="1"/>
+          </p:cNvSpPr>
+          <p:nvPr>
+            <p:ph type="sldNum" sz="quarter" idx="10"/>
+          </p:nvPr>
+        </p:nvSpPr>
+        <p:spPr/>
+        <p:txBody>
+          <a:bodyPr/>
+          <a:lstStyle/>
+          <a:p>
+            <a:fld id="{C138DE22-BA5A-4BDD-81A1-D1DED0E7BFA3}" type="slidenum">
+              <a:rPr lang="zh-CN" altLang="en-US" smtClean="0"/>
+              <a:t>18</a:t>
+            </a:fld>
+            <a:endParaRPr lang="zh-CN" altLang="en-US"/>
+          </a:p>
+        </p:txBody>
+      </p:sp>
+    </p:spTree>
+    <p:extLst>
+      <p:ext uri="{BB962C8B-B14F-4D97-AF65-F5344CB8AC3E}">
+        <p14:creationId xmlns:p14="http://schemas.microsoft.com/office/powerpoint/2010/main" val="4254581282"/>
+      </p:ext>
+    </p:extLst>
+  </p:cSld>
+  <p:clrMapOvr>
+    <a:masterClrMapping/>
+  </p:clrMapOvr>
+</p:notes>
+</file>
+
 <file path=ppt/slideLayouts/slideLayout1.xml><?xml version="1.0" encoding="utf-8"?>
 <p:sldLayout xmlns:a="http://schemas.openxmlformats.org/drawingml/2006/main" xmlns:r="http://schemas.openxmlformats.org/officeDocument/2006/relationships" xmlns:p="http://schemas.openxmlformats.org/presentationml/2006/main" type="title" preserve="1">
   <p:cSld name="标题幻灯片">
@@ -255,7 +1298,7 @@
           <a:p>
             <a:fld id="{56141764-9FAB-4255-BC50-44FC4EBA4AF3}" type="datetimeFigureOut">
               <a:rPr lang="zh-CN" altLang="en-US" smtClean="0"/>
-              <a:t>2019/4/30</a:t>
+              <a:t>2019/6/28</a:t>
             </a:fld>
             <a:endParaRPr lang="zh-CN" altLang="en-US"/>
           </a:p>
@@ -425,7 +1468,7 @@
           <a:p>
             <a:fld id="{56141764-9FAB-4255-BC50-44FC4EBA4AF3}" type="datetimeFigureOut">
               <a:rPr lang="zh-CN" altLang="en-US" smtClean="0"/>
-              <a:t>2019/4/30</a:t>
+              <a:t>2019/6/28</a:t>
             </a:fld>
             <a:endParaRPr lang="zh-CN" altLang="en-US"/>
           </a:p>
@@ -605,7 +1648,7 @@
           <a:p>
             <a:fld id="{56141764-9FAB-4255-BC50-44FC4EBA4AF3}" type="datetimeFigureOut">
               <a:rPr lang="zh-CN" altLang="en-US" smtClean="0"/>
-              <a:t>2019/4/30</a:t>
+              <a:t>2019/6/28</a:t>
             </a:fld>
             <a:endParaRPr lang="zh-CN" altLang="en-US"/>
           </a:p>
@@ -775,7 +1818,7 @@
           <a:p>
             <a:fld id="{56141764-9FAB-4255-BC50-44FC4EBA4AF3}" type="datetimeFigureOut">
               <a:rPr lang="zh-CN" altLang="en-US" smtClean="0"/>
-              <a:t>2019/4/30</a:t>
+              <a:t>2019/6/28</a:t>
             </a:fld>
             <a:endParaRPr lang="zh-CN" altLang="en-US"/>
           </a:p>
@@ -1021,7 +2064,7 @@
           <a:p>
             <a:fld id="{56141764-9FAB-4255-BC50-44FC4EBA4AF3}" type="datetimeFigureOut">
               <a:rPr lang="zh-CN" altLang="en-US" smtClean="0"/>
-              <a:t>2019/4/30</a:t>
+              <a:t>2019/6/28</a:t>
             </a:fld>
             <a:endParaRPr lang="zh-CN" altLang="en-US"/>
           </a:p>
@@ -1253,7 +2296,7 @@
           <a:p>
             <a:fld id="{56141764-9FAB-4255-BC50-44FC4EBA4AF3}" type="datetimeFigureOut">
               <a:rPr lang="zh-CN" altLang="en-US" smtClean="0"/>
-              <a:t>2019/4/30</a:t>
+              <a:t>2019/6/28</a:t>
             </a:fld>
             <a:endParaRPr lang="zh-CN" altLang="en-US"/>
           </a:p>
@@ -1620,7 +2663,7 @@
           <a:p>
             <a:fld id="{56141764-9FAB-4255-BC50-44FC4EBA4AF3}" type="datetimeFigureOut">
               <a:rPr lang="zh-CN" altLang="en-US" smtClean="0"/>
-              <a:t>2019/4/30</a:t>
+              <a:t>2019/6/28</a:t>
             </a:fld>
             <a:endParaRPr lang="zh-CN" altLang="en-US"/>
           </a:p>
@@ -1738,7 +2781,7 @@
           <a:p>
             <a:fld id="{56141764-9FAB-4255-BC50-44FC4EBA4AF3}" type="datetimeFigureOut">
               <a:rPr lang="zh-CN" altLang="en-US" smtClean="0"/>
-              <a:t>2019/4/30</a:t>
+              <a:t>2019/6/28</a:t>
             </a:fld>
             <a:endParaRPr lang="zh-CN" altLang="en-US"/>
           </a:p>
@@ -1833,7 +2876,7 @@
           <a:p>
             <a:fld id="{56141764-9FAB-4255-BC50-44FC4EBA4AF3}" type="datetimeFigureOut">
               <a:rPr lang="zh-CN" altLang="en-US" smtClean="0"/>
-              <a:t>2019/4/30</a:t>
+              <a:t>2019/6/28</a:t>
             </a:fld>
             <a:endParaRPr lang="zh-CN" altLang="en-US"/>
           </a:p>
@@ -2110,7 +3153,7 @@
           <a:p>
             <a:fld id="{56141764-9FAB-4255-BC50-44FC4EBA4AF3}" type="datetimeFigureOut">
               <a:rPr lang="zh-CN" altLang="en-US" smtClean="0"/>
-              <a:t>2019/4/30</a:t>
+              <a:t>2019/6/28</a:t>
             </a:fld>
             <a:endParaRPr lang="zh-CN" altLang="en-US"/>
           </a:p>
@@ -2363,7 +3406,7 @@
           <a:p>
             <a:fld id="{56141764-9FAB-4255-BC50-44FC4EBA4AF3}" type="datetimeFigureOut">
               <a:rPr lang="zh-CN" altLang="en-US" smtClean="0"/>
-              <a:t>2019/4/30</a:t>
+              <a:t>2019/6/28</a:t>
             </a:fld>
             <a:endParaRPr lang="zh-CN" altLang="en-US"/>
           </a:p>
@@ -2576,7 +3619,7 @@
           <a:p>
             <a:fld id="{56141764-9FAB-4255-BC50-44FC4EBA4AF3}" type="datetimeFigureOut">
               <a:rPr lang="zh-CN" altLang="en-US" smtClean="0"/>
-              <a:t>2019/4/30</a:t>
+              <a:t>2019/6/28</a:t>
             </a:fld>
             <a:endParaRPr lang="zh-CN" altLang="en-US"/>
           </a:p>
@@ -4180,10 +5223,1434 @@
           <a:chExt cx="0" cy="0"/>
         </a:xfrm>
       </p:grpSpPr>
+      <p:sp>
+        <p:nvSpPr>
+          <p:cNvPr id="3" name="文本框 2"/>
+          <p:cNvSpPr txBox="1"/>
+          <p:nvPr/>
+        </p:nvSpPr>
+        <p:spPr>
+          <a:xfrm>
+            <a:off x="2401806" y="1560007"/>
+            <a:ext cx="8599129" cy="1134157"/>
+          </a:xfrm>
+          <a:prstGeom prst="rect">
+            <a:avLst/>
+          </a:prstGeom>
+          <a:noFill/>
+        </p:spPr>
+        <p:txBody>
+          <a:bodyPr wrap="square" rtlCol="0">
+            <a:spAutoFit/>
+          </a:bodyPr>
+          <a:lstStyle/>
+          <a:p>
+            <a:pPr>
+              <a:lnSpc>
+                <a:spcPct val="150000"/>
+              </a:lnSpc>
+            </a:pPr>
+            <a:r>
+              <a:rPr lang="zh-CN" altLang="en-US" sz="2400" dirty="0">
+                <a:latin typeface="Comic Sans MS" panose="030F0702030302020204" pitchFamily="66" charset="0"/>
+              </a:rPr>
+              <a:t>如果红色变为绿色在听到声音之</a:t>
+            </a:r>
+            <a:r>
+              <a:rPr lang="zh-CN" altLang="en-US" sz="2400" b="1" dirty="0">
+                <a:latin typeface="Comic Sans MS" panose="030F0702030302020204" pitchFamily="66" charset="0"/>
+              </a:rPr>
+              <a:t>前</a:t>
+            </a:r>
+            <a:r>
+              <a:rPr lang="zh-CN" altLang="en-US" sz="2400" dirty="0">
+                <a:latin typeface="Comic Sans MS" panose="030F0702030302020204" pitchFamily="66" charset="0"/>
+              </a:rPr>
+              <a:t>请按键盘</a:t>
+            </a:r>
+            <a:r>
+              <a:rPr lang="zh-CN" altLang="en-US" sz="2400" b="1" dirty="0" smtClean="0">
+                <a:latin typeface="Comic Sans MS" panose="030F0702030302020204" pitchFamily="66" charset="0"/>
+              </a:rPr>
+              <a:t>左</a:t>
+            </a:r>
+            <a:r>
+              <a:rPr lang="zh-CN" altLang="en-US" sz="2400" dirty="0" smtClean="0">
+                <a:latin typeface="Comic Sans MS" panose="030F0702030302020204" pitchFamily="66" charset="0"/>
+              </a:rPr>
+              <a:t>方向键；</a:t>
+            </a:r>
+            <a:endParaRPr lang="en-US" altLang="zh-CN" sz="2400" dirty="0" smtClean="0">
+              <a:latin typeface="Comic Sans MS" panose="030F0702030302020204" pitchFamily="66" charset="0"/>
+            </a:endParaRPr>
+          </a:p>
+          <a:p>
+            <a:pPr>
+              <a:lnSpc>
+                <a:spcPct val="150000"/>
+              </a:lnSpc>
+            </a:pPr>
+            <a:r>
+              <a:rPr lang="zh-CN" altLang="en-US" sz="2400" dirty="0">
+                <a:latin typeface="Comic Sans MS" panose="030F0702030302020204" pitchFamily="66" charset="0"/>
+              </a:rPr>
+              <a:t>如果红色变为绿色</a:t>
+            </a:r>
+            <a:r>
+              <a:rPr lang="zh-CN" altLang="en-US" sz="2400" dirty="0" smtClean="0">
+                <a:latin typeface="Comic Sans MS" panose="030F0702030302020204" pitchFamily="66" charset="0"/>
+              </a:rPr>
+              <a:t>在</a:t>
+            </a:r>
+            <a:r>
+              <a:rPr lang="zh-CN" altLang="en-US" sz="2400" dirty="0">
+                <a:latin typeface="Comic Sans MS" panose="030F0702030302020204" pitchFamily="66" charset="0"/>
+              </a:rPr>
+              <a:t>听到</a:t>
+            </a:r>
+            <a:r>
+              <a:rPr lang="zh-CN" altLang="en-US" sz="2400" dirty="0" smtClean="0">
+                <a:latin typeface="Comic Sans MS" panose="030F0702030302020204" pitchFamily="66" charset="0"/>
+              </a:rPr>
+              <a:t>声音</a:t>
+            </a:r>
+            <a:r>
+              <a:rPr lang="zh-CN" altLang="en-US" sz="2400" dirty="0">
+                <a:latin typeface="Comic Sans MS" panose="030F0702030302020204" pitchFamily="66" charset="0"/>
+              </a:rPr>
+              <a:t>之</a:t>
+            </a:r>
+            <a:r>
+              <a:rPr lang="zh-CN" altLang="en-US" sz="2400" b="1" dirty="0">
+                <a:latin typeface="Comic Sans MS" panose="030F0702030302020204" pitchFamily="66" charset="0"/>
+              </a:rPr>
+              <a:t>后</a:t>
+            </a:r>
+            <a:r>
+              <a:rPr lang="zh-CN" altLang="en-US" sz="2400" dirty="0">
+                <a:latin typeface="Comic Sans MS" panose="030F0702030302020204" pitchFamily="66" charset="0"/>
+              </a:rPr>
+              <a:t>请按键盘</a:t>
+            </a:r>
+            <a:r>
+              <a:rPr lang="zh-CN" altLang="en-US" sz="2400" b="1" dirty="0" smtClean="0">
+                <a:latin typeface="Comic Sans MS" panose="030F0702030302020204" pitchFamily="66" charset="0"/>
+              </a:rPr>
+              <a:t>右</a:t>
+            </a:r>
+            <a:r>
+              <a:rPr lang="zh-CN" altLang="en-US" sz="2400" dirty="0" smtClean="0">
+                <a:latin typeface="Comic Sans MS" panose="030F0702030302020204" pitchFamily="66" charset="0"/>
+              </a:rPr>
+              <a:t>方向键。</a:t>
+            </a:r>
+            <a:endParaRPr lang="zh-CN" altLang="en-US" sz="2400" dirty="0">
+              <a:latin typeface="Comic Sans MS" panose="030F0702030302020204" pitchFamily="66" charset="0"/>
+            </a:endParaRPr>
+          </a:p>
+        </p:txBody>
+      </p:sp>
+      <p:sp>
+        <p:nvSpPr>
+          <p:cNvPr id="5" name="右箭头 4"/>
+          <p:cNvSpPr/>
+          <p:nvPr/>
+        </p:nvSpPr>
+        <p:spPr>
+          <a:xfrm>
+            <a:off x="6865035" y="4079629"/>
+            <a:ext cx="1800665" cy="886265"/>
+          </a:xfrm>
+          <a:prstGeom prst="rightArrow">
+            <a:avLst/>
+          </a:prstGeom>
+          <a:noFill/>
+        </p:spPr>
+        <p:style>
+          <a:lnRef idx="2">
+            <a:schemeClr val="accent1">
+              <a:shade val="50000"/>
+            </a:schemeClr>
+          </a:lnRef>
+          <a:fillRef idx="1">
+            <a:schemeClr val="accent1"/>
+          </a:fillRef>
+          <a:effectRef idx="0">
+            <a:schemeClr val="accent1"/>
+          </a:effectRef>
+          <a:fontRef idx="minor">
+            <a:schemeClr val="lt1"/>
+          </a:fontRef>
+        </p:style>
+        <p:txBody>
+          <a:bodyPr rtlCol="0" anchor="ctr"/>
+          <a:lstStyle/>
+          <a:p>
+            <a:pPr algn="ctr"/>
+            <a:endParaRPr lang="zh-CN" altLang="en-US"/>
+          </a:p>
+        </p:txBody>
+      </p:sp>
+      <p:sp>
+        <p:nvSpPr>
+          <p:cNvPr id="6" name="右箭头 5"/>
+          <p:cNvSpPr/>
+          <p:nvPr/>
+        </p:nvSpPr>
+        <p:spPr>
+          <a:xfrm rot="10800000">
+            <a:off x="3516924" y="4079629"/>
+            <a:ext cx="1800665" cy="886265"/>
+          </a:xfrm>
+          <a:prstGeom prst="rightArrow">
+            <a:avLst/>
+          </a:prstGeom>
+          <a:noFill/>
+        </p:spPr>
+        <p:style>
+          <a:lnRef idx="2">
+            <a:schemeClr val="accent1">
+              <a:shade val="50000"/>
+            </a:schemeClr>
+          </a:lnRef>
+          <a:fillRef idx="1">
+            <a:schemeClr val="accent1"/>
+          </a:fillRef>
+          <a:effectRef idx="0">
+            <a:schemeClr val="accent1"/>
+          </a:effectRef>
+          <a:fontRef idx="minor">
+            <a:schemeClr val="lt1"/>
+          </a:fontRef>
+        </p:style>
+        <p:txBody>
+          <a:bodyPr rtlCol="0" anchor="ctr"/>
+          <a:lstStyle/>
+          <a:p>
+            <a:pPr algn="ctr"/>
+            <a:endParaRPr lang="zh-CN" altLang="en-US"/>
+          </a:p>
+        </p:txBody>
+      </p:sp>
     </p:spTree>
     <p:extLst>
       <p:ext uri="{BB962C8B-B14F-4D97-AF65-F5344CB8AC3E}">
         <p14:creationId xmlns:p14="http://schemas.microsoft.com/office/powerpoint/2010/main" val="1826338796"/>
+      </p:ext>
+    </p:extLst>
+  </p:cSld>
+  <p:clrMapOvr>
+    <a:masterClrMapping/>
+  </p:clrMapOvr>
+</p:sld>
+</file>
+
+<file path=ppt/slides/slide14.xml><?xml version="1.0" encoding="utf-8"?>
+<p:sld xmlns:a="http://schemas.openxmlformats.org/drawingml/2006/main" xmlns:r="http://schemas.openxmlformats.org/officeDocument/2006/relationships" xmlns:p="http://schemas.openxmlformats.org/presentationml/2006/main">
+  <p:cSld>
+    <p:spTree>
+      <p:nvGrpSpPr>
+        <p:cNvPr id="1" name=""/>
+        <p:cNvGrpSpPr/>
+        <p:nvPr/>
+      </p:nvGrpSpPr>
+      <p:grpSpPr>
+        <a:xfrm>
+          <a:off x="0" y="0"/>
+          <a:ext cx="0" cy="0"/>
+          <a:chOff x="0" y="0"/>
+          <a:chExt cx="0" cy="0"/>
+        </a:xfrm>
+      </p:grpSpPr>
+      <p:sp>
+        <p:nvSpPr>
+          <p:cNvPr id="3" name="文本框 2"/>
+          <p:cNvSpPr txBox="1"/>
+          <p:nvPr/>
+        </p:nvSpPr>
+        <p:spPr>
+          <a:xfrm>
+            <a:off x="2401806" y="1560007"/>
+            <a:ext cx="8599129" cy="1134157"/>
+          </a:xfrm>
+          <a:prstGeom prst="rect">
+            <a:avLst/>
+          </a:prstGeom>
+          <a:noFill/>
+        </p:spPr>
+        <p:txBody>
+          <a:bodyPr wrap="square" rtlCol="0">
+            <a:spAutoFit/>
+          </a:bodyPr>
+          <a:lstStyle/>
+          <a:p>
+            <a:pPr>
+              <a:lnSpc>
+                <a:spcPct val="150000"/>
+              </a:lnSpc>
+            </a:pPr>
+            <a:r>
+              <a:rPr lang="zh-CN" altLang="en-US" sz="2400" dirty="0">
+                <a:latin typeface="Comic Sans MS" panose="030F0702030302020204" pitchFamily="66" charset="0"/>
+              </a:rPr>
+              <a:t>如果红色变为绿色在听到声音之</a:t>
+            </a:r>
+            <a:r>
+              <a:rPr lang="zh-CN" altLang="en-US" sz="2400" b="1" dirty="0">
+                <a:latin typeface="Comic Sans MS" panose="030F0702030302020204" pitchFamily="66" charset="0"/>
+              </a:rPr>
+              <a:t>前</a:t>
+            </a:r>
+            <a:r>
+              <a:rPr lang="zh-CN" altLang="en-US" sz="2400" dirty="0">
+                <a:latin typeface="Comic Sans MS" panose="030F0702030302020204" pitchFamily="66" charset="0"/>
+              </a:rPr>
+              <a:t>请按键盘</a:t>
+            </a:r>
+            <a:r>
+              <a:rPr lang="zh-CN" altLang="en-US" sz="2400" b="1" dirty="0" smtClean="0">
+                <a:latin typeface="Comic Sans MS" panose="030F0702030302020204" pitchFamily="66" charset="0"/>
+              </a:rPr>
+              <a:t>左</a:t>
+            </a:r>
+            <a:r>
+              <a:rPr lang="zh-CN" altLang="en-US" sz="2400" dirty="0" smtClean="0">
+                <a:latin typeface="Comic Sans MS" panose="030F0702030302020204" pitchFamily="66" charset="0"/>
+              </a:rPr>
+              <a:t>方向键；</a:t>
+            </a:r>
+            <a:endParaRPr lang="en-US" altLang="zh-CN" sz="2400" dirty="0" smtClean="0">
+              <a:latin typeface="Comic Sans MS" panose="030F0702030302020204" pitchFamily="66" charset="0"/>
+            </a:endParaRPr>
+          </a:p>
+          <a:p>
+            <a:pPr>
+              <a:lnSpc>
+                <a:spcPct val="150000"/>
+              </a:lnSpc>
+            </a:pPr>
+            <a:r>
+              <a:rPr lang="zh-CN" altLang="en-US" sz="2400" dirty="0">
+                <a:latin typeface="Comic Sans MS" panose="030F0702030302020204" pitchFamily="66" charset="0"/>
+              </a:rPr>
+              <a:t>如果红色变为绿色</a:t>
+            </a:r>
+            <a:r>
+              <a:rPr lang="zh-CN" altLang="en-US" sz="2400" dirty="0" smtClean="0">
+                <a:latin typeface="Comic Sans MS" panose="030F0702030302020204" pitchFamily="66" charset="0"/>
+              </a:rPr>
+              <a:t>在</a:t>
+            </a:r>
+            <a:r>
+              <a:rPr lang="zh-CN" altLang="en-US" sz="2400" dirty="0">
+                <a:latin typeface="Comic Sans MS" panose="030F0702030302020204" pitchFamily="66" charset="0"/>
+              </a:rPr>
+              <a:t>听到</a:t>
+            </a:r>
+            <a:r>
+              <a:rPr lang="zh-CN" altLang="en-US" sz="2400" dirty="0" smtClean="0">
+                <a:latin typeface="Comic Sans MS" panose="030F0702030302020204" pitchFamily="66" charset="0"/>
+              </a:rPr>
+              <a:t>声音</a:t>
+            </a:r>
+            <a:r>
+              <a:rPr lang="zh-CN" altLang="en-US" sz="2400" dirty="0">
+                <a:latin typeface="Comic Sans MS" panose="030F0702030302020204" pitchFamily="66" charset="0"/>
+              </a:rPr>
+              <a:t>之</a:t>
+            </a:r>
+            <a:r>
+              <a:rPr lang="zh-CN" altLang="en-US" sz="2400" b="1" dirty="0">
+                <a:latin typeface="Comic Sans MS" panose="030F0702030302020204" pitchFamily="66" charset="0"/>
+              </a:rPr>
+              <a:t>后</a:t>
+            </a:r>
+            <a:r>
+              <a:rPr lang="zh-CN" altLang="en-US" sz="2400" dirty="0">
+                <a:latin typeface="Comic Sans MS" panose="030F0702030302020204" pitchFamily="66" charset="0"/>
+              </a:rPr>
+              <a:t>请按键盘</a:t>
+            </a:r>
+            <a:r>
+              <a:rPr lang="zh-CN" altLang="en-US" sz="2400" b="1" dirty="0" smtClean="0">
+                <a:latin typeface="Comic Sans MS" panose="030F0702030302020204" pitchFamily="66" charset="0"/>
+              </a:rPr>
+              <a:t>右</a:t>
+            </a:r>
+            <a:r>
+              <a:rPr lang="zh-CN" altLang="en-US" sz="2400" dirty="0" smtClean="0">
+                <a:latin typeface="Comic Sans MS" panose="030F0702030302020204" pitchFamily="66" charset="0"/>
+              </a:rPr>
+              <a:t>方向键。</a:t>
+            </a:r>
+            <a:endParaRPr lang="zh-CN" altLang="en-US" sz="2400" dirty="0">
+              <a:latin typeface="Comic Sans MS" panose="030F0702030302020204" pitchFamily="66" charset="0"/>
+            </a:endParaRPr>
+          </a:p>
+        </p:txBody>
+      </p:sp>
+      <p:sp>
+        <p:nvSpPr>
+          <p:cNvPr id="5" name="右箭头 4"/>
+          <p:cNvSpPr/>
+          <p:nvPr/>
+        </p:nvSpPr>
+        <p:spPr>
+          <a:xfrm>
+            <a:off x="6865035" y="4079629"/>
+            <a:ext cx="1800665" cy="886265"/>
+          </a:xfrm>
+          <a:prstGeom prst="rightArrow">
+            <a:avLst/>
+          </a:prstGeom>
+          <a:solidFill>
+            <a:srgbClr val="0070C0"/>
+          </a:solidFill>
+        </p:spPr>
+        <p:style>
+          <a:lnRef idx="2">
+            <a:schemeClr val="accent1">
+              <a:shade val="50000"/>
+            </a:schemeClr>
+          </a:lnRef>
+          <a:fillRef idx="1">
+            <a:schemeClr val="accent1"/>
+          </a:fillRef>
+          <a:effectRef idx="0">
+            <a:schemeClr val="accent1"/>
+          </a:effectRef>
+          <a:fontRef idx="minor">
+            <a:schemeClr val="lt1"/>
+          </a:fontRef>
+        </p:style>
+        <p:txBody>
+          <a:bodyPr rtlCol="0" anchor="ctr"/>
+          <a:lstStyle/>
+          <a:p>
+            <a:pPr algn="ctr"/>
+            <a:endParaRPr lang="zh-CN" altLang="en-US"/>
+          </a:p>
+        </p:txBody>
+      </p:sp>
+      <p:sp>
+        <p:nvSpPr>
+          <p:cNvPr id="6" name="右箭头 5"/>
+          <p:cNvSpPr/>
+          <p:nvPr/>
+        </p:nvSpPr>
+        <p:spPr>
+          <a:xfrm rot="10800000">
+            <a:off x="3516924" y="4079629"/>
+            <a:ext cx="1800665" cy="886265"/>
+          </a:xfrm>
+          <a:prstGeom prst="rightArrow">
+            <a:avLst/>
+          </a:prstGeom>
+          <a:noFill/>
+        </p:spPr>
+        <p:style>
+          <a:lnRef idx="2">
+            <a:schemeClr val="accent1">
+              <a:shade val="50000"/>
+            </a:schemeClr>
+          </a:lnRef>
+          <a:fillRef idx="1">
+            <a:schemeClr val="accent1"/>
+          </a:fillRef>
+          <a:effectRef idx="0">
+            <a:schemeClr val="accent1"/>
+          </a:effectRef>
+          <a:fontRef idx="minor">
+            <a:schemeClr val="lt1"/>
+          </a:fontRef>
+        </p:style>
+        <p:txBody>
+          <a:bodyPr rtlCol="0" anchor="ctr"/>
+          <a:lstStyle/>
+          <a:p>
+            <a:pPr algn="ctr"/>
+            <a:endParaRPr lang="zh-CN" altLang="en-US"/>
+          </a:p>
+        </p:txBody>
+      </p:sp>
+    </p:spTree>
+    <p:extLst>
+      <p:ext uri="{BB962C8B-B14F-4D97-AF65-F5344CB8AC3E}">
+        <p14:creationId xmlns:p14="http://schemas.microsoft.com/office/powerpoint/2010/main" val="951594015"/>
+      </p:ext>
+    </p:extLst>
+  </p:cSld>
+  <p:clrMapOvr>
+    <a:masterClrMapping/>
+  </p:clrMapOvr>
+</p:sld>
+</file>
+
+<file path=ppt/slides/slide15.xml><?xml version="1.0" encoding="utf-8"?>
+<p:sld xmlns:a="http://schemas.openxmlformats.org/drawingml/2006/main" xmlns:r="http://schemas.openxmlformats.org/officeDocument/2006/relationships" xmlns:p="http://schemas.openxmlformats.org/presentationml/2006/main">
+  <p:cSld>
+    <p:spTree>
+      <p:nvGrpSpPr>
+        <p:cNvPr id="1" name=""/>
+        <p:cNvGrpSpPr/>
+        <p:nvPr/>
+      </p:nvGrpSpPr>
+      <p:grpSpPr>
+        <a:xfrm>
+          <a:off x="0" y="0"/>
+          <a:ext cx="0" cy="0"/>
+          <a:chOff x="0" y="0"/>
+          <a:chExt cx="0" cy="0"/>
+        </a:xfrm>
+      </p:grpSpPr>
+      <p:sp>
+        <p:nvSpPr>
+          <p:cNvPr id="3" name="文本框 2"/>
+          <p:cNvSpPr txBox="1"/>
+          <p:nvPr/>
+        </p:nvSpPr>
+        <p:spPr>
+          <a:xfrm>
+            <a:off x="2401806" y="1560007"/>
+            <a:ext cx="8599129" cy="1134157"/>
+          </a:xfrm>
+          <a:prstGeom prst="rect">
+            <a:avLst/>
+          </a:prstGeom>
+          <a:noFill/>
+        </p:spPr>
+        <p:txBody>
+          <a:bodyPr wrap="square" rtlCol="0">
+            <a:spAutoFit/>
+          </a:bodyPr>
+          <a:lstStyle/>
+          <a:p>
+            <a:pPr>
+              <a:lnSpc>
+                <a:spcPct val="150000"/>
+              </a:lnSpc>
+            </a:pPr>
+            <a:r>
+              <a:rPr lang="zh-CN" altLang="en-US" sz="2400" dirty="0">
+                <a:latin typeface="Comic Sans MS" panose="030F0702030302020204" pitchFamily="66" charset="0"/>
+              </a:rPr>
+              <a:t>如果红色变为绿色在听到声音之</a:t>
+            </a:r>
+            <a:r>
+              <a:rPr lang="zh-CN" altLang="en-US" sz="2400" b="1" dirty="0">
+                <a:latin typeface="Comic Sans MS" panose="030F0702030302020204" pitchFamily="66" charset="0"/>
+              </a:rPr>
+              <a:t>前</a:t>
+            </a:r>
+            <a:r>
+              <a:rPr lang="zh-CN" altLang="en-US" sz="2400" dirty="0">
+                <a:latin typeface="Comic Sans MS" panose="030F0702030302020204" pitchFamily="66" charset="0"/>
+              </a:rPr>
+              <a:t>请按键盘</a:t>
+            </a:r>
+            <a:r>
+              <a:rPr lang="zh-CN" altLang="en-US" sz="2400" b="1" dirty="0" smtClean="0">
+                <a:latin typeface="Comic Sans MS" panose="030F0702030302020204" pitchFamily="66" charset="0"/>
+              </a:rPr>
+              <a:t>左</a:t>
+            </a:r>
+            <a:r>
+              <a:rPr lang="zh-CN" altLang="en-US" sz="2400" dirty="0" smtClean="0">
+                <a:latin typeface="Comic Sans MS" panose="030F0702030302020204" pitchFamily="66" charset="0"/>
+              </a:rPr>
+              <a:t>方向键；</a:t>
+            </a:r>
+            <a:endParaRPr lang="en-US" altLang="zh-CN" sz="2400" dirty="0" smtClean="0">
+              <a:latin typeface="Comic Sans MS" panose="030F0702030302020204" pitchFamily="66" charset="0"/>
+            </a:endParaRPr>
+          </a:p>
+          <a:p>
+            <a:pPr>
+              <a:lnSpc>
+                <a:spcPct val="150000"/>
+              </a:lnSpc>
+            </a:pPr>
+            <a:r>
+              <a:rPr lang="zh-CN" altLang="en-US" sz="2400" dirty="0">
+                <a:latin typeface="Comic Sans MS" panose="030F0702030302020204" pitchFamily="66" charset="0"/>
+              </a:rPr>
+              <a:t>如果红色变为绿色</a:t>
+            </a:r>
+            <a:r>
+              <a:rPr lang="zh-CN" altLang="en-US" sz="2400" dirty="0" smtClean="0">
+                <a:latin typeface="Comic Sans MS" panose="030F0702030302020204" pitchFamily="66" charset="0"/>
+              </a:rPr>
+              <a:t>在</a:t>
+            </a:r>
+            <a:r>
+              <a:rPr lang="zh-CN" altLang="en-US" sz="2400" dirty="0">
+                <a:latin typeface="Comic Sans MS" panose="030F0702030302020204" pitchFamily="66" charset="0"/>
+              </a:rPr>
+              <a:t>听到</a:t>
+            </a:r>
+            <a:r>
+              <a:rPr lang="zh-CN" altLang="en-US" sz="2400" dirty="0" smtClean="0">
+                <a:latin typeface="Comic Sans MS" panose="030F0702030302020204" pitchFamily="66" charset="0"/>
+              </a:rPr>
+              <a:t>声音</a:t>
+            </a:r>
+            <a:r>
+              <a:rPr lang="zh-CN" altLang="en-US" sz="2400" dirty="0">
+                <a:latin typeface="Comic Sans MS" panose="030F0702030302020204" pitchFamily="66" charset="0"/>
+              </a:rPr>
+              <a:t>之</a:t>
+            </a:r>
+            <a:r>
+              <a:rPr lang="zh-CN" altLang="en-US" sz="2400" b="1" dirty="0">
+                <a:latin typeface="Comic Sans MS" panose="030F0702030302020204" pitchFamily="66" charset="0"/>
+              </a:rPr>
+              <a:t>后</a:t>
+            </a:r>
+            <a:r>
+              <a:rPr lang="zh-CN" altLang="en-US" sz="2400" dirty="0">
+                <a:latin typeface="Comic Sans MS" panose="030F0702030302020204" pitchFamily="66" charset="0"/>
+              </a:rPr>
+              <a:t>请按键盘</a:t>
+            </a:r>
+            <a:r>
+              <a:rPr lang="zh-CN" altLang="en-US" sz="2400" b="1" dirty="0" smtClean="0">
+                <a:latin typeface="Comic Sans MS" panose="030F0702030302020204" pitchFamily="66" charset="0"/>
+              </a:rPr>
+              <a:t>右</a:t>
+            </a:r>
+            <a:r>
+              <a:rPr lang="zh-CN" altLang="en-US" sz="2400" dirty="0" smtClean="0">
+                <a:latin typeface="Comic Sans MS" panose="030F0702030302020204" pitchFamily="66" charset="0"/>
+              </a:rPr>
+              <a:t>方向键。</a:t>
+            </a:r>
+            <a:endParaRPr lang="zh-CN" altLang="en-US" sz="2400" dirty="0">
+              <a:latin typeface="Comic Sans MS" panose="030F0702030302020204" pitchFamily="66" charset="0"/>
+            </a:endParaRPr>
+          </a:p>
+        </p:txBody>
+      </p:sp>
+      <p:sp>
+        <p:nvSpPr>
+          <p:cNvPr id="5" name="右箭头 4"/>
+          <p:cNvSpPr/>
+          <p:nvPr/>
+        </p:nvSpPr>
+        <p:spPr>
+          <a:xfrm>
+            <a:off x="6865035" y="4079629"/>
+            <a:ext cx="1800665" cy="886265"/>
+          </a:xfrm>
+          <a:prstGeom prst="rightArrow">
+            <a:avLst/>
+          </a:prstGeom>
+          <a:noFill/>
+        </p:spPr>
+        <p:style>
+          <a:lnRef idx="2">
+            <a:schemeClr val="accent1">
+              <a:shade val="50000"/>
+            </a:schemeClr>
+          </a:lnRef>
+          <a:fillRef idx="1">
+            <a:schemeClr val="accent1"/>
+          </a:fillRef>
+          <a:effectRef idx="0">
+            <a:schemeClr val="accent1"/>
+          </a:effectRef>
+          <a:fontRef idx="minor">
+            <a:schemeClr val="lt1"/>
+          </a:fontRef>
+        </p:style>
+        <p:txBody>
+          <a:bodyPr rtlCol="0" anchor="ctr"/>
+          <a:lstStyle/>
+          <a:p>
+            <a:pPr algn="ctr"/>
+            <a:endParaRPr lang="zh-CN" altLang="en-US"/>
+          </a:p>
+        </p:txBody>
+      </p:sp>
+      <p:sp>
+        <p:nvSpPr>
+          <p:cNvPr id="6" name="右箭头 5"/>
+          <p:cNvSpPr/>
+          <p:nvPr/>
+        </p:nvSpPr>
+        <p:spPr>
+          <a:xfrm rot="10800000">
+            <a:off x="3516924" y="4079629"/>
+            <a:ext cx="1800665" cy="886265"/>
+          </a:xfrm>
+          <a:prstGeom prst="rightArrow">
+            <a:avLst/>
+          </a:prstGeom>
+          <a:solidFill>
+            <a:srgbClr val="0070C0"/>
+          </a:solidFill>
+        </p:spPr>
+        <p:style>
+          <a:lnRef idx="2">
+            <a:schemeClr val="accent1">
+              <a:shade val="50000"/>
+            </a:schemeClr>
+          </a:lnRef>
+          <a:fillRef idx="1">
+            <a:schemeClr val="accent1"/>
+          </a:fillRef>
+          <a:effectRef idx="0">
+            <a:schemeClr val="accent1"/>
+          </a:effectRef>
+          <a:fontRef idx="minor">
+            <a:schemeClr val="lt1"/>
+          </a:fontRef>
+        </p:style>
+        <p:txBody>
+          <a:bodyPr rtlCol="0" anchor="ctr"/>
+          <a:lstStyle/>
+          <a:p>
+            <a:pPr algn="ctr"/>
+            <a:endParaRPr lang="zh-CN" altLang="en-US"/>
+          </a:p>
+        </p:txBody>
+      </p:sp>
+    </p:spTree>
+    <p:extLst>
+      <p:ext uri="{BB962C8B-B14F-4D97-AF65-F5344CB8AC3E}">
+        <p14:creationId xmlns:p14="http://schemas.microsoft.com/office/powerpoint/2010/main" val="1055910413"/>
+      </p:ext>
+    </p:extLst>
+  </p:cSld>
+  <p:clrMapOvr>
+    <a:masterClrMapping/>
+  </p:clrMapOvr>
+</p:sld>
+</file>
+
+<file path=ppt/slides/slide16.xml><?xml version="1.0" encoding="utf-8"?>
+<p:sld xmlns:a="http://schemas.openxmlformats.org/drawingml/2006/main" xmlns:r="http://schemas.openxmlformats.org/officeDocument/2006/relationships" xmlns:p="http://schemas.openxmlformats.org/presentationml/2006/main">
+  <p:cSld>
+    <p:spTree>
+      <p:nvGrpSpPr>
+        <p:cNvPr id="1" name=""/>
+        <p:cNvGrpSpPr/>
+        <p:nvPr/>
+      </p:nvGrpSpPr>
+      <p:grpSpPr>
+        <a:xfrm>
+          <a:off x="0" y="0"/>
+          <a:ext cx="0" cy="0"/>
+          <a:chOff x="0" y="0"/>
+          <a:chExt cx="0" cy="0"/>
+        </a:xfrm>
+      </p:grpSpPr>
+      <p:sp>
+        <p:nvSpPr>
+          <p:cNvPr id="3" name="文本框 2"/>
+          <p:cNvSpPr txBox="1"/>
+          <p:nvPr/>
+        </p:nvSpPr>
+        <p:spPr>
+          <a:xfrm>
+            <a:off x="3372477" y="1560007"/>
+            <a:ext cx="5433897" cy="1200329"/>
+          </a:xfrm>
+          <a:prstGeom prst="rect">
+            <a:avLst/>
+          </a:prstGeom>
+          <a:noFill/>
+        </p:spPr>
+        <p:txBody>
+          <a:bodyPr wrap="square" rtlCol="0">
+            <a:spAutoFit/>
+          </a:bodyPr>
+          <a:lstStyle/>
+          <a:p>
+            <a:pPr>
+              <a:lnSpc>
+                <a:spcPct val="150000"/>
+              </a:lnSpc>
+            </a:pPr>
+            <a:r>
+              <a:rPr lang="zh-CN" altLang="en-US" sz="2400" dirty="0" smtClean="0">
+                <a:latin typeface="Comic Sans MS" panose="030F0702030302020204" pitchFamily="66" charset="0"/>
+              </a:rPr>
+              <a:t>听到声音时方块是</a:t>
+            </a:r>
+            <a:r>
+              <a:rPr lang="zh-CN" altLang="en-US" sz="2400" dirty="0" smtClean="0">
+                <a:solidFill>
+                  <a:srgbClr val="00B050"/>
+                </a:solidFill>
+                <a:latin typeface="Comic Sans MS" panose="030F0702030302020204" pitchFamily="66" charset="0"/>
+              </a:rPr>
+              <a:t>绿</a:t>
+            </a:r>
+            <a:r>
+              <a:rPr lang="zh-CN" altLang="en-US" sz="2400" dirty="0" smtClean="0">
+                <a:latin typeface="Comic Sans MS" panose="030F0702030302020204" pitchFamily="66" charset="0"/>
+              </a:rPr>
+              <a:t>色按下</a:t>
+            </a:r>
+            <a:r>
+              <a:rPr lang="zh-CN" altLang="en-US" sz="2400" b="1" dirty="0" smtClean="0">
+                <a:latin typeface="Comic Sans MS" panose="030F0702030302020204" pitchFamily="66" charset="0"/>
+              </a:rPr>
+              <a:t>左</a:t>
+            </a:r>
+            <a:r>
+              <a:rPr lang="zh-CN" altLang="en-US" sz="2400" dirty="0" smtClean="0">
+                <a:latin typeface="Comic Sans MS" panose="030F0702030302020204" pitchFamily="66" charset="0"/>
+              </a:rPr>
+              <a:t>方向键；</a:t>
+            </a:r>
+            <a:endParaRPr lang="en-US" altLang="zh-CN" sz="2400" dirty="0" smtClean="0">
+              <a:latin typeface="Comic Sans MS" panose="030F0702030302020204" pitchFamily="66" charset="0"/>
+            </a:endParaRPr>
+          </a:p>
+          <a:p>
+            <a:pPr>
+              <a:lnSpc>
+                <a:spcPct val="150000"/>
+              </a:lnSpc>
+            </a:pPr>
+            <a:r>
+              <a:rPr lang="zh-CN" altLang="en-US" sz="2400" dirty="0">
+                <a:latin typeface="Comic Sans MS" panose="030F0702030302020204" pitchFamily="66" charset="0"/>
+              </a:rPr>
+              <a:t>听到声音时方块</a:t>
+            </a:r>
+            <a:r>
+              <a:rPr lang="zh-CN" altLang="en-US" sz="2400" dirty="0" smtClean="0">
+                <a:latin typeface="Comic Sans MS" panose="030F0702030302020204" pitchFamily="66" charset="0"/>
+              </a:rPr>
+              <a:t>是</a:t>
+            </a:r>
+            <a:r>
+              <a:rPr lang="zh-CN" altLang="en-US" sz="2400" dirty="0" smtClean="0">
+                <a:solidFill>
+                  <a:srgbClr val="C00000"/>
+                </a:solidFill>
+                <a:latin typeface="Comic Sans MS" panose="030F0702030302020204" pitchFamily="66" charset="0"/>
+              </a:rPr>
+              <a:t>红</a:t>
+            </a:r>
+            <a:r>
+              <a:rPr lang="zh-CN" altLang="en-US" sz="2400" dirty="0" smtClean="0">
+                <a:latin typeface="Comic Sans MS" panose="030F0702030302020204" pitchFamily="66" charset="0"/>
+              </a:rPr>
+              <a:t>色</a:t>
+            </a:r>
+            <a:r>
+              <a:rPr lang="zh-CN" altLang="en-US" sz="2400" dirty="0">
+                <a:latin typeface="Comic Sans MS" panose="030F0702030302020204" pitchFamily="66" charset="0"/>
+              </a:rPr>
+              <a:t>按下</a:t>
+            </a:r>
+            <a:r>
+              <a:rPr lang="zh-CN" altLang="en-US" sz="2400" b="1" dirty="0" smtClean="0">
+                <a:latin typeface="Comic Sans MS" panose="030F0702030302020204" pitchFamily="66" charset="0"/>
+              </a:rPr>
+              <a:t>右</a:t>
+            </a:r>
+            <a:r>
+              <a:rPr lang="zh-CN" altLang="en-US" sz="2400" dirty="0" smtClean="0">
+                <a:latin typeface="Comic Sans MS" panose="030F0702030302020204" pitchFamily="66" charset="0"/>
+              </a:rPr>
+              <a:t>方向键。</a:t>
+            </a:r>
+            <a:endParaRPr lang="zh-CN" altLang="en-US" sz="2400" dirty="0">
+              <a:latin typeface="Comic Sans MS" panose="030F0702030302020204" pitchFamily="66" charset="0"/>
+            </a:endParaRPr>
+          </a:p>
+        </p:txBody>
+      </p:sp>
+      <p:sp>
+        <p:nvSpPr>
+          <p:cNvPr id="5" name="右箭头 4"/>
+          <p:cNvSpPr/>
+          <p:nvPr/>
+        </p:nvSpPr>
+        <p:spPr>
+          <a:xfrm>
+            <a:off x="7005709" y="4079627"/>
+            <a:ext cx="1800665" cy="886265"/>
+          </a:xfrm>
+          <a:prstGeom prst="rightArrow">
+            <a:avLst/>
+          </a:prstGeom>
+          <a:noFill/>
+        </p:spPr>
+        <p:style>
+          <a:lnRef idx="2">
+            <a:schemeClr val="accent1">
+              <a:shade val="50000"/>
+            </a:schemeClr>
+          </a:lnRef>
+          <a:fillRef idx="1">
+            <a:schemeClr val="accent1"/>
+          </a:fillRef>
+          <a:effectRef idx="0">
+            <a:schemeClr val="accent1"/>
+          </a:effectRef>
+          <a:fontRef idx="minor">
+            <a:schemeClr val="lt1"/>
+          </a:fontRef>
+        </p:style>
+        <p:txBody>
+          <a:bodyPr rtlCol="0" anchor="ctr"/>
+          <a:lstStyle/>
+          <a:p>
+            <a:pPr algn="ctr"/>
+            <a:endParaRPr lang="zh-CN" altLang="en-US"/>
+          </a:p>
+        </p:txBody>
+      </p:sp>
+      <p:sp>
+        <p:nvSpPr>
+          <p:cNvPr id="6" name="右箭头 5"/>
+          <p:cNvSpPr/>
+          <p:nvPr/>
+        </p:nvSpPr>
+        <p:spPr>
+          <a:xfrm rot="10800000">
+            <a:off x="3372477" y="4079628"/>
+            <a:ext cx="1800665" cy="886265"/>
+          </a:xfrm>
+          <a:prstGeom prst="rightArrow">
+            <a:avLst/>
+          </a:prstGeom>
+          <a:noFill/>
+        </p:spPr>
+        <p:style>
+          <a:lnRef idx="2">
+            <a:schemeClr val="accent1">
+              <a:shade val="50000"/>
+            </a:schemeClr>
+          </a:lnRef>
+          <a:fillRef idx="1">
+            <a:schemeClr val="accent1"/>
+          </a:fillRef>
+          <a:effectRef idx="0">
+            <a:schemeClr val="accent1"/>
+          </a:effectRef>
+          <a:fontRef idx="minor">
+            <a:schemeClr val="lt1"/>
+          </a:fontRef>
+        </p:style>
+        <p:txBody>
+          <a:bodyPr rtlCol="0" anchor="ctr"/>
+          <a:lstStyle/>
+          <a:p>
+            <a:pPr algn="ctr"/>
+            <a:endParaRPr lang="zh-CN" altLang="en-US"/>
+          </a:p>
+        </p:txBody>
+      </p:sp>
+    </p:spTree>
+    <p:extLst>
+      <p:ext uri="{BB962C8B-B14F-4D97-AF65-F5344CB8AC3E}">
+        <p14:creationId xmlns:p14="http://schemas.microsoft.com/office/powerpoint/2010/main" val="2152115663"/>
+      </p:ext>
+    </p:extLst>
+  </p:cSld>
+  <p:clrMapOvr>
+    <a:masterClrMapping/>
+  </p:clrMapOvr>
+</p:sld>
+</file>
+
+<file path=ppt/slides/slide17.xml><?xml version="1.0" encoding="utf-8"?>
+<p:sld xmlns:a="http://schemas.openxmlformats.org/drawingml/2006/main" xmlns:r="http://schemas.openxmlformats.org/officeDocument/2006/relationships" xmlns:p="http://schemas.openxmlformats.org/presentationml/2006/main">
+  <p:cSld>
+    <p:spTree>
+      <p:nvGrpSpPr>
+        <p:cNvPr id="1" name=""/>
+        <p:cNvGrpSpPr/>
+        <p:nvPr/>
+      </p:nvGrpSpPr>
+      <p:grpSpPr>
+        <a:xfrm>
+          <a:off x="0" y="0"/>
+          <a:ext cx="0" cy="0"/>
+          <a:chOff x="0" y="0"/>
+          <a:chExt cx="0" cy="0"/>
+        </a:xfrm>
+      </p:grpSpPr>
+      <p:sp>
+        <p:nvSpPr>
+          <p:cNvPr id="3" name="文本框 2"/>
+          <p:cNvSpPr txBox="1"/>
+          <p:nvPr/>
+        </p:nvSpPr>
+        <p:spPr>
+          <a:xfrm>
+            <a:off x="3372477" y="1560007"/>
+            <a:ext cx="5433897" cy="1200329"/>
+          </a:xfrm>
+          <a:prstGeom prst="rect">
+            <a:avLst/>
+          </a:prstGeom>
+          <a:noFill/>
+        </p:spPr>
+        <p:txBody>
+          <a:bodyPr wrap="square" rtlCol="0">
+            <a:spAutoFit/>
+          </a:bodyPr>
+          <a:lstStyle/>
+          <a:p>
+            <a:pPr>
+              <a:lnSpc>
+                <a:spcPct val="150000"/>
+              </a:lnSpc>
+            </a:pPr>
+            <a:r>
+              <a:rPr lang="zh-CN" altLang="en-US" sz="2400" dirty="0" smtClean="0">
+                <a:latin typeface="Comic Sans MS" panose="030F0702030302020204" pitchFamily="66" charset="0"/>
+              </a:rPr>
+              <a:t>听到声音时方块是</a:t>
+            </a:r>
+            <a:r>
+              <a:rPr lang="zh-CN" altLang="en-US" sz="2400" dirty="0" smtClean="0">
+                <a:solidFill>
+                  <a:srgbClr val="00B050"/>
+                </a:solidFill>
+                <a:latin typeface="Comic Sans MS" panose="030F0702030302020204" pitchFamily="66" charset="0"/>
+              </a:rPr>
+              <a:t>绿</a:t>
+            </a:r>
+            <a:r>
+              <a:rPr lang="zh-CN" altLang="en-US" sz="2400" dirty="0" smtClean="0">
+                <a:latin typeface="Comic Sans MS" panose="030F0702030302020204" pitchFamily="66" charset="0"/>
+              </a:rPr>
+              <a:t>色按下</a:t>
+            </a:r>
+            <a:r>
+              <a:rPr lang="zh-CN" altLang="en-US" sz="2400" b="1" dirty="0" smtClean="0">
+                <a:latin typeface="Comic Sans MS" panose="030F0702030302020204" pitchFamily="66" charset="0"/>
+              </a:rPr>
+              <a:t>左</a:t>
+            </a:r>
+            <a:r>
+              <a:rPr lang="zh-CN" altLang="en-US" sz="2400" dirty="0" smtClean="0">
+                <a:latin typeface="Comic Sans MS" panose="030F0702030302020204" pitchFamily="66" charset="0"/>
+              </a:rPr>
+              <a:t>方向键；</a:t>
+            </a:r>
+            <a:endParaRPr lang="en-US" altLang="zh-CN" sz="2400" dirty="0" smtClean="0">
+              <a:latin typeface="Comic Sans MS" panose="030F0702030302020204" pitchFamily="66" charset="0"/>
+            </a:endParaRPr>
+          </a:p>
+          <a:p>
+            <a:pPr>
+              <a:lnSpc>
+                <a:spcPct val="150000"/>
+              </a:lnSpc>
+            </a:pPr>
+            <a:r>
+              <a:rPr lang="zh-CN" altLang="en-US" sz="2400" dirty="0">
+                <a:latin typeface="Comic Sans MS" panose="030F0702030302020204" pitchFamily="66" charset="0"/>
+              </a:rPr>
+              <a:t>听到声音时方块</a:t>
+            </a:r>
+            <a:r>
+              <a:rPr lang="zh-CN" altLang="en-US" sz="2400" dirty="0" smtClean="0">
+                <a:latin typeface="Comic Sans MS" panose="030F0702030302020204" pitchFamily="66" charset="0"/>
+              </a:rPr>
+              <a:t>是</a:t>
+            </a:r>
+            <a:r>
+              <a:rPr lang="zh-CN" altLang="en-US" sz="2400" dirty="0" smtClean="0">
+                <a:solidFill>
+                  <a:srgbClr val="C00000"/>
+                </a:solidFill>
+                <a:latin typeface="Comic Sans MS" panose="030F0702030302020204" pitchFamily="66" charset="0"/>
+              </a:rPr>
+              <a:t>红</a:t>
+            </a:r>
+            <a:r>
+              <a:rPr lang="zh-CN" altLang="en-US" sz="2400" dirty="0" smtClean="0">
+                <a:latin typeface="Comic Sans MS" panose="030F0702030302020204" pitchFamily="66" charset="0"/>
+              </a:rPr>
+              <a:t>色</a:t>
+            </a:r>
+            <a:r>
+              <a:rPr lang="zh-CN" altLang="en-US" sz="2400" dirty="0">
+                <a:latin typeface="Comic Sans MS" panose="030F0702030302020204" pitchFamily="66" charset="0"/>
+              </a:rPr>
+              <a:t>按下</a:t>
+            </a:r>
+            <a:r>
+              <a:rPr lang="zh-CN" altLang="en-US" sz="2400" b="1" dirty="0" smtClean="0">
+                <a:latin typeface="Comic Sans MS" panose="030F0702030302020204" pitchFamily="66" charset="0"/>
+              </a:rPr>
+              <a:t>右</a:t>
+            </a:r>
+            <a:r>
+              <a:rPr lang="zh-CN" altLang="en-US" sz="2400" dirty="0" smtClean="0">
+                <a:latin typeface="Comic Sans MS" panose="030F0702030302020204" pitchFamily="66" charset="0"/>
+              </a:rPr>
+              <a:t>方向键。</a:t>
+            </a:r>
+            <a:endParaRPr lang="zh-CN" altLang="en-US" sz="2400" dirty="0">
+              <a:latin typeface="Comic Sans MS" panose="030F0702030302020204" pitchFamily="66" charset="0"/>
+            </a:endParaRPr>
+          </a:p>
+        </p:txBody>
+      </p:sp>
+      <p:sp>
+        <p:nvSpPr>
+          <p:cNvPr id="5" name="右箭头 4"/>
+          <p:cNvSpPr/>
+          <p:nvPr/>
+        </p:nvSpPr>
+        <p:spPr>
+          <a:xfrm>
+            <a:off x="7005709" y="4079627"/>
+            <a:ext cx="1800665" cy="886265"/>
+          </a:xfrm>
+          <a:prstGeom prst="rightArrow">
+            <a:avLst/>
+          </a:prstGeom>
+          <a:solidFill>
+            <a:srgbClr val="0070C0"/>
+          </a:solidFill>
+        </p:spPr>
+        <p:style>
+          <a:lnRef idx="2">
+            <a:schemeClr val="accent1">
+              <a:shade val="50000"/>
+            </a:schemeClr>
+          </a:lnRef>
+          <a:fillRef idx="1">
+            <a:schemeClr val="accent1"/>
+          </a:fillRef>
+          <a:effectRef idx="0">
+            <a:schemeClr val="accent1"/>
+          </a:effectRef>
+          <a:fontRef idx="minor">
+            <a:schemeClr val="lt1"/>
+          </a:fontRef>
+        </p:style>
+        <p:txBody>
+          <a:bodyPr rtlCol="0" anchor="ctr"/>
+          <a:lstStyle/>
+          <a:p>
+            <a:pPr algn="ctr"/>
+            <a:endParaRPr lang="zh-CN" altLang="en-US"/>
+          </a:p>
+        </p:txBody>
+      </p:sp>
+      <p:sp>
+        <p:nvSpPr>
+          <p:cNvPr id="6" name="右箭头 5"/>
+          <p:cNvSpPr/>
+          <p:nvPr/>
+        </p:nvSpPr>
+        <p:spPr>
+          <a:xfrm rot="10800000">
+            <a:off x="3372477" y="4079628"/>
+            <a:ext cx="1800665" cy="886265"/>
+          </a:xfrm>
+          <a:prstGeom prst="rightArrow">
+            <a:avLst/>
+          </a:prstGeom>
+          <a:noFill/>
+        </p:spPr>
+        <p:style>
+          <a:lnRef idx="2">
+            <a:schemeClr val="accent1">
+              <a:shade val="50000"/>
+            </a:schemeClr>
+          </a:lnRef>
+          <a:fillRef idx="1">
+            <a:schemeClr val="accent1"/>
+          </a:fillRef>
+          <a:effectRef idx="0">
+            <a:schemeClr val="accent1"/>
+          </a:effectRef>
+          <a:fontRef idx="minor">
+            <a:schemeClr val="lt1"/>
+          </a:fontRef>
+        </p:style>
+        <p:txBody>
+          <a:bodyPr rtlCol="0" anchor="ctr"/>
+          <a:lstStyle/>
+          <a:p>
+            <a:pPr algn="ctr"/>
+            <a:endParaRPr lang="zh-CN" altLang="en-US"/>
+          </a:p>
+        </p:txBody>
+      </p:sp>
+    </p:spTree>
+    <p:extLst>
+      <p:ext uri="{BB962C8B-B14F-4D97-AF65-F5344CB8AC3E}">
+        <p14:creationId xmlns:p14="http://schemas.microsoft.com/office/powerpoint/2010/main" val="170016621"/>
+      </p:ext>
+    </p:extLst>
+  </p:cSld>
+  <p:clrMapOvr>
+    <a:masterClrMapping/>
+  </p:clrMapOvr>
+</p:sld>
+</file>
+
+<file path=ppt/slides/slide18.xml><?xml version="1.0" encoding="utf-8"?>
+<p:sld xmlns:a="http://schemas.openxmlformats.org/drawingml/2006/main" xmlns:r="http://schemas.openxmlformats.org/officeDocument/2006/relationships" xmlns:p="http://schemas.openxmlformats.org/presentationml/2006/main">
+  <p:cSld>
+    <p:spTree>
+      <p:nvGrpSpPr>
+        <p:cNvPr id="1" name=""/>
+        <p:cNvGrpSpPr/>
+        <p:nvPr/>
+      </p:nvGrpSpPr>
+      <p:grpSpPr>
+        <a:xfrm>
+          <a:off x="0" y="0"/>
+          <a:ext cx="0" cy="0"/>
+          <a:chOff x="0" y="0"/>
+          <a:chExt cx="0" cy="0"/>
+        </a:xfrm>
+      </p:grpSpPr>
+      <p:sp>
+        <p:nvSpPr>
+          <p:cNvPr id="3" name="文本框 2"/>
+          <p:cNvSpPr txBox="1"/>
+          <p:nvPr/>
+        </p:nvSpPr>
+        <p:spPr>
+          <a:xfrm>
+            <a:off x="3372477" y="1560007"/>
+            <a:ext cx="5433897" cy="1200329"/>
+          </a:xfrm>
+          <a:prstGeom prst="rect">
+            <a:avLst/>
+          </a:prstGeom>
+          <a:noFill/>
+        </p:spPr>
+        <p:txBody>
+          <a:bodyPr wrap="square" rtlCol="0">
+            <a:spAutoFit/>
+          </a:bodyPr>
+          <a:lstStyle/>
+          <a:p>
+            <a:pPr>
+              <a:lnSpc>
+                <a:spcPct val="150000"/>
+              </a:lnSpc>
+            </a:pPr>
+            <a:r>
+              <a:rPr lang="zh-CN" altLang="en-US" sz="2400" dirty="0" smtClean="0">
+                <a:latin typeface="Comic Sans MS" panose="030F0702030302020204" pitchFamily="66" charset="0"/>
+              </a:rPr>
+              <a:t>听到声音时方块是</a:t>
+            </a:r>
+            <a:r>
+              <a:rPr lang="zh-CN" altLang="en-US" sz="2400" dirty="0" smtClean="0">
+                <a:solidFill>
+                  <a:srgbClr val="00B050"/>
+                </a:solidFill>
+                <a:latin typeface="Comic Sans MS" panose="030F0702030302020204" pitchFamily="66" charset="0"/>
+              </a:rPr>
+              <a:t>绿</a:t>
+            </a:r>
+            <a:r>
+              <a:rPr lang="zh-CN" altLang="en-US" sz="2400" dirty="0" smtClean="0">
+                <a:latin typeface="Comic Sans MS" panose="030F0702030302020204" pitchFamily="66" charset="0"/>
+              </a:rPr>
+              <a:t>色按下</a:t>
+            </a:r>
+            <a:r>
+              <a:rPr lang="zh-CN" altLang="en-US" sz="2400" b="1" dirty="0" smtClean="0">
+                <a:latin typeface="Comic Sans MS" panose="030F0702030302020204" pitchFamily="66" charset="0"/>
+              </a:rPr>
+              <a:t>左</a:t>
+            </a:r>
+            <a:r>
+              <a:rPr lang="zh-CN" altLang="en-US" sz="2400" dirty="0" smtClean="0">
+                <a:latin typeface="Comic Sans MS" panose="030F0702030302020204" pitchFamily="66" charset="0"/>
+              </a:rPr>
+              <a:t>方向键；</a:t>
+            </a:r>
+            <a:endParaRPr lang="en-US" altLang="zh-CN" sz="2400" dirty="0" smtClean="0">
+              <a:latin typeface="Comic Sans MS" panose="030F0702030302020204" pitchFamily="66" charset="0"/>
+            </a:endParaRPr>
+          </a:p>
+          <a:p>
+            <a:pPr>
+              <a:lnSpc>
+                <a:spcPct val="150000"/>
+              </a:lnSpc>
+            </a:pPr>
+            <a:r>
+              <a:rPr lang="zh-CN" altLang="en-US" sz="2400" dirty="0">
+                <a:latin typeface="Comic Sans MS" panose="030F0702030302020204" pitchFamily="66" charset="0"/>
+              </a:rPr>
+              <a:t>听到声音时方块</a:t>
+            </a:r>
+            <a:r>
+              <a:rPr lang="zh-CN" altLang="en-US" sz="2400" dirty="0" smtClean="0">
+                <a:latin typeface="Comic Sans MS" panose="030F0702030302020204" pitchFamily="66" charset="0"/>
+              </a:rPr>
+              <a:t>是</a:t>
+            </a:r>
+            <a:r>
+              <a:rPr lang="zh-CN" altLang="en-US" sz="2400" dirty="0" smtClean="0">
+                <a:solidFill>
+                  <a:srgbClr val="C00000"/>
+                </a:solidFill>
+                <a:latin typeface="Comic Sans MS" panose="030F0702030302020204" pitchFamily="66" charset="0"/>
+              </a:rPr>
+              <a:t>红</a:t>
+            </a:r>
+            <a:r>
+              <a:rPr lang="zh-CN" altLang="en-US" sz="2400" dirty="0" smtClean="0">
+                <a:latin typeface="Comic Sans MS" panose="030F0702030302020204" pitchFamily="66" charset="0"/>
+              </a:rPr>
+              <a:t>色</a:t>
+            </a:r>
+            <a:r>
+              <a:rPr lang="zh-CN" altLang="en-US" sz="2400" dirty="0">
+                <a:latin typeface="Comic Sans MS" panose="030F0702030302020204" pitchFamily="66" charset="0"/>
+              </a:rPr>
+              <a:t>按下</a:t>
+            </a:r>
+            <a:r>
+              <a:rPr lang="zh-CN" altLang="en-US" sz="2400" b="1" dirty="0" smtClean="0">
+                <a:latin typeface="Comic Sans MS" panose="030F0702030302020204" pitchFamily="66" charset="0"/>
+              </a:rPr>
+              <a:t>右</a:t>
+            </a:r>
+            <a:r>
+              <a:rPr lang="zh-CN" altLang="en-US" sz="2400" dirty="0" smtClean="0">
+                <a:latin typeface="Comic Sans MS" panose="030F0702030302020204" pitchFamily="66" charset="0"/>
+              </a:rPr>
+              <a:t>方向键。</a:t>
+            </a:r>
+            <a:endParaRPr lang="zh-CN" altLang="en-US" sz="2400" dirty="0">
+              <a:latin typeface="Comic Sans MS" panose="030F0702030302020204" pitchFamily="66" charset="0"/>
+            </a:endParaRPr>
+          </a:p>
+        </p:txBody>
+      </p:sp>
+      <p:sp>
+        <p:nvSpPr>
+          <p:cNvPr id="5" name="右箭头 4"/>
+          <p:cNvSpPr/>
+          <p:nvPr/>
+        </p:nvSpPr>
+        <p:spPr>
+          <a:xfrm>
+            <a:off x="7005709" y="4079627"/>
+            <a:ext cx="1800665" cy="886265"/>
+          </a:xfrm>
+          <a:prstGeom prst="rightArrow">
+            <a:avLst/>
+          </a:prstGeom>
+          <a:noFill/>
+        </p:spPr>
+        <p:style>
+          <a:lnRef idx="2">
+            <a:schemeClr val="accent1">
+              <a:shade val="50000"/>
+            </a:schemeClr>
+          </a:lnRef>
+          <a:fillRef idx="1">
+            <a:schemeClr val="accent1"/>
+          </a:fillRef>
+          <a:effectRef idx="0">
+            <a:schemeClr val="accent1"/>
+          </a:effectRef>
+          <a:fontRef idx="minor">
+            <a:schemeClr val="lt1"/>
+          </a:fontRef>
+        </p:style>
+        <p:txBody>
+          <a:bodyPr rtlCol="0" anchor="ctr"/>
+          <a:lstStyle/>
+          <a:p>
+            <a:pPr algn="ctr"/>
+            <a:endParaRPr lang="zh-CN" altLang="en-US"/>
+          </a:p>
+        </p:txBody>
+      </p:sp>
+      <p:sp>
+        <p:nvSpPr>
+          <p:cNvPr id="6" name="右箭头 5"/>
+          <p:cNvSpPr/>
+          <p:nvPr/>
+        </p:nvSpPr>
+        <p:spPr>
+          <a:xfrm rot="10800000">
+            <a:off x="3372477" y="4079628"/>
+            <a:ext cx="1800665" cy="886265"/>
+          </a:xfrm>
+          <a:prstGeom prst="rightArrow">
+            <a:avLst/>
+          </a:prstGeom>
+          <a:solidFill>
+            <a:srgbClr val="0070C0"/>
+          </a:solidFill>
+        </p:spPr>
+        <p:style>
+          <a:lnRef idx="2">
+            <a:schemeClr val="accent1">
+              <a:shade val="50000"/>
+            </a:schemeClr>
+          </a:lnRef>
+          <a:fillRef idx="1">
+            <a:schemeClr val="accent1"/>
+          </a:fillRef>
+          <a:effectRef idx="0">
+            <a:schemeClr val="accent1"/>
+          </a:effectRef>
+          <a:fontRef idx="minor">
+            <a:schemeClr val="lt1"/>
+          </a:fontRef>
+        </p:style>
+        <p:txBody>
+          <a:bodyPr rtlCol="0" anchor="ctr"/>
+          <a:lstStyle/>
+          <a:p>
+            <a:pPr algn="ctr"/>
+            <a:endParaRPr lang="zh-CN" altLang="en-US"/>
+          </a:p>
+        </p:txBody>
+      </p:sp>
+    </p:spTree>
+    <p:extLst>
+      <p:ext uri="{BB962C8B-B14F-4D97-AF65-F5344CB8AC3E}">
+        <p14:creationId xmlns:p14="http://schemas.microsoft.com/office/powerpoint/2010/main" val="2873067574"/>
+      </p:ext>
+    </p:extLst>
+  </p:cSld>
+  <p:clrMapOvr>
+    <a:masterClrMapping/>
+  </p:clrMapOvr>
+</p:sld>
+</file>
+
+<file path=ppt/slides/slide19.xml><?xml version="1.0" encoding="utf-8"?>
+<p:sld xmlns:a="http://schemas.openxmlformats.org/drawingml/2006/main" xmlns:r="http://schemas.openxmlformats.org/officeDocument/2006/relationships" xmlns:p="http://schemas.openxmlformats.org/presentationml/2006/main">
+  <p:cSld>
+    <p:spTree>
+      <p:nvGrpSpPr>
+        <p:cNvPr id="1" name=""/>
+        <p:cNvGrpSpPr/>
+        <p:nvPr/>
+      </p:nvGrpSpPr>
+      <p:grpSpPr>
+        <a:xfrm>
+          <a:off x="0" y="0"/>
+          <a:ext cx="0" cy="0"/>
+          <a:chOff x="0" y="0"/>
+          <a:chExt cx="0" cy="0"/>
+        </a:xfrm>
+      </p:grpSpPr>
+    </p:spTree>
+    <p:extLst>
+      <p:ext uri="{BB962C8B-B14F-4D97-AF65-F5344CB8AC3E}">
+        <p14:creationId xmlns:p14="http://schemas.microsoft.com/office/powerpoint/2010/main" val="4189712805"/>
       </p:ext>
     </p:extLst>
   </p:cSld>
@@ -5110,7 +7577,6 @@
               <a:rPr lang="zh-CN" altLang="en-US" sz="11500" dirty="0"/>
               <a:t>训练开始</a:t>
             </a:r>
-            <a:endParaRPr lang="zh-CN" altLang="en-US" sz="11500" dirty="0"/>
           </a:p>
         </p:txBody>
       </p:sp>
@@ -7310,4 +9776,265 @@
     </a:ext>
   </a:extLst>
 </a:theme>
+</file>
+
+<file path=ppt/theme/theme2.xml><?xml version="1.0" encoding="utf-8"?>
+<a:theme xmlns:a="http://schemas.openxmlformats.org/drawingml/2006/main" name="Office 主题​​">
+  <a:themeElements>
+    <a:clrScheme name="Office">
+      <a:dk1>
+        <a:sysClr val="windowText" lastClr="000000"/>
+      </a:dk1>
+      <a:lt1>
+        <a:sysClr val="window" lastClr="FFFFFF"/>
+      </a:lt1>
+      <a:dk2>
+        <a:srgbClr val="44546A"/>
+      </a:dk2>
+      <a:lt2>
+        <a:srgbClr val="E7E6E6"/>
+      </a:lt2>
+      <a:accent1>
+        <a:srgbClr val="5B9BD5"/>
+      </a:accent1>
+      <a:accent2>
+        <a:srgbClr val="ED7D31"/>
+      </a:accent2>
+      <a:accent3>
+        <a:srgbClr val="A5A5A5"/>
+      </a:accent3>
+      <a:accent4>
+        <a:srgbClr val="FFC000"/>
+      </a:accent4>
+      <a:accent5>
+        <a:srgbClr val="4472C4"/>
+      </a:accent5>
+      <a:accent6>
+        <a:srgbClr val="70AD47"/>
+      </a:accent6>
+      <a:hlink>
+        <a:srgbClr val="0563C1"/>
+      </a:hlink>
+      <a:folHlink>
+        <a:srgbClr val="954F72"/>
+      </a:folHlink>
+    </a:clrScheme>
+    <a:fontScheme name="Office">
+      <a:majorFont>
+        <a:latin typeface="等线 Light" panose="020F0302020204030204"/>
+        <a:ea typeface=""/>
+        <a:cs typeface=""/>
+        <a:font script="Jpan" typeface="游ゴシック Light"/>
+        <a:font script="Hang" typeface="맑은 고딕"/>
+        <a:font script="Hans" typeface="等线 Light"/>
+        <a:font script="Hant" typeface="新細明體"/>
+        <a:font script="Arab" typeface="Times New Roman"/>
+        <a:font script="Hebr" typeface="Times New Roman"/>
+        <a:font script="Thai" typeface="Angsana New"/>
+        <a:font script="Ethi" typeface="Nyala"/>
+        <a:font script="Beng" typeface="Vrinda"/>
+        <a:font script="Gujr" typeface="Shruti"/>
+        <a:font script="Khmr" typeface="MoolBoran"/>
+        <a:font script="Knda" typeface="Tunga"/>
+        <a:font script="Guru" typeface="Raavi"/>
+        <a:font script="Cans" typeface="Euphemia"/>
+        <a:font script="Cher" typeface="Plantagenet Cherokee"/>
+        <a:font script="Yiii" typeface="Microsoft Yi Baiti"/>
+        <a:font script="Tibt" typeface="Microsoft Himalaya"/>
+        <a:font script="Thaa" typeface="MV Boli"/>
+        <a:font script="Deva" typeface="Mangal"/>
+        <a:font script="Telu" typeface="Gautami"/>
+        <a:font script="Taml" typeface="Latha"/>
+        <a:font script="Syrc" typeface="Estrangelo Edessa"/>
+        <a:font script="Orya" typeface="Kalinga"/>
+        <a:font script="Mlym" typeface="Kartika"/>
+        <a:font script="Laoo" typeface="DokChampa"/>
+        <a:font script="Sinh" typeface="Iskoola Pota"/>
+        <a:font script="Mong" typeface="Mongolian Baiti"/>
+        <a:font script="Viet" typeface="Times New Roman"/>
+        <a:font script="Uigh" typeface="Microsoft Uighur"/>
+        <a:font script="Geor" typeface="Sylfaen"/>
+      </a:majorFont>
+      <a:minorFont>
+        <a:latin typeface="等线" panose="020F0502020204030204"/>
+        <a:ea typeface=""/>
+        <a:cs typeface=""/>
+        <a:font script="Jpan" typeface="游ゴシック"/>
+        <a:font script="Hang" typeface="맑은 고딕"/>
+        <a:font script="Hans" typeface="等线"/>
+        <a:font script="Hant" typeface="新細明體"/>
+        <a:font script="Arab" typeface="Arial"/>
+        <a:font script="Hebr" typeface="Arial"/>
+        <a:font script="Thai" typeface="Cordia New"/>
+        <a:font script="Ethi" typeface="Nyala"/>
+        <a:font script="Beng" typeface="Vrinda"/>
+        <a:font script="Gujr" typeface="Shruti"/>
+        <a:font script="Khmr" typeface="DaunPenh"/>
+        <a:font script="Knda" typeface="Tunga"/>
+        <a:font script="Guru" typeface="Raavi"/>
+        <a:font script="Cans" typeface="Euphemia"/>
+        <a:font script="Cher" typeface="Plantagenet Cherokee"/>
+        <a:font script="Yiii" typeface="Microsoft Yi Baiti"/>
+        <a:font script="Tibt" typeface="Microsoft Himalaya"/>
+        <a:font script="Thaa" typeface="MV Boli"/>
+        <a:font script="Deva" typeface="Mangal"/>
+        <a:font script="Telu" typeface="Gautami"/>
+        <a:font script="Taml" typeface="Latha"/>
+        <a:font script="Syrc" typeface="Estrangelo Edessa"/>
+        <a:font script="Orya" typeface="Kalinga"/>
+        <a:font script="Mlym" typeface="Kartika"/>
+        <a:font script="Laoo" typeface="DokChampa"/>
+        <a:font script="Sinh" typeface="Iskoola Pota"/>
+        <a:font script="Mong" typeface="Mongolian Baiti"/>
+        <a:font script="Viet" typeface="Arial"/>
+        <a:font script="Uigh" typeface="Microsoft Uighur"/>
+        <a:font script="Geor" typeface="Sylfaen"/>
+      </a:minorFont>
+    </a:fontScheme>
+    <a:fmtScheme name="Office">
+      <a:fillStyleLst>
+        <a:solidFill>
+          <a:schemeClr val="phClr"/>
+        </a:solidFill>
+        <a:gradFill rotWithShape="1">
+          <a:gsLst>
+            <a:gs pos="0">
+              <a:schemeClr val="phClr">
+                <a:lumMod val="110000"/>
+                <a:satMod val="105000"/>
+                <a:tint val="67000"/>
+              </a:schemeClr>
+            </a:gs>
+            <a:gs pos="50000">
+              <a:schemeClr val="phClr">
+                <a:lumMod val="105000"/>
+                <a:satMod val="103000"/>
+                <a:tint val="73000"/>
+              </a:schemeClr>
+            </a:gs>
+            <a:gs pos="100000">
+              <a:schemeClr val="phClr">
+                <a:lumMod val="105000"/>
+                <a:satMod val="109000"/>
+                <a:tint val="81000"/>
+              </a:schemeClr>
+            </a:gs>
+          </a:gsLst>
+          <a:lin ang="5400000" scaled="0"/>
+        </a:gradFill>
+        <a:gradFill rotWithShape="1">
+          <a:gsLst>
+            <a:gs pos="0">
+              <a:schemeClr val="phClr">
+                <a:satMod val="103000"/>
+                <a:lumMod val="102000"/>
+                <a:tint val="94000"/>
+              </a:schemeClr>
+            </a:gs>
+            <a:gs pos="50000">
+              <a:schemeClr val="phClr">
+                <a:satMod val="110000"/>
+                <a:lumMod val="100000"/>
+                <a:shade val="100000"/>
+              </a:schemeClr>
+            </a:gs>
+            <a:gs pos="100000">
+              <a:schemeClr val="phClr">
+                <a:lumMod val="99000"/>
+                <a:satMod val="120000"/>
+                <a:shade val="78000"/>
+              </a:schemeClr>
+            </a:gs>
+          </a:gsLst>
+          <a:lin ang="5400000" scaled="0"/>
+        </a:gradFill>
+      </a:fillStyleLst>
+      <a:lnStyleLst>
+        <a:ln w="6350" cap="flat" cmpd="sng" algn="ctr">
+          <a:solidFill>
+            <a:schemeClr val="phClr"/>
+          </a:solidFill>
+          <a:prstDash val="solid"/>
+          <a:miter lim="800000"/>
+        </a:ln>
+        <a:ln w="12700" cap="flat" cmpd="sng" algn="ctr">
+          <a:solidFill>
+            <a:schemeClr val="phClr"/>
+          </a:solidFill>
+          <a:prstDash val="solid"/>
+          <a:miter lim="800000"/>
+        </a:ln>
+        <a:ln w="19050" cap="flat" cmpd="sng" algn="ctr">
+          <a:solidFill>
+            <a:schemeClr val="phClr"/>
+          </a:solidFill>
+          <a:prstDash val="solid"/>
+          <a:miter lim="800000"/>
+        </a:ln>
+      </a:lnStyleLst>
+      <a:effectStyleLst>
+        <a:effectStyle>
+          <a:effectLst/>
+        </a:effectStyle>
+        <a:effectStyle>
+          <a:effectLst/>
+        </a:effectStyle>
+        <a:effectStyle>
+          <a:effectLst>
+            <a:outerShdw blurRad="57150" dist="19050" dir="5400000" algn="ctr" rotWithShape="0">
+              <a:srgbClr val="000000">
+                <a:alpha val="63000"/>
+              </a:srgbClr>
+            </a:outerShdw>
+          </a:effectLst>
+        </a:effectStyle>
+      </a:effectStyleLst>
+      <a:bgFillStyleLst>
+        <a:solidFill>
+          <a:schemeClr val="phClr"/>
+        </a:solidFill>
+        <a:solidFill>
+          <a:schemeClr val="phClr">
+            <a:tint val="95000"/>
+            <a:satMod val="170000"/>
+          </a:schemeClr>
+        </a:solidFill>
+        <a:gradFill rotWithShape="1">
+          <a:gsLst>
+            <a:gs pos="0">
+              <a:schemeClr val="phClr">
+                <a:tint val="93000"/>
+                <a:satMod val="150000"/>
+                <a:shade val="98000"/>
+                <a:lumMod val="102000"/>
+              </a:schemeClr>
+            </a:gs>
+            <a:gs pos="50000">
+              <a:schemeClr val="phClr">
+                <a:tint val="98000"/>
+                <a:satMod val="130000"/>
+                <a:shade val="90000"/>
+                <a:lumMod val="103000"/>
+              </a:schemeClr>
+            </a:gs>
+            <a:gs pos="100000">
+              <a:schemeClr val="phClr">
+                <a:shade val="63000"/>
+                <a:satMod val="120000"/>
+              </a:schemeClr>
+            </a:gs>
+          </a:gsLst>
+          <a:lin ang="5400000" scaled="0"/>
+        </a:gradFill>
+      </a:bgFillStyleLst>
+    </a:fmtScheme>
+  </a:themeElements>
+  <a:objectDefaults/>
+  <a:extraClrSchemeLst/>
+  <a:extLst>
+    <a:ext uri="{05A4C25C-085E-4340-85A3-A5531E510DB2}">
+      <thm15:themeFamily xmlns:thm15="http://schemas.microsoft.com/office/thememl/2012/main" name="Office Theme" id="{62F939B6-93AF-4DB8-9C6B-D6C7DFDC589F}" vid="{4A3C46E8-61CC-4603-A589-7422A47A8E4A}"/>
+    </a:ext>
+  </a:extLst>
+</a:theme>
 </file>
--- a/preparation/grip_backup.pptx
+++ b/preparation/grip_backup.pptx
@@ -5,28 +5,29 @@
     <p:sldMasterId id="2147483648" r:id="rId1"/>
   </p:sldMasterIdLst>
   <p:notesMasterIdLst>
-    <p:notesMasterId r:id="rId21"/>
+    <p:notesMasterId r:id="rId22"/>
   </p:notesMasterIdLst>
   <p:sldIdLst>
     <p:sldId id="265" r:id="rId2"/>
     <p:sldId id="256" r:id="rId3"/>
     <p:sldId id="257" r:id="rId4"/>
-    <p:sldId id="267" r:id="rId5"/>
-    <p:sldId id="268" r:id="rId6"/>
-    <p:sldId id="262" r:id="rId7"/>
-    <p:sldId id="258" r:id="rId8"/>
-    <p:sldId id="259" r:id="rId9"/>
-    <p:sldId id="260" r:id="rId10"/>
-    <p:sldId id="261" r:id="rId11"/>
-    <p:sldId id="263" r:id="rId12"/>
-    <p:sldId id="264" r:id="rId13"/>
-    <p:sldId id="266" r:id="rId14"/>
-    <p:sldId id="270" r:id="rId15"/>
-    <p:sldId id="271" r:id="rId16"/>
-    <p:sldId id="272" r:id="rId17"/>
+    <p:sldId id="275" r:id="rId5"/>
+    <p:sldId id="267" r:id="rId6"/>
+    <p:sldId id="268" r:id="rId7"/>
+    <p:sldId id="262" r:id="rId8"/>
+    <p:sldId id="258" r:id="rId9"/>
+    <p:sldId id="259" r:id="rId10"/>
+    <p:sldId id="260" r:id="rId11"/>
+    <p:sldId id="261" r:id="rId12"/>
+    <p:sldId id="263" r:id="rId13"/>
+    <p:sldId id="264" r:id="rId14"/>
+    <p:sldId id="266" r:id="rId15"/>
+    <p:sldId id="270" r:id="rId16"/>
+    <p:sldId id="271" r:id="rId17"/>
     <p:sldId id="273" r:id="rId18"/>
     <p:sldId id="274" r:id="rId19"/>
     <p:sldId id="269" r:id="rId20"/>
+    <p:sldId id="272" r:id="rId21"/>
   </p:sldIdLst>
   <p:sldSz cx="12192000" cy="6858000"/>
   <p:notesSz cx="6858000" cy="9144000"/>
@@ -215,7 +216,7 @@
           <a:p>
             <a:fld id="{F53AE485-1FE1-42FD-B081-9A3C71142F64}" type="datetimeFigureOut">
               <a:rPr lang="zh-CN" altLang="en-US" smtClean="0"/>
-              <a:t>2019/6/28</a:t>
+              <a:t>2019/7/30</a:t>
             </a:fld>
             <a:endParaRPr lang="zh-CN" altLang="en-US"/>
           </a:p>
@@ -578,7 +579,7 @@
           <a:p>
             <a:fld id="{C138DE22-BA5A-4BDD-81A1-D1DED0E7BFA3}" type="slidenum">
               <a:rPr lang="zh-CN" altLang="en-US" smtClean="0"/>
-              <a:t>13</a:t>
+              <a:t>14</a:t>
             </a:fld>
             <a:endParaRPr lang="zh-CN" altLang="en-US"/>
           </a:p>
@@ -692,7 +693,7 @@
           <a:p>
             <a:fld id="{C138DE22-BA5A-4BDD-81A1-D1DED0E7BFA3}" type="slidenum">
               <a:rPr lang="zh-CN" altLang="en-US" smtClean="0"/>
-              <a:t>14</a:t>
+              <a:t>15</a:t>
             </a:fld>
             <a:endParaRPr lang="zh-CN" altLang="en-US"/>
           </a:p>
@@ -806,7 +807,7 @@
           <a:p>
             <a:fld id="{C138DE22-BA5A-4BDD-81A1-D1DED0E7BFA3}" type="slidenum">
               <a:rPr lang="zh-CN" altLang="en-US" smtClean="0"/>
-              <a:t>15</a:t>
+              <a:t>16</a:t>
             </a:fld>
             <a:endParaRPr lang="zh-CN" altLang="en-US"/>
           </a:p>
@@ -920,7 +921,7 @@
           <a:p>
             <a:fld id="{C138DE22-BA5A-4BDD-81A1-D1DED0E7BFA3}" type="slidenum">
               <a:rPr lang="zh-CN" altLang="en-US" smtClean="0"/>
-              <a:t>16</a:t>
+              <a:t>17</a:t>
             </a:fld>
             <a:endParaRPr lang="zh-CN" altLang="en-US"/>
           </a:p>
@@ -929,7 +930,7 @@
     </p:spTree>
     <p:extLst>
       <p:ext uri="{BB962C8B-B14F-4D97-AF65-F5344CB8AC3E}">
-        <p14:creationId xmlns:p14="http://schemas.microsoft.com/office/powerpoint/2010/main" val="1201219021"/>
+        <p14:creationId xmlns:p14="http://schemas.microsoft.com/office/powerpoint/2010/main" val="3414459492"/>
       </p:ext>
     </p:extLst>
   </p:cSld>
@@ -1034,7 +1035,7 @@
           <a:p>
             <a:fld id="{C138DE22-BA5A-4BDD-81A1-D1DED0E7BFA3}" type="slidenum">
               <a:rPr lang="zh-CN" altLang="en-US" smtClean="0"/>
-              <a:t>17</a:t>
+              <a:t>18</a:t>
             </a:fld>
             <a:endParaRPr lang="zh-CN" altLang="en-US"/>
           </a:p>
@@ -1043,7 +1044,7 @@
     </p:spTree>
     <p:extLst>
       <p:ext uri="{BB962C8B-B14F-4D97-AF65-F5344CB8AC3E}">
-        <p14:creationId xmlns:p14="http://schemas.microsoft.com/office/powerpoint/2010/main" val="3414459492"/>
+        <p14:creationId xmlns:p14="http://schemas.microsoft.com/office/powerpoint/2010/main" val="4254581282"/>
       </p:ext>
     </p:extLst>
   </p:cSld>
@@ -1148,7 +1149,7 @@
           <a:p>
             <a:fld id="{C138DE22-BA5A-4BDD-81A1-D1DED0E7BFA3}" type="slidenum">
               <a:rPr lang="zh-CN" altLang="en-US" smtClean="0"/>
-              <a:t>18</a:t>
+              <a:t>20</a:t>
             </a:fld>
             <a:endParaRPr lang="zh-CN" altLang="en-US"/>
           </a:p>
@@ -1157,7 +1158,7 @@
     </p:spTree>
     <p:extLst>
       <p:ext uri="{BB962C8B-B14F-4D97-AF65-F5344CB8AC3E}">
-        <p14:creationId xmlns:p14="http://schemas.microsoft.com/office/powerpoint/2010/main" val="4254581282"/>
+        <p14:creationId xmlns:p14="http://schemas.microsoft.com/office/powerpoint/2010/main" val="1201219021"/>
       </p:ext>
     </p:extLst>
   </p:cSld>
@@ -1298,7 +1299,7 @@
           <a:p>
             <a:fld id="{56141764-9FAB-4255-BC50-44FC4EBA4AF3}" type="datetimeFigureOut">
               <a:rPr lang="zh-CN" altLang="en-US" smtClean="0"/>
-              <a:t>2019/6/28</a:t>
+              <a:t>2019/7/30</a:t>
             </a:fld>
             <a:endParaRPr lang="zh-CN" altLang="en-US"/>
           </a:p>
@@ -1468,7 +1469,7 @@
           <a:p>
             <a:fld id="{56141764-9FAB-4255-BC50-44FC4EBA4AF3}" type="datetimeFigureOut">
               <a:rPr lang="zh-CN" altLang="en-US" smtClean="0"/>
-              <a:t>2019/6/28</a:t>
+              <a:t>2019/7/30</a:t>
             </a:fld>
             <a:endParaRPr lang="zh-CN" altLang="en-US"/>
           </a:p>
@@ -1648,7 +1649,7 @@
           <a:p>
             <a:fld id="{56141764-9FAB-4255-BC50-44FC4EBA4AF3}" type="datetimeFigureOut">
               <a:rPr lang="zh-CN" altLang="en-US" smtClean="0"/>
-              <a:t>2019/6/28</a:t>
+              <a:t>2019/7/30</a:t>
             </a:fld>
             <a:endParaRPr lang="zh-CN" altLang="en-US"/>
           </a:p>
@@ -1818,7 +1819,7 @@
           <a:p>
             <a:fld id="{56141764-9FAB-4255-BC50-44FC4EBA4AF3}" type="datetimeFigureOut">
               <a:rPr lang="zh-CN" altLang="en-US" smtClean="0"/>
-              <a:t>2019/6/28</a:t>
+              <a:t>2019/7/30</a:t>
             </a:fld>
             <a:endParaRPr lang="zh-CN" altLang="en-US"/>
           </a:p>
@@ -2064,7 +2065,7 @@
           <a:p>
             <a:fld id="{56141764-9FAB-4255-BC50-44FC4EBA4AF3}" type="datetimeFigureOut">
               <a:rPr lang="zh-CN" altLang="en-US" smtClean="0"/>
-              <a:t>2019/6/28</a:t>
+              <a:t>2019/7/30</a:t>
             </a:fld>
             <a:endParaRPr lang="zh-CN" altLang="en-US"/>
           </a:p>
@@ -2296,7 +2297,7 @@
           <a:p>
             <a:fld id="{56141764-9FAB-4255-BC50-44FC4EBA4AF3}" type="datetimeFigureOut">
               <a:rPr lang="zh-CN" altLang="en-US" smtClean="0"/>
-              <a:t>2019/6/28</a:t>
+              <a:t>2019/7/30</a:t>
             </a:fld>
             <a:endParaRPr lang="zh-CN" altLang="en-US"/>
           </a:p>
@@ -2663,7 +2664,7 @@
           <a:p>
             <a:fld id="{56141764-9FAB-4255-BC50-44FC4EBA4AF3}" type="datetimeFigureOut">
               <a:rPr lang="zh-CN" altLang="en-US" smtClean="0"/>
-              <a:t>2019/6/28</a:t>
+              <a:t>2019/7/30</a:t>
             </a:fld>
             <a:endParaRPr lang="zh-CN" altLang="en-US"/>
           </a:p>
@@ -2781,7 +2782,7 @@
           <a:p>
             <a:fld id="{56141764-9FAB-4255-BC50-44FC4EBA4AF3}" type="datetimeFigureOut">
               <a:rPr lang="zh-CN" altLang="en-US" smtClean="0"/>
-              <a:t>2019/6/28</a:t>
+              <a:t>2019/7/30</a:t>
             </a:fld>
             <a:endParaRPr lang="zh-CN" altLang="en-US"/>
           </a:p>
@@ -2876,7 +2877,7 @@
           <a:p>
             <a:fld id="{56141764-9FAB-4255-BC50-44FC4EBA4AF3}" type="datetimeFigureOut">
               <a:rPr lang="zh-CN" altLang="en-US" smtClean="0"/>
-              <a:t>2019/6/28</a:t>
+              <a:t>2019/7/30</a:t>
             </a:fld>
             <a:endParaRPr lang="zh-CN" altLang="en-US"/>
           </a:p>
@@ -3153,7 +3154,7 @@
           <a:p>
             <a:fld id="{56141764-9FAB-4255-BC50-44FC4EBA4AF3}" type="datetimeFigureOut">
               <a:rPr lang="zh-CN" altLang="en-US" smtClean="0"/>
-              <a:t>2019/6/28</a:t>
+              <a:t>2019/7/30</a:t>
             </a:fld>
             <a:endParaRPr lang="zh-CN" altLang="en-US"/>
           </a:p>
@@ -3406,7 +3407,7 @@
           <a:p>
             <a:fld id="{56141764-9FAB-4255-BC50-44FC4EBA4AF3}" type="datetimeFigureOut">
               <a:rPr lang="zh-CN" altLang="en-US" smtClean="0"/>
-              <a:t>2019/6/28</a:t>
+              <a:t>2019/7/30</a:t>
             </a:fld>
             <a:endParaRPr lang="zh-CN" altLang="en-US"/>
           </a:p>
@@ -3619,7 +3620,7 @@
           <a:p>
             <a:fld id="{56141764-9FAB-4255-BC50-44FC4EBA4AF3}" type="datetimeFigureOut">
               <a:rPr lang="zh-CN" altLang="en-US" smtClean="0"/>
-              <a:t>2019/6/28</a:t>
+              <a:t>2019/7/30</a:t>
             </a:fld>
             <a:endParaRPr lang="zh-CN" altLang="en-US"/>
           </a:p>
@@ -4854,3353 +4855,6 @@
 </file>
 
 <file path=ppt/slides/slide10.xml><?xml version="1.0" encoding="utf-8"?>
-<p:sld xmlns:a="http://schemas.openxmlformats.org/drawingml/2006/main" xmlns:r="http://schemas.openxmlformats.org/officeDocument/2006/relationships" xmlns:p="http://schemas.openxmlformats.org/presentationml/2006/main">
-  <p:cSld>
-    <p:spTree>
-      <p:nvGrpSpPr>
-        <p:cNvPr id="1" name=""/>
-        <p:cNvGrpSpPr/>
-        <p:nvPr/>
-      </p:nvGrpSpPr>
-      <p:grpSpPr>
-        <a:xfrm>
-          <a:off x="0" y="0"/>
-          <a:ext cx="0" cy="0"/>
-          <a:chOff x="0" y="0"/>
-          <a:chExt cx="0" cy="0"/>
-        </a:xfrm>
-      </p:grpSpPr>
-      <p:sp>
-        <p:nvSpPr>
-          <p:cNvPr id="2" name="矩形 1"/>
-          <p:cNvSpPr/>
-          <p:nvPr/>
-        </p:nvSpPr>
-        <p:spPr>
-          <a:xfrm>
-            <a:off x="702832" y="778176"/>
-            <a:ext cx="10442090" cy="2554545"/>
-          </a:xfrm>
-          <a:prstGeom prst="rect">
-            <a:avLst/>
-          </a:prstGeom>
-        </p:spPr>
-        <p:txBody>
-          <a:bodyPr wrap="square">
-            <a:spAutoFit/>
-          </a:bodyPr>
-          <a:lstStyle/>
-          <a:p>
-            <a:r>
-              <a:rPr lang="en-US" altLang="zh-CN" sz="2000" dirty="0" smtClean="0"/>
-              <a:t>3. </a:t>
-            </a:r>
-            <a:r>
-              <a:rPr lang="zh-CN" altLang="en-US" sz="2000" dirty="0" smtClean="0"/>
-              <a:t>正式实验</a:t>
-            </a:r>
-            <a:endParaRPr lang="en-US" altLang="zh-CN" sz="2000" dirty="0" smtClean="0"/>
-          </a:p>
-          <a:p>
-            <a:r>
-              <a:rPr lang="zh-CN" altLang="en-US" sz="2000" dirty="0" smtClean="0"/>
-              <a:t>正式实验分为九个阶段。每个阶段您将会听到不同快慢的声音节拍。您需要跟随节拍完成握力实验。</a:t>
-            </a:r>
-            <a:endParaRPr lang="en-US" altLang="zh-CN" sz="2000" dirty="0" smtClean="0"/>
-          </a:p>
-          <a:p>
-            <a:r>
-              <a:rPr lang="zh-CN" altLang="en-US" sz="2000" dirty="0" smtClean="0"/>
-              <a:t>在</a:t>
-            </a:r>
-            <a:r>
-              <a:rPr lang="zh-CN" altLang="en-US" sz="2000" dirty="0"/>
-              <a:t>每个回合开始之前，你将会听到有节奏的三声节拍，然后第四声节拍</a:t>
-            </a:r>
-            <a:r>
-              <a:rPr lang="zh-CN" altLang="en-US" sz="2000" dirty="0" smtClean="0"/>
-              <a:t>响起时</a:t>
-            </a:r>
-            <a:r>
-              <a:rPr lang="zh-CN" altLang="en-US" sz="2000" dirty="0"/>
-              <a:t>，红色指示</a:t>
-            </a:r>
-            <a:r>
-              <a:rPr lang="zh-CN" altLang="en-US" sz="2000" dirty="0" smtClean="0"/>
-              <a:t>点同时变为</a:t>
-            </a:r>
-            <a:r>
-              <a:rPr lang="zh-CN" altLang="en-US" sz="2000" dirty="0"/>
-              <a:t>绿色</a:t>
-            </a:r>
-            <a:r>
-              <a:rPr lang="zh-CN" altLang="en-US" sz="2000" dirty="0" smtClean="0"/>
-              <a:t>，标志该</a:t>
-            </a:r>
-            <a:r>
-              <a:rPr lang="zh-CN" altLang="en-US" sz="2000" dirty="0"/>
-              <a:t>回合正式开始。您需要在声音响起时</a:t>
-            </a:r>
-            <a:r>
-              <a:rPr lang="zh-CN" altLang="en-US" sz="2000" dirty="0" smtClean="0"/>
-              <a:t>开始快速握紧</a:t>
-            </a:r>
-            <a:r>
-              <a:rPr lang="zh-CN" altLang="en-US" sz="2000" dirty="0"/>
-              <a:t>握力装置，到达指定的“门”内，并且松手返回。待下一次节拍响起时再次</a:t>
-            </a:r>
-            <a:r>
-              <a:rPr lang="zh-CN" altLang="en-US" sz="2000" dirty="0" smtClean="0"/>
-              <a:t>握紧移向下</a:t>
-            </a:r>
-            <a:r>
-              <a:rPr lang="zh-CN" altLang="en-US" sz="2000" dirty="0"/>
-              <a:t>一个“门”。请一直保持这种节奏</a:t>
-            </a:r>
-            <a:r>
-              <a:rPr lang="zh-CN" altLang="en-US" sz="2000" dirty="0" smtClean="0"/>
-              <a:t>。每回合如果</a:t>
-            </a:r>
-            <a:r>
-              <a:rPr lang="zh-CN" altLang="en-US" sz="2000" dirty="0"/>
-              <a:t>延误超过一个节拍。即使到达门内，该“门”成绩也会判为</a:t>
-            </a:r>
-            <a:r>
-              <a:rPr lang="zh-CN" altLang="en-US" sz="2000" dirty="0" smtClean="0"/>
-              <a:t>错误。</a:t>
-            </a:r>
-            <a:r>
-              <a:rPr lang="zh-CN" altLang="en-US" sz="2000" dirty="0"/>
-              <a:t>每一个阶段之内节拍不会发生变化</a:t>
-            </a:r>
-            <a:r>
-              <a:rPr lang="zh-CN" altLang="en-US" sz="2000" dirty="0" smtClean="0"/>
-              <a:t>。每一段开始之前，会有</a:t>
-            </a:r>
-            <a:r>
-              <a:rPr lang="en-US" altLang="zh-CN" sz="2000" dirty="0" smtClean="0"/>
-              <a:t>5</a:t>
-            </a:r>
-            <a:r>
-              <a:rPr lang="zh-CN" altLang="en-US" sz="2000" dirty="0" smtClean="0"/>
-              <a:t>秒仅播放声音展示节拍快慢。</a:t>
-            </a:r>
-            <a:endParaRPr lang="zh-CN" altLang="en-US" sz="2000" dirty="0"/>
-          </a:p>
-        </p:txBody>
-      </p:sp>
-    </p:spTree>
-    <p:extLst>
-      <p:ext uri="{BB962C8B-B14F-4D97-AF65-F5344CB8AC3E}">
-        <p14:creationId xmlns:p14="http://schemas.microsoft.com/office/powerpoint/2010/main" val="1443087586"/>
-      </p:ext>
-    </p:extLst>
-  </p:cSld>
-  <p:clrMapOvr>
-    <a:masterClrMapping/>
-  </p:clrMapOvr>
-</p:sld>
-</file>
-
-<file path=ppt/slides/slide11.xml><?xml version="1.0" encoding="utf-8"?>
-<p:sld xmlns:a="http://schemas.openxmlformats.org/drawingml/2006/main" xmlns:r="http://schemas.openxmlformats.org/officeDocument/2006/relationships" xmlns:p="http://schemas.openxmlformats.org/presentationml/2006/main">
-  <p:cSld>
-    <p:spTree>
-      <p:nvGrpSpPr>
-        <p:cNvPr id="1" name=""/>
-        <p:cNvGrpSpPr/>
-        <p:nvPr/>
-      </p:nvGrpSpPr>
-      <p:grpSpPr>
-        <a:xfrm>
-          <a:off x="0" y="0"/>
-          <a:ext cx="0" cy="0"/>
-          <a:chOff x="0" y="0"/>
-          <a:chExt cx="0" cy="0"/>
-        </a:xfrm>
-      </p:grpSpPr>
-      <p:sp>
-        <p:nvSpPr>
-          <p:cNvPr id="2" name="文本框 1"/>
-          <p:cNvSpPr txBox="1"/>
-          <p:nvPr/>
-        </p:nvSpPr>
-        <p:spPr>
-          <a:xfrm>
-            <a:off x="1742738" y="1538344"/>
-            <a:ext cx="9036423" cy="3539430"/>
-          </a:xfrm>
-          <a:prstGeom prst="rect">
-            <a:avLst/>
-          </a:prstGeom>
-          <a:noFill/>
-        </p:spPr>
-        <p:txBody>
-          <a:bodyPr wrap="square" rtlCol="0">
-            <a:spAutoFit/>
-          </a:bodyPr>
-          <a:lstStyle/>
-          <a:p>
-            <a:pPr algn="ctr"/>
-            <a:r>
-              <a:rPr lang="zh-CN" altLang="en-US" sz="4400" b="1" dirty="0"/>
-              <a:t>按键运动</a:t>
-            </a:r>
-            <a:r>
-              <a:rPr lang="zh-CN" altLang="en-US" sz="4400" b="1" dirty="0" smtClean="0"/>
-              <a:t>任务</a:t>
-            </a:r>
-            <a:endParaRPr lang="en-US" altLang="zh-CN" sz="4400" b="1" dirty="0" smtClean="0"/>
-          </a:p>
-          <a:p>
-            <a:endParaRPr lang="en-US" altLang="zh-CN" sz="3600" b="1" dirty="0" smtClean="0"/>
-          </a:p>
-          <a:p>
-            <a:r>
-              <a:rPr lang="zh-CN" altLang="en-US" sz="3600" dirty="0" smtClean="0"/>
-              <a:t>屏幕呈现白色十字时休息。</a:t>
-            </a:r>
-            <a:endParaRPr lang="en-US" altLang="zh-CN" sz="3600" dirty="0" smtClean="0"/>
-          </a:p>
-          <a:p>
-            <a:r>
-              <a:rPr lang="zh-CN" altLang="en-US" sz="3600" dirty="0" smtClean="0"/>
-              <a:t>屏幕呈现</a:t>
-            </a:r>
-            <a:r>
-              <a:rPr lang="zh-CN" altLang="en-US" sz="3600" dirty="0" smtClean="0">
-                <a:solidFill>
-                  <a:srgbClr val="00B050"/>
-                </a:solidFill>
-              </a:rPr>
-              <a:t>绿色方块</a:t>
-            </a:r>
-            <a:r>
-              <a:rPr lang="zh-CN" altLang="en-US" sz="3600" dirty="0" smtClean="0"/>
-              <a:t>时，请按照用除大拇指以外四根手指，按照大约</a:t>
-            </a:r>
-            <a:r>
-              <a:rPr lang="en-US" altLang="zh-CN" sz="3600" dirty="0" smtClean="0"/>
-              <a:t>1s/</a:t>
-            </a:r>
-            <a:r>
-              <a:rPr lang="zh-CN" altLang="en-US" sz="3600" dirty="0" smtClean="0"/>
-              <a:t>次的频率从左到右依次在按键器上按键，重复进行。</a:t>
-            </a:r>
-            <a:endParaRPr lang="zh-CN" altLang="en-US" sz="3600" dirty="0"/>
-          </a:p>
-        </p:txBody>
-      </p:sp>
-    </p:spTree>
-    <p:extLst>
-      <p:ext uri="{BB962C8B-B14F-4D97-AF65-F5344CB8AC3E}">
-        <p14:creationId xmlns:p14="http://schemas.microsoft.com/office/powerpoint/2010/main" val="100826819"/>
-      </p:ext>
-    </p:extLst>
-  </p:cSld>
-  <p:clrMapOvr>
-    <a:masterClrMapping/>
-  </p:clrMapOvr>
-</p:sld>
-</file>
-
-<file path=ppt/slides/slide12.xml><?xml version="1.0" encoding="utf-8"?>
-<p:sld xmlns:a="http://schemas.openxmlformats.org/drawingml/2006/main" xmlns:r="http://schemas.openxmlformats.org/officeDocument/2006/relationships" xmlns:p="http://schemas.openxmlformats.org/presentationml/2006/main">
-  <p:cSld>
-    <p:spTree>
-      <p:nvGrpSpPr>
-        <p:cNvPr id="1" name=""/>
-        <p:cNvGrpSpPr/>
-        <p:nvPr/>
-      </p:nvGrpSpPr>
-      <p:grpSpPr>
-        <a:xfrm>
-          <a:off x="0" y="0"/>
-          <a:ext cx="0" cy="0"/>
-          <a:chOff x="0" y="0"/>
-          <a:chExt cx="0" cy="0"/>
-        </a:xfrm>
-      </p:grpSpPr>
-      <p:sp>
-        <p:nvSpPr>
-          <p:cNvPr id="2" name="文本框 1"/>
-          <p:cNvSpPr txBox="1"/>
-          <p:nvPr/>
-        </p:nvSpPr>
-        <p:spPr>
-          <a:xfrm>
-            <a:off x="1710465" y="1129553"/>
-            <a:ext cx="9036423" cy="2985433"/>
-          </a:xfrm>
-          <a:prstGeom prst="rect">
-            <a:avLst/>
-          </a:prstGeom>
-          <a:noFill/>
-        </p:spPr>
-        <p:txBody>
-          <a:bodyPr wrap="square" rtlCol="0">
-            <a:spAutoFit/>
-          </a:bodyPr>
-          <a:lstStyle/>
-          <a:p>
-            <a:pPr algn="ctr"/>
-            <a:r>
-              <a:rPr lang="zh-CN" altLang="en-US" sz="4400" b="1" dirty="0" smtClean="0"/>
-              <a:t>握力运动任务</a:t>
-            </a:r>
-            <a:endParaRPr lang="en-US" altLang="zh-CN" sz="4400" b="1" dirty="0" smtClean="0"/>
-          </a:p>
-          <a:p>
-            <a:endParaRPr lang="en-US" altLang="zh-CN" sz="3600" b="1" dirty="0" smtClean="0"/>
-          </a:p>
-          <a:p>
-            <a:r>
-              <a:rPr lang="zh-CN" altLang="en-US" sz="3600" dirty="0" smtClean="0"/>
-              <a:t>屏幕呈现白色十字时休息。</a:t>
-            </a:r>
-            <a:endParaRPr lang="en-US" altLang="zh-CN" sz="3600" dirty="0" smtClean="0"/>
-          </a:p>
-          <a:p>
-            <a:r>
-              <a:rPr lang="zh-CN" altLang="en-US" sz="3600" dirty="0" smtClean="0"/>
-              <a:t>屏幕呈现</a:t>
-            </a:r>
-            <a:r>
-              <a:rPr lang="zh-CN" altLang="en-US" sz="3600" dirty="0" smtClean="0">
-                <a:solidFill>
-                  <a:srgbClr val="00B050"/>
-                </a:solidFill>
-              </a:rPr>
-              <a:t>绿色圆球</a:t>
-            </a:r>
-            <a:r>
-              <a:rPr lang="zh-CN" altLang="en-US" sz="3600" dirty="0" smtClean="0"/>
-              <a:t>时，请用手握住木杆。</a:t>
-            </a:r>
-            <a:r>
-              <a:rPr lang="zh-CN" altLang="en-US" sz="3600" dirty="0" smtClean="0">
-                <a:solidFill>
-                  <a:srgbClr val="00B050"/>
-                </a:solidFill>
-              </a:rPr>
-              <a:t>绿色圆球</a:t>
-            </a:r>
-            <a:r>
-              <a:rPr lang="zh-CN" altLang="en-US" sz="3600" dirty="0" smtClean="0"/>
-              <a:t>面积越大，握力越大。重复进行。</a:t>
-            </a:r>
-            <a:endParaRPr lang="zh-CN" altLang="en-US" sz="3600" dirty="0"/>
-          </a:p>
-        </p:txBody>
-      </p:sp>
-    </p:spTree>
-    <p:extLst>
-      <p:ext uri="{BB962C8B-B14F-4D97-AF65-F5344CB8AC3E}">
-        <p14:creationId xmlns:p14="http://schemas.microsoft.com/office/powerpoint/2010/main" val="3985804491"/>
-      </p:ext>
-    </p:extLst>
-  </p:cSld>
-  <p:clrMapOvr>
-    <a:masterClrMapping/>
-  </p:clrMapOvr>
-</p:sld>
-</file>
-
-<file path=ppt/slides/slide13.xml><?xml version="1.0" encoding="utf-8"?>
-<p:sld xmlns:a="http://schemas.openxmlformats.org/drawingml/2006/main" xmlns:r="http://schemas.openxmlformats.org/officeDocument/2006/relationships" xmlns:p="http://schemas.openxmlformats.org/presentationml/2006/main">
-  <p:cSld>
-    <p:spTree>
-      <p:nvGrpSpPr>
-        <p:cNvPr id="1" name=""/>
-        <p:cNvGrpSpPr/>
-        <p:nvPr/>
-      </p:nvGrpSpPr>
-      <p:grpSpPr>
-        <a:xfrm>
-          <a:off x="0" y="0"/>
-          <a:ext cx="0" cy="0"/>
-          <a:chOff x="0" y="0"/>
-          <a:chExt cx="0" cy="0"/>
-        </a:xfrm>
-      </p:grpSpPr>
-      <p:sp>
-        <p:nvSpPr>
-          <p:cNvPr id="3" name="文本框 2"/>
-          <p:cNvSpPr txBox="1"/>
-          <p:nvPr/>
-        </p:nvSpPr>
-        <p:spPr>
-          <a:xfrm>
-            <a:off x="2401806" y="1560007"/>
-            <a:ext cx="8599129" cy="1134157"/>
-          </a:xfrm>
-          <a:prstGeom prst="rect">
-            <a:avLst/>
-          </a:prstGeom>
-          <a:noFill/>
-        </p:spPr>
-        <p:txBody>
-          <a:bodyPr wrap="square" rtlCol="0">
-            <a:spAutoFit/>
-          </a:bodyPr>
-          <a:lstStyle/>
-          <a:p>
-            <a:pPr>
-              <a:lnSpc>
-                <a:spcPct val="150000"/>
-              </a:lnSpc>
-            </a:pPr>
-            <a:r>
-              <a:rPr lang="zh-CN" altLang="en-US" sz="2400" dirty="0">
-                <a:latin typeface="Comic Sans MS" panose="030F0702030302020204" pitchFamily="66" charset="0"/>
-              </a:rPr>
-              <a:t>如果红色变为绿色在听到声音之</a:t>
-            </a:r>
-            <a:r>
-              <a:rPr lang="zh-CN" altLang="en-US" sz="2400" b="1" dirty="0">
-                <a:latin typeface="Comic Sans MS" panose="030F0702030302020204" pitchFamily="66" charset="0"/>
-              </a:rPr>
-              <a:t>前</a:t>
-            </a:r>
-            <a:r>
-              <a:rPr lang="zh-CN" altLang="en-US" sz="2400" dirty="0">
-                <a:latin typeface="Comic Sans MS" panose="030F0702030302020204" pitchFamily="66" charset="0"/>
-              </a:rPr>
-              <a:t>请按键盘</a:t>
-            </a:r>
-            <a:r>
-              <a:rPr lang="zh-CN" altLang="en-US" sz="2400" b="1" dirty="0" smtClean="0">
-                <a:latin typeface="Comic Sans MS" panose="030F0702030302020204" pitchFamily="66" charset="0"/>
-              </a:rPr>
-              <a:t>左</a:t>
-            </a:r>
-            <a:r>
-              <a:rPr lang="zh-CN" altLang="en-US" sz="2400" dirty="0" smtClean="0">
-                <a:latin typeface="Comic Sans MS" panose="030F0702030302020204" pitchFamily="66" charset="0"/>
-              </a:rPr>
-              <a:t>方向键；</a:t>
-            </a:r>
-            <a:endParaRPr lang="en-US" altLang="zh-CN" sz="2400" dirty="0" smtClean="0">
-              <a:latin typeface="Comic Sans MS" panose="030F0702030302020204" pitchFamily="66" charset="0"/>
-            </a:endParaRPr>
-          </a:p>
-          <a:p>
-            <a:pPr>
-              <a:lnSpc>
-                <a:spcPct val="150000"/>
-              </a:lnSpc>
-            </a:pPr>
-            <a:r>
-              <a:rPr lang="zh-CN" altLang="en-US" sz="2400" dirty="0">
-                <a:latin typeface="Comic Sans MS" panose="030F0702030302020204" pitchFamily="66" charset="0"/>
-              </a:rPr>
-              <a:t>如果红色变为绿色</a:t>
-            </a:r>
-            <a:r>
-              <a:rPr lang="zh-CN" altLang="en-US" sz="2400" dirty="0" smtClean="0">
-                <a:latin typeface="Comic Sans MS" panose="030F0702030302020204" pitchFamily="66" charset="0"/>
-              </a:rPr>
-              <a:t>在</a:t>
-            </a:r>
-            <a:r>
-              <a:rPr lang="zh-CN" altLang="en-US" sz="2400" dirty="0">
-                <a:latin typeface="Comic Sans MS" panose="030F0702030302020204" pitchFamily="66" charset="0"/>
-              </a:rPr>
-              <a:t>听到</a:t>
-            </a:r>
-            <a:r>
-              <a:rPr lang="zh-CN" altLang="en-US" sz="2400" dirty="0" smtClean="0">
-                <a:latin typeface="Comic Sans MS" panose="030F0702030302020204" pitchFamily="66" charset="0"/>
-              </a:rPr>
-              <a:t>声音</a:t>
-            </a:r>
-            <a:r>
-              <a:rPr lang="zh-CN" altLang="en-US" sz="2400" dirty="0">
-                <a:latin typeface="Comic Sans MS" panose="030F0702030302020204" pitchFamily="66" charset="0"/>
-              </a:rPr>
-              <a:t>之</a:t>
-            </a:r>
-            <a:r>
-              <a:rPr lang="zh-CN" altLang="en-US" sz="2400" b="1" dirty="0">
-                <a:latin typeface="Comic Sans MS" panose="030F0702030302020204" pitchFamily="66" charset="0"/>
-              </a:rPr>
-              <a:t>后</a:t>
-            </a:r>
-            <a:r>
-              <a:rPr lang="zh-CN" altLang="en-US" sz="2400" dirty="0">
-                <a:latin typeface="Comic Sans MS" panose="030F0702030302020204" pitchFamily="66" charset="0"/>
-              </a:rPr>
-              <a:t>请按键盘</a:t>
-            </a:r>
-            <a:r>
-              <a:rPr lang="zh-CN" altLang="en-US" sz="2400" b="1" dirty="0" smtClean="0">
-                <a:latin typeface="Comic Sans MS" panose="030F0702030302020204" pitchFamily="66" charset="0"/>
-              </a:rPr>
-              <a:t>右</a:t>
-            </a:r>
-            <a:r>
-              <a:rPr lang="zh-CN" altLang="en-US" sz="2400" dirty="0" smtClean="0">
-                <a:latin typeface="Comic Sans MS" panose="030F0702030302020204" pitchFamily="66" charset="0"/>
-              </a:rPr>
-              <a:t>方向键。</a:t>
-            </a:r>
-            <a:endParaRPr lang="zh-CN" altLang="en-US" sz="2400" dirty="0">
-              <a:latin typeface="Comic Sans MS" panose="030F0702030302020204" pitchFamily="66" charset="0"/>
-            </a:endParaRPr>
-          </a:p>
-        </p:txBody>
-      </p:sp>
-      <p:sp>
-        <p:nvSpPr>
-          <p:cNvPr id="5" name="右箭头 4"/>
-          <p:cNvSpPr/>
-          <p:nvPr/>
-        </p:nvSpPr>
-        <p:spPr>
-          <a:xfrm>
-            <a:off x="6865035" y="4079629"/>
-            <a:ext cx="1800665" cy="886265"/>
-          </a:xfrm>
-          <a:prstGeom prst="rightArrow">
-            <a:avLst/>
-          </a:prstGeom>
-          <a:noFill/>
-        </p:spPr>
-        <p:style>
-          <a:lnRef idx="2">
-            <a:schemeClr val="accent1">
-              <a:shade val="50000"/>
-            </a:schemeClr>
-          </a:lnRef>
-          <a:fillRef idx="1">
-            <a:schemeClr val="accent1"/>
-          </a:fillRef>
-          <a:effectRef idx="0">
-            <a:schemeClr val="accent1"/>
-          </a:effectRef>
-          <a:fontRef idx="minor">
-            <a:schemeClr val="lt1"/>
-          </a:fontRef>
-        </p:style>
-        <p:txBody>
-          <a:bodyPr rtlCol="0" anchor="ctr"/>
-          <a:lstStyle/>
-          <a:p>
-            <a:pPr algn="ctr"/>
-            <a:endParaRPr lang="zh-CN" altLang="en-US"/>
-          </a:p>
-        </p:txBody>
-      </p:sp>
-      <p:sp>
-        <p:nvSpPr>
-          <p:cNvPr id="6" name="右箭头 5"/>
-          <p:cNvSpPr/>
-          <p:nvPr/>
-        </p:nvSpPr>
-        <p:spPr>
-          <a:xfrm rot="10800000">
-            <a:off x="3516924" y="4079629"/>
-            <a:ext cx="1800665" cy="886265"/>
-          </a:xfrm>
-          <a:prstGeom prst="rightArrow">
-            <a:avLst/>
-          </a:prstGeom>
-          <a:noFill/>
-        </p:spPr>
-        <p:style>
-          <a:lnRef idx="2">
-            <a:schemeClr val="accent1">
-              <a:shade val="50000"/>
-            </a:schemeClr>
-          </a:lnRef>
-          <a:fillRef idx="1">
-            <a:schemeClr val="accent1"/>
-          </a:fillRef>
-          <a:effectRef idx="0">
-            <a:schemeClr val="accent1"/>
-          </a:effectRef>
-          <a:fontRef idx="minor">
-            <a:schemeClr val="lt1"/>
-          </a:fontRef>
-        </p:style>
-        <p:txBody>
-          <a:bodyPr rtlCol="0" anchor="ctr"/>
-          <a:lstStyle/>
-          <a:p>
-            <a:pPr algn="ctr"/>
-            <a:endParaRPr lang="zh-CN" altLang="en-US"/>
-          </a:p>
-        </p:txBody>
-      </p:sp>
-    </p:spTree>
-    <p:extLst>
-      <p:ext uri="{BB962C8B-B14F-4D97-AF65-F5344CB8AC3E}">
-        <p14:creationId xmlns:p14="http://schemas.microsoft.com/office/powerpoint/2010/main" val="1826338796"/>
-      </p:ext>
-    </p:extLst>
-  </p:cSld>
-  <p:clrMapOvr>
-    <a:masterClrMapping/>
-  </p:clrMapOvr>
-</p:sld>
-</file>
-
-<file path=ppt/slides/slide14.xml><?xml version="1.0" encoding="utf-8"?>
-<p:sld xmlns:a="http://schemas.openxmlformats.org/drawingml/2006/main" xmlns:r="http://schemas.openxmlformats.org/officeDocument/2006/relationships" xmlns:p="http://schemas.openxmlformats.org/presentationml/2006/main">
-  <p:cSld>
-    <p:spTree>
-      <p:nvGrpSpPr>
-        <p:cNvPr id="1" name=""/>
-        <p:cNvGrpSpPr/>
-        <p:nvPr/>
-      </p:nvGrpSpPr>
-      <p:grpSpPr>
-        <a:xfrm>
-          <a:off x="0" y="0"/>
-          <a:ext cx="0" cy="0"/>
-          <a:chOff x="0" y="0"/>
-          <a:chExt cx="0" cy="0"/>
-        </a:xfrm>
-      </p:grpSpPr>
-      <p:sp>
-        <p:nvSpPr>
-          <p:cNvPr id="3" name="文本框 2"/>
-          <p:cNvSpPr txBox="1"/>
-          <p:nvPr/>
-        </p:nvSpPr>
-        <p:spPr>
-          <a:xfrm>
-            <a:off x="2401806" y="1560007"/>
-            <a:ext cx="8599129" cy="1134157"/>
-          </a:xfrm>
-          <a:prstGeom prst="rect">
-            <a:avLst/>
-          </a:prstGeom>
-          <a:noFill/>
-        </p:spPr>
-        <p:txBody>
-          <a:bodyPr wrap="square" rtlCol="0">
-            <a:spAutoFit/>
-          </a:bodyPr>
-          <a:lstStyle/>
-          <a:p>
-            <a:pPr>
-              <a:lnSpc>
-                <a:spcPct val="150000"/>
-              </a:lnSpc>
-            </a:pPr>
-            <a:r>
-              <a:rPr lang="zh-CN" altLang="en-US" sz="2400" dirty="0">
-                <a:latin typeface="Comic Sans MS" panose="030F0702030302020204" pitchFamily="66" charset="0"/>
-              </a:rPr>
-              <a:t>如果红色变为绿色在听到声音之</a:t>
-            </a:r>
-            <a:r>
-              <a:rPr lang="zh-CN" altLang="en-US" sz="2400" b="1" dirty="0">
-                <a:latin typeface="Comic Sans MS" panose="030F0702030302020204" pitchFamily="66" charset="0"/>
-              </a:rPr>
-              <a:t>前</a:t>
-            </a:r>
-            <a:r>
-              <a:rPr lang="zh-CN" altLang="en-US" sz="2400" dirty="0">
-                <a:latin typeface="Comic Sans MS" panose="030F0702030302020204" pitchFamily="66" charset="0"/>
-              </a:rPr>
-              <a:t>请按键盘</a:t>
-            </a:r>
-            <a:r>
-              <a:rPr lang="zh-CN" altLang="en-US" sz="2400" b="1" dirty="0" smtClean="0">
-                <a:latin typeface="Comic Sans MS" panose="030F0702030302020204" pitchFamily="66" charset="0"/>
-              </a:rPr>
-              <a:t>左</a:t>
-            </a:r>
-            <a:r>
-              <a:rPr lang="zh-CN" altLang="en-US" sz="2400" dirty="0" smtClean="0">
-                <a:latin typeface="Comic Sans MS" panose="030F0702030302020204" pitchFamily="66" charset="0"/>
-              </a:rPr>
-              <a:t>方向键；</a:t>
-            </a:r>
-            <a:endParaRPr lang="en-US" altLang="zh-CN" sz="2400" dirty="0" smtClean="0">
-              <a:latin typeface="Comic Sans MS" panose="030F0702030302020204" pitchFamily="66" charset="0"/>
-            </a:endParaRPr>
-          </a:p>
-          <a:p>
-            <a:pPr>
-              <a:lnSpc>
-                <a:spcPct val="150000"/>
-              </a:lnSpc>
-            </a:pPr>
-            <a:r>
-              <a:rPr lang="zh-CN" altLang="en-US" sz="2400" dirty="0">
-                <a:latin typeface="Comic Sans MS" panose="030F0702030302020204" pitchFamily="66" charset="0"/>
-              </a:rPr>
-              <a:t>如果红色变为绿色</a:t>
-            </a:r>
-            <a:r>
-              <a:rPr lang="zh-CN" altLang="en-US" sz="2400" dirty="0" smtClean="0">
-                <a:latin typeface="Comic Sans MS" panose="030F0702030302020204" pitchFamily="66" charset="0"/>
-              </a:rPr>
-              <a:t>在</a:t>
-            </a:r>
-            <a:r>
-              <a:rPr lang="zh-CN" altLang="en-US" sz="2400" dirty="0">
-                <a:latin typeface="Comic Sans MS" panose="030F0702030302020204" pitchFamily="66" charset="0"/>
-              </a:rPr>
-              <a:t>听到</a:t>
-            </a:r>
-            <a:r>
-              <a:rPr lang="zh-CN" altLang="en-US" sz="2400" dirty="0" smtClean="0">
-                <a:latin typeface="Comic Sans MS" panose="030F0702030302020204" pitchFamily="66" charset="0"/>
-              </a:rPr>
-              <a:t>声音</a:t>
-            </a:r>
-            <a:r>
-              <a:rPr lang="zh-CN" altLang="en-US" sz="2400" dirty="0">
-                <a:latin typeface="Comic Sans MS" panose="030F0702030302020204" pitchFamily="66" charset="0"/>
-              </a:rPr>
-              <a:t>之</a:t>
-            </a:r>
-            <a:r>
-              <a:rPr lang="zh-CN" altLang="en-US" sz="2400" b="1" dirty="0">
-                <a:latin typeface="Comic Sans MS" panose="030F0702030302020204" pitchFamily="66" charset="0"/>
-              </a:rPr>
-              <a:t>后</a:t>
-            </a:r>
-            <a:r>
-              <a:rPr lang="zh-CN" altLang="en-US" sz="2400" dirty="0">
-                <a:latin typeface="Comic Sans MS" panose="030F0702030302020204" pitchFamily="66" charset="0"/>
-              </a:rPr>
-              <a:t>请按键盘</a:t>
-            </a:r>
-            <a:r>
-              <a:rPr lang="zh-CN" altLang="en-US" sz="2400" b="1" dirty="0" smtClean="0">
-                <a:latin typeface="Comic Sans MS" panose="030F0702030302020204" pitchFamily="66" charset="0"/>
-              </a:rPr>
-              <a:t>右</a:t>
-            </a:r>
-            <a:r>
-              <a:rPr lang="zh-CN" altLang="en-US" sz="2400" dirty="0" smtClean="0">
-                <a:latin typeface="Comic Sans MS" panose="030F0702030302020204" pitchFamily="66" charset="0"/>
-              </a:rPr>
-              <a:t>方向键。</a:t>
-            </a:r>
-            <a:endParaRPr lang="zh-CN" altLang="en-US" sz="2400" dirty="0">
-              <a:latin typeface="Comic Sans MS" panose="030F0702030302020204" pitchFamily="66" charset="0"/>
-            </a:endParaRPr>
-          </a:p>
-        </p:txBody>
-      </p:sp>
-      <p:sp>
-        <p:nvSpPr>
-          <p:cNvPr id="5" name="右箭头 4"/>
-          <p:cNvSpPr/>
-          <p:nvPr/>
-        </p:nvSpPr>
-        <p:spPr>
-          <a:xfrm>
-            <a:off x="6865035" y="4079629"/>
-            <a:ext cx="1800665" cy="886265"/>
-          </a:xfrm>
-          <a:prstGeom prst="rightArrow">
-            <a:avLst/>
-          </a:prstGeom>
-          <a:solidFill>
-            <a:srgbClr val="0070C0"/>
-          </a:solidFill>
-        </p:spPr>
-        <p:style>
-          <a:lnRef idx="2">
-            <a:schemeClr val="accent1">
-              <a:shade val="50000"/>
-            </a:schemeClr>
-          </a:lnRef>
-          <a:fillRef idx="1">
-            <a:schemeClr val="accent1"/>
-          </a:fillRef>
-          <a:effectRef idx="0">
-            <a:schemeClr val="accent1"/>
-          </a:effectRef>
-          <a:fontRef idx="minor">
-            <a:schemeClr val="lt1"/>
-          </a:fontRef>
-        </p:style>
-        <p:txBody>
-          <a:bodyPr rtlCol="0" anchor="ctr"/>
-          <a:lstStyle/>
-          <a:p>
-            <a:pPr algn="ctr"/>
-            <a:endParaRPr lang="zh-CN" altLang="en-US"/>
-          </a:p>
-        </p:txBody>
-      </p:sp>
-      <p:sp>
-        <p:nvSpPr>
-          <p:cNvPr id="6" name="右箭头 5"/>
-          <p:cNvSpPr/>
-          <p:nvPr/>
-        </p:nvSpPr>
-        <p:spPr>
-          <a:xfrm rot="10800000">
-            <a:off x="3516924" y="4079629"/>
-            <a:ext cx="1800665" cy="886265"/>
-          </a:xfrm>
-          <a:prstGeom prst="rightArrow">
-            <a:avLst/>
-          </a:prstGeom>
-          <a:noFill/>
-        </p:spPr>
-        <p:style>
-          <a:lnRef idx="2">
-            <a:schemeClr val="accent1">
-              <a:shade val="50000"/>
-            </a:schemeClr>
-          </a:lnRef>
-          <a:fillRef idx="1">
-            <a:schemeClr val="accent1"/>
-          </a:fillRef>
-          <a:effectRef idx="0">
-            <a:schemeClr val="accent1"/>
-          </a:effectRef>
-          <a:fontRef idx="minor">
-            <a:schemeClr val="lt1"/>
-          </a:fontRef>
-        </p:style>
-        <p:txBody>
-          <a:bodyPr rtlCol="0" anchor="ctr"/>
-          <a:lstStyle/>
-          <a:p>
-            <a:pPr algn="ctr"/>
-            <a:endParaRPr lang="zh-CN" altLang="en-US"/>
-          </a:p>
-        </p:txBody>
-      </p:sp>
-    </p:spTree>
-    <p:extLst>
-      <p:ext uri="{BB962C8B-B14F-4D97-AF65-F5344CB8AC3E}">
-        <p14:creationId xmlns:p14="http://schemas.microsoft.com/office/powerpoint/2010/main" val="951594015"/>
-      </p:ext>
-    </p:extLst>
-  </p:cSld>
-  <p:clrMapOvr>
-    <a:masterClrMapping/>
-  </p:clrMapOvr>
-</p:sld>
-</file>
-
-<file path=ppt/slides/slide15.xml><?xml version="1.0" encoding="utf-8"?>
-<p:sld xmlns:a="http://schemas.openxmlformats.org/drawingml/2006/main" xmlns:r="http://schemas.openxmlformats.org/officeDocument/2006/relationships" xmlns:p="http://schemas.openxmlformats.org/presentationml/2006/main">
-  <p:cSld>
-    <p:spTree>
-      <p:nvGrpSpPr>
-        <p:cNvPr id="1" name=""/>
-        <p:cNvGrpSpPr/>
-        <p:nvPr/>
-      </p:nvGrpSpPr>
-      <p:grpSpPr>
-        <a:xfrm>
-          <a:off x="0" y="0"/>
-          <a:ext cx="0" cy="0"/>
-          <a:chOff x="0" y="0"/>
-          <a:chExt cx="0" cy="0"/>
-        </a:xfrm>
-      </p:grpSpPr>
-      <p:sp>
-        <p:nvSpPr>
-          <p:cNvPr id="3" name="文本框 2"/>
-          <p:cNvSpPr txBox="1"/>
-          <p:nvPr/>
-        </p:nvSpPr>
-        <p:spPr>
-          <a:xfrm>
-            <a:off x="2401806" y="1560007"/>
-            <a:ext cx="8599129" cy="1134157"/>
-          </a:xfrm>
-          <a:prstGeom prst="rect">
-            <a:avLst/>
-          </a:prstGeom>
-          <a:noFill/>
-        </p:spPr>
-        <p:txBody>
-          <a:bodyPr wrap="square" rtlCol="0">
-            <a:spAutoFit/>
-          </a:bodyPr>
-          <a:lstStyle/>
-          <a:p>
-            <a:pPr>
-              <a:lnSpc>
-                <a:spcPct val="150000"/>
-              </a:lnSpc>
-            </a:pPr>
-            <a:r>
-              <a:rPr lang="zh-CN" altLang="en-US" sz="2400" dirty="0">
-                <a:latin typeface="Comic Sans MS" panose="030F0702030302020204" pitchFamily="66" charset="0"/>
-              </a:rPr>
-              <a:t>如果红色变为绿色在听到声音之</a:t>
-            </a:r>
-            <a:r>
-              <a:rPr lang="zh-CN" altLang="en-US" sz="2400" b="1" dirty="0">
-                <a:latin typeface="Comic Sans MS" panose="030F0702030302020204" pitchFamily="66" charset="0"/>
-              </a:rPr>
-              <a:t>前</a:t>
-            </a:r>
-            <a:r>
-              <a:rPr lang="zh-CN" altLang="en-US" sz="2400" dirty="0">
-                <a:latin typeface="Comic Sans MS" panose="030F0702030302020204" pitchFamily="66" charset="0"/>
-              </a:rPr>
-              <a:t>请按键盘</a:t>
-            </a:r>
-            <a:r>
-              <a:rPr lang="zh-CN" altLang="en-US" sz="2400" b="1" dirty="0" smtClean="0">
-                <a:latin typeface="Comic Sans MS" panose="030F0702030302020204" pitchFamily="66" charset="0"/>
-              </a:rPr>
-              <a:t>左</a:t>
-            </a:r>
-            <a:r>
-              <a:rPr lang="zh-CN" altLang="en-US" sz="2400" dirty="0" smtClean="0">
-                <a:latin typeface="Comic Sans MS" panose="030F0702030302020204" pitchFamily="66" charset="0"/>
-              </a:rPr>
-              <a:t>方向键；</a:t>
-            </a:r>
-            <a:endParaRPr lang="en-US" altLang="zh-CN" sz="2400" dirty="0" smtClean="0">
-              <a:latin typeface="Comic Sans MS" panose="030F0702030302020204" pitchFamily="66" charset="0"/>
-            </a:endParaRPr>
-          </a:p>
-          <a:p>
-            <a:pPr>
-              <a:lnSpc>
-                <a:spcPct val="150000"/>
-              </a:lnSpc>
-            </a:pPr>
-            <a:r>
-              <a:rPr lang="zh-CN" altLang="en-US" sz="2400" dirty="0">
-                <a:latin typeface="Comic Sans MS" panose="030F0702030302020204" pitchFamily="66" charset="0"/>
-              </a:rPr>
-              <a:t>如果红色变为绿色</a:t>
-            </a:r>
-            <a:r>
-              <a:rPr lang="zh-CN" altLang="en-US" sz="2400" dirty="0" smtClean="0">
-                <a:latin typeface="Comic Sans MS" panose="030F0702030302020204" pitchFamily="66" charset="0"/>
-              </a:rPr>
-              <a:t>在</a:t>
-            </a:r>
-            <a:r>
-              <a:rPr lang="zh-CN" altLang="en-US" sz="2400" dirty="0">
-                <a:latin typeface="Comic Sans MS" panose="030F0702030302020204" pitchFamily="66" charset="0"/>
-              </a:rPr>
-              <a:t>听到</a:t>
-            </a:r>
-            <a:r>
-              <a:rPr lang="zh-CN" altLang="en-US" sz="2400" dirty="0" smtClean="0">
-                <a:latin typeface="Comic Sans MS" panose="030F0702030302020204" pitchFamily="66" charset="0"/>
-              </a:rPr>
-              <a:t>声音</a:t>
-            </a:r>
-            <a:r>
-              <a:rPr lang="zh-CN" altLang="en-US" sz="2400" dirty="0">
-                <a:latin typeface="Comic Sans MS" panose="030F0702030302020204" pitchFamily="66" charset="0"/>
-              </a:rPr>
-              <a:t>之</a:t>
-            </a:r>
-            <a:r>
-              <a:rPr lang="zh-CN" altLang="en-US" sz="2400" b="1" dirty="0">
-                <a:latin typeface="Comic Sans MS" panose="030F0702030302020204" pitchFamily="66" charset="0"/>
-              </a:rPr>
-              <a:t>后</a:t>
-            </a:r>
-            <a:r>
-              <a:rPr lang="zh-CN" altLang="en-US" sz="2400" dirty="0">
-                <a:latin typeface="Comic Sans MS" panose="030F0702030302020204" pitchFamily="66" charset="0"/>
-              </a:rPr>
-              <a:t>请按键盘</a:t>
-            </a:r>
-            <a:r>
-              <a:rPr lang="zh-CN" altLang="en-US" sz="2400" b="1" dirty="0" smtClean="0">
-                <a:latin typeface="Comic Sans MS" panose="030F0702030302020204" pitchFamily="66" charset="0"/>
-              </a:rPr>
-              <a:t>右</a:t>
-            </a:r>
-            <a:r>
-              <a:rPr lang="zh-CN" altLang="en-US" sz="2400" dirty="0" smtClean="0">
-                <a:latin typeface="Comic Sans MS" panose="030F0702030302020204" pitchFamily="66" charset="0"/>
-              </a:rPr>
-              <a:t>方向键。</a:t>
-            </a:r>
-            <a:endParaRPr lang="zh-CN" altLang="en-US" sz="2400" dirty="0">
-              <a:latin typeface="Comic Sans MS" panose="030F0702030302020204" pitchFamily="66" charset="0"/>
-            </a:endParaRPr>
-          </a:p>
-        </p:txBody>
-      </p:sp>
-      <p:sp>
-        <p:nvSpPr>
-          <p:cNvPr id="5" name="右箭头 4"/>
-          <p:cNvSpPr/>
-          <p:nvPr/>
-        </p:nvSpPr>
-        <p:spPr>
-          <a:xfrm>
-            <a:off x="6865035" y="4079629"/>
-            <a:ext cx="1800665" cy="886265"/>
-          </a:xfrm>
-          <a:prstGeom prst="rightArrow">
-            <a:avLst/>
-          </a:prstGeom>
-          <a:noFill/>
-        </p:spPr>
-        <p:style>
-          <a:lnRef idx="2">
-            <a:schemeClr val="accent1">
-              <a:shade val="50000"/>
-            </a:schemeClr>
-          </a:lnRef>
-          <a:fillRef idx="1">
-            <a:schemeClr val="accent1"/>
-          </a:fillRef>
-          <a:effectRef idx="0">
-            <a:schemeClr val="accent1"/>
-          </a:effectRef>
-          <a:fontRef idx="minor">
-            <a:schemeClr val="lt1"/>
-          </a:fontRef>
-        </p:style>
-        <p:txBody>
-          <a:bodyPr rtlCol="0" anchor="ctr"/>
-          <a:lstStyle/>
-          <a:p>
-            <a:pPr algn="ctr"/>
-            <a:endParaRPr lang="zh-CN" altLang="en-US"/>
-          </a:p>
-        </p:txBody>
-      </p:sp>
-      <p:sp>
-        <p:nvSpPr>
-          <p:cNvPr id="6" name="右箭头 5"/>
-          <p:cNvSpPr/>
-          <p:nvPr/>
-        </p:nvSpPr>
-        <p:spPr>
-          <a:xfrm rot="10800000">
-            <a:off x="3516924" y="4079629"/>
-            <a:ext cx="1800665" cy="886265"/>
-          </a:xfrm>
-          <a:prstGeom prst="rightArrow">
-            <a:avLst/>
-          </a:prstGeom>
-          <a:solidFill>
-            <a:srgbClr val="0070C0"/>
-          </a:solidFill>
-        </p:spPr>
-        <p:style>
-          <a:lnRef idx="2">
-            <a:schemeClr val="accent1">
-              <a:shade val="50000"/>
-            </a:schemeClr>
-          </a:lnRef>
-          <a:fillRef idx="1">
-            <a:schemeClr val="accent1"/>
-          </a:fillRef>
-          <a:effectRef idx="0">
-            <a:schemeClr val="accent1"/>
-          </a:effectRef>
-          <a:fontRef idx="minor">
-            <a:schemeClr val="lt1"/>
-          </a:fontRef>
-        </p:style>
-        <p:txBody>
-          <a:bodyPr rtlCol="0" anchor="ctr"/>
-          <a:lstStyle/>
-          <a:p>
-            <a:pPr algn="ctr"/>
-            <a:endParaRPr lang="zh-CN" altLang="en-US"/>
-          </a:p>
-        </p:txBody>
-      </p:sp>
-    </p:spTree>
-    <p:extLst>
-      <p:ext uri="{BB962C8B-B14F-4D97-AF65-F5344CB8AC3E}">
-        <p14:creationId xmlns:p14="http://schemas.microsoft.com/office/powerpoint/2010/main" val="1055910413"/>
-      </p:ext>
-    </p:extLst>
-  </p:cSld>
-  <p:clrMapOvr>
-    <a:masterClrMapping/>
-  </p:clrMapOvr>
-</p:sld>
-</file>
-
-<file path=ppt/slides/slide16.xml><?xml version="1.0" encoding="utf-8"?>
-<p:sld xmlns:a="http://schemas.openxmlformats.org/drawingml/2006/main" xmlns:r="http://schemas.openxmlformats.org/officeDocument/2006/relationships" xmlns:p="http://schemas.openxmlformats.org/presentationml/2006/main">
-  <p:cSld>
-    <p:spTree>
-      <p:nvGrpSpPr>
-        <p:cNvPr id="1" name=""/>
-        <p:cNvGrpSpPr/>
-        <p:nvPr/>
-      </p:nvGrpSpPr>
-      <p:grpSpPr>
-        <a:xfrm>
-          <a:off x="0" y="0"/>
-          <a:ext cx="0" cy="0"/>
-          <a:chOff x="0" y="0"/>
-          <a:chExt cx="0" cy="0"/>
-        </a:xfrm>
-      </p:grpSpPr>
-      <p:sp>
-        <p:nvSpPr>
-          <p:cNvPr id="3" name="文本框 2"/>
-          <p:cNvSpPr txBox="1"/>
-          <p:nvPr/>
-        </p:nvSpPr>
-        <p:spPr>
-          <a:xfrm>
-            <a:off x="3372477" y="1560007"/>
-            <a:ext cx="5433897" cy="1200329"/>
-          </a:xfrm>
-          <a:prstGeom prst="rect">
-            <a:avLst/>
-          </a:prstGeom>
-          <a:noFill/>
-        </p:spPr>
-        <p:txBody>
-          <a:bodyPr wrap="square" rtlCol="0">
-            <a:spAutoFit/>
-          </a:bodyPr>
-          <a:lstStyle/>
-          <a:p>
-            <a:pPr>
-              <a:lnSpc>
-                <a:spcPct val="150000"/>
-              </a:lnSpc>
-            </a:pPr>
-            <a:r>
-              <a:rPr lang="zh-CN" altLang="en-US" sz="2400" dirty="0" smtClean="0">
-                <a:latin typeface="Comic Sans MS" panose="030F0702030302020204" pitchFamily="66" charset="0"/>
-              </a:rPr>
-              <a:t>听到声音时方块是</a:t>
-            </a:r>
-            <a:r>
-              <a:rPr lang="zh-CN" altLang="en-US" sz="2400" dirty="0" smtClean="0">
-                <a:solidFill>
-                  <a:srgbClr val="00B050"/>
-                </a:solidFill>
-                <a:latin typeface="Comic Sans MS" panose="030F0702030302020204" pitchFamily="66" charset="0"/>
-              </a:rPr>
-              <a:t>绿</a:t>
-            </a:r>
-            <a:r>
-              <a:rPr lang="zh-CN" altLang="en-US" sz="2400" dirty="0" smtClean="0">
-                <a:latin typeface="Comic Sans MS" panose="030F0702030302020204" pitchFamily="66" charset="0"/>
-              </a:rPr>
-              <a:t>色按下</a:t>
-            </a:r>
-            <a:r>
-              <a:rPr lang="zh-CN" altLang="en-US" sz="2400" b="1" dirty="0" smtClean="0">
-                <a:latin typeface="Comic Sans MS" panose="030F0702030302020204" pitchFamily="66" charset="0"/>
-              </a:rPr>
-              <a:t>左</a:t>
-            </a:r>
-            <a:r>
-              <a:rPr lang="zh-CN" altLang="en-US" sz="2400" dirty="0" smtClean="0">
-                <a:latin typeface="Comic Sans MS" panose="030F0702030302020204" pitchFamily="66" charset="0"/>
-              </a:rPr>
-              <a:t>方向键；</a:t>
-            </a:r>
-            <a:endParaRPr lang="en-US" altLang="zh-CN" sz="2400" dirty="0" smtClean="0">
-              <a:latin typeface="Comic Sans MS" panose="030F0702030302020204" pitchFamily="66" charset="0"/>
-            </a:endParaRPr>
-          </a:p>
-          <a:p>
-            <a:pPr>
-              <a:lnSpc>
-                <a:spcPct val="150000"/>
-              </a:lnSpc>
-            </a:pPr>
-            <a:r>
-              <a:rPr lang="zh-CN" altLang="en-US" sz="2400" dirty="0">
-                <a:latin typeface="Comic Sans MS" panose="030F0702030302020204" pitchFamily="66" charset="0"/>
-              </a:rPr>
-              <a:t>听到声音时方块</a:t>
-            </a:r>
-            <a:r>
-              <a:rPr lang="zh-CN" altLang="en-US" sz="2400" dirty="0" smtClean="0">
-                <a:latin typeface="Comic Sans MS" panose="030F0702030302020204" pitchFamily="66" charset="0"/>
-              </a:rPr>
-              <a:t>是</a:t>
-            </a:r>
-            <a:r>
-              <a:rPr lang="zh-CN" altLang="en-US" sz="2400" dirty="0" smtClean="0">
-                <a:solidFill>
-                  <a:srgbClr val="C00000"/>
-                </a:solidFill>
-                <a:latin typeface="Comic Sans MS" panose="030F0702030302020204" pitchFamily="66" charset="0"/>
-              </a:rPr>
-              <a:t>红</a:t>
-            </a:r>
-            <a:r>
-              <a:rPr lang="zh-CN" altLang="en-US" sz="2400" dirty="0" smtClean="0">
-                <a:latin typeface="Comic Sans MS" panose="030F0702030302020204" pitchFamily="66" charset="0"/>
-              </a:rPr>
-              <a:t>色</a:t>
-            </a:r>
-            <a:r>
-              <a:rPr lang="zh-CN" altLang="en-US" sz="2400" dirty="0">
-                <a:latin typeface="Comic Sans MS" panose="030F0702030302020204" pitchFamily="66" charset="0"/>
-              </a:rPr>
-              <a:t>按下</a:t>
-            </a:r>
-            <a:r>
-              <a:rPr lang="zh-CN" altLang="en-US" sz="2400" b="1" dirty="0" smtClean="0">
-                <a:latin typeface="Comic Sans MS" panose="030F0702030302020204" pitchFamily="66" charset="0"/>
-              </a:rPr>
-              <a:t>右</a:t>
-            </a:r>
-            <a:r>
-              <a:rPr lang="zh-CN" altLang="en-US" sz="2400" dirty="0" smtClean="0">
-                <a:latin typeface="Comic Sans MS" panose="030F0702030302020204" pitchFamily="66" charset="0"/>
-              </a:rPr>
-              <a:t>方向键。</a:t>
-            </a:r>
-            <a:endParaRPr lang="zh-CN" altLang="en-US" sz="2400" dirty="0">
-              <a:latin typeface="Comic Sans MS" panose="030F0702030302020204" pitchFamily="66" charset="0"/>
-            </a:endParaRPr>
-          </a:p>
-        </p:txBody>
-      </p:sp>
-      <p:sp>
-        <p:nvSpPr>
-          <p:cNvPr id="5" name="右箭头 4"/>
-          <p:cNvSpPr/>
-          <p:nvPr/>
-        </p:nvSpPr>
-        <p:spPr>
-          <a:xfrm>
-            <a:off x="7005709" y="4079627"/>
-            <a:ext cx="1800665" cy="886265"/>
-          </a:xfrm>
-          <a:prstGeom prst="rightArrow">
-            <a:avLst/>
-          </a:prstGeom>
-          <a:noFill/>
-        </p:spPr>
-        <p:style>
-          <a:lnRef idx="2">
-            <a:schemeClr val="accent1">
-              <a:shade val="50000"/>
-            </a:schemeClr>
-          </a:lnRef>
-          <a:fillRef idx="1">
-            <a:schemeClr val="accent1"/>
-          </a:fillRef>
-          <a:effectRef idx="0">
-            <a:schemeClr val="accent1"/>
-          </a:effectRef>
-          <a:fontRef idx="minor">
-            <a:schemeClr val="lt1"/>
-          </a:fontRef>
-        </p:style>
-        <p:txBody>
-          <a:bodyPr rtlCol="0" anchor="ctr"/>
-          <a:lstStyle/>
-          <a:p>
-            <a:pPr algn="ctr"/>
-            <a:endParaRPr lang="zh-CN" altLang="en-US"/>
-          </a:p>
-        </p:txBody>
-      </p:sp>
-      <p:sp>
-        <p:nvSpPr>
-          <p:cNvPr id="6" name="右箭头 5"/>
-          <p:cNvSpPr/>
-          <p:nvPr/>
-        </p:nvSpPr>
-        <p:spPr>
-          <a:xfrm rot="10800000">
-            <a:off x="3372477" y="4079628"/>
-            <a:ext cx="1800665" cy="886265"/>
-          </a:xfrm>
-          <a:prstGeom prst="rightArrow">
-            <a:avLst/>
-          </a:prstGeom>
-          <a:noFill/>
-        </p:spPr>
-        <p:style>
-          <a:lnRef idx="2">
-            <a:schemeClr val="accent1">
-              <a:shade val="50000"/>
-            </a:schemeClr>
-          </a:lnRef>
-          <a:fillRef idx="1">
-            <a:schemeClr val="accent1"/>
-          </a:fillRef>
-          <a:effectRef idx="0">
-            <a:schemeClr val="accent1"/>
-          </a:effectRef>
-          <a:fontRef idx="minor">
-            <a:schemeClr val="lt1"/>
-          </a:fontRef>
-        </p:style>
-        <p:txBody>
-          <a:bodyPr rtlCol="0" anchor="ctr"/>
-          <a:lstStyle/>
-          <a:p>
-            <a:pPr algn="ctr"/>
-            <a:endParaRPr lang="zh-CN" altLang="en-US"/>
-          </a:p>
-        </p:txBody>
-      </p:sp>
-    </p:spTree>
-    <p:extLst>
-      <p:ext uri="{BB962C8B-B14F-4D97-AF65-F5344CB8AC3E}">
-        <p14:creationId xmlns:p14="http://schemas.microsoft.com/office/powerpoint/2010/main" val="2152115663"/>
-      </p:ext>
-    </p:extLst>
-  </p:cSld>
-  <p:clrMapOvr>
-    <a:masterClrMapping/>
-  </p:clrMapOvr>
-</p:sld>
-</file>
-
-<file path=ppt/slides/slide17.xml><?xml version="1.0" encoding="utf-8"?>
-<p:sld xmlns:a="http://schemas.openxmlformats.org/drawingml/2006/main" xmlns:r="http://schemas.openxmlformats.org/officeDocument/2006/relationships" xmlns:p="http://schemas.openxmlformats.org/presentationml/2006/main">
-  <p:cSld>
-    <p:spTree>
-      <p:nvGrpSpPr>
-        <p:cNvPr id="1" name=""/>
-        <p:cNvGrpSpPr/>
-        <p:nvPr/>
-      </p:nvGrpSpPr>
-      <p:grpSpPr>
-        <a:xfrm>
-          <a:off x="0" y="0"/>
-          <a:ext cx="0" cy="0"/>
-          <a:chOff x="0" y="0"/>
-          <a:chExt cx="0" cy="0"/>
-        </a:xfrm>
-      </p:grpSpPr>
-      <p:sp>
-        <p:nvSpPr>
-          <p:cNvPr id="3" name="文本框 2"/>
-          <p:cNvSpPr txBox="1"/>
-          <p:nvPr/>
-        </p:nvSpPr>
-        <p:spPr>
-          <a:xfrm>
-            <a:off x="3372477" y="1560007"/>
-            <a:ext cx="5433897" cy="1200329"/>
-          </a:xfrm>
-          <a:prstGeom prst="rect">
-            <a:avLst/>
-          </a:prstGeom>
-          <a:noFill/>
-        </p:spPr>
-        <p:txBody>
-          <a:bodyPr wrap="square" rtlCol="0">
-            <a:spAutoFit/>
-          </a:bodyPr>
-          <a:lstStyle/>
-          <a:p>
-            <a:pPr>
-              <a:lnSpc>
-                <a:spcPct val="150000"/>
-              </a:lnSpc>
-            </a:pPr>
-            <a:r>
-              <a:rPr lang="zh-CN" altLang="en-US" sz="2400" dirty="0" smtClean="0">
-                <a:latin typeface="Comic Sans MS" panose="030F0702030302020204" pitchFamily="66" charset="0"/>
-              </a:rPr>
-              <a:t>听到声音时方块是</a:t>
-            </a:r>
-            <a:r>
-              <a:rPr lang="zh-CN" altLang="en-US" sz="2400" dirty="0" smtClean="0">
-                <a:solidFill>
-                  <a:srgbClr val="00B050"/>
-                </a:solidFill>
-                <a:latin typeface="Comic Sans MS" panose="030F0702030302020204" pitchFamily="66" charset="0"/>
-              </a:rPr>
-              <a:t>绿</a:t>
-            </a:r>
-            <a:r>
-              <a:rPr lang="zh-CN" altLang="en-US" sz="2400" dirty="0" smtClean="0">
-                <a:latin typeface="Comic Sans MS" panose="030F0702030302020204" pitchFamily="66" charset="0"/>
-              </a:rPr>
-              <a:t>色按下</a:t>
-            </a:r>
-            <a:r>
-              <a:rPr lang="zh-CN" altLang="en-US" sz="2400" b="1" dirty="0" smtClean="0">
-                <a:latin typeface="Comic Sans MS" panose="030F0702030302020204" pitchFamily="66" charset="0"/>
-              </a:rPr>
-              <a:t>左</a:t>
-            </a:r>
-            <a:r>
-              <a:rPr lang="zh-CN" altLang="en-US" sz="2400" dirty="0" smtClean="0">
-                <a:latin typeface="Comic Sans MS" panose="030F0702030302020204" pitchFamily="66" charset="0"/>
-              </a:rPr>
-              <a:t>方向键；</a:t>
-            </a:r>
-            <a:endParaRPr lang="en-US" altLang="zh-CN" sz="2400" dirty="0" smtClean="0">
-              <a:latin typeface="Comic Sans MS" panose="030F0702030302020204" pitchFamily="66" charset="0"/>
-            </a:endParaRPr>
-          </a:p>
-          <a:p>
-            <a:pPr>
-              <a:lnSpc>
-                <a:spcPct val="150000"/>
-              </a:lnSpc>
-            </a:pPr>
-            <a:r>
-              <a:rPr lang="zh-CN" altLang="en-US" sz="2400" dirty="0">
-                <a:latin typeface="Comic Sans MS" panose="030F0702030302020204" pitchFamily="66" charset="0"/>
-              </a:rPr>
-              <a:t>听到声音时方块</a:t>
-            </a:r>
-            <a:r>
-              <a:rPr lang="zh-CN" altLang="en-US" sz="2400" dirty="0" smtClean="0">
-                <a:latin typeface="Comic Sans MS" panose="030F0702030302020204" pitchFamily="66" charset="0"/>
-              </a:rPr>
-              <a:t>是</a:t>
-            </a:r>
-            <a:r>
-              <a:rPr lang="zh-CN" altLang="en-US" sz="2400" dirty="0" smtClean="0">
-                <a:solidFill>
-                  <a:srgbClr val="C00000"/>
-                </a:solidFill>
-                <a:latin typeface="Comic Sans MS" panose="030F0702030302020204" pitchFamily="66" charset="0"/>
-              </a:rPr>
-              <a:t>红</a:t>
-            </a:r>
-            <a:r>
-              <a:rPr lang="zh-CN" altLang="en-US" sz="2400" dirty="0" smtClean="0">
-                <a:latin typeface="Comic Sans MS" panose="030F0702030302020204" pitchFamily="66" charset="0"/>
-              </a:rPr>
-              <a:t>色</a:t>
-            </a:r>
-            <a:r>
-              <a:rPr lang="zh-CN" altLang="en-US" sz="2400" dirty="0">
-                <a:latin typeface="Comic Sans MS" panose="030F0702030302020204" pitchFamily="66" charset="0"/>
-              </a:rPr>
-              <a:t>按下</a:t>
-            </a:r>
-            <a:r>
-              <a:rPr lang="zh-CN" altLang="en-US" sz="2400" b="1" dirty="0" smtClean="0">
-                <a:latin typeface="Comic Sans MS" panose="030F0702030302020204" pitchFamily="66" charset="0"/>
-              </a:rPr>
-              <a:t>右</a:t>
-            </a:r>
-            <a:r>
-              <a:rPr lang="zh-CN" altLang="en-US" sz="2400" dirty="0" smtClean="0">
-                <a:latin typeface="Comic Sans MS" panose="030F0702030302020204" pitchFamily="66" charset="0"/>
-              </a:rPr>
-              <a:t>方向键。</a:t>
-            </a:r>
-            <a:endParaRPr lang="zh-CN" altLang="en-US" sz="2400" dirty="0">
-              <a:latin typeface="Comic Sans MS" panose="030F0702030302020204" pitchFamily="66" charset="0"/>
-            </a:endParaRPr>
-          </a:p>
-        </p:txBody>
-      </p:sp>
-      <p:sp>
-        <p:nvSpPr>
-          <p:cNvPr id="5" name="右箭头 4"/>
-          <p:cNvSpPr/>
-          <p:nvPr/>
-        </p:nvSpPr>
-        <p:spPr>
-          <a:xfrm>
-            <a:off x="7005709" y="4079627"/>
-            <a:ext cx="1800665" cy="886265"/>
-          </a:xfrm>
-          <a:prstGeom prst="rightArrow">
-            <a:avLst/>
-          </a:prstGeom>
-          <a:solidFill>
-            <a:srgbClr val="0070C0"/>
-          </a:solidFill>
-        </p:spPr>
-        <p:style>
-          <a:lnRef idx="2">
-            <a:schemeClr val="accent1">
-              <a:shade val="50000"/>
-            </a:schemeClr>
-          </a:lnRef>
-          <a:fillRef idx="1">
-            <a:schemeClr val="accent1"/>
-          </a:fillRef>
-          <a:effectRef idx="0">
-            <a:schemeClr val="accent1"/>
-          </a:effectRef>
-          <a:fontRef idx="minor">
-            <a:schemeClr val="lt1"/>
-          </a:fontRef>
-        </p:style>
-        <p:txBody>
-          <a:bodyPr rtlCol="0" anchor="ctr"/>
-          <a:lstStyle/>
-          <a:p>
-            <a:pPr algn="ctr"/>
-            <a:endParaRPr lang="zh-CN" altLang="en-US"/>
-          </a:p>
-        </p:txBody>
-      </p:sp>
-      <p:sp>
-        <p:nvSpPr>
-          <p:cNvPr id="6" name="右箭头 5"/>
-          <p:cNvSpPr/>
-          <p:nvPr/>
-        </p:nvSpPr>
-        <p:spPr>
-          <a:xfrm rot="10800000">
-            <a:off x="3372477" y="4079628"/>
-            <a:ext cx="1800665" cy="886265"/>
-          </a:xfrm>
-          <a:prstGeom prst="rightArrow">
-            <a:avLst/>
-          </a:prstGeom>
-          <a:noFill/>
-        </p:spPr>
-        <p:style>
-          <a:lnRef idx="2">
-            <a:schemeClr val="accent1">
-              <a:shade val="50000"/>
-            </a:schemeClr>
-          </a:lnRef>
-          <a:fillRef idx="1">
-            <a:schemeClr val="accent1"/>
-          </a:fillRef>
-          <a:effectRef idx="0">
-            <a:schemeClr val="accent1"/>
-          </a:effectRef>
-          <a:fontRef idx="minor">
-            <a:schemeClr val="lt1"/>
-          </a:fontRef>
-        </p:style>
-        <p:txBody>
-          <a:bodyPr rtlCol="0" anchor="ctr"/>
-          <a:lstStyle/>
-          <a:p>
-            <a:pPr algn="ctr"/>
-            <a:endParaRPr lang="zh-CN" altLang="en-US"/>
-          </a:p>
-        </p:txBody>
-      </p:sp>
-    </p:spTree>
-    <p:extLst>
-      <p:ext uri="{BB962C8B-B14F-4D97-AF65-F5344CB8AC3E}">
-        <p14:creationId xmlns:p14="http://schemas.microsoft.com/office/powerpoint/2010/main" val="170016621"/>
-      </p:ext>
-    </p:extLst>
-  </p:cSld>
-  <p:clrMapOvr>
-    <a:masterClrMapping/>
-  </p:clrMapOvr>
-</p:sld>
-</file>
-
-<file path=ppt/slides/slide18.xml><?xml version="1.0" encoding="utf-8"?>
-<p:sld xmlns:a="http://schemas.openxmlformats.org/drawingml/2006/main" xmlns:r="http://schemas.openxmlformats.org/officeDocument/2006/relationships" xmlns:p="http://schemas.openxmlformats.org/presentationml/2006/main">
-  <p:cSld>
-    <p:spTree>
-      <p:nvGrpSpPr>
-        <p:cNvPr id="1" name=""/>
-        <p:cNvGrpSpPr/>
-        <p:nvPr/>
-      </p:nvGrpSpPr>
-      <p:grpSpPr>
-        <a:xfrm>
-          <a:off x="0" y="0"/>
-          <a:ext cx="0" cy="0"/>
-          <a:chOff x="0" y="0"/>
-          <a:chExt cx="0" cy="0"/>
-        </a:xfrm>
-      </p:grpSpPr>
-      <p:sp>
-        <p:nvSpPr>
-          <p:cNvPr id="3" name="文本框 2"/>
-          <p:cNvSpPr txBox="1"/>
-          <p:nvPr/>
-        </p:nvSpPr>
-        <p:spPr>
-          <a:xfrm>
-            <a:off x="3372477" y="1560007"/>
-            <a:ext cx="5433897" cy="1200329"/>
-          </a:xfrm>
-          <a:prstGeom prst="rect">
-            <a:avLst/>
-          </a:prstGeom>
-          <a:noFill/>
-        </p:spPr>
-        <p:txBody>
-          <a:bodyPr wrap="square" rtlCol="0">
-            <a:spAutoFit/>
-          </a:bodyPr>
-          <a:lstStyle/>
-          <a:p>
-            <a:pPr>
-              <a:lnSpc>
-                <a:spcPct val="150000"/>
-              </a:lnSpc>
-            </a:pPr>
-            <a:r>
-              <a:rPr lang="zh-CN" altLang="en-US" sz="2400" dirty="0" smtClean="0">
-                <a:latin typeface="Comic Sans MS" panose="030F0702030302020204" pitchFamily="66" charset="0"/>
-              </a:rPr>
-              <a:t>听到声音时方块是</a:t>
-            </a:r>
-            <a:r>
-              <a:rPr lang="zh-CN" altLang="en-US" sz="2400" dirty="0" smtClean="0">
-                <a:solidFill>
-                  <a:srgbClr val="00B050"/>
-                </a:solidFill>
-                <a:latin typeface="Comic Sans MS" panose="030F0702030302020204" pitchFamily="66" charset="0"/>
-              </a:rPr>
-              <a:t>绿</a:t>
-            </a:r>
-            <a:r>
-              <a:rPr lang="zh-CN" altLang="en-US" sz="2400" dirty="0" smtClean="0">
-                <a:latin typeface="Comic Sans MS" panose="030F0702030302020204" pitchFamily="66" charset="0"/>
-              </a:rPr>
-              <a:t>色按下</a:t>
-            </a:r>
-            <a:r>
-              <a:rPr lang="zh-CN" altLang="en-US" sz="2400" b="1" dirty="0" smtClean="0">
-                <a:latin typeface="Comic Sans MS" panose="030F0702030302020204" pitchFamily="66" charset="0"/>
-              </a:rPr>
-              <a:t>左</a:t>
-            </a:r>
-            <a:r>
-              <a:rPr lang="zh-CN" altLang="en-US" sz="2400" dirty="0" smtClean="0">
-                <a:latin typeface="Comic Sans MS" panose="030F0702030302020204" pitchFamily="66" charset="0"/>
-              </a:rPr>
-              <a:t>方向键；</a:t>
-            </a:r>
-            <a:endParaRPr lang="en-US" altLang="zh-CN" sz="2400" dirty="0" smtClean="0">
-              <a:latin typeface="Comic Sans MS" panose="030F0702030302020204" pitchFamily="66" charset="0"/>
-            </a:endParaRPr>
-          </a:p>
-          <a:p>
-            <a:pPr>
-              <a:lnSpc>
-                <a:spcPct val="150000"/>
-              </a:lnSpc>
-            </a:pPr>
-            <a:r>
-              <a:rPr lang="zh-CN" altLang="en-US" sz="2400" dirty="0">
-                <a:latin typeface="Comic Sans MS" panose="030F0702030302020204" pitchFamily="66" charset="0"/>
-              </a:rPr>
-              <a:t>听到声音时方块</a:t>
-            </a:r>
-            <a:r>
-              <a:rPr lang="zh-CN" altLang="en-US" sz="2400" dirty="0" smtClean="0">
-                <a:latin typeface="Comic Sans MS" panose="030F0702030302020204" pitchFamily="66" charset="0"/>
-              </a:rPr>
-              <a:t>是</a:t>
-            </a:r>
-            <a:r>
-              <a:rPr lang="zh-CN" altLang="en-US" sz="2400" dirty="0" smtClean="0">
-                <a:solidFill>
-                  <a:srgbClr val="C00000"/>
-                </a:solidFill>
-                <a:latin typeface="Comic Sans MS" panose="030F0702030302020204" pitchFamily="66" charset="0"/>
-              </a:rPr>
-              <a:t>红</a:t>
-            </a:r>
-            <a:r>
-              <a:rPr lang="zh-CN" altLang="en-US" sz="2400" dirty="0" smtClean="0">
-                <a:latin typeface="Comic Sans MS" panose="030F0702030302020204" pitchFamily="66" charset="0"/>
-              </a:rPr>
-              <a:t>色</a:t>
-            </a:r>
-            <a:r>
-              <a:rPr lang="zh-CN" altLang="en-US" sz="2400" dirty="0">
-                <a:latin typeface="Comic Sans MS" panose="030F0702030302020204" pitchFamily="66" charset="0"/>
-              </a:rPr>
-              <a:t>按下</a:t>
-            </a:r>
-            <a:r>
-              <a:rPr lang="zh-CN" altLang="en-US" sz="2400" b="1" dirty="0" smtClean="0">
-                <a:latin typeface="Comic Sans MS" panose="030F0702030302020204" pitchFamily="66" charset="0"/>
-              </a:rPr>
-              <a:t>右</a:t>
-            </a:r>
-            <a:r>
-              <a:rPr lang="zh-CN" altLang="en-US" sz="2400" dirty="0" smtClean="0">
-                <a:latin typeface="Comic Sans MS" panose="030F0702030302020204" pitchFamily="66" charset="0"/>
-              </a:rPr>
-              <a:t>方向键。</a:t>
-            </a:r>
-            <a:endParaRPr lang="zh-CN" altLang="en-US" sz="2400" dirty="0">
-              <a:latin typeface="Comic Sans MS" panose="030F0702030302020204" pitchFamily="66" charset="0"/>
-            </a:endParaRPr>
-          </a:p>
-        </p:txBody>
-      </p:sp>
-      <p:sp>
-        <p:nvSpPr>
-          <p:cNvPr id="5" name="右箭头 4"/>
-          <p:cNvSpPr/>
-          <p:nvPr/>
-        </p:nvSpPr>
-        <p:spPr>
-          <a:xfrm>
-            <a:off x="7005709" y="4079627"/>
-            <a:ext cx="1800665" cy="886265"/>
-          </a:xfrm>
-          <a:prstGeom prst="rightArrow">
-            <a:avLst/>
-          </a:prstGeom>
-          <a:noFill/>
-        </p:spPr>
-        <p:style>
-          <a:lnRef idx="2">
-            <a:schemeClr val="accent1">
-              <a:shade val="50000"/>
-            </a:schemeClr>
-          </a:lnRef>
-          <a:fillRef idx="1">
-            <a:schemeClr val="accent1"/>
-          </a:fillRef>
-          <a:effectRef idx="0">
-            <a:schemeClr val="accent1"/>
-          </a:effectRef>
-          <a:fontRef idx="minor">
-            <a:schemeClr val="lt1"/>
-          </a:fontRef>
-        </p:style>
-        <p:txBody>
-          <a:bodyPr rtlCol="0" anchor="ctr"/>
-          <a:lstStyle/>
-          <a:p>
-            <a:pPr algn="ctr"/>
-            <a:endParaRPr lang="zh-CN" altLang="en-US"/>
-          </a:p>
-        </p:txBody>
-      </p:sp>
-      <p:sp>
-        <p:nvSpPr>
-          <p:cNvPr id="6" name="右箭头 5"/>
-          <p:cNvSpPr/>
-          <p:nvPr/>
-        </p:nvSpPr>
-        <p:spPr>
-          <a:xfrm rot="10800000">
-            <a:off x="3372477" y="4079628"/>
-            <a:ext cx="1800665" cy="886265"/>
-          </a:xfrm>
-          <a:prstGeom prst="rightArrow">
-            <a:avLst/>
-          </a:prstGeom>
-          <a:solidFill>
-            <a:srgbClr val="0070C0"/>
-          </a:solidFill>
-        </p:spPr>
-        <p:style>
-          <a:lnRef idx="2">
-            <a:schemeClr val="accent1">
-              <a:shade val="50000"/>
-            </a:schemeClr>
-          </a:lnRef>
-          <a:fillRef idx="1">
-            <a:schemeClr val="accent1"/>
-          </a:fillRef>
-          <a:effectRef idx="0">
-            <a:schemeClr val="accent1"/>
-          </a:effectRef>
-          <a:fontRef idx="minor">
-            <a:schemeClr val="lt1"/>
-          </a:fontRef>
-        </p:style>
-        <p:txBody>
-          <a:bodyPr rtlCol="0" anchor="ctr"/>
-          <a:lstStyle/>
-          <a:p>
-            <a:pPr algn="ctr"/>
-            <a:endParaRPr lang="zh-CN" altLang="en-US"/>
-          </a:p>
-        </p:txBody>
-      </p:sp>
-    </p:spTree>
-    <p:extLst>
-      <p:ext uri="{BB962C8B-B14F-4D97-AF65-F5344CB8AC3E}">
-        <p14:creationId xmlns:p14="http://schemas.microsoft.com/office/powerpoint/2010/main" val="2873067574"/>
-      </p:ext>
-    </p:extLst>
-  </p:cSld>
-  <p:clrMapOvr>
-    <a:masterClrMapping/>
-  </p:clrMapOvr>
-</p:sld>
-</file>
-
-<file path=ppt/slides/slide19.xml><?xml version="1.0" encoding="utf-8"?>
-<p:sld xmlns:a="http://schemas.openxmlformats.org/drawingml/2006/main" xmlns:r="http://schemas.openxmlformats.org/officeDocument/2006/relationships" xmlns:p="http://schemas.openxmlformats.org/presentationml/2006/main">
-  <p:cSld>
-    <p:spTree>
-      <p:nvGrpSpPr>
-        <p:cNvPr id="1" name=""/>
-        <p:cNvGrpSpPr/>
-        <p:nvPr/>
-      </p:nvGrpSpPr>
-      <p:grpSpPr>
-        <a:xfrm>
-          <a:off x="0" y="0"/>
-          <a:ext cx="0" cy="0"/>
-          <a:chOff x="0" y="0"/>
-          <a:chExt cx="0" cy="0"/>
-        </a:xfrm>
-      </p:grpSpPr>
-    </p:spTree>
-    <p:extLst>
-      <p:ext uri="{BB962C8B-B14F-4D97-AF65-F5344CB8AC3E}">
-        <p14:creationId xmlns:p14="http://schemas.microsoft.com/office/powerpoint/2010/main" val="4189712805"/>
-      </p:ext>
-    </p:extLst>
-  </p:cSld>
-  <p:clrMapOvr>
-    <a:masterClrMapping/>
-  </p:clrMapOvr>
-</p:sld>
-</file>
-
-<file path=ppt/slides/slide2.xml><?xml version="1.0" encoding="utf-8"?>
-<p:sld xmlns:a="http://schemas.openxmlformats.org/drawingml/2006/main" xmlns:r="http://schemas.openxmlformats.org/officeDocument/2006/relationships" xmlns:p="http://schemas.openxmlformats.org/presentationml/2006/main">
-  <p:cSld>
-    <p:spTree>
-      <p:nvGrpSpPr>
-        <p:cNvPr id="1" name=""/>
-        <p:cNvGrpSpPr/>
-        <p:nvPr/>
-      </p:nvGrpSpPr>
-      <p:grpSpPr>
-        <a:xfrm>
-          <a:off x="0" y="0"/>
-          <a:ext cx="0" cy="0"/>
-          <a:chOff x="0" y="0"/>
-          <a:chExt cx="0" cy="0"/>
-        </a:xfrm>
-      </p:grpSpPr>
-      <p:pic>
-        <p:nvPicPr>
-          <p:cNvPr id="4" name="图片 3"/>
-          <p:cNvPicPr>
-            <a:picLocks noChangeAspect="1"/>
-          </p:cNvPicPr>
-          <p:nvPr/>
-        </p:nvPicPr>
-        <p:blipFill>
-          <a:blip r:embed="rId2">
-            <a:extLst>
-              <a:ext uri="{28A0092B-C50C-407E-A947-70E740481C1C}">
-                <a14:useLocalDpi xmlns:a14="http://schemas.microsoft.com/office/drawing/2010/main" val="0"/>
-              </a:ext>
-            </a:extLst>
-          </a:blip>
-          <a:stretch>
-            <a:fillRect/>
-          </a:stretch>
-        </p:blipFill>
-        <p:spPr>
-          <a:xfrm>
-            <a:off x="1149955" y="166163"/>
-            <a:ext cx="9526329" cy="2695951"/>
-          </a:xfrm>
-          <a:prstGeom prst="rect">
-            <a:avLst/>
-          </a:prstGeom>
-        </p:spPr>
-      </p:pic>
-      <p:sp>
-        <p:nvSpPr>
-          <p:cNvPr id="7" name="矩形 6"/>
-          <p:cNvSpPr/>
-          <p:nvPr/>
-        </p:nvSpPr>
-        <p:spPr>
-          <a:xfrm>
-            <a:off x="3506994" y="863300"/>
-            <a:ext cx="247426" cy="1108038"/>
-          </a:xfrm>
-          <a:prstGeom prst="rect">
-            <a:avLst/>
-          </a:prstGeom>
-        </p:spPr>
-        <p:style>
-          <a:lnRef idx="2">
-            <a:schemeClr val="accent1">
-              <a:shade val="50000"/>
-            </a:schemeClr>
-          </a:lnRef>
-          <a:fillRef idx="1">
-            <a:schemeClr val="accent1"/>
-          </a:fillRef>
-          <a:effectRef idx="0">
-            <a:schemeClr val="accent1"/>
-          </a:effectRef>
-          <a:fontRef idx="minor">
-            <a:schemeClr val="lt1"/>
-          </a:fontRef>
-        </p:style>
-        <p:txBody>
-          <a:bodyPr rtlCol="0" anchor="ctr"/>
-          <a:lstStyle/>
-          <a:p>
-            <a:pPr algn="ctr"/>
-            <a:endParaRPr lang="zh-CN" altLang="en-US"/>
-          </a:p>
-        </p:txBody>
-      </p:sp>
-      <p:grpSp>
-        <p:nvGrpSpPr>
-          <p:cNvPr id="39" name="组合 38"/>
-          <p:cNvGrpSpPr/>
-          <p:nvPr/>
-        </p:nvGrpSpPr>
-        <p:grpSpPr>
-          <a:xfrm>
-            <a:off x="1279046" y="3425727"/>
-            <a:ext cx="9726027" cy="2695951"/>
-            <a:chOff x="1149954" y="3458000"/>
-            <a:chExt cx="9726027" cy="2695951"/>
-          </a:xfrm>
-        </p:grpSpPr>
-        <p:grpSp>
-          <p:nvGrpSpPr>
-            <p:cNvPr id="20" name="组合 19"/>
-            <p:cNvGrpSpPr/>
-            <p:nvPr/>
-          </p:nvGrpSpPr>
-          <p:grpSpPr>
-            <a:xfrm>
-              <a:off x="1149954" y="3458000"/>
-              <a:ext cx="9726027" cy="2695951"/>
-              <a:chOff x="1225259" y="3458000"/>
-              <a:chExt cx="9726027" cy="2695951"/>
-            </a:xfrm>
-          </p:grpSpPr>
-          <p:sp>
-            <p:nvSpPr>
-              <p:cNvPr id="6" name="矩形 5"/>
-              <p:cNvSpPr/>
-              <p:nvPr/>
-            </p:nvSpPr>
-            <p:spPr>
-              <a:xfrm>
-                <a:off x="1225259" y="3458000"/>
-                <a:ext cx="9726027" cy="2695951"/>
-              </a:xfrm>
-              <a:prstGeom prst="rect">
-                <a:avLst/>
-              </a:prstGeom>
-              <a:solidFill>
-                <a:schemeClr val="bg1"/>
-              </a:solidFill>
-              <a:ln>
-                <a:solidFill>
-                  <a:schemeClr val="tx1"/>
-                </a:solidFill>
-                <a:prstDash val="solid"/>
-              </a:ln>
-            </p:spPr>
-            <p:style>
-              <a:lnRef idx="2">
-                <a:schemeClr val="accent1">
-                  <a:shade val="50000"/>
-                </a:schemeClr>
-              </a:lnRef>
-              <a:fillRef idx="1">
-                <a:schemeClr val="accent1"/>
-              </a:fillRef>
-              <a:effectRef idx="0">
-                <a:schemeClr val="accent1"/>
-              </a:effectRef>
-              <a:fontRef idx="minor">
-                <a:schemeClr val="lt1"/>
-              </a:fontRef>
-            </p:style>
-            <p:txBody>
-              <a:bodyPr rtlCol="0" anchor="ctr"/>
-              <a:lstStyle/>
-              <a:p>
-                <a:pPr algn="ctr"/>
-                <a:endParaRPr lang="zh-CN" altLang="en-US"/>
-              </a:p>
-            </p:txBody>
-          </p:sp>
-          <p:sp>
-            <p:nvSpPr>
-              <p:cNvPr id="8" name="矩形 7"/>
-              <p:cNvSpPr/>
-              <p:nvPr/>
-            </p:nvSpPr>
-            <p:spPr>
-              <a:xfrm>
-                <a:off x="1624405" y="4251959"/>
-                <a:ext cx="408790" cy="1108038"/>
-              </a:xfrm>
-              <a:prstGeom prst="rect">
-                <a:avLst/>
-              </a:prstGeom>
-              <a:ln w="28575">
-                <a:prstDash val="dash"/>
-              </a:ln>
-            </p:spPr>
-            <p:style>
-              <a:lnRef idx="2">
-                <a:schemeClr val="dk1"/>
-              </a:lnRef>
-              <a:fillRef idx="1">
-                <a:schemeClr val="lt1"/>
-              </a:fillRef>
-              <a:effectRef idx="0">
-                <a:schemeClr val="dk1"/>
-              </a:effectRef>
-              <a:fontRef idx="minor">
-                <a:schemeClr val="dk1"/>
-              </a:fontRef>
-            </p:style>
-            <p:txBody>
-              <a:bodyPr rtlCol="0" anchor="ctr"/>
-              <a:lstStyle/>
-              <a:p>
-                <a:pPr algn="ctr"/>
-                <a:endParaRPr lang="zh-CN" altLang="en-US"/>
-              </a:p>
-            </p:txBody>
-          </p:sp>
-          <p:sp>
-            <p:nvSpPr>
-              <p:cNvPr id="9" name="矩形 8"/>
-              <p:cNvSpPr/>
-              <p:nvPr/>
-            </p:nvSpPr>
-            <p:spPr>
-              <a:xfrm>
-                <a:off x="3392754" y="4251956"/>
-                <a:ext cx="215152" cy="1108038"/>
-              </a:xfrm>
-              <a:prstGeom prst="rect">
-                <a:avLst/>
-              </a:prstGeom>
-              <a:solidFill>
-                <a:schemeClr val="accent1"/>
-              </a:solidFill>
-              <a:ln>
-                <a:noFill/>
-              </a:ln>
-            </p:spPr>
-            <p:style>
-              <a:lnRef idx="2">
-                <a:schemeClr val="accent1">
-                  <a:shade val="50000"/>
-                </a:schemeClr>
-              </a:lnRef>
-              <a:fillRef idx="1">
-                <a:schemeClr val="accent1"/>
-              </a:fillRef>
-              <a:effectRef idx="0">
-                <a:schemeClr val="accent1"/>
-              </a:effectRef>
-              <a:fontRef idx="minor">
-                <a:schemeClr val="lt1"/>
-              </a:fontRef>
-            </p:style>
-            <p:txBody>
-              <a:bodyPr rtlCol="0" anchor="ctr"/>
-              <a:lstStyle/>
-              <a:p>
-                <a:pPr algn="ctr"/>
-                <a:endParaRPr lang="zh-CN" altLang="en-US"/>
-              </a:p>
-            </p:txBody>
-          </p:sp>
-          <p:sp>
-            <p:nvSpPr>
-              <p:cNvPr id="11" name="矩形 10"/>
-              <p:cNvSpPr/>
-              <p:nvPr/>
-            </p:nvSpPr>
-            <p:spPr>
-              <a:xfrm>
-                <a:off x="4428990" y="4251956"/>
-                <a:ext cx="215152" cy="1108038"/>
-              </a:xfrm>
-              <a:prstGeom prst="rect">
-                <a:avLst/>
-              </a:prstGeom>
-              <a:solidFill>
-                <a:schemeClr val="accent1"/>
-              </a:solidFill>
-              <a:ln>
-                <a:noFill/>
-              </a:ln>
-            </p:spPr>
-            <p:style>
-              <a:lnRef idx="2">
-                <a:schemeClr val="accent1">
-                  <a:shade val="50000"/>
-                </a:schemeClr>
-              </a:lnRef>
-              <a:fillRef idx="1">
-                <a:schemeClr val="accent1"/>
-              </a:fillRef>
-              <a:effectRef idx="0">
-                <a:schemeClr val="accent1"/>
-              </a:effectRef>
-              <a:fontRef idx="minor">
-                <a:schemeClr val="lt1"/>
-              </a:fontRef>
-            </p:style>
-            <p:txBody>
-              <a:bodyPr rtlCol="0" anchor="ctr"/>
-              <a:lstStyle/>
-              <a:p>
-                <a:pPr algn="ctr"/>
-                <a:endParaRPr lang="zh-CN" altLang="en-US"/>
-              </a:p>
-            </p:txBody>
-          </p:sp>
-          <p:sp>
-            <p:nvSpPr>
-              <p:cNvPr id="12" name="矩形 11"/>
-              <p:cNvSpPr/>
-              <p:nvPr/>
-            </p:nvSpPr>
-            <p:spPr>
-              <a:xfrm>
-                <a:off x="5215098" y="4251956"/>
-                <a:ext cx="215152" cy="1108038"/>
-              </a:xfrm>
-              <a:prstGeom prst="rect">
-                <a:avLst/>
-              </a:prstGeom>
-              <a:solidFill>
-                <a:srgbClr val="ED1C24"/>
-              </a:solidFill>
-              <a:ln>
-                <a:noFill/>
-              </a:ln>
-            </p:spPr>
-            <p:style>
-              <a:lnRef idx="2">
-                <a:schemeClr val="accent1">
-                  <a:shade val="50000"/>
-                </a:schemeClr>
-              </a:lnRef>
-              <a:fillRef idx="1">
-                <a:schemeClr val="accent1"/>
-              </a:fillRef>
-              <a:effectRef idx="0">
-                <a:schemeClr val="accent1"/>
-              </a:effectRef>
-              <a:fontRef idx="minor">
-                <a:schemeClr val="lt1"/>
-              </a:fontRef>
-            </p:style>
-            <p:txBody>
-              <a:bodyPr rtlCol="0" anchor="ctr"/>
-              <a:lstStyle/>
-              <a:p>
-                <a:pPr algn="ctr"/>
-                <a:endParaRPr lang="zh-CN" altLang="en-US"/>
-              </a:p>
-            </p:txBody>
-          </p:sp>
-          <p:sp>
-            <p:nvSpPr>
-              <p:cNvPr id="13" name="矩形 12"/>
-              <p:cNvSpPr/>
-              <p:nvPr/>
-            </p:nvSpPr>
-            <p:spPr>
-              <a:xfrm>
-                <a:off x="6251642" y="4251956"/>
-                <a:ext cx="215152" cy="1108038"/>
-              </a:xfrm>
-              <a:prstGeom prst="rect">
-                <a:avLst/>
-              </a:prstGeom>
-              <a:solidFill>
-                <a:srgbClr val="ED1C24"/>
-              </a:solidFill>
-              <a:ln>
-                <a:noFill/>
-              </a:ln>
-            </p:spPr>
-            <p:style>
-              <a:lnRef idx="2">
-                <a:schemeClr val="accent1">
-                  <a:shade val="50000"/>
-                </a:schemeClr>
-              </a:lnRef>
-              <a:fillRef idx="1">
-                <a:schemeClr val="accent1"/>
-              </a:fillRef>
-              <a:effectRef idx="0">
-                <a:schemeClr val="accent1"/>
-              </a:effectRef>
-              <a:fontRef idx="minor">
-                <a:schemeClr val="lt1"/>
-              </a:fontRef>
-            </p:style>
-            <p:txBody>
-              <a:bodyPr rtlCol="0" anchor="ctr"/>
-              <a:lstStyle/>
-              <a:p>
-                <a:pPr algn="ctr"/>
-                <a:endParaRPr lang="zh-CN" altLang="en-US"/>
-              </a:p>
-            </p:txBody>
-          </p:sp>
-          <p:sp>
-            <p:nvSpPr>
-              <p:cNvPr id="14" name="矩形 13"/>
-              <p:cNvSpPr/>
-              <p:nvPr/>
-            </p:nvSpPr>
-            <p:spPr>
-              <a:xfrm>
-                <a:off x="7040393" y="4251956"/>
-                <a:ext cx="215152" cy="1108038"/>
-              </a:xfrm>
-              <a:prstGeom prst="rect">
-                <a:avLst/>
-              </a:prstGeom>
-              <a:solidFill>
-                <a:srgbClr val="006F3B"/>
-              </a:solidFill>
-              <a:ln>
-                <a:noFill/>
-              </a:ln>
-            </p:spPr>
-            <p:style>
-              <a:lnRef idx="2">
-                <a:schemeClr val="accent1">
-                  <a:shade val="50000"/>
-                </a:schemeClr>
-              </a:lnRef>
-              <a:fillRef idx="1">
-                <a:schemeClr val="accent1"/>
-              </a:fillRef>
-              <a:effectRef idx="0">
-                <a:schemeClr val="accent1"/>
-              </a:effectRef>
-              <a:fontRef idx="minor">
-                <a:schemeClr val="lt1"/>
-              </a:fontRef>
-            </p:style>
-            <p:txBody>
-              <a:bodyPr rtlCol="0" anchor="ctr"/>
-              <a:lstStyle/>
-              <a:p>
-                <a:pPr algn="ctr"/>
-                <a:endParaRPr lang="zh-CN" altLang="en-US"/>
-              </a:p>
-            </p:txBody>
-          </p:sp>
-          <p:sp>
-            <p:nvSpPr>
-              <p:cNvPr id="15" name="矩形 14"/>
-              <p:cNvSpPr/>
-              <p:nvPr/>
-            </p:nvSpPr>
-            <p:spPr>
-              <a:xfrm>
-                <a:off x="8078108" y="4251956"/>
-                <a:ext cx="215152" cy="1108038"/>
-              </a:xfrm>
-              <a:prstGeom prst="rect">
-                <a:avLst/>
-              </a:prstGeom>
-              <a:solidFill>
-                <a:srgbClr val="006F3B"/>
-              </a:solidFill>
-              <a:ln>
-                <a:noFill/>
-              </a:ln>
-            </p:spPr>
-            <p:style>
-              <a:lnRef idx="2">
-                <a:schemeClr val="accent1">
-                  <a:shade val="50000"/>
-                </a:schemeClr>
-              </a:lnRef>
-              <a:fillRef idx="1">
-                <a:schemeClr val="accent1"/>
-              </a:fillRef>
-              <a:effectRef idx="0">
-                <a:schemeClr val="accent1"/>
-              </a:effectRef>
-              <a:fontRef idx="minor">
-                <a:schemeClr val="lt1"/>
-              </a:fontRef>
-            </p:style>
-            <p:txBody>
-              <a:bodyPr rtlCol="0" anchor="ctr"/>
-              <a:lstStyle/>
-              <a:p>
-                <a:pPr algn="ctr"/>
-                <a:endParaRPr lang="zh-CN" altLang="en-US"/>
-              </a:p>
-            </p:txBody>
-          </p:sp>
-          <p:sp>
-            <p:nvSpPr>
-              <p:cNvPr id="16" name="矩形 15"/>
-              <p:cNvSpPr/>
-              <p:nvPr/>
-            </p:nvSpPr>
-            <p:spPr>
-              <a:xfrm>
-                <a:off x="9132699" y="4251956"/>
-                <a:ext cx="215152" cy="1108038"/>
-              </a:xfrm>
-              <a:prstGeom prst="rect">
-                <a:avLst/>
-              </a:prstGeom>
-              <a:solidFill>
-                <a:srgbClr val="2E3192"/>
-              </a:solidFill>
-              <a:ln>
-                <a:noFill/>
-              </a:ln>
-            </p:spPr>
-            <p:style>
-              <a:lnRef idx="2">
-                <a:schemeClr val="accent1">
-                  <a:shade val="50000"/>
-                </a:schemeClr>
-              </a:lnRef>
-              <a:fillRef idx="1">
-                <a:schemeClr val="accent1"/>
-              </a:fillRef>
-              <a:effectRef idx="0">
-                <a:schemeClr val="accent1"/>
-              </a:effectRef>
-              <a:fontRef idx="minor">
-                <a:schemeClr val="lt1"/>
-              </a:fontRef>
-            </p:style>
-            <p:txBody>
-              <a:bodyPr rtlCol="0" anchor="ctr"/>
-              <a:lstStyle/>
-              <a:p>
-                <a:pPr algn="ctr"/>
-                <a:endParaRPr lang="zh-CN" altLang="en-US"/>
-              </a:p>
-            </p:txBody>
-          </p:sp>
-          <p:sp>
-            <p:nvSpPr>
-              <p:cNvPr id="17" name="矩形 16"/>
-              <p:cNvSpPr/>
-              <p:nvPr/>
-            </p:nvSpPr>
-            <p:spPr>
-              <a:xfrm>
-                <a:off x="10175919" y="4251956"/>
-                <a:ext cx="215152" cy="1108038"/>
-              </a:xfrm>
-              <a:prstGeom prst="rect">
-                <a:avLst/>
-              </a:prstGeom>
-              <a:solidFill>
-                <a:srgbClr val="2E3192"/>
-              </a:solidFill>
-              <a:ln>
-                <a:noFill/>
-              </a:ln>
-            </p:spPr>
-            <p:style>
-              <a:lnRef idx="2">
-                <a:schemeClr val="accent1">
-                  <a:shade val="50000"/>
-                </a:schemeClr>
-              </a:lnRef>
-              <a:fillRef idx="1">
-                <a:schemeClr val="accent1"/>
-              </a:fillRef>
-              <a:effectRef idx="0">
-                <a:schemeClr val="accent1"/>
-              </a:effectRef>
-              <a:fontRef idx="minor">
-                <a:schemeClr val="lt1"/>
-              </a:fontRef>
-            </p:style>
-            <p:txBody>
-              <a:bodyPr rtlCol="0" anchor="ctr"/>
-              <a:lstStyle/>
-              <a:p>
-                <a:pPr algn="ctr"/>
-                <a:endParaRPr lang="zh-CN" altLang="en-US"/>
-              </a:p>
-            </p:txBody>
-          </p:sp>
-          <p:sp>
-            <p:nvSpPr>
-              <p:cNvPr id="19" name="矩形 18"/>
-              <p:cNvSpPr/>
-              <p:nvPr/>
-            </p:nvSpPr>
-            <p:spPr>
-              <a:xfrm>
-                <a:off x="8619067" y="4508697"/>
-                <a:ext cx="219290" cy="473337"/>
-              </a:xfrm>
-              <a:prstGeom prst="rect">
-                <a:avLst/>
-              </a:prstGeom>
-              <a:solidFill>
-                <a:srgbClr val="8CC63F"/>
-              </a:solidFill>
-              <a:ln>
-                <a:noFill/>
-              </a:ln>
-            </p:spPr>
-            <p:style>
-              <a:lnRef idx="2">
-                <a:schemeClr val="accent1">
-                  <a:shade val="50000"/>
-                </a:schemeClr>
-              </a:lnRef>
-              <a:fillRef idx="1">
-                <a:schemeClr val="accent1"/>
-              </a:fillRef>
-              <a:effectRef idx="0">
-                <a:schemeClr val="accent1"/>
-              </a:effectRef>
-              <a:fontRef idx="minor">
-                <a:schemeClr val="lt1"/>
-              </a:fontRef>
-            </p:style>
-            <p:txBody>
-              <a:bodyPr rtlCol="0" anchor="ctr"/>
-              <a:lstStyle/>
-              <a:p>
-                <a:pPr algn="ctr"/>
-                <a:endParaRPr lang="zh-CN" altLang="en-US"/>
-              </a:p>
-            </p:txBody>
-          </p:sp>
-        </p:grpSp>
-        <p:sp>
-          <p:nvSpPr>
-            <p:cNvPr id="21" name="文本框 20"/>
-            <p:cNvSpPr txBox="1"/>
-            <p:nvPr/>
-          </p:nvSpPr>
-          <p:spPr>
-            <a:xfrm>
-              <a:off x="3736407" y="3685819"/>
-              <a:ext cx="419522" cy="584775"/>
-            </a:xfrm>
-            <a:prstGeom prst="rect">
-              <a:avLst/>
-            </a:prstGeom>
-            <a:noFill/>
-          </p:spPr>
-          <p:txBody>
-            <a:bodyPr wrap="square" rtlCol="0">
-              <a:spAutoFit/>
-            </a:bodyPr>
-            <a:lstStyle/>
-            <a:p>
-              <a:r>
-                <a:rPr lang="en-US" altLang="zh-CN" sz="3200" dirty="0" smtClean="0"/>
-                <a:t>4</a:t>
-              </a:r>
-              <a:endParaRPr lang="zh-CN" altLang="en-US" sz="3200" dirty="0"/>
-            </a:p>
-          </p:txBody>
-        </p:sp>
-        <p:sp>
-          <p:nvSpPr>
-            <p:cNvPr id="22" name="文本框 21"/>
-            <p:cNvSpPr txBox="1"/>
-            <p:nvPr/>
-          </p:nvSpPr>
-          <p:spPr>
-            <a:xfrm>
-              <a:off x="5589729" y="3685819"/>
-              <a:ext cx="352623" cy="584775"/>
-            </a:xfrm>
-            <a:prstGeom prst="rect">
-              <a:avLst/>
-            </a:prstGeom>
-            <a:noFill/>
-          </p:spPr>
-          <p:txBody>
-            <a:bodyPr wrap="square" rtlCol="0">
-              <a:spAutoFit/>
-            </a:bodyPr>
-            <a:lstStyle/>
-            <a:p>
-              <a:r>
-                <a:rPr lang="en-US" altLang="zh-CN" sz="3200" dirty="0"/>
-                <a:t>1</a:t>
-              </a:r>
-              <a:endParaRPr lang="zh-CN" altLang="en-US" sz="3200" dirty="0"/>
-            </a:p>
-          </p:txBody>
-        </p:sp>
-        <p:sp>
-          <p:nvSpPr>
-            <p:cNvPr id="23" name="文本框 22"/>
-            <p:cNvSpPr txBox="1"/>
-            <p:nvPr/>
-          </p:nvSpPr>
-          <p:spPr>
-            <a:xfrm>
-              <a:off x="7349422" y="3685819"/>
-              <a:ext cx="419522" cy="584775"/>
-            </a:xfrm>
-            <a:prstGeom prst="rect">
-              <a:avLst/>
-            </a:prstGeom>
-            <a:noFill/>
-          </p:spPr>
-          <p:txBody>
-            <a:bodyPr wrap="square" rtlCol="0">
-              <a:spAutoFit/>
-            </a:bodyPr>
-            <a:lstStyle/>
-            <a:p>
-              <a:r>
-                <a:rPr lang="en-US" altLang="zh-CN" sz="3200" dirty="0" smtClean="0"/>
-                <a:t>3</a:t>
-              </a:r>
-              <a:endParaRPr lang="zh-CN" altLang="en-US" sz="3200" dirty="0"/>
-            </a:p>
-          </p:txBody>
-        </p:sp>
-        <p:sp>
-          <p:nvSpPr>
-            <p:cNvPr id="37" name="文本框 36"/>
-            <p:cNvSpPr txBox="1"/>
-            <p:nvPr/>
-          </p:nvSpPr>
-          <p:spPr>
-            <a:xfrm>
-              <a:off x="9476819" y="3673885"/>
-              <a:ext cx="419522" cy="584775"/>
-            </a:xfrm>
-            <a:prstGeom prst="rect">
-              <a:avLst/>
-            </a:prstGeom>
-            <a:noFill/>
-          </p:spPr>
-          <p:txBody>
-            <a:bodyPr wrap="square" rtlCol="0">
-              <a:spAutoFit/>
-            </a:bodyPr>
-            <a:lstStyle/>
-            <a:p>
-              <a:r>
-                <a:rPr lang="en-US" altLang="zh-CN" sz="3200" dirty="0" smtClean="0"/>
-                <a:t>2</a:t>
-              </a:r>
-              <a:endParaRPr lang="zh-CN" altLang="en-US" sz="3200" dirty="0"/>
-            </a:p>
-          </p:txBody>
-        </p:sp>
-        <p:sp>
-          <p:nvSpPr>
-            <p:cNvPr id="38" name="文本框 37"/>
-            <p:cNvSpPr txBox="1"/>
-            <p:nvPr/>
-          </p:nvSpPr>
-          <p:spPr>
-            <a:xfrm>
-              <a:off x="8468690" y="3685819"/>
-              <a:ext cx="419522" cy="584775"/>
-            </a:xfrm>
-            <a:prstGeom prst="rect">
-              <a:avLst/>
-            </a:prstGeom>
-            <a:noFill/>
-          </p:spPr>
-          <p:txBody>
-            <a:bodyPr wrap="square" rtlCol="0">
-              <a:spAutoFit/>
-            </a:bodyPr>
-            <a:lstStyle/>
-            <a:p>
-              <a:r>
-                <a:rPr lang="en-US" altLang="zh-CN" sz="3200" dirty="0"/>
-                <a:t>5</a:t>
-              </a:r>
-              <a:endParaRPr lang="zh-CN" altLang="en-US" sz="3200" dirty="0"/>
-            </a:p>
-          </p:txBody>
-        </p:sp>
-      </p:grpSp>
-    </p:spTree>
-    <p:extLst>
-      <p:ext uri="{BB962C8B-B14F-4D97-AF65-F5344CB8AC3E}">
-        <p14:creationId xmlns:p14="http://schemas.microsoft.com/office/powerpoint/2010/main" val="28815979"/>
-      </p:ext>
-    </p:extLst>
-  </p:cSld>
-  <p:clrMapOvr>
-    <a:masterClrMapping/>
-  </p:clrMapOvr>
-</p:sld>
-</file>
-
-<file path=ppt/slides/slide3.xml><?xml version="1.0" encoding="utf-8"?>
-<p:sld xmlns:a="http://schemas.openxmlformats.org/drawingml/2006/main" xmlns:r="http://schemas.openxmlformats.org/officeDocument/2006/relationships" xmlns:p="http://schemas.openxmlformats.org/presentationml/2006/main">
-  <p:cSld>
-    <p:spTree>
-      <p:nvGrpSpPr>
-        <p:cNvPr id="1" name=""/>
-        <p:cNvGrpSpPr/>
-        <p:nvPr/>
-      </p:nvGrpSpPr>
-      <p:grpSpPr>
-        <a:xfrm>
-          <a:off x="0" y="0"/>
-          <a:ext cx="0" cy="0"/>
-          <a:chOff x="0" y="0"/>
-          <a:chExt cx="0" cy="0"/>
-        </a:xfrm>
-      </p:grpSpPr>
-      <p:sp>
-        <p:nvSpPr>
-          <p:cNvPr id="5" name="文本框 4"/>
-          <p:cNvSpPr txBox="1"/>
-          <p:nvPr/>
-        </p:nvSpPr>
-        <p:spPr>
-          <a:xfrm>
-            <a:off x="3720663" y="1797270"/>
-            <a:ext cx="7809186" cy="1862048"/>
-          </a:xfrm>
-          <a:prstGeom prst="rect">
-            <a:avLst/>
-          </a:prstGeom>
-          <a:noFill/>
-        </p:spPr>
-        <p:txBody>
-          <a:bodyPr wrap="square" rtlCol="0">
-            <a:spAutoFit/>
-          </a:bodyPr>
-          <a:lstStyle/>
-          <a:p>
-            <a:r>
-              <a:rPr lang="zh-CN" altLang="en-US" sz="11500" dirty="0" smtClean="0"/>
-              <a:t>休  息</a:t>
-            </a:r>
-            <a:endParaRPr lang="zh-CN" altLang="en-US" sz="11500" dirty="0"/>
-          </a:p>
-        </p:txBody>
-      </p:sp>
-      <p:sp>
-        <p:nvSpPr>
-          <p:cNvPr id="6" name="文本框 5"/>
-          <p:cNvSpPr txBox="1"/>
-          <p:nvPr/>
-        </p:nvSpPr>
-        <p:spPr>
-          <a:xfrm>
-            <a:off x="5328745" y="4141076"/>
-            <a:ext cx="5065987" cy="461665"/>
-          </a:xfrm>
-          <a:prstGeom prst="rect">
-            <a:avLst/>
-          </a:prstGeom>
-          <a:noFill/>
-        </p:spPr>
-        <p:txBody>
-          <a:bodyPr wrap="square" rtlCol="0">
-            <a:spAutoFit/>
-          </a:bodyPr>
-          <a:lstStyle/>
-          <a:p>
-            <a:r>
-              <a:rPr lang="zh-CN" altLang="en-US" sz="2400" dirty="0" smtClean="0"/>
-              <a:t>按空格可停止休息，继续实验。。。</a:t>
-            </a:r>
-            <a:endParaRPr lang="zh-CN" altLang="en-US" sz="2400" dirty="0"/>
-          </a:p>
-        </p:txBody>
-      </p:sp>
-    </p:spTree>
-    <p:extLst>
-      <p:ext uri="{BB962C8B-B14F-4D97-AF65-F5344CB8AC3E}">
-        <p14:creationId xmlns:p14="http://schemas.microsoft.com/office/powerpoint/2010/main" val="3347510085"/>
-      </p:ext>
-    </p:extLst>
-  </p:cSld>
-  <p:clrMapOvr>
-    <a:masterClrMapping/>
-  </p:clrMapOvr>
-</p:sld>
-</file>
-
-<file path=ppt/slides/slide4.xml><?xml version="1.0" encoding="utf-8"?>
-<p:sld xmlns:a="http://schemas.openxmlformats.org/drawingml/2006/main" xmlns:r="http://schemas.openxmlformats.org/officeDocument/2006/relationships" xmlns:p="http://schemas.openxmlformats.org/presentationml/2006/main">
-  <p:cSld>
-    <p:spTree>
-      <p:nvGrpSpPr>
-        <p:cNvPr id="1" name=""/>
-        <p:cNvGrpSpPr/>
-        <p:nvPr/>
-      </p:nvGrpSpPr>
-      <p:grpSpPr>
-        <a:xfrm>
-          <a:off x="0" y="0"/>
-          <a:ext cx="0" cy="0"/>
-          <a:chOff x="0" y="0"/>
-          <a:chExt cx="0" cy="0"/>
-        </a:xfrm>
-      </p:grpSpPr>
-      <p:sp>
-        <p:nvSpPr>
-          <p:cNvPr id="5" name="文本框 4"/>
-          <p:cNvSpPr txBox="1"/>
-          <p:nvPr/>
-        </p:nvSpPr>
-        <p:spPr>
-          <a:xfrm>
-            <a:off x="2895472" y="1953387"/>
-            <a:ext cx="7809186" cy="1862048"/>
-          </a:xfrm>
-          <a:prstGeom prst="rect">
-            <a:avLst/>
-          </a:prstGeom>
-          <a:noFill/>
-        </p:spPr>
-        <p:txBody>
-          <a:bodyPr wrap="square" rtlCol="0">
-            <a:spAutoFit/>
-          </a:bodyPr>
-          <a:lstStyle/>
-          <a:p>
-            <a:r>
-              <a:rPr lang="zh-CN" altLang="en-US" sz="11500" dirty="0"/>
-              <a:t>训练开始</a:t>
-            </a:r>
-          </a:p>
-        </p:txBody>
-      </p:sp>
-      <p:sp>
-        <p:nvSpPr>
-          <p:cNvPr id="6" name="文本框 5"/>
-          <p:cNvSpPr txBox="1"/>
-          <p:nvPr/>
-        </p:nvSpPr>
-        <p:spPr>
-          <a:xfrm>
-            <a:off x="3013330" y="3996110"/>
-            <a:ext cx="6019158" cy="461665"/>
-          </a:xfrm>
-          <a:prstGeom prst="rect">
-            <a:avLst/>
-          </a:prstGeom>
-          <a:noFill/>
-        </p:spPr>
-        <p:txBody>
-          <a:bodyPr wrap="square" rtlCol="0">
-            <a:spAutoFit/>
-          </a:bodyPr>
-          <a:lstStyle/>
-          <a:p>
-            <a:r>
-              <a:rPr lang="zh-CN" altLang="en-US" sz="2400" dirty="0" smtClean="0"/>
-              <a:t>请调整好坐姿，关闭手机，按空格继续实验</a:t>
-            </a:r>
-            <a:endParaRPr lang="zh-CN" altLang="en-US" sz="2400" dirty="0"/>
-          </a:p>
-        </p:txBody>
-      </p:sp>
-    </p:spTree>
-    <p:extLst>
-      <p:ext uri="{BB962C8B-B14F-4D97-AF65-F5344CB8AC3E}">
-        <p14:creationId xmlns:p14="http://schemas.microsoft.com/office/powerpoint/2010/main" val="1374055157"/>
-      </p:ext>
-    </p:extLst>
-  </p:cSld>
-  <p:clrMapOvr>
-    <a:masterClrMapping/>
-  </p:clrMapOvr>
-</p:sld>
-</file>
-
-<file path=ppt/slides/slide5.xml><?xml version="1.0" encoding="utf-8"?>
-<p:sld xmlns:a="http://schemas.openxmlformats.org/drawingml/2006/main" xmlns:r="http://schemas.openxmlformats.org/officeDocument/2006/relationships" xmlns:p="http://schemas.openxmlformats.org/presentationml/2006/main">
-  <p:cSld>
-    <p:spTree>
-      <p:nvGrpSpPr>
-        <p:cNvPr id="1" name=""/>
-        <p:cNvGrpSpPr/>
-        <p:nvPr/>
-      </p:nvGrpSpPr>
-      <p:grpSpPr>
-        <a:xfrm>
-          <a:off x="0" y="0"/>
-          <a:ext cx="0" cy="0"/>
-          <a:chOff x="0" y="0"/>
-          <a:chExt cx="0" cy="0"/>
-        </a:xfrm>
-      </p:grpSpPr>
-      <p:sp>
-        <p:nvSpPr>
-          <p:cNvPr id="5" name="文本框 4"/>
-          <p:cNvSpPr txBox="1"/>
-          <p:nvPr/>
-        </p:nvSpPr>
-        <p:spPr>
-          <a:xfrm>
-            <a:off x="3017447" y="1975689"/>
-            <a:ext cx="6100134" cy="1862048"/>
-          </a:xfrm>
-          <a:prstGeom prst="rect">
-            <a:avLst/>
-          </a:prstGeom>
-          <a:noFill/>
-        </p:spPr>
-        <p:txBody>
-          <a:bodyPr wrap="square" rtlCol="0">
-            <a:spAutoFit/>
-          </a:bodyPr>
-          <a:lstStyle/>
-          <a:p>
-            <a:r>
-              <a:rPr lang="zh-CN" altLang="en-US" sz="11500" dirty="0" smtClean="0"/>
-              <a:t>训练结束</a:t>
-            </a:r>
-            <a:endParaRPr lang="zh-CN" altLang="en-US" sz="11500" dirty="0"/>
-          </a:p>
-        </p:txBody>
-      </p:sp>
-      <p:sp>
-        <p:nvSpPr>
-          <p:cNvPr id="6" name="文本框 5"/>
-          <p:cNvSpPr txBox="1"/>
-          <p:nvPr/>
-        </p:nvSpPr>
-        <p:spPr>
-          <a:xfrm>
-            <a:off x="3470529" y="4029563"/>
-            <a:ext cx="5193969" cy="461665"/>
-          </a:xfrm>
-          <a:prstGeom prst="rect">
-            <a:avLst/>
-          </a:prstGeom>
-          <a:noFill/>
-        </p:spPr>
-        <p:txBody>
-          <a:bodyPr wrap="square" rtlCol="0">
-            <a:spAutoFit/>
-          </a:bodyPr>
-          <a:lstStyle/>
-          <a:p>
-            <a:r>
-              <a:rPr lang="zh-CN" altLang="en-US" sz="2400" dirty="0" smtClean="0"/>
-              <a:t>感谢您的参与，按空格结束本次实验。</a:t>
-            </a:r>
-            <a:endParaRPr lang="zh-CN" altLang="en-US" sz="2400" dirty="0"/>
-          </a:p>
-        </p:txBody>
-      </p:sp>
-    </p:spTree>
-    <p:extLst>
-      <p:ext uri="{BB962C8B-B14F-4D97-AF65-F5344CB8AC3E}">
-        <p14:creationId xmlns:p14="http://schemas.microsoft.com/office/powerpoint/2010/main" val="2898792875"/>
-      </p:ext>
-    </p:extLst>
-  </p:cSld>
-  <p:clrMapOvr>
-    <a:masterClrMapping/>
-  </p:clrMapOvr>
-</p:sld>
-</file>
-
-<file path=ppt/slides/slide6.xml><?xml version="1.0" encoding="utf-8"?>
-<p:sld xmlns:a="http://schemas.openxmlformats.org/drawingml/2006/main" xmlns:r="http://schemas.openxmlformats.org/officeDocument/2006/relationships" xmlns:p="http://schemas.openxmlformats.org/presentationml/2006/main">
-  <p:cSld>
-    <p:spTree>
-      <p:nvGrpSpPr>
-        <p:cNvPr id="1" name=""/>
-        <p:cNvGrpSpPr/>
-        <p:nvPr/>
-      </p:nvGrpSpPr>
-      <p:grpSpPr>
-        <a:xfrm>
-          <a:off x="0" y="0"/>
-          <a:ext cx="0" cy="0"/>
-          <a:chOff x="0" y="0"/>
-          <a:chExt cx="0" cy="0"/>
-        </a:xfrm>
-      </p:grpSpPr>
-      <p:sp>
-        <p:nvSpPr>
-          <p:cNvPr id="5" name="文本框 4"/>
-          <p:cNvSpPr txBox="1"/>
-          <p:nvPr/>
-        </p:nvSpPr>
-        <p:spPr>
-          <a:xfrm>
-            <a:off x="2225350" y="2109242"/>
-            <a:ext cx="7809186" cy="1200329"/>
-          </a:xfrm>
-          <a:prstGeom prst="rect">
-            <a:avLst/>
-          </a:prstGeom>
-          <a:noFill/>
-        </p:spPr>
-        <p:txBody>
-          <a:bodyPr wrap="square" rtlCol="0">
-            <a:spAutoFit/>
-          </a:bodyPr>
-          <a:lstStyle/>
-          <a:p>
-            <a:r>
-              <a:rPr lang="zh-CN" altLang="en-US" sz="7200" dirty="0" smtClean="0"/>
-              <a:t>请准备并熟悉节奏</a:t>
-            </a:r>
-            <a:endParaRPr lang="zh-CN" altLang="en-US" sz="7200" dirty="0"/>
-          </a:p>
-        </p:txBody>
-      </p:sp>
-    </p:spTree>
-    <p:extLst>
-      <p:ext uri="{BB962C8B-B14F-4D97-AF65-F5344CB8AC3E}">
-        <p14:creationId xmlns:p14="http://schemas.microsoft.com/office/powerpoint/2010/main" val="358921956"/>
-      </p:ext>
-    </p:extLst>
-  </p:cSld>
-  <p:clrMapOvr>
-    <a:masterClrMapping/>
-  </p:clrMapOvr>
-</p:sld>
-</file>
-
-<file path=ppt/slides/slide7.xml><?xml version="1.0" encoding="utf-8"?>
-<p:sld xmlns:a="http://schemas.openxmlformats.org/drawingml/2006/main" xmlns:r="http://schemas.openxmlformats.org/officeDocument/2006/relationships" xmlns:p="http://schemas.openxmlformats.org/presentationml/2006/main">
-  <p:cSld>
-    <p:spTree>
-      <p:nvGrpSpPr>
-        <p:cNvPr id="1" name=""/>
-        <p:cNvGrpSpPr/>
-        <p:nvPr/>
-      </p:nvGrpSpPr>
-      <p:grpSpPr>
-        <a:xfrm>
-          <a:off x="0" y="0"/>
-          <a:ext cx="0" cy="0"/>
-          <a:chOff x="0" y="0"/>
-          <a:chExt cx="0" cy="0"/>
-        </a:xfrm>
-      </p:grpSpPr>
-      <p:sp>
-        <p:nvSpPr>
-          <p:cNvPr id="2" name="文本框 1"/>
-          <p:cNvSpPr txBox="1"/>
-          <p:nvPr/>
-        </p:nvSpPr>
-        <p:spPr>
-          <a:xfrm>
-            <a:off x="1850834" y="1299990"/>
-            <a:ext cx="9033831" cy="3416320"/>
-          </a:xfrm>
-          <a:prstGeom prst="rect">
-            <a:avLst/>
-          </a:prstGeom>
-          <a:noFill/>
-        </p:spPr>
-        <p:txBody>
-          <a:bodyPr wrap="square" rtlCol="0">
-            <a:spAutoFit/>
-          </a:bodyPr>
-          <a:lstStyle/>
-          <a:p>
-            <a:pPr algn="ctr"/>
-            <a:r>
-              <a:rPr lang="zh-CN" altLang="en-US" sz="5400" dirty="0"/>
-              <a:t>请拿</a:t>
-            </a:r>
-            <a:r>
-              <a:rPr lang="zh-CN" altLang="en-US" sz="5400" dirty="0" smtClean="0"/>
-              <a:t>好握柄。</a:t>
-            </a:r>
-            <a:endParaRPr lang="en-US" altLang="zh-CN" sz="5400" dirty="0" smtClean="0"/>
-          </a:p>
-          <a:p>
-            <a:pPr algn="ctr"/>
-            <a:r>
-              <a:rPr lang="zh-CN" altLang="en-US" sz="5400" dirty="0" smtClean="0"/>
-              <a:t>传感器靠近手指内侧，</a:t>
-            </a:r>
-            <a:endParaRPr lang="en-US" altLang="zh-CN" sz="5400" smtClean="0"/>
-          </a:p>
-          <a:p>
-            <a:pPr algn="ctr"/>
-            <a:r>
-              <a:rPr lang="zh-CN" altLang="en-US" sz="5400" smtClean="0"/>
-              <a:t>木</a:t>
-            </a:r>
-            <a:r>
-              <a:rPr lang="zh-CN" altLang="en-US" sz="5400" dirty="0" smtClean="0"/>
-              <a:t>杆靠近手心。放松持握。</a:t>
-            </a:r>
-            <a:endParaRPr lang="en-US" altLang="zh-CN" sz="5400" dirty="0" smtClean="0"/>
-          </a:p>
-          <a:p>
-            <a:pPr algn="ctr"/>
-            <a:r>
-              <a:rPr lang="zh-CN" altLang="en-US" sz="5400" dirty="0" smtClean="0"/>
-              <a:t>然后按空格继续。</a:t>
-            </a:r>
-            <a:endParaRPr lang="zh-CN" altLang="en-US" sz="5400" dirty="0"/>
-          </a:p>
-        </p:txBody>
-      </p:sp>
-    </p:spTree>
-    <p:extLst>
-      <p:ext uri="{BB962C8B-B14F-4D97-AF65-F5344CB8AC3E}">
-        <p14:creationId xmlns:p14="http://schemas.microsoft.com/office/powerpoint/2010/main" val="661219804"/>
-      </p:ext>
-    </p:extLst>
-  </p:cSld>
-  <p:clrMapOvr>
-    <a:masterClrMapping/>
-  </p:clrMapOvr>
-</p:sld>
-</file>
-
-<file path=ppt/slides/slide8.xml><?xml version="1.0" encoding="utf-8"?>
-<p:sld xmlns:a="http://schemas.openxmlformats.org/drawingml/2006/main" xmlns:r="http://schemas.openxmlformats.org/officeDocument/2006/relationships" xmlns:p="http://schemas.openxmlformats.org/presentationml/2006/main">
-  <p:cSld>
-    <p:spTree>
-      <p:nvGrpSpPr>
-        <p:cNvPr id="1" name=""/>
-        <p:cNvGrpSpPr/>
-        <p:nvPr/>
-      </p:nvGrpSpPr>
-      <p:grpSpPr>
-        <a:xfrm>
-          <a:off x="0" y="0"/>
-          <a:ext cx="0" cy="0"/>
-          <a:chOff x="0" y="0"/>
-          <a:chExt cx="0" cy="0"/>
-        </a:xfrm>
-      </p:grpSpPr>
-      <p:pic>
-        <p:nvPicPr>
-          <p:cNvPr id="10" name="图片 9"/>
-          <p:cNvPicPr>
-            <a:picLocks noChangeAspect="1"/>
-          </p:cNvPicPr>
-          <p:nvPr/>
-        </p:nvPicPr>
-        <p:blipFill>
-          <a:blip r:embed="rId2" cstate="print">
-            <a:extLst>
-              <a:ext uri="{28A0092B-C50C-407E-A947-70E740481C1C}">
-                <a14:useLocalDpi xmlns:a14="http://schemas.microsoft.com/office/drawing/2010/main" val="0"/>
-              </a:ext>
-            </a:extLst>
-          </a:blip>
-          <a:stretch>
-            <a:fillRect/>
-          </a:stretch>
-        </p:blipFill>
-        <p:spPr>
-          <a:xfrm>
-            <a:off x="6217919" y="2849432"/>
-            <a:ext cx="4485940" cy="2523341"/>
-          </a:xfrm>
-          <a:prstGeom prst="rect">
-            <a:avLst/>
-          </a:prstGeom>
-          <a:ln w="88900" cap="sq" cmpd="thickThin">
-            <a:solidFill>
-              <a:srgbClr val="000000"/>
-            </a:solidFill>
-            <a:prstDash val="solid"/>
-            <a:miter lim="800000"/>
-          </a:ln>
-          <a:effectLst>
-            <a:innerShdw blurRad="76200">
-              <a:srgbClr val="000000"/>
-            </a:innerShdw>
-          </a:effectLst>
-        </p:spPr>
-      </p:pic>
-      <p:sp>
-        <p:nvSpPr>
-          <p:cNvPr id="2" name="文本框 1"/>
-          <p:cNvSpPr txBox="1"/>
-          <p:nvPr/>
-        </p:nvSpPr>
-        <p:spPr>
-          <a:xfrm>
-            <a:off x="914400" y="537882"/>
-            <a:ext cx="9789459" cy="2215991"/>
-          </a:xfrm>
-          <a:prstGeom prst="rect">
-            <a:avLst/>
-          </a:prstGeom>
-          <a:noFill/>
-        </p:spPr>
-        <p:txBody>
-          <a:bodyPr wrap="square" rtlCol="0">
-            <a:spAutoFit/>
-          </a:bodyPr>
-          <a:lstStyle/>
-          <a:p>
-            <a:r>
-              <a:rPr lang="zh-CN" altLang="en-US" sz="2000" dirty="0" smtClean="0"/>
-              <a:t>您好，现在您将完成的是握力运动任务。</a:t>
-            </a:r>
-            <a:endParaRPr lang="en-US" altLang="zh-CN" sz="2000" dirty="0" smtClean="0"/>
-          </a:p>
-          <a:p>
-            <a:endParaRPr lang="en-US" altLang="zh-CN" sz="2000" dirty="0" smtClean="0"/>
-          </a:p>
-          <a:p>
-            <a:r>
-              <a:rPr lang="en-US" altLang="zh-CN" sz="2000" dirty="0" smtClean="0"/>
-              <a:t>1.</a:t>
-            </a:r>
-            <a:r>
-              <a:rPr lang="zh-CN" altLang="en-US" sz="2000" dirty="0" smtClean="0"/>
-              <a:t>在实验开始前，先检测您的握力大小范围。请用惯用手握住握力装置，木质杆对应手心，传感器对应手指。请放松持握。之后画面出现“用力握”三个字。请您在进度条指示内，“一阵、一阵”地用力握紧装置。当画面出现“放松”时，请您放松持握即可。上述两种画面分别交替出现两次。</a:t>
-            </a:r>
-            <a:endParaRPr lang="en-US" altLang="zh-CN" sz="2000" dirty="0" smtClean="0"/>
-          </a:p>
-          <a:p>
-            <a:endParaRPr lang="zh-CN" altLang="en-US" dirty="0"/>
-          </a:p>
-        </p:txBody>
-      </p:sp>
-      <p:grpSp>
-        <p:nvGrpSpPr>
-          <p:cNvPr id="9" name="组合 8"/>
-          <p:cNvGrpSpPr/>
-          <p:nvPr/>
-        </p:nvGrpSpPr>
-        <p:grpSpPr>
-          <a:xfrm>
-            <a:off x="1183340" y="2849432"/>
-            <a:ext cx="8907333" cy="2529392"/>
-            <a:chOff x="1215613" y="2569733"/>
-            <a:chExt cx="8907333" cy="2529392"/>
-          </a:xfrm>
-        </p:grpSpPr>
-        <p:pic>
-          <p:nvPicPr>
-            <p:cNvPr id="5" name="图片 4"/>
-            <p:cNvPicPr>
-              <a:picLocks noChangeAspect="1"/>
-            </p:cNvPicPr>
-            <p:nvPr/>
-          </p:nvPicPr>
-          <p:blipFill>
-            <a:blip r:embed="rId3" cstate="print">
-              <a:extLst>
-                <a:ext uri="{28A0092B-C50C-407E-A947-70E740481C1C}">
-                  <a14:useLocalDpi xmlns:a14="http://schemas.microsoft.com/office/drawing/2010/main" val="0"/>
-                </a:ext>
-              </a:extLst>
-            </a:blip>
-            <a:stretch>
-              <a:fillRect/>
-            </a:stretch>
-          </p:blipFill>
-          <p:spPr>
-            <a:xfrm>
-              <a:off x="1215613" y="2569733"/>
-              <a:ext cx="4496696" cy="2529392"/>
-            </a:xfrm>
-            <a:prstGeom prst="rect">
-              <a:avLst/>
-            </a:prstGeom>
-            <a:ln w="88900" cap="sq" cmpd="thickThin">
-              <a:solidFill>
-                <a:srgbClr val="000000"/>
-              </a:solidFill>
-              <a:prstDash val="solid"/>
-              <a:miter lim="800000"/>
-            </a:ln>
-            <a:effectLst>
-              <a:innerShdw blurRad="76200">
-                <a:srgbClr val="000000"/>
-              </a:innerShdw>
-            </a:effectLst>
-          </p:spPr>
-        </p:pic>
-        <p:sp>
-          <p:nvSpPr>
-            <p:cNvPr id="7" name="矩形 6"/>
-            <p:cNvSpPr/>
-            <p:nvPr/>
-          </p:nvSpPr>
-          <p:spPr>
-            <a:xfrm>
-              <a:off x="1753496" y="4292301"/>
-              <a:ext cx="3345629" cy="279699"/>
-            </a:xfrm>
-            <a:prstGeom prst="rect">
-              <a:avLst/>
-            </a:prstGeom>
-            <a:ln w="28575"/>
-          </p:spPr>
-          <p:style>
-            <a:lnRef idx="2">
-              <a:schemeClr val="dk1"/>
-            </a:lnRef>
-            <a:fillRef idx="1">
-              <a:schemeClr val="lt1"/>
-            </a:fillRef>
-            <a:effectRef idx="0">
-              <a:schemeClr val="dk1"/>
-            </a:effectRef>
-            <a:fontRef idx="minor">
-              <a:schemeClr val="dk1"/>
-            </a:fontRef>
-          </p:style>
-          <p:txBody>
-            <a:bodyPr rtlCol="0" anchor="ctr"/>
-            <a:lstStyle/>
-            <a:p>
-              <a:pPr algn="ctr"/>
-              <a:endParaRPr lang="zh-CN" altLang="en-US"/>
-            </a:p>
-          </p:txBody>
-        </p:sp>
-        <p:sp>
-          <p:nvSpPr>
-            <p:cNvPr id="8" name="矩形 7"/>
-            <p:cNvSpPr/>
-            <p:nvPr/>
-          </p:nvSpPr>
-          <p:spPr>
-            <a:xfrm>
-              <a:off x="1785770" y="4346089"/>
-              <a:ext cx="2592593" cy="172122"/>
-            </a:xfrm>
-            <a:prstGeom prst="rect">
-              <a:avLst/>
-            </a:prstGeom>
-          </p:spPr>
-          <p:style>
-            <a:lnRef idx="2">
-              <a:schemeClr val="dk1">
-                <a:shade val="50000"/>
-              </a:schemeClr>
-            </a:lnRef>
-            <a:fillRef idx="1">
-              <a:schemeClr val="dk1"/>
-            </a:fillRef>
-            <a:effectRef idx="0">
-              <a:schemeClr val="dk1"/>
-            </a:effectRef>
-            <a:fontRef idx="minor">
-              <a:schemeClr val="lt1"/>
-            </a:fontRef>
-          </p:style>
-          <p:txBody>
-            <a:bodyPr rtlCol="0" anchor="ctr"/>
-            <a:lstStyle/>
-            <a:p>
-              <a:pPr algn="ctr"/>
-              <a:endParaRPr lang="zh-CN" altLang="en-US"/>
-            </a:p>
-          </p:txBody>
-        </p:sp>
-        <p:sp>
-          <p:nvSpPr>
-            <p:cNvPr id="11" name="矩形 10"/>
-            <p:cNvSpPr/>
-            <p:nvPr/>
-          </p:nvSpPr>
-          <p:spPr>
-            <a:xfrm>
-              <a:off x="6777317" y="4324574"/>
-              <a:ext cx="3345629" cy="279699"/>
-            </a:xfrm>
-            <a:prstGeom prst="rect">
-              <a:avLst/>
-            </a:prstGeom>
-            <a:ln w="28575"/>
-          </p:spPr>
-          <p:style>
-            <a:lnRef idx="2">
-              <a:schemeClr val="dk1"/>
-            </a:lnRef>
-            <a:fillRef idx="1">
-              <a:schemeClr val="lt1"/>
-            </a:fillRef>
-            <a:effectRef idx="0">
-              <a:schemeClr val="dk1"/>
-            </a:effectRef>
-            <a:fontRef idx="minor">
-              <a:schemeClr val="dk1"/>
-            </a:fontRef>
-          </p:style>
-          <p:txBody>
-            <a:bodyPr rtlCol="0" anchor="ctr"/>
-            <a:lstStyle/>
-            <a:p>
-              <a:pPr algn="ctr"/>
-              <a:endParaRPr lang="zh-CN" altLang="en-US"/>
-            </a:p>
-          </p:txBody>
-        </p:sp>
-        <p:sp>
-          <p:nvSpPr>
-            <p:cNvPr id="12" name="矩形 11"/>
-            <p:cNvSpPr/>
-            <p:nvPr/>
-          </p:nvSpPr>
-          <p:spPr>
-            <a:xfrm>
-              <a:off x="6809591" y="4367604"/>
-              <a:ext cx="1839557" cy="193638"/>
-            </a:xfrm>
-            <a:prstGeom prst="rect">
-              <a:avLst/>
-            </a:prstGeom>
-          </p:spPr>
-          <p:style>
-            <a:lnRef idx="2">
-              <a:schemeClr val="dk1">
-                <a:shade val="50000"/>
-              </a:schemeClr>
-            </a:lnRef>
-            <a:fillRef idx="1">
-              <a:schemeClr val="dk1"/>
-            </a:fillRef>
-            <a:effectRef idx="0">
-              <a:schemeClr val="dk1"/>
-            </a:effectRef>
-            <a:fontRef idx="minor">
-              <a:schemeClr val="lt1"/>
-            </a:fontRef>
-          </p:style>
-          <p:txBody>
-            <a:bodyPr rtlCol="0" anchor="ctr"/>
-            <a:lstStyle/>
-            <a:p>
-              <a:pPr algn="ctr"/>
-              <a:endParaRPr lang="zh-CN" altLang="en-US"/>
-            </a:p>
-          </p:txBody>
-        </p:sp>
-      </p:grpSp>
-    </p:spTree>
-    <p:extLst>
-      <p:ext uri="{BB962C8B-B14F-4D97-AF65-F5344CB8AC3E}">
-        <p14:creationId xmlns:p14="http://schemas.microsoft.com/office/powerpoint/2010/main" val="1874260258"/>
-      </p:ext>
-    </p:extLst>
-  </p:cSld>
-  <p:clrMapOvr>
-    <a:masterClrMapping/>
-  </p:clrMapOvr>
-</p:sld>
-</file>
-
-<file path=ppt/slides/slide9.xml><?xml version="1.0" encoding="utf-8"?>
 <p:sld xmlns:a="http://schemas.openxmlformats.org/drawingml/2006/main" xmlns:r="http://schemas.openxmlformats.org/officeDocument/2006/relationships" xmlns:p="http://schemas.openxmlformats.org/presentationml/2006/main">
   <p:cSld>
     <p:spTree>
@@ -9517,6 +6171,3614 @@
 </p:sld>
 </file>
 
+<file path=ppt/slides/slide11.xml><?xml version="1.0" encoding="utf-8"?>
+<p:sld xmlns:a="http://schemas.openxmlformats.org/drawingml/2006/main" xmlns:r="http://schemas.openxmlformats.org/officeDocument/2006/relationships" xmlns:p="http://schemas.openxmlformats.org/presentationml/2006/main">
+  <p:cSld>
+    <p:spTree>
+      <p:nvGrpSpPr>
+        <p:cNvPr id="1" name=""/>
+        <p:cNvGrpSpPr/>
+        <p:nvPr/>
+      </p:nvGrpSpPr>
+      <p:grpSpPr>
+        <a:xfrm>
+          <a:off x="0" y="0"/>
+          <a:ext cx="0" cy="0"/>
+          <a:chOff x="0" y="0"/>
+          <a:chExt cx="0" cy="0"/>
+        </a:xfrm>
+      </p:grpSpPr>
+      <p:sp>
+        <p:nvSpPr>
+          <p:cNvPr id="2" name="矩形 1"/>
+          <p:cNvSpPr/>
+          <p:nvPr/>
+        </p:nvSpPr>
+        <p:spPr>
+          <a:xfrm>
+            <a:off x="702832" y="778176"/>
+            <a:ext cx="10442090" cy="2554545"/>
+          </a:xfrm>
+          <a:prstGeom prst="rect">
+            <a:avLst/>
+          </a:prstGeom>
+        </p:spPr>
+        <p:txBody>
+          <a:bodyPr wrap="square">
+            <a:spAutoFit/>
+          </a:bodyPr>
+          <a:lstStyle/>
+          <a:p>
+            <a:r>
+              <a:rPr lang="en-US" altLang="zh-CN" sz="2000" dirty="0" smtClean="0"/>
+              <a:t>3. </a:t>
+            </a:r>
+            <a:r>
+              <a:rPr lang="zh-CN" altLang="en-US" sz="2000" dirty="0" smtClean="0"/>
+              <a:t>正式实验</a:t>
+            </a:r>
+            <a:endParaRPr lang="en-US" altLang="zh-CN" sz="2000" dirty="0" smtClean="0"/>
+          </a:p>
+          <a:p>
+            <a:r>
+              <a:rPr lang="zh-CN" altLang="en-US" sz="2000" dirty="0" smtClean="0"/>
+              <a:t>正式实验分为九个阶段。每个阶段您将会听到不同快慢的声音节拍。您需要跟随节拍完成握力实验。</a:t>
+            </a:r>
+            <a:endParaRPr lang="en-US" altLang="zh-CN" sz="2000" dirty="0" smtClean="0"/>
+          </a:p>
+          <a:p>
+            <a:r>
+              <a:rPr lang="zh-CN" altLang="en-US" sz="2000" dirty="0" smtClean="0"/>
+              <a:t>在</a:t>
+            </a:r>
+            <a:r>
+              <a:rPr lang="zh-CN" altLang="en-US" sz="2000" dirty="0"/>
+              <a:t>每个回合开始之前，你将会听到有节奏的三声节拍，然后第四声节拍</a:t>
+            </a:r>
+            <a:r>
+              <a:rPr lang="zh-CN" altLang="en-US" sz="2000" dirty="0" smtClean="0"/>
+              <a:t>响起时</a:t>
+            </a:r>
+            <a:r>
+              <a:rPr lang="zh-CN" altLang="en-US" sz="2000" dirty="0"/>
+              <a:t>，红色指示</a:t>
+            </a:r>
+            <a:r>
+              <a:rPr lang="zh-CN" altLang="en-US" sz="2000" dirty="0" smtClean="0"/>
+              <a:t>点同时变为</a:t>
+            </a:r>
+            <a:r>
+              <a:rPr lang="zh-CN" altLang="en-US" sz="2000" dirty="0"/>
+              <a:t>绿色</a:t>
+            </a:r>
+            <a:r>
+              <a:rPr lang="zh-CN" altLang="en-US" sz="2000" dirty="0" smtClean="0"/>
+              <a:t>，标志该</a:t>
+            </a:r>
+            <a:r>
+              <a:rPr lang="zh-CN" altLang="en-US" sz="2000" dirty="0"/>
+              <a:t>回合正式开始。您需要在声音响起时</a:t>
+            </a:r>
+            <a:r>
+              <a:rPr lang="zh-CN" altLang="en-US" sz="2000" dirty="0" smtClean="0"/>
+              <a:t>开始快速握紧</a:t>
+            </a:r>
+            <a:r>
+              <a:rPr lang="zh-CN" altLang="en-US" sz="2000" dirty="0"/>
+              <a:t>握力装置，到达指定的“门”内，并且松手返回。待下一次节拍响起时再次</a:t>
+            </a:r>
+            <a:r>
+              <a:rPr lang="zh-CN" altLang="en-US" sz="2000" dirty="0" smtClean="0"/>
+              <a:t>握紧移向下</a:t>
+            </a:r>
+            <a:r>
+              <a:rPr lang="zh-CN" altLang="en-US" sz="2000" dirty="0"/>
+              <a:t>一个“门”。请一直保持这种节奏</a:t>
+            </a:r>
+            <a:r>
+              <a:rPr lang="zh-CN" altLang="en-US" sz="2000" dirty="0" smtClean="0"/>
+              <a:t>。每回合如果</a:t>
+            </a:r>
+            <a:r>
+              <a:rPr lang="zh-CN" altLang="en-US" sz="2000" dirty="0"/>
+              <a:t>延误超过一个节拍。即使到达门内，该“门”成绩也会判为</a:t>
+            </a:r>
+            <a:r>
+              <a:rPr lang="zh-CN" altLang="en-US" sz="2000" dirty="0" smtClean="0"/>
+              <a:t>错误。</a:t>
+            </a:r>
+            <a:r>
+              <a:rPr lang="zh-CN" altLang="en-US" sz="2000" dirty="0"/>
+              <a:t>每一个阶段之内节拍不会发生变化</a:t>
+            </a:r>
+            <a:r>
+              <a:rPr lang="zh-CN" altLang="en-US" sz="2000" dirty="0" smtClean="0"/>
+              <a:t>。每一段开始之前，会有</a:t>
+            </a:r>
+            <a:r>
+              <a:rPr lang="en-US" altLang="zh-CN" sz="2000" dirty="0" smtClean="0"/>
+              <a:t>5</a:t>
+            </a:r>
+            <a:r>
+              <a:rPr lang="zh-CN" altLang="en-US" sz="2000" dirty="0" smtClean="0"/>
+              <a:t>秒仅播放声音展示节拍快慢。</a:t>
+            </a:r>
+            <a:endParaRPr lang="zh-CN" altLang="en-US" sz="2000" dirty="0"/>
+          </a:p>
+        </p:txBody>
+      </p:sp>
+    </p:spTree>
+    <p:extLst>
+      <p:ext uri="{BB962C8B-B14F-4D97-AF65-F5344CB8AC3E}">
+        <p14:creationId xmlns:p14="http://schemas.microsoft.com/office/powerpoint/2010/main" val="1443087586"/>
+      </p:ext>
+    </p:extLst>
+  </p:cSld>
+  <p:clrMapOvr>
+    <a:masterClrMapping/>
+  </p:clrMapOvr>
+</p:sld>
+</file>
+
+<file path=ppt/slides/slide12.xml><?xml version="1.0" encoding="utf-8"?>
+<p:sld xmlns:a="http://schemas.openxmlformats.org/drawingml/2006/main" xmlns:r="http://schemas.openxmlformats.org/officeDocument/2006/relationships" xmlns:p="http://schemas.openxmlformats.org/presentationml/2006/main">
+  <p:cSld>
+    <p:spTree>
+      <p:nvGrpSpPr>
+        <p:cNvPr id="1" name=""/>
+        <p:cNvGrpSpPr/>
+        <p:nvPr/>
+      </p:nvGrpSpPr>
+      <p:grpSpPr>
+        <a:xfrm>
+          <a:off x="0" y="0"/>
+          <a:ext cx="0" cy="0"/>
+          <a:chOff x="0" y="0"/>
+          <a:chExt cx="0" cy="0"/>
+        </a:xfrm>
+      </p:grpSpPr>
+      <p:sp>
+        <p:nvSpPr>
+          <p:cNvPr id="2" name="文本框 1"/>
+          <p:cNvSpPr txBox="1"/>
+          <p:nvPr/>
+        </p:nvSpPr>
+        <p:spPr>
+          <a:xfrm>
+            <a:off x="1742738" y="1538344"/>
+            <a:ext cx="9036423" cy="3539430"/>
+          </a:xfrm>
+          <a:prstGeom prst="rect">
+            <a:avLst/>
+          </a:prstGeom>
+          <a:noFill/>
+        </p:spPr>
+        <p:txBody>
+          <a:bodyPr wrap="square" rtlCol="0">
+            <a:spAutoFit/>
+          </a:bodyPr>
+          <a:lstStyle/>
+          <a:p>
+            <a:pPr algn="ctr"/>
+            <a:r>
+              <a:rPr lang="zh-CN" altLang="en-US" sz="4400" b="1" dirty="0"/>
+              <a:t>按键运动</a:t>
+            </a:r>
+            <a:r>
+              <a:rPr lang="zh-CN" altLang="en-US" sz="4400" b="1" dirty="0" smtClean="0"/>
+              <a:t>任务</a:t>
+            </a:r>
+            <a:endParaRPr lang="en-US" altLang="zh-CN" sz="4400" b="1" dirty="0" smtClean="0"/>
+          </a:p>
+          <a:p>
+            <a:endParaRPr lang="en-US" altLang="zh-CN" sz="3600" b="1" dirty="0" smtClean="0"/>
+          </a:p>
+          <a:p>
+            <a:r>
+              <a:rPr lang="zh-CN" altLang="en-US" sz="3600" dirty="0" smtClean="0"/>
+              <a:t>屏幕呈现白色十字时休息。</a:t>
+            </a:r>
+            <a:endParaRPr lang="en-US" altLang="zh-CN" sz="3600" dirty="0" smtClean="0"/>
+          </a:p>
+          <a:p>
+            <a:r>
+              <a:rPr lang="zh-CN" altLang="en-US" sz="3600" dirty="0" smtClean="0"/>
+              <a:t>屏幕呈现</a:t>
+            </a:r>
+            <a:r>
+              <a:rPr lang="zh-CN" altLang="en-US" sz="3600" dirty="0" smtClean="0">
+                <a:solidFill>
+                  <a:srgbClr val="00B050"/>
+                </a:solidFill>
+              </a:rPr>
+              <a:t>绿色方块</a:t>
+            </a:r>
+            <a:r>
+              <a:rPr lang="zh-CN" altLang="en-US" sz="3600" dirty="0" smtClean="0"/>
+              <a:t>时，请按照用除大拇指以外四根手指，按照大约</a:t>
+            </a:r>
+            <a:r>
+              <a:rPr lang="en-US" altLang="zh-CN" sz="3600" dirty="0" smtClean="0"/>
+              <a:t>1s/</a:t>
+            </a:r>
+            <a:r>
+              <a:rPr lang="zh-CN" altLang="en-US" sz="3600" dirty="0" smtClean="0"/>
+              <a:t>次的频率从左到右依次在按键器上按键，重复进行。</a:t>
+            </a:r>
+            <a:endParaRPr lang="zh-CN" altLang="en-US" sz="3600" dirty="0"/>
+          </a:p>
+        </p:txBody>
+      </p:sp>
+    </p:spTree>
+    <p:extLst>
+      <p:ext uri="{BB962C8B-B14F-4D97-AF65-F5344CB8AC3E}">
+        <p14:creationId xmlns:p14="http://schemas.microsoft.com/office/powerpoint/2010/main" val="100826819"/>
+      </p:ext>
+    </p:extLst>
+  </p:cSld>
+  <p:clrMapOvr>
+    <a:masterClrMapping/>
+  </p:clrMapOvr>
+</p:sld>
+</file>
+
+<file path=ppt/slides/slide13.xml><?xml version="1.0" encoding="utf-8"?>
+<p:sld xmlns:a="http://schemas.openxmlformats.org/drawingml/2006/main" xmlns:r="http://schemas.openxmlformats.org/officeDocument/2006/relationships" xmlns:p="http://schemas.openxmlformats.org/presentationml/2006/main">
+  <p:cSld>
+    <p:spTree>
+      <p:nvGrpSpPr>
+        <p:cNvPr id="1" name=""/>
+        <p:cNvGrpSpPr/>
+        <p:nvPr/>
+      </p:nvGrpSpPr>
+      <p:grpSpPr>
+        <a:xfrm>
+          <a:off x="0" y="0"/>
+          <a:ext cx="0" cy="0"/>
+          <a:chOff x="0" y="0"/>
+          <a:chExt cx="0" cy="0"/>
+        </a:xfrm>
+      </p:grpSpPr>
+      <p:sp>
+        <p:nvSpPr>
+          <p:cNvPr id="2" name="文本框 1"/>
+          <p:cNvSpPr txBox="1"/>
+          <p:nvPr/>
+        </p:nvSpPr>
+        <p:spPr>
+          <a:xfrm>
+            <a:off x="1710465" y="1129553"/>
+            <a:ext cx="9036423" cy="2985433"/>
+          </a:xfrm>
+          <a:prstGeom prst="rect">
+            <a:avLst/>
+          </a:prstGeom>
+          <a:noFill/>
+        </p:spPr>
+        <p:txBody>
+          <a:bodyPr wrap="square" rtlCol="0">
+            <a:spAutoFit/>
+          </a:bodyPr>
+          <a:lstStyle/>
+          <a:p>
+            <a:pPr algn="ctr"/>
+            <a:r>
+              <a:rPr lang="zh-CN" altLang="en-US" sz="4400" b="1" dirty="0" smtClean="0"/>
+              <a:t>握力运动任务</a:t>
+            </a:r>
+            <a:endParaRPr lang="en-US" altLang="zh-CN" sz="4400" b="1" dirty="0" smtClean="0"/>
+          </a:p>
+          <a:p>
+            <a:endParaRPr lang="en-US" altLang="zh-CN" sz="3600" b="1" dirty="0" smtClean="0"/>
+          </a:p>
+          <a:p>
+            <a:r>
+              <a:rPr lang="zh-CN" altLang="en-US" sz="3600" dirty="0" smtClean="0"/>
+              <a:t>屏幕呈现白色十字时休息。</a:t>
+            </a:r>
+            <a:endParaRPr lang="en-US" altLang="zh-CN" sz="3600" dirty="0" smtClean="0"/>
+          </a:p>
+          <a:p>
+            <a:r>
+              <a:rPr lang="zh-CN" altLang="en-US" sz="3600" dirty="0" smtClean="0"/>
+              <a:t>屏幕呈现</a:t>
+            </a:r>
+            <a:r>
+              <a:rPr lang="zh-CN" altLang="en-US" sz="3600" dirty="0" smtClean="0">
+                <a:solidFill>
+                  <a:srgbClr val="00B050"/>
+                </a:solidFill>
+              </a:rPr>
+              <a:t>绿色圆球</a:t>
+            </a:r>
+            <a:r>
+              <a:rPr lang="zh-CN" altLang="en-US" sz="3600" dirty="0" smtClean="0"/>
+              <a:t>时，请用手握住木杆。</a:t>
+            </a:r>
+            <a:r>
+              <a:rPr lang="zh-CN" altLang="en-US" sz="3600" dirty="0" smtClean="0">
+                <a:solidFill>
+                  <a:srgbClr val="00B050"/>
+                </a:solidFill>
+              </a:rPr>
+              <a:t>绿色圆球</a:t>
+            </a:r>
+            <a:r>
+              <a:rPr lang="zh-CN" altLang="en-US" sz="3600" dirty="0" smtClean="0"/>
+              <a:t>面积越大，握力越大。重复进行。</a:t>
+            </a:r>
+            <a:endParaRPr lang="zh-CN" altLang="en-US" sz="3600" dirty="0"/>
+          </a:p>
+        </p:txBody>
+      </p:sp>
+    </p:spTree>
+    <p:extLst>
+      <p:ext uri="{BB962C8B-B14F-4D97-AF65-F5344CB8AC3E}">
+        <p14:creationId xmlns:p14="http://schemas.microsoft.com/office/powerpoint/2010/main" val="3985804491"/>
+      </p:ext>
+    </p:extLst>
+  </p:cSld>
+  <p:clrMapOvr>
+    <a:masterClrMapping/>
+  </p:clrMapOvr>
+</p:sld>
+</file>
+
+<file path=ppt/slides/slide14.xml><?xml version="1.0" encoding="utf-8"?>
+<p:sld xmlns:a="http://schemas.openxmlformats.org/drawingml/2006/main" xmlns:r="http://schemas.openxmlformats.org/officeDocument/2006/relationships" xmlns:p="http://schemas.openxmlformats.org/presentationml/2006/main">
+  <p:cSld>
+    <p:spTree>
+      <p:nvGrpSpPr>
+        <p:cNvPr id="1" name=""/>
+        <p:cNvGrpSpPr/>
+        <p:nvPr/>
+      </p:nvGrpSpPr>
+      <p:grpSpPr>
+        <a:xfrm>
+          <a:off x="0" y="0"/>
+          <a:ext cx="0" cy="0"/>
+          <a:chOff x="0" y="0"/>
+          <a:chExt cx="0" cy="0"/>
+        </a:xfrm>
+      </p:grpSpPr>
+      <p:sp>
+        <p:nvSpPr>
+          <p:cNvPr id="3" name="文本框 2"/>
+          <p:cNvSpPr txBox="1"/>
+          <p:nvPr/>
+        </p:nvSpPr>
+        <p:spPr>
+          <a:xfrm>
+            <a:off x="2401806" y="1560007"/>
+            <a:ext cx="8599129" cy="1134157"/>
+          </a:xfrm>
+          <a:prstGeom prst="rect">
+            <a:avLst/>
+          </a:prstGeom>
+          <a:noFill/>
+        </p:spPr>
+        <p:txBody>
+          <a:bodyPr wrap="square" rtlCol="0">
+            <a:spAutoFit/>
+          </a:bodyPr>
+          <a:lstStyle/>
+          <a:p>
+            <a:pPr>
+              <a:lnSpc>
+                <a:spcPct val="150000"/>
+              </a:lnSpc>
+            </a:pPr>
+            <a:r>
+              <a:rPr lang="zh-CN" altLang="en-US" sz="2400" dirty="0">
+                <a:latin typeface="Comic Sans MS" panose="030F0702030302020204" pitchFamily="66" charset="0"/>
+              </a:rPr>
+              <a:t>如果红色变为绿色在听到声音之</a:t>
+            </a:r>
+            <a:r>
+              <a:rPr lang="zh-CN" altLang="en-US" sz="2400" b="1" dirty="0">
+                <a:latin typeface="Comic Sans MS" panose="030F0702030302020204" pitchFamily="66" charset="0"/>
+              </a:rPr>
+              <a:t>前</a:t>
+            </a:r>
+            <a:r>
+              <a:rPr lang="zh-CN" altLang="en-US" sz="2400" dirty="0">
+                <a:latin typeface="Comic Sans MS" panose="030F0702030302020204" pitchFamily="66" charset="0"/>
+              </a:rPr>
+              <a:t>请按键盘</a:t>
+            </a:r>
+            <a:r>
+              <a:rPr lang="zh-CN" altLang="en-US" sz="2400" b="1" dirty="0" smtClean="0">
+                <a:latin typeface="Comic Sans MS" panose="030F0702030302020204" pitchFamily="66" charset="0"/>
+              </a:rPr>
+              <a:t>左</a:t>
+            </a:r>
+            <a:r>
+              <a:rPr lang="zh-CN" altLang="en-US" sz="2400" dirty="0" smtClean="0">
+                <a:latin typeface="Comic Sans MS" panose="030F0702030302020204" pitchFamily="66" charset="0"/>
+              </a:rPr>
+              <a:t>方向键；</a:t>
+            </a:r>
+            <a:endParaRPr lang="en-US" altLang="zh-CN" sz="2400" dirty="0" smtClean="0">
+              <a:latin typeface="Comic Sans MS" panose="030F0702030302020204" pitchFamily="66" charset="0"/>
+            </a:endParaRPr>
+          </a:p>
+          <a:p>
+            <a:pPr>
+              <a:lnSpc>
+                <a:spcPct val="150000"/>
+              </a:lnSpc>
+            </a:pPr>
+            <a:r>
+              <a:rPr lang="zh-CN" altLang="en-US" sz="2400" dirty="0">
+                <a:latin typeface="Comic Sans MS" panose="030F0702030302020204" pitchFamily="66" charset="0"/>
+              </a:rPr>
+              <a:t>如果红色变为绿色</a:t>
+            </a:r>
+            <a:r>
+              <a:rPr lang="zh-CN" altLang="en-US" sz="2400" dirty="0" smtClean="0">
+                <a:latin typeface="Comic Sans MS" panose="030F0702030302020204" pitchFamily="66" charset="0"/>
+              </a:rPr>
+              <a:t>在</a:t>
+            </a:r>
+            <a:r>
+              <a:rPr lang="zh-CN" altLang="en-US" sz="2400" dirty="0">
+                <a:latin typeface="Comic Sans MS" panose="030F0702030302020204" pitchFamily="66" charset="0"/>
+              </a:rPr>
+              <a:t>听到</a:t>
+            </a:r>
+            <a:r>
+              <a:rPr lang="zh-CN" altLang="en-US" sz="2400" dirty="0" smtClean="0">
+                <a:latin typeface="Comic Sans MS" panose="030F0702030302020204" pitchFamily="66" charset="0"/>
+              </a:rPr>
+              <a:t>声音</a:t>
+            </a:r>
+            <a:r>
+              <a:rPr lang="zh-CN" altLang="en-US" sz="2400" dirty="0">
+                <a:latin typeface="Comic Sans MS" panose="030F0702030302020204" pitchFamily="66" charset="0"/>
+              </a:rPr>
+              <a:t>之</a:t>
+            </a:r>
+            <a:r>
+              <a:rPr lang="zh-CN" altLang="en-US" sz="2400" b="1" dirty="0">
+                <a:latin typeface="Comic Sans MS" panose="030F0702030302020204" pitchFamily="66" charset="0"/>
+              </a:rPr>
+              <a:t>后</a:t>
+            </a:r>
+            <a:r>
+              <a:rPr lang="zh-CN" altLang="en-US" sz="2400" dirty="0">
+                <a:latin typeface="Comic Sans MS" panose="030F0702030302020204" pitchFamily="66" charset="0"/>
+              </a:rPr>
+              <a:t>请按键盘</a:t>
+            </a:r>
+            <a:r>
+              <a:rPr lang="zh-CN" altLang="en-US" sz="2400" b="1" dirty="0" smtClean="0">
+                <a:latin typeface="Comic Sans MS" panose="030F0702030302020204" pitchFamily="66" charset="0"/>
+              </a:rPr>
+              <a:t>右</a:t>
+            </a:r>
+            <a:r>
+              <a:rPr lang="zh-CN" altLang="en-US" sz="2400" dirty="0" smtClean="0">
+                <a:latin typeface="Comic Sans MS" panose="030F0702030302020204" pitchFamily="66" charset="0"/>
+              </a:rPr>
+              <a:t>方向键。</a:t>
+            </a:r>
+            <a:endParaRPr lang="zh-CN" altLang="en-US" sz="2400" dirty="0">
+              <a:latin typeface="Comic Sans MS" panose="030F0702030302020204" pitchFamily="66" charset="0"/>
+            </a:endParaRPr>
+          </a:p>
+        </p:txBody>
+      </p:sp>
+      <p:sp>
+        <p:nvSpPr>
+          <p:cNvPr id="5" name="右箭头 4"/>
+          <p:cNvSpPr/>
+          <p:nvPr/>
+        </p:nvSpPr>
+        <p:spPr>
+          <a:xfrm>
+            <a:off x="6865035" y="4079629"/>
+            <a:ext cx="1800665" cy="886265"/>
+          </a:xfrm>
+          <a:prstGeom prst="rightArrow">
+            <a:avLst/>
+          </a:prstGeom>
+          <a:noFill/>
+        </p:spPr>
+        <p:style>
+          <a:lnRef idx="2">
+            <a:schemeClr val="accent1">
+              <a:shade val="50000"/>
+            </a:schemeClr>
+          </a:lnRef>
+          <a:fillRef idx="1">
+            <a:schemeClr val="accent1"/>
+          </a:fillRef>
+          <a:effectRef idx="0">
+            <a:schemeClr val="accent1"/>
+          </a:effectRef>
+          <a:fontRef idx="minor">
+            <a:schemeClr val="lt1"/>
+          </a:fontRef>
+        </p:style>
+        <p:txBody>
+          <a:bodyPr rtlCol="0" anchor="ctr"/>
+          <a:lstStyle/>
+          <a:p>
+            <a:pPr algn="ctr"/>
+            <a:endParaRPr lang="zh-CN" altLang="en-US"/>
+          </a:p>
+        </p:txBody>
+      </p:sp>
+      <p:sp>
+        <p:nvSpPr>
+          <p:cNvPr id="6" name="右箭头 5"/>
+          <p:cNvSpPr/>
+          <p:nvPr/>
+        </p:nvSpPr>
+        <p:spPr>
+          <a:xfrm rot="10800000">
+            <a:off x="3516924" y="4079629"/>
+            <a:ext cx="1800665" cy="886265"/>
+          </a:xfrm>
+          <a:prstGeom prst="rightArrow">
+            <a:avLst/>
+          </a:prstGeom>
+          <a:noFill/>
+        </p:spPr>
+        <p:style>
+          <a:lnRef idx="2">
+            <a:schemeClr val="accent1">
+              <a:shade val="50000"/>
+            </a:schemeClr>
+          </a:lnRef>
+          <a:fillRef idx="1">
+            <a:schemeClr val="accent1"/>
+          </a:fillRef>
+          <a:effectRef idx="0">
+            <a:schemeClr val="accent1"/>
+          </a:effectRef>
+          <a:fontRef idx="minor">
+            <a:schemeClr val="lt1"/>
+          </a:fontRef>
+        </p:style>
+        <p:txBody>
+          <a:bodyPr rtlCol="0" anchor="ctr"/>
+          <a:lstStyle/>
+          <a:p>
+            <a:pPr algn="ctr"/>
+            <a:endParaRPr lang="zh-CN" altLang="en-US"/>
+          </a:p>
+        </p:txBody>
+      </p:sp>
+    </p:spTree>
+    <p:extLst>
+      <p:ext uri="{BB962C8B-B14F-4D97-AF65-F5344CB8AC3E}">
+        <p14:creationId xmlns:p14="http://schemas.microsoft.com/office/powerpoint/2010/main" val="1826338796"/>
+      </p:ext>
+    </p:extLst>
+  </p:cSld>
+  <p:clrMapOvr>
+    <a:masterClrMapping/>
+  </p:clrMapOvr>
+</p:sld>
+</file>
+
+<file path=ppt/slides/slide15.xml><?xml version="1.0" encoding="utf-8"?>
+<p:sld xmlns:a="http://schemas.openxmlformats.org/drawingml/2006/main" xmlns:r="http://schemas.openxmlformats.org/officeDocument/2006/relationships" xmlns:p="http://schemas.openxmlformats.org/presentationml/2006/main">
+  <p:cSld>
+    <p:spTree>
+      <p:nvGrpSpPr>
+        <p:cNvPr id="1" name=""/>
+        <p:cNvGrpSpPr/>
+        <p:nvPr/>
+      </p:nvGrpSpPr>
+      <p:grpSpPr>
+        <a:xfrm>
+          <a:off x="0" y="0"/>
+          <a:ext cx="0" cy="0"/>
+          <a:chOff x="0" y="0"/>
+          <a:chExt cx="0" cy="0"/>
+        </a:xfrm>
+      </p:grpSpPr>
+      <p:sp>
+        <p:nvSpPr>
+          <p:cNvPr id="3" name="文本框 2"/>
+          <p:cNvSpPr txBox="1"/>
+          <p:nvPr/>
+        </p:nvSpPr>
+        <p:spPr>
+          <a:xfrm>
+            <a:off x="2401806" y="1560007"/>
+            <a:ext cx="8599129" cy="1134157"/>
+          </a:xfrm>
+          <a:prstGeom prst="rect">
+            <a:avLst/>
+          </a:prstGeom>
+          <a:noFill/>
+        </p:spPr>
+        <p:txBody>
+          <a:bodyPr wrap="square" rtlCol="0">
+            <a:spAutoFit/>
+          </a:bodyPr>
+          <a:lstStyle/>
+          <a:p>
+            <a:pPr>
+              <a:lnSpc>
+                <a:spcPct val="150000"/>
+              </a:lnSpc>
+            </a:pPr>
+            <a:r>
+              <a:rPr lang="zh-CN" altLang="en-US" sz="2400" dirty="0">
+                <a:latin typeface="Comic Sans MS" panose="030F0702030302020204" pitchFamily="66" charset="0"/>
+              </a:rPr>
+              <a:t>如果红色变为绿色在听到声音之</a:t>
+            </a:r>
+            <a:r>
+              <a:rPr lang="zh-CN" altLang="en-US" sz="2400" b="1" dirty="0">
+                <a:latin typeface="Comic Sans MS" panose="030F0702030302020204" pitchFamily="66" charset="0"/>
+              </a:rPr>
+              <a:t>前</a:t>
+            </a:r>
+            <a:r>
+              <a:rPr lang="zh-CN" altLang="en-US" sz="2400" dirty="0">
+                <a:latin typeface="Comic Sans MS" panose="030F0702030302020204" pitchFamily="66" charset="0"/>
+              </a:rPr>
+              <a:t>请按键盘</a:t>
+            </a:r>
+            <a:r>
+              <a:rPr lang="zh-CN" altLang="en-US" sz="2400" b="1" dirty="0" smtClean="0">
+                <a:latin typeface="Comic Sans MS" panose="030F0702030302020204" pitchFamily="66" charset="0"/>
+              </a:rPr>
+              <a:t>左</a:t>
+            </a:r>
+            <a:r>
+              <a:rPr lang="zh-CN" altLang="en-US" sz="2400" dirty="0" smtClean="0">
+                <a:latin typeface="Comic Sans MS" panose="030F0702030302020204" pitchFamily="66" charset="0"/>
+              </a:rPr>
+              <a:t>方向键；</a:t>
+            </a:r>
+            <a:endParaRPr lang="en-US" altLang="zh-CN" sz="2400" dirty="0" smtClean="0">
+              <a:latin typeface="Comic Sans MS" panose="030F0702030302020204" pitchFamily="66" charset="0"/>
+            </a:endParaRPr>
+          </a:p>
+          <a:p>
+            <a:pPr>
+              <a:lnSpc>
+                <a:spcPct val="150000"/>
+              </a:lnSpc>
+            </a:pPr>
+            <a:r>
+              <a:rPr lang="zh-CN" altLang="en-US" sz="2400" dirty="0">
+                <a:latin typeface="Comic Sans MS" panose="030F0702030302020204" pitchFamily="66" charset="0"/>
+              </a:rPr>
+              <a:t>如果红色变为绿色</a:t>
+            </a:r>
+            <a:r>
+              <a:rPr lang="zh-CN" altLang="en-US" sz="2400" dirty="0" smtClean="0">
+                <a:latin typeface="Comic Sans MS" panose="030F0702030302020204" pitchFamily="66" charset="0"/>
+              </a:rPr>
+              <a:t>在</a:t>
+            </a:r>
+            <a:r>
+              <a:rPr lang="zh-CN" altLang="en-US" sz="2400" dirty="0">
+                <a:latin typeface="Comic Sans MS" panose="030F0702030302020204" pitchFamily="66" charset="0"/>
+              </a:rPr>
+              <a:t>听到</a:t>
+            </a:r>
+            <a:r>
+              <a:rPr lang="zh-CN" altLang="en-US" sz="2400" dirty="0" smtClean="0">
+                <a:latin typeface="Comic Sans MS" panose="030F0702030302020204" pitchFamily="66" charset="0"/>
+              </a:rPr>
+              <a:t>声音</a:t>
+            </a:r>
+            <a:r>
+              <a:rPr lang="zh-CN" altLang="en-US" sz="2400" dirty="0">
+                <a:latin typeface="Comic Sans MS" panose="030F0702030302020204" pitchFamily="66" charset="0"/>
+              </a:rPr>
+              <a:t>之</a:t>
+            </a:r>
+            <a:r>
+              <a:rPr lang="zh-CN" altLang="en-US" sz="2400" b="1" dirty="0">
+                <a:latin typeface="Comic Sans MS" panose="030F0702030302020204" pitchFamily="66" charset="0"/>
+              </a:rPr>
+              <a:t>后</a:t>
+            </a:r>
+            <a:r>
+              <a:rPr lang="zh-CN" altLang="en-US" sz="2400" dirty="0">
+                <a:latin typeface="Comic Sans MS" panose="030F0702030302020204" pitchFamily="66" charset="0"/>
+              </a:rPr>
+              <a:t>请按键盘</a:t>
+            </a:r>
+            <a:r>
+              <a:rPr lang="zh-CN" altLang="en-US" sz="2400" b="1" dirty="0" smtClean="0">
+                <a:latin typeface="Comic Sans MS" panose="030F0702030302020204" pitchFamily="66" charset="0"/>
+              </a:rPr>
+              <a:t>右</a:t>
+            </a:r>
+            <a:r>
+              <a:rPr lang="zh-CN" altLang="en-US" sz="2400" dirty="0" smtClean="0">
+                <a:latin typeface="Comic Sans MS" panose="030F0702030302020204" pitchFamily="66" charset="0"/>
+              </a:rPr>
+              <a:t>方向键。</a:t>
+            </a:r>
+            <a:endParaRPr lang="zh-CN" altLang="en-US" sz="2400" dirty="0">
+              <a:latin typeface="Comic Sans MS" panose="030F0702030302020204" pitchFamily="66" charset="0"/>
+            </a:endParaRPr>
+          </a:p>
+        </p:txBody>
+      </p:sp>
+      <p:sp>
+        <p:nvSpPr>
+          <p:cNvPr id="5" name="右箭头 4"/>
+          <p:cNvSpPr/>
+          <p:nvPr/>
+        </p:nvSpPr>
+        <p:spPr>
+          <a:xfrm>
+            <a:off x="6865035" y="4079629"/>
+            <a:ext cx="1800665" cy="886265"/>
+          </a:xfrm>
+          <a:prstGeom prst="rightArrow">
+            <a:avLst/>
+          </a:prstGeom>
+          <a:solidFill>
+            <a:srgbClr val="0070C0"/>
+          </a:solidFill>
+        </p:spPr>
+        <p:style>
+          <a:lnRef idx="2">
+            <a:schemeClr val="accent1">
+              <a:shade val="50000"/>
+            </a:schemeClr>
+          </a:lnRef>
+          <a:fillRef idx="1">
+            <a:schemeClr val="accent1"/>
+          </a:fillRef>
+          <a:effectRef idx="0">
+            <a:schemeClr val="accent1"/>
+          </a:effectRef>
+          <a:fontRef idx="minor">
+            <a:schemeClr val="lt1"/>
+          </a:fontRef>
+        </p:style>
+        <p:txBody>
+          <a:bodyPr rtlCol="0" anchor="ctr"/>
+          <a:lstStyle/>
+          <a:p>
+            <a:pPr algn="ctr"/>
+            <a:endParaRPr lang="zh-CN" altLang="en-US"/>
+          </a:p>
+        </p:txBody>
+      </p:sp>
+      <p:sp>
+        <p:nvSpPr>
+          <p:cNvPr id="6" name="右箭头 5"/>
+          <p:cNvSpPr/>
+          <p:nvPr/>
+        </p:nvSpPr>
+        <p:spPr>
+          <a:xfrm rot="10800000">
+            <a:off x="3516924" y="4079629"/>
+            <a:ext cx="1800665" cy="886265"/>
+          </a:xfrm>
+          <a:prstGeom prst="rightArrow">
+            <a:avLst/>
+          </a:prstGeom>
+          <a:noFill/>
+        </p:spPr>
+        <p:style>
+          <a:lnRef idx="2">
+            <a:schemeClr val="accent1">
+              <a:shade val="50000"/>
+            </a:schemeClr>
+          </a:lnRef>
+          <a:fillRef idx="1">
+            <a:schemeClr val="accent1"/>
+          </a:fillRef>
+          <a:effectRef idx="0">
+            <a:schemeClr val="accent1"/>
+          </a:effectRef>
+          <a:fontRef idx="minor">
+            <a:schemeClr val="lt1"/>
+          </a:fontRef>
+        </p:style>
+        <p:txBody>
+          <a:bodyPr rtlCol="0" anchor="ctr"/>
+          <a:lstStyle/>
+          <a:p>
+            <a:pPr algn="ctr"/>
+            <a:endParaRPr lang="zh-CN" altLang="en-US"/>
+          </a:p>
+        </p:txBody>
+      </p:sp>
+    </p:spTree>
+    <p:extLst>
+      <p:ext uri="{BB962C8B-B14F-4D97-AF65-F5344CB8AC3E}">
+        <p14:creationId xmlns:p14="http://schemas.microsoft.com/office/powerpoint/2010/main" val="951594015"/>
+      </p:ext>
+    </p:extLst>
+  </p:cSld>
+  <p:clrMapOvr>
+    <a:masterClrMapping/>
+  </p:clrMapOvr>
+</p:sld>
+</file>
+
+<file path=ppt/slides/slide16.xml><?xml version="1.0" encoding="utf-8"?>
+<p:sld xmlns:a="http://schemas.openxmlformats.org/drawingml/2006/main" xmlns:r="http://schemas.openxmlformats.org/officeDocument/2006/relationships" xmlns:p="http://schemas.openxmlformats.org/presentationml/2006/main">
+  <p:cSld>
+    <p:spTree>
+      <p:nvGrpSpPr>
+        <p:cNvPr id="1" name=""/>
+        <p:cNvGrpSpPr/>
+        <p:nvPr/>
+      </p:nvGrpSpPr>
+      <p:grpSpPr>
+        <a:xfrm>
+          <a:off x="0" y="0"/>
+          <a:ext cx="0" cy="0"/>
+          <a:chOff x="0" y="0"/>
+          <a:chExt cx="0" cy="0"/>
+        </a:xfrm>
+      </p:grpSpPr>
+      <p:sp>
+        <p:nvSpPr>
+          <p:cNvPr id="3" name="文本框 2"/>
+          <p:cNvSpPr txBox="1"/>
+          <p:nvPr/>
+        </p:nvSpPr>
+        <p:spPr>
+          <a:xfrm>
+            <a:off x="2401806" y="1560007"/>
+            <a:ext cx="8599129" cy="1134157"/>
+          </a:xfrm>
+          <a:prstGeom prst="rect">
+            <a:avLst/>
+          </a:prstGeom>
+          <a:noFill/>
+        </p:spPr>
+        <p:txBody>
+          <a:bodyPr wrap="square" rtlCol="0">
+            <a:spAutoFit/>
+          </a:bodyPr>
+          <a:lstStyle/>
+          <a:p>
+            <a:pPr>
+              <a:lnSpc>
+                <a:spcPct val="150000"/>
+              </a:lnSpc>
+            </a:pPr>
+            <a:r>
+              <a:rPr lang="zh-CN" altLang="en-US" sz="2400" dirty="0">
+                <a:latin typeface="Comic Sans MS" panose="030F0702030302020204" pitchFamily="66" charset="0"/>
+              </a:rPr>
+              <a:t>如果红色变为绿色在听到声音之</a:t>
+            </a:r>
+            <a:r>
+              <a:rPr lang="zh-CN" altLang="en-US" sz="2400" b="1" dirty="0">
+                <a:latin typeface="Comic Sans MS" panose="030F0702030302020204" pitchFamily="66" charset="0"/>
+              </a:rPr>
+              <a:t>前</a:t>
+            </a:r>
+            <a:r>
+              <a:rPr lang="zh-CN" altLang="en-US" sz="2400" dirty="0">
+                <a:latin typeface="Comic Sans MS" panose="030F0702030302020204" pitchFamily="66" charset="0"/>
+              </a:rPr>
+              <a:t>请按键盘</a:t>
+            </a:r>
+            <a:r>
+              <a:rPr lang="zh-CN" altLang="en-US" sz="2400" b="1" dirty="0" smtClean="0">
+                <a:latin typeface="Comic Sans MS" panose="030F0702030302020204" pitchFamily="66" charset="0"/>
+              </a:rPr>
+              <a:t>左</a:t>
+            </a:r>
+            <a:r>
+              <a:rPr lang="zh-CN" altLang="en-US" sz="2400" dirty="0" smtClean="0">
+                <a:latin typeface="Comic Sans MS" panose="030F0702030302020204" pitchFamily="66" charset="0"/>
+              </a:rPr>
+              <a:t>方向键；</a:t>
+            </a:r>
+            <a:endParaRPr lang="en-US" altLang="zh-CN" sz="2400" dirty="0" smtClean="0">
+              <a:latin typeface="Comic Sans MS" panose="030F0702030302020204" pitchFamily="66" charset="0"/>
+            </a:endParaRPr>
+          </a:p>
+          <a:p>
+            <a:pPr>
+              <a:lnSpc>
+                <a:spcPct val="150000"/>
+              </a:lnSpc>
+            </a:pPr>
+            <a:r>
+              <a:rPr lang="zh-CN" altLang="en-US" sz="2400" dirty="0">
+                <a:latin typeface="Comic Sans MS" panose="030F0702030302020204" pitchFamily="66" charset="0"/>
+              </a:rPr>
+              <a:t>如果红色变为绿色</a:t>
+            </a:r>
+            <a:r>
+              <a:rPr lang="zh-CN" altLang="en-US" sz="2400" dirty="0" smtClean="0">
+                <a:latin typeface="Comic Sans MS" panose="030F0702030302020204" pitchFamily="66" charset="0"/>
+              </a:rPr>
+              <a:t>在</a:t>
+            </a:r>
+            <a:r>
+              <a:rPr lang="zh-CN" altLang="en-US" sz="2400" dirty="0">
+                <a:latin typeface="Comic Sans MS" panose="030F0702030302020204" pitchFamily="66" charset="0"/>
+              </a:rPr>
+              <a:t>听到</a:t>
+            </a:r>
+            <a:r>
+              <a:rPr lang="zh-CN" altLang="en-US" sz="2400" dirty="0" smtClean="0">
+                <a:latin typeface="Comic Sans MS" panose="030F0702030302020204" pitchFamily="66" charset="0"/>
+              </a:rPr>
+              <a:t>声音</a:t>
+            </a:r>
+            <a:r>
+              <a:rPr lang="zh-CN" altLang="en-US" sz="2400" dirty="0">
+                <a:latin typeface="Comic Sans MS" panose="030F0702030302020204" pitchFamily="66" charset="0"/>
+              </a:rPr>
+              <a:t>之</a:t>
+            </a:r>
+            <a:r>
+              <a:rPr lang="zh-CN" altLang="en-US" sz="2400" b="1" dirty="0">
+                <a:latin typeface="Comic Sans MS" panose="030F0702030302020204" pitchFamily="66" charset="0"/>
+              </a:rPr>
+              <a:t>后</a:t>
+            </a:r>
+            <a:r>
+              <a:rPr lang="zh-CN" altLang="en-US" sz="2400" dirty="0">
+                <a:latin typeface="Comic Sans MS" panose="030F0702030302020204" pitchFamily="66" charset="0"/>
+              </a:rPr>
+              <a:t>请按键盘</a:t>
+            </a:r>
+            <a:r>
+              <a:rPr lang="zh-CN" altLang="en-US" sz="2400" b="1" dirty="0" smtClean="0">
+                <a:latin typeface="Comic Sans MS" panose="030F0702030302020204" pitchFamily="66" charset="0"/>
+              </a:rPr>
+              <a:t>右</a:t>
+            </a:r>
+            <a:r>
+              <a:rPr lang="zh-CN" altLang="en-US" sz="2400" dirty="0" smtClean="0">
+                <a:latin typeface="Comic Sans MS" panose="030F0702030302020204" pitchFamily="66" charset="0"/>
+              </a:rPr>
+              <a:t>方向键。</a:t>
+            </a:r>
+            <a:endParaRPr lang="zh-CN" altLang="en-US" sz="2400" dirty="0">
+              <a:latin typeface="Comic Sans MS" panose="030F0702030302020204" pitchFamily="66" charset="0"/>
+            </a:endParaRPr>
+          </a:p>
+        </p:txBody>
+      </p:sp>
+      <p:sp>
+        <p:nvSpPr>
+          <p:cNvPr id="5" name="右箭头 4"/>
+          <p:cNvSpPr/>
+          <p:nvPr/>
+        </p:nvSpPr>
+        <p:spPr>
+          <a:xfrm>
+            <a:off x="6865035" y="4079629"/>
+            <a:ext cx="1800665" cy="886265"/>
+          </a:xfrm>
+          <a:prstGeom prst="rightArrow">
+            <a:avLst/>
+          </a:prstGeom>
+          <a:noFill/>
+        </p:spPr>
+        <p:style>
+          <a:lnRef idx="2">
+            <a:schemeClr val="accent1">
+              <a:shade val="50000"/>
+            </a:schemeClr>
+          </a:lnRef>
+          <a:fillRef idx="1">
+            <a:schemeClr val="accent1"/>
+          </a:fillRef>
+          <a:effectRef idx="0">
+            <a:schemeClr val="accent1"/>
+          </a:effectRef>
+          <a:fontRef idx="minor">
+            <a:schemeClr val="lt1"/>
+          </a:fontRef>
+        </p:style>
+        <p:txBody>
+          <a:bodyPr rtlCol="0" anchor="ctr"/>
+          <a:lstStyle/>
+          <a:p>
+            <a:pPr algn="ctr"/>
+            <a:endParaRPr lang="zh-CN" altLang="en-US"/>
+          </a:p>
+        </p:txBody>
+      </p:sp>
+      <p:sp>
+        <p:nvSpPr>
+          <p:cNvPr id="6" name="右箭头 5"/>
+          <p:cNvSpPr/>
+          <p:nvPr/>
+        </p:nvSpPr>
+        <p:spPr>
+          <a:xfrm rot="10800000">
+            <a:off x="3516924" y="4079629"/>
+            <a:ext cx="1800665" cy="886265"/>
+          </a:xfrm>
+          <a:prstGeom prst="rightArrow">
+            <a:avLst/>
+          </a:prstGeom>
+          <a:solidFill>
+            <a:srgbClr val="0070C0"/>
+          </a:solidFill>
+        </p:spPr>
+        <p:style>
+          <a:lnRef idx="2">
+            <a:schemeClr val="accent1">
+              <a:shade val="50000"/>
+            </a:schemeClr>
+          </a:lnRef>
+          <a:fillRef idx="1">
+            <a:schemeClr val="accent1"/>
+          </a:fillRef>
+          <a:effectRef idx="0">
+            <a:schemeClr val="accent1"/>
+          </a:effectRef>
+          <a:fontRef idx="minor">
+            <a:schemeClr val="lt1"/>
+          </a:fontRef>
+        </p:style>
+        <p:txBody>
+          <a:bodyPr rtlCol="0" anchor="ctr"/>
+          <a:lstStyle/>
+          <a:p>
+            <a:pPr algn="ctr"/>
+            <a:endParaRPr lang="zh-CN" altLang="en-US"/>
+          </a:p>
+        </p:txBody>
+      </p:sp>
+    </p:spTree>
+    <p:extLst>
+      <p:ext uri="{BB962C8B-B14F-4D97-AF65-F5344CB8AC3E}">
+        <p14:creationId xmlns:p14="http://schemas.microsoft.com/office/powerpoint/2010/main" val="1055910413"/>
+      </p:ext>
+    </p:extLst>
+  </p:cSld>
+  <p:clrMapOvr>
+    <a:masterClrMapping/>
+  </p:clrMapOvr>
+</p:sld>
+</file>
+
+<file path=ppt/slides/slide17.xml><?xml version="1.0" encoding="utf-8"?>
+<p:sld xmlns:a="http://schemas.openxmlformats.org/drawingml/2006/main" xmlns:r="http://schemas.openxmlformats.org/officeDocument/2006/relationships" xmlns:p="http://schemas.openxmlformats.org/presentationml/2006/main">
+  <p:cSld>
+    <p:spTree>
+      <p:nvGrpSpPr>
+        <p:cNvPr id="1" name=""/>
+        <p:cNvGrpSpPr/>
+        <p:nvPr/>
+      </p:nvGrpSpPr>
+      <p:grpSpPr>
+        <a:xfrm>
+          <a:off x="0" y="0"/>
+          <a:ext cx="0" cy="0"/>
+          <a:chOff x="0" y="0"/>
+          <a:chExt cx="0" cy="0"/>
+        </a:xfrm>
+      </p:grpSpPr>
+      <p:sp>
+        <p:nvSpPr>
+          <p:cNvPr id="3" name="文本框 2"/>
+          <p:cNvSpPr txBox="1"/>
+          <p:nvPr/>
+        </p:nvSpPr>
+        <p:spPr>
+          <a:xfrm>
+            <a:off x="3372477" y="1560007"/>
+            <a:ext cx="5433897" cy="1200329"/>
+          </a:xfrm>
+          <a:prstGeom prst="rect">
+            <a:avLst/>
+          </a:prstGeom>
+          <a:noFill/>
+        </p:spPr>
+        <p:txBody>
+          <a:bodyPr wrap="square" rtlCol="0">
+            <a:spAutoFit/>
+          </a:bodyPr>
+          <a:lstStyle/>
+          <a:p>
+            <a:pPr>
+              <a:lnSpc>
+                <a:spcPct val="150000"/>
+              </a:lnSpc>
+            </a:pPr>
+            <a:r>
+              <a:rPr lang="zh-CN" altLang="en-US" sz="2400" dirty="0" smtClean="0">
+                <a:latin typeface="Comic Sans MS" panose="030F0702030302020204" pitchFamily="66" charset="0"/>
+              </a:rPr>
+              <a:t>听到声音时方块是</a:t>
+            </a:r>
+            <a:r>
+              <a:rPr lang="zh-CN" altLang="en-US" sz="2400" dirty="0" smtClean="0">
+                <a:solidFill>
+                  <a:srgbClr val="00B050"/>
+                </a:solidFill>
+                <a:latin typeface="Comic Sans MS" panose="030F0702030302020204" pitchFamily="66" charset="0"/>
+              </a:rPr>
+              <a:t>绿</a:t>
+            </a:r>
+            <a:r>
+              <a:rPr lang="zh-CN" altLang="en-US" sz="2400" dirty="0" smtClean="0">
+                <a:latin typeface="Comic Sans MS" panose="030F0702030302020204" pitchFamily="66" charset="0"/>
+              </a:rPr>
+              <a:t>色按下</a:t>
+            </a:r>
+            <a:r>
+              <a:rPr lang="zh-CN" altLang="en-US" sz="2400" b="1" dirty="0" smtClean="0">
+                <a:latin typeface="Comic Sans MS" panose="030F0702030302020204" pitchFamily="66" charset="0"/>
+              </a:rPr>
+              <a:t>左</a:t>
+            </a:r>
+            <a:r>
+              <a:rPr lang="zh-CN" altLang="en-US" sz="2400" dirty="0" smtClean="0">
+                <a:latin typeface="Comic Sans MS" panose="030F0702030302020204" pitchFamily="66" charset="0"/>
+              </a:rPr>
+              <a:t>方向键；</a:t>
+            </a:r>
+            <a:endParaRPr lang="en-US" altLang="zh-CN" sz="2400" dirty="0" smtClean="0">
+              <a:latin typeface="Comic Sans MS" panose="030F0702030302020204" pitchFamily="66" charset="0"/>
+            </a:endParaRPr>
+          </a:p>
+          <a:p>
+            <a:pPr>
+              <a:lnSpc>
+                <a:spcPct val="150000"/>
+              </a:lnSpc>
+            </a:pPr>
+            <a:r>
+              <a:rPr lang="zh-CN" altLang="en-US" sz="2400" dirty="0">
+                <a:latin typeface="Comic Sans MS" panose="030F0702030302020204" pitchFamily="66" charset="0"/>
+              </a:rPr>
+              <a:t>听到声音时方块</a:t>
+            </a:r>
+            <a:r>
+              <a:rPr lang="zh-CN" altLang="en-US" sz="2400" dirty="0" smtClean="0">
+                <a:latin typeface="Comic Sans MS" panose="030F0702030302020204" pitchFamily="66" charset="0"/>
+              </a:rPr>
+              <a:t>是</a:t>
+            </a:r>
+            <a:r>
+              <a:rPr lang="zh-CN" altLang="en-US" sz="2400" dirty="0" smtClean="0">
+                <a:solidFill>
+                  <a:srgbClr val="C00000"/>
+                </a:solidFill>
+                <a:latin typeface="Comic Sans MS" panose="030F0702030302020204" pitchFamily="66" charset="0"/>
+              </a:rPr>
+              <a:t>红</a:t>
+            </a:r>
+            <a:r>
+              <a:rPr lang="zh-CN" altLang="en-US" sz="2400" dirty="0" smtClean="0">
+                <a:latin typeface="Comic Sans MS" panose="030F0702030302020204" pitchFamily="66" charset="0"/>
+              </a:rPr>
+              <a:t>色</a:t>
+            </a:r>
+            <a:r>
+              <a:rPr lang="zh-CN" altLang="en-US" sz="2400" dirty="0">
+                <a:latin typeface="Comic Sans MS" panose="030F0702030302020204" pitchFamily="66" charset="0"/>
+              </a:rPr>
+              <a:t>按下</a:t>
+            </a:r>
+            <a:r>
+              <a:rPr lang="zh-CN" altLang="en-US" sz="2400" b="1" dirty="0" smtClean="0">
+                <a:latin typeface="Comic Sans MS" panose="030F0702030302020204" pitchFamily="66" charset="0"/>
+              </a:rPr>
+              <a:t>右</a:t>
+            </a:r>
+            <a:r>
+              <a:rPr lang="zh-CN" altLang="en-US" sz="2400" dirty="0" smtClean="0">
+                <a:latin typeface="Comic Sans MS" panose="030F0702030302020204" pitchFamily="66" charset="0"/>
+              </a:rPr>
+              <a:t>方向键。</a:t>
+            </a:r>
+            <a:endParaRPr lang="zh-CN" altLang="en-US" sz="2400" dirty="0">
+              <a:latin typeface="Comic Sans MS" panose="030F0702030302020204" pitchFamily="66" charset="0"/>
+            </a:endParaRPr>
+          </a:p>
+        </p:txBody>
+      </p:sp>
+      <p:sp>
+        <p:nvSpPr>
+          <p:cNvPr id="5" name="右箭头 4"/>
+          <p:cNvSpPr/>
+          <p:nvPr/>
+        </p:nvSpPr>
+        <p:spPr>
+          <a:xfrm>
+            <a:off x="7005709" y="4079627"/>
+            <a:ext cx="1800665" cy="886265"/>
+          </a:xfrm>
+          <a:prstGeom prst="rightArrow">
+            <a:avLst/>
+          </a:prstGeom>
+          <a:solidFill>
+            <a:srgbClr val="0070C0"/>
+          </a:solidFill>
+        </p:spPr>
+        <p:style>
+          <a:lnRef idx="2">
+            <a:schemeClr val="accent1">
+              <a:shade val="50000"/>
+            </a:schemeClr>
+          </a:lnRef>
+          <a:fillRef idx="1">
+            <a:schemeClr val="accent1"/>
+          </a:fillRef>
+          <a:effectRef idx="0">
+            <a:schemeClr val="accent1"/>
+          </a:effectRef>
+          <a:fontRef idx="minor">
+            <a:schemeClr val="lt1"/>
+          </a:fontRef>
+        </p:style>
+        <p:txBody>
+          <a:bodyPr rtlCol="0" anchor="ctr"/>
+          <a:lstStyle/>
+          <a:p>
+            <a:pPr algn="ctr"/>
+            <a:endParaRPr lang="zh-CN" altLang="en-US"/>
+          </a:p>
+        </p:txBody>
+      </p:sp>
+      <p:sp>
+        <p:nvSpPr>
+          <p:cNvPr id="6" name="右箭头 5"/>
+          <p:cNvSpPr/>
+          <p:nvPr/>
+        </p:nvSpPr>
+        <p:spPr>
+          <a:xfrm rot="10800000">
+            <a:off x="3372477" y="4079628"/>
+            <a:ext cx="1800665" cy="886265"/>
+          </a:xfrm>
+          <a:prstGeom prst="rightArrow">
+            <a:avLst/>
+          </a:prstGeom>
+          <a:noFill/>
+        </p:spPr>
+        <p:style>
+          <a:lnRef idx="2">
+            <a:schemeClr val="accent1">
+              <a:shade val="50000"/>
+            </a:schemeClr>
+          </a:lnRef>
+          <a:fillRef idx="1">
+            <a:schemeClr val="accent1"/>
+          </a:fillRef>
+          <a:effectRef idx="0">
+            <a:schemeClr val="accent1"/>
+          </a:effectRef>
+          <a:fontRef idx="minor">
+            <a:schemeClr val="lt1"/>
+          </a:fontRef>
+        </p:style>
+        <p:txBody>
+          <a:bodyPr rtlCol="0" anchor="ctr"/>
+          <a:lstStyle/>
+          <a:p>
+            <a:pPr algn="ctr"/>
+            <a:endParaRPr lang="zh-CN" altLang="en-US"/>
+          </a:p>
+        </p:txBody>
+      </p:sp>
+    </p:spTree>
+    <p:extLst>
+      <p:ext uri="{BB962C8B-B14F-4D97-AF65-F5344CB8AC3E}">
+        <p14:creationId xmlns:p14="http://schemas.microsoft.com/office/powerpoint/2010/main" val="170016621"/>
+      </p:ext>
+    </p:extLst>
+  </p:cSld>
+  <p:clrMapOvr>
+    <a:masterClrMapping/>
+  </p:clrMapOvr>
+  <p:timing>
+    <p:tnLst>
+      <p:par>
+        <p:cTn id="1" dur="indefinite" restart="never" nodeType="tmRoot"/>
+      </p:par>
+    </p:tnLst>
+  </p:timing>
+</p:sld>
+</file>
+
+<file path=ppt/slides/slide18.xml><?xml version="1.0" encoding="utf-8"?>
+<p:sld xmlns:a="http://schemas.openxmlformats.org/drawingml/2006/main" xmlns:r="http://schemas.openxmlformats.org/officeDocument/2006/relationships" xmlns:p="http://schemas.openxmlformats.org/presentationml/2006/main">
+  <p:cSld>
+    <p:spTree>
+      <p:nvGrpSpPr>
+        <p:cNvPr id="1" name=""/>
+        <p:cNvGrpSpPr/>
+        <p:nvPr/>
+      </p:nvGrpSpPr>
+      <p:grpSpPr>
+        <a:xfrm>
+          <a:off x="0" y="0"/>
+          <a:ext cx="0" cy="0"/>
+          <a:chOff x="0" y="0"/>
+          <a:chExt cx="0" cy="0"/>
+        </a:xfrm>
+      </p:grpSpPr>
+      <p:sp>
+        <p:nvSpPr>
+          <p:cNvPr id="3" name="文本框 2"/>
+          <p:cNvSpPr txBox="1"/>
+          <p:nvPr/>
+        </p:nvSpPr>
+        <p:spPr>
+          <a:xfrm>
+            <a:off x="3372477" y="1560007"/>
+            <a:ext cx="5433897" cy="1200329"/>
+          </a:xfrm>
+          <a:prstGeom prst="rect">
+            <a:avLst/>
+          </a:prstGeom>
+          <a:noFill/>
+        </p:spPr>
+        <p:txBody>
+          <a:bodyPr wrap="square" rtlCol="0">
+            <a:spAutoFit/>
+          </a:bodyPr>
+          <a:lstStyle/>
+          <a:p>
+            <a:pPr>
+              <a:lnSpc>
+                <a:spcPct val="150000"/>
+              </a:lnSpc>
+            </a:pPr>
+            <a:r>
+              <a:rPr lang="zh-CN" altLang="en-US" sz="2400" dirty="0" smtClean="0">
+                <a:latin typeface="Comic Sans MS" panose="030F0702030302020204" pitchFamily="66" charset="0"/>
+              </a:rPr>
+              <a:t>听到声音时方块是</a:t>
+            </a:r>
+            <a:r>
+              <a:rPr lang="zh-CN" altLang="en-US" sz="2400" dirty="0" smtClean="0">
+                <a:solidFill>
+                  <a:srgbClr val="00B050"/>
+                </a:solidFill>
+                <a:latin typeface="Comic Sans MS" panose="030F0702030302020204" pitchFamily="66" charset="0"/>
+              </a:rPr>
+              <a:t>绿</a:t>
+            </a:r>
+            <a:r>
+              <a:rPr lang="zh-CN" altLang="en-US" sz="2400" dirty="0" smtClean="0">
+                <a:latin typeface="Comic Sans MS" panose="030F0702030302020204" pitchFamily="66" charset="0"/>
+              </a:rPr>
+              <a:t>色按下</a:t>
+            </a:r>
+            <a:r>
+              <a:rPr lang="zh-CN" altLang="en-US" sz="2400" b="1" dirty="0" smtClean="0">
+                <a:latin typeface="Comic Sans MS" panose="030F0702030302020204" pitchFamily="66" charset="0"/>
+              </a:rPr>
+              <a:t>左</a:t>
+            </a:r>
+            <a:r>
+              <a:rPr lang="zh-CN" altLang="en-US" sz="2400" dirty="0" smtClean="0">
+                <a:latin typeface="Comic Sans MS" panose="030F0702030302020204" pitchFamily="66" charset="0"/>
+              </a:rPr>
+              <a:t>方向键；</a:t>
+            </a:r>
+            <a:endParaRPr lang="en-US" altLang="zh-CN" sz="2400" dirty="0" smtClean="0">
+              <a:latin typeface="Comic Sans MS" panose="030F0702030302020204" pitchFamily="66" charset="0"/>
+            </a:endParaRPr>
+          </a:p>
+          <a:p>
+            <a:pPr>
+              <a:lnSpc>
+                <a:spcPct val="150000"/>
+              </a:lnSpc>
+            </a:pPr>
+            <a:r>
+              <a:rPr lang="zh-CN" altLang="en-US" sz="2400" dirty="0">
+                <a:latin typeface="Comic Sans MS" panose="030F0702030302020204" pitchFamily="66" charset="0"/>
+              </a:rPr>
+              <a:t>听到声音时方块</a:t>
+            </a:r>
+            <a:r>
+              <a:rPr lang="zh-CN" altLang="en-US" sz="2400" dirty="0" smtClean="0">
+                <a:latin typeface="Comic Sans MS" panose="030F0702030302020204" pitchFamily="66" charset="0"/>
+              </a:rPr>
+              <a:t>是</a:t>
+            </a:r>
+            <a:r>
+              <a:rPr lang="zh-CN" altLang="en-US" sz="2400" dirty="0" smtClean="0">
+                <a:solidFill>
+                  <a:srgbClr val="C00000"/>
+                </a:solidFill>
+                <a:latin typeface="Comic Sans MS" panose="030F0702030302020204" pitchFamily="66" charset="0"/>
+              </a:rPr>
+              <a:t>红</a:t>
+            </a:r>
+            <a:r>
+              <a:rPr lang="zh-CN" altLang="en-US" sz="2400" dirty="0" smtClean="0">
+                <a:latin typeface="Comic Sans MS" panose="030F0702030302020204" pitchFamily="66" charset="0"/>
+              </a:rPr>
+              <a:t>色</a:t>
+            </a:r>
+            <a:r>
+              <a:rPr lang="zh-CN" altLang="en-US" sz="2400" dirty="0">
+                <a:latin typeface="Comic Sans MS" panose="030F0702030302020204" pitchFamily="66" charset="0"/>
+              </a:rPr>
+              <a:t>按下</a:t>
+            </a:r>
+            <a:r>
+              <a:rPr lang="zh-CN" altLang="en-US" sz="2400" b="1" dirty="0" smtClean="0">
+                <a:latin typeface="Comic Sans MS" panose="030F0702030302020204" pitchFamily="66" charset="0"/>
+              </a:rPr>
+              <a:t>右</a:t>
+            </a:r>
+            <a:r>
+              <a:rPr lang="zh-CN" altLang="en-US" sz="2400" dirty="0" smtClean="0">
+                <a:latin typeface="Comic Sans MS" panose="030F0702030302020204" pitchFamily="66" charset="0"/>
+              </a:rPr>
+              <a:t>方向键。</a:t>
+            </a:r>
+            <a:endParaRPr lang="zh-CN" altLang="en-US" sz="2400" dirty="0">
+              <a:latin typeface="Comic Sans MS" panose="030F0702030302020204" pitchFamily="66" charset="0"/>
+            </a:endParaRPr>
+          </a:p>
+        </p:txBody>
+      </p:sp>
+      <p:sp>
+        <p:nvSpPr>
+          <p:cNvPr id="5" name="右箭头 4"/>
+          <p:cNvSpPr/>
+          <p:nvPr/>
+        </p:nvSpPr>
+        <p:spPr>
+          <a:xfrm>
+            <a:off x="7005709" y="4079627"/>
+            <a:ext cx="1800665" cy="886265"/>
+          </a:xfrm>
+          <a:prstGeom prst="rightArrow">
+            <a:avLst/>
+          </a:prstGeom>
+          <a:noFill/>
+        </p:spPr>
+        <p:style>
+          <a:lnRef idx="2">
+            <a:schemeClr val="accent1">
+              <a:shade val="50000"/>
+            </a:schemeClr>
+          </a:lnRef>
+          <a:fillRef idx="1">
+            <a:schemeClr val="accent1"/>
+          </a:fillRef>
+          <a:effectRef idx="0">
+            <a:schemeClr val="accent1"/>
+          </a:effectRef>
+          <a:fontRef idx="minor">
+            <a:schemeClr val="lt1"/>
+          </a:fontRef>
+        </p:style>
+        <p:txBody>
+          <a:bodyPr rtlCol="0" anchor="ctr"/>
+          <a:lstStyle/>
+          <a:p>
+            <a:pPr algn="ctr"/>
+            <a:endParaRPr lang="zh-CN" altLang="en-US"/>
+          </a:p>
+        </p:txBody>
+      </p:sp>
+      <p:sp>
+        <p:nvSpPr>
+          <p:cNvPr id="6" name="右箭头 5"/>
+          <p:cNvSpPr/>
+          <p:nvPr/>
+        </p:nvSpPr>
+        <p:spPr>
+          <a:xfrm rot="10800000">
+            <a:off x="3372477" y="4079628"/>
+            <a:ext cx="1800665" cy="886265"/>
+          </a:xfrm>
+          <a:prstGeom prst="rightArrow">
+            <a:avLst/>
+          </a:prstGeom>
+          <a:solidFill>
+            <a:srgbClr val="0070C0"/>
+          </a:solidFill>
+        </p:spPr>
+        <p:style>
+          <a:lnRef idx="2">
+            <a:schemeClr val="accent1">
+              <a:shade val="50000"/>
+            </a:schemeClr>
+          </a:lnRef>
+          <a:fillRef idx="1">
+            <a:schemeClr val="accent1"/>
+          </a:fillRef>
+          <a:effectRef idx="0">
+            <a:schemeClr val="accent1"/>
+          </a:effectRef>
+          <a:fontRef idx="minor">
+            <a:schemeClr val="lt1"/>
+          </a:fontRef>
+        </p:style>
+        <p:txBody>
+          <a:bodyPr rtlCol="0" anchor="ctr"/>
+          <a:lstStyle/>
+          <a:p>
+            <a:pPr algn="ctr"/>
+            <a:endParaRPr lang="zh-CN" altLang="en-US"/>
+          </a:p>
+        </p:txBody>
+      </p:sp>
+    </p:spTree>
+    <p:extLst>
+      <p:ext uri="{BB962C8B-B14F-4D97-AF65-F5344CB8AC3E}">
+        <p14:creationId xmlns:p14="http://schemas.microsoft.com/office/powerpoint/2010/main" val="2873067574"/>
+      </p:ext>
+    </p:extLst>
+  </p:cSld>
+  <p:clrMapOvr>
+    <a:masterClrMapping/>
+  </p:clrMapOvr>
+  <p:timing>
+    <p:tnLst>
+      <p:par>
+        <p:cTn id="1" dur="indefinite" restart="never" nodeType="tmRoot"/>
+      </p:par>
+    </p:tnLst>
+  </p:timing>
+</p:sld>
+</file>
+
+<file path=ppt/slides/slide19.xml><?xml version="1.0" encoding="utf-8"?>
+<p:sld xmlns:a="http://schemas.openxmlformats.org/drawingml/2006/main" xmlns:r="http://schemas.openxmlformats.org/officeDocument/2006/relationships" xmlns:p="http://schemas.openxmlformats.org/presentationml/2006/main">
+  <p:cSld>
+    <p:spTree>
+      <p:nvGrpSpPr>
+        <p:cNvPr id="1" name=""/>
+        <p:cNvGrpSpPr/>
+        <p:nvPr/>
+      </p:nvGrpSpPr>
+      <p:grpSpPr>
+        <a:xfrm>
+          <a:off x="0" y="0"/>
+          <a:ext cx="0" cy="0"/>
+          <a:chOff x="0" y="0"/>
+          <a:chExt cx="0" cy="0"/>
+        </a:xfrm>
+      </p:grpSpPr>
+      <p:sp>
+        <p:nvSpPr>
+          <p:cNvPr id="2" name="矩形 1"/>
+          <p:cNvSpPr/>
+          <p:nvPr/>
+        </p:nvSpPr>
+        <p:spPr>
+          <a:xfrm>
+            <a:off x="5664820" y="3133492"/>
+            <a:ext cx="524107" cy="535259"/>
+          </a:xfrm>
+          <a:prstGeom prst="rect">
+            <a:avLst/>
+          </a:prstGeom>
+          <a:solidFill>
+            <a:srgbClr val="FF0000"/>
+          </a:solidFill>
+          <a:ln>
+            <a:noFill/>
+          </a:ln>
+        </p:spPr>
+        <p:style>
+          <a:lnRef idx="2">
+            <a:schemeClr val="accent1">
+              <a:shade val="50000"/>
+            </a:schemeClr>
+          </a:lnRef>
+          <a:fillRef idx="1">
+            <a:schemeClr val="accent1"/>
+          </a:fillRef>
+          <a:effectRef idx="0">
+            <a:schemeClr val="accent1"/>
+          </a:effectRef>
+          <a:fontRef idx="minor">
+            <a:schemeClr val="lt1"/>
+          </a:fontRef>
+        </p:style>
+        <p:txBody>
+          <a:bodyPr rtlCol="0" anchor="ctr"/>
+          <a:lstStyle/>
+          <a:p>
+            <a:pPr algn="ctr"/>
+            <a:endParaRPr lang="zh-CN" altLang="en-US">
+              <a:solidFill>
+                <a:srgbClr val="FF0000"/>
+              </a:solidFill>
+            </a:endParaRPr>
+          </a:p>
+        </p:txBody>
+      </p:sp>
+      <p:sp>
+        <p:nvSpPr>
+          <p:cNvPr id="3" name="矩形 2"/>
+          <p:cNvSpPr/>
+          <p:nvPr/>
+        </p:nvSpPr>
+        <p:spPr>
+          <a:xfrm>
+            <a:off x="5664819" y="3133492"/>
+            <a:ext cx="524107" cy="535259"/>
+          </a:xfrm>
+          <a:prstGeom prst="rect">
+            <a:avLst/>
+          </a:prstGeom>
+          <a:solidFill>
+            <a:srgbClr val="4BFD33"/>
+          </a:solidFill>
+          <a:ln>
+            <a:solidFill>
+              <a:srgbClr val="4BFD33"/>
+            </a:solidFill>
+          </a:ln>
+        </p:spPr>
+        <p:style>
+          <a:lnRef idx="2">
+            <a:schemeClr val="accent1">
+              <a:shade val="50000"/>
+            </a:schemeClr>
+          </a:lnRef>
+          <a:fillRef idx="1">
+            <a:schemeClr val="accent1"/>
+          </a:fillRef>
+          <a:effectRef idx="0">
+            <a:schemeClr val="accent1"/>
+          </a:effectRef>
+          <a:fontRef idx="minor">
+            <a:schemeClr val="lt1"/>
+          </a:fontRef>
+        </p:style>
+        <p:txBody>
+          <a:bodyPr rtlCol="0" anchor="ctr"/>
+          <a:lstStyle/>
+          <a:p>
+            <a:pPr algn="ctr"/>
+            <a:endParaRPr lang="zh-CN" altLang="en-US">
+              <a:solidFill>
+                <a:srgbClr val="FF0000"/>
+              </a:solidFill>
+            </a:endParaRPr>
+          </a:p>
+        </p:txBody>
+      </p:sp>
+    </p:spTree>
+    <p:extLst>
+      <p:ext uri="{BB962C8B-B14F-4D97-AF65-F5344CB8AC3E}">
+        <p14:creationId xmlns:p14="http://schemas.microsoft.com/office/powerpoint/2010/main" val="4189712805"/>
+      </p:ext>
+    </p:extLst>
+  </p:cSld>
+  <p:clrMapOvr>
+    <a:masterClrMapping/>
+  </p:clrMapOvr>
+  <p:timing>
+    <p:tnLst>
+      <p:par>
+        <p:cTn id="1" dur="indefinite" restart="never" nodeType="tmRoot">
+          <p:childTnLst>
+            <p:seq concurrent="1" nextAc="seek">
+              <p:cTn id="2" dur="indefinite" nodeType="mainSeq">
+                <p:childTnLst>
+                  <p:par>
+                    <p:cTn id="3" fill="hold">
+                      <p:stCondLst>
+                        <p:cond delay="indefinite"/>
+                      </p:stCondLst>
+                      <p:childTnLst>
+                        <p:par>
+                          <p:cTn id="4" fill="hold">
+                            <p:stCondLst>
+                              <p:cond delay="0"/>
+                            </p:stCondLst>
+                            <p:childTnLst>
+                              <p:par>
+                                <p:cTn id="5" presetID="1" presetClass="entr" presetSubtype="0" fill="hold" grpId="0" nodeType="clickEffect">
+                                  <p:stCondLst>
+                                    <p:cond delay="0"/>
+                                  </p:stCondLst>
+                                  <p:childTnLst>
+                                    <p:set>
+                                      <p:cBhvr>
+                                        <p:cTn id="6" dur="1" fill="hold">
+                                          <p:stCondLst>
+                                            <p:cond delay="0"/>
+                                          </p:stCondLst>
+                                        </p:cTn>
+                                        <p:tgtEl>
+                                          <p:spTgt spid="3"/>
+                                        </p:tgtEl>
+                                        <p:attrNameLst>
+                                          <p:attrName>style.visibility</p:attrName>
+                                        </p:attrNameLst>
+                                      </p:cBhvr>
+                                      <p:to>
+                                        <p:strVal val="visible"/>
+                                      </p:to>
+                                    </p:set>
+                                  </p:childTnLst>
+                                </p:cTn>
+                              </p:par>
+                            </p:childTnLst>
+                          </p:cTn>
+                        </p:par>
+                      </p:childTnLst>
+                    </p:cTn>
+                  </p:par>
+                </p:childTnLst>
+              </p:cTn>
+              <p:prevCondLst>
+                <p:cond evt="onPrev" delay="0">
+                  <p:tgtEl>
+                    <p:sldTgt/>
+                  </p:tgtEl>
+                </p:cond>
+              </p:prevCondLst>
+              <p:nextCondLst>
+                <p:cond evt="onNext" delay="0">
+                  <p:tgtEl>
+                    <p:sldTgt/>
+                  </p:tgtEl>
+                </p:cond>
+              </p:nextCondLst>
+            </p:seq>
+          </p:childTnLst>
+        </p:cTn>
+      </p:par>
+    </p:tnLst>
+    <p:bldLst>
+      <p:bldP spid="3" grpId="0" animBg="1"/>
+    </p:bldLst>
+  </p:timing>
+</p:sld>
+</file>
+
+<file path=ppt/slides/slide2.xml><?xml version="1.0" encoding="utf-8"?>
+<p:sld xmlns:a="http://schemas.openxmlformats.org/drawingml/2006/main" xmlns:r="http://schemas.openxmlformats.org/officeDocument/2006/relationships" xmlns:p="http://schemas.openxmlformats.org/presentationml/2006/main">
+  <p:cSld>
+    <p:spTree>
+      <p:nvGrpSpPr>
+        <p:cNvPr id="1" name=""/>
+        <p:cNvGrpSpPr/>
+        <p:nvPr/>
+      </p:nvGrpSpPr>
+      <p:grpSpPr>
+        <a:xfrm>
+          <a:off x="0" y="0"/>
+          <a:ext cx="0" cy="0"/>
+          <a:chOff x="0" y="0"/>
+          <a:chExt cx="0" cy="0"/>
+        </a:xfrm>
+      </p:grpSpPr>
+      <p:pic>
+        <p:nvPicPr>
+          <p:cNvPr id="4" name="图片 3"/>
+          <p:cNvPicPr>
+            <a:picLocks noChangeAspect="1"/>
+          </p:cNvPicPr>
+          <p:nvPr/>
+        </p:nvPicPr>
+        <p:blipFill>
+          <a:blip r:embed="rId2">
+            <a:extLst>
+              <a:ext uri="{28A0092B-C50C-407E-A947-70E740481C1C}">
+                <a14:useLocalDpi xmlns:a14="http://schemas.microsoft.com/office/drawing/2010/main" val="0"/>
+              </a:ext>
+            </a:extLst>
+          </a:blip>
+          <a:stretch>
+            <a:fillRect/>
+          </a:stretch>
+        </p:blipFill>
+        <p:spPr>
+          <a:xfrm>
+            <a:off x="1149955" y="166163"/>
+            <a:ext cx="9526329" cy="2695951"/>
+          </a:xfrm>
+          <a:prstGeom prst="rect">
+            <a:avLst/>
+          </a:prstGeom>
+        </p:spPr>
+      </p:pic>
+      <p:sp>
+        <p:nvSpPr>
+          <p:cNvPr id="7" name="矩形 6"/>
+          <p:cNvSpPr/>
+          <p:nvPr/>
+        </p:nvSpPr>
+        <p:spPr>
+          <a:xfrm>
+            <a:off x="3506994" y="863300"/>
+            <a:ext cx="247426" cy="1108038"/>
+          </a:xfrm>
+          <a:prstGeom prst="rect">
+            <a:avLst/>
+          </a:prstGeom>
+        </p:spPr>
+        <p:style>
+          <a:lnRef idx="2">
+            <a:schemeClr val="accent1">
+              <a:shade val="50000"/>
+            </a:schemeClr>
+          </a:lnRef>
+          <a:fillRef idx="1">
+            <a:schemeClr val="accent1"/>
+          </a:fillRef>
+          <a:effectRef idx="0">
+            <a:schemeClr val="accent1"/>
+          </a:effectRef>
+          <a:fontRef idx="minor">
+            <a:schemeClr val="lt1"/>
+          </a:fontRef>
+        </p:style>
+        <p:txBody>
+          <a:bodyPr rtlCol="0" anchor="ctr"/>
+          <a:lstStyle/>
+          <a:p>
+            <a:pPr algn="ctr"/>
+            <a:endParaRPr lang="zh-CN" altLang="en-US"/>
+          </a:p>
+        </p:txBody>
+      </p:sp>
+      <p:grpSp>
+        <p:nvGrpSpPr>
+          <p:cNvPr id="39" name="组合 38"/>
+          <p:cNvGrpSpPr/>
+          <p:nvPr/>
+        </p:nvGrpSpPr>
+        <p:grpSpPr>
+          <a:xfrm>
+            <a:off x="1279046" y="3425727"/>
+            <a:ext cx="9726027" cy="2695951"/>
+            <a:chOff x="1149954" y="3458000"/>
+            <a:chExt cx="9726027" cy="2695951"/>
+          </a:xfrm>
+        </p:grpSpPr>
+        <p:grpSp>
+          <p:nvGrpSpPr>
+            <p:cNvPr id="20" name="组合 19"/>
+            <p:cNvGrpSpPr/>
+            <p:nvPr/>
+          </p:nvGrpSpPr>
+          <p:grpSpPr>
+            <a:xfrm>
+              <a:off x="1149954" y="3458000"/>
+              <a:ext cx="9726027" cy="2695951"/>
+              <a:chOff x="1225259" y="3458000"/>
+              <a:chExt cx="9726027" cy="2695951"/>
+            </a:xfrm>
+          </p:grpSpPr>
+          <p:sp>
+            <p:nvSpPr>
+              <p:cNvPr id="6" name="矩形 5"/>
+              <p:cNvSpPr/>
+              <p:nvPr/>
+            </p:nvSpPr>
+            <p:spPr>
+              <a:xfrm>
+                <a:off x="1225259" y="3458000"/>
+                <a:ext cx="9726027" cy="2695951"/>
+              </a:xfrm>
+              <a:prstGeom prst="rect">
+                <a:avLst/>
+              </a:prstGeom>
+              <a:solidFill>
+                <a:schemeClr val="bg1"/>
+              </a:solidFill>
+              <a:ln>
+                <a:solidFill>
+                  <a:schemeClr val="tx1"/>
+                </a:solidFill>
+                <a:prstDash val="solid"/>
+              </a:ln>
+            </p:spPr>
+            <p:style>
+              <a:lnRef idx="2">
+                <a:schemeClr val="accent1">
+                  <a:shade val="50000"/>
+                </a:schemeClr>
+              </a:lnRef>
+              <a:fillRef idx="1">
+                <a:schemeClr val="accent1"/>
+              </a:fillRef>
+              <a:effectRef idx="0">
+                <a:schemeClr val="accent1"/>
+              </a:effectRef>
+              <a:fontRef idx="minor">
+                <a:schemeClr val="lt1"/>
+              </a:fontRef>
+            </p:style>
+            <p:txBody>
+              <a:bodyPr rtlCol="0" anchor="ctr"/>
+              <a:lstStyle/>
+              <a:p>
+                <a:pPr algn="ctr"/>
+                <a:endParaRPr lang="zh-CN" altLang="en-US"/>
+              </a:p>
+            </p:txBody>
+          </p:sp>
+          <p:sp>
+            <p:nvSpPr>
+              <p:cNvPr id="8" name="矩形 7"/>
+              <p:cNvSpPr/>
+              <p:nvPr/>
+            </p:nvSpPr>
+            <p:spPr>
+              <a:xfrm>
+                <a:off x="1624405" y="4251959"/>
+                <a:ext cx="408790" cy="1108038"/>
+              </a:xfrm>
+              <a:prstGeom prst="rect">
+                <a:avLst/>
+              </a:prstGeom>
+              <a:ln w="28575">
+                <a:prstDash val="dash"/>
+              </a:ln>
+            </p:spPr>
+            <p:style>
+              <a:lnRef idx="2">
+                <a:schemeClr val="dk1"/>
+              </a:lnRef>
+              <a:fillRef idx="1">
+                <a:schemeClr val="lt1"/>
+              </a:fillRef>
+              <a:effectRef idx="0">
+                <a:schemeClr val="dk1"/>
+              </a:effectRef>
+              <a:fontRef idx="minor">
+                <a:schemeClr val="dk1"/>
+              </a:fontRef>
+            </p:style>
+            <p:txBody>
+              <a:bodyPr rtlCol="0" anchor="ctr"/>
+              <a:lstStyle/>
+              <a:p>
+                <a:pPr algn="ctr"/>
+                <a:endParaRPr lang="zh-CN" altLang="en-US"/>
+              </a:p>
+            </p:txBody>
+          </p:sp>
+          <p:sp>
+            <p:nvSpPr>
+              <p:cNvPr id="9" name="矩形 8"/>
+              <p:cNvSpPr/>
+              <p:nvPr/>
+            </p:nvSpPr>
+            <p:spPr>
+              <a:xfrm>
+                <a:off x="3392754" y="4251956"/>
+                <a:ext cx="215152" cy="1108038"/>
+              </a:xfrm>
+              <a:prstGeom prst="rect">
+                <a:avLst/>
+              </a:prstGeom>
+              <a:solidFill>
+                <a:schemeClr val="accent1"/>
+              </a:solidFill>
+              <a:ln>
+                <a:noFill/>
+              </a:ln>
+            </p:spPr>
+            <p:style>
+              <a:lnRef idx="2">
+                <a:schemeClr val="accent1">
+                  <a:shade val="50000"/>
+                </a:schemeClr>
+              </a:lnRef>
+              <a:fillRef idx="1">
+                <a:schemeClr val="accent1"/>
+              </a:fillRef>
+              <a:effectRef idx="0">
+                <a:schemeClr val="accent1"/>
+              </a:effectRef>
+              <a:fontRef idx="minor">
+                <a:schemeClr val="lt1"/>
+              </a:fontRef>
+            </p:style>
+            <p:txBody>
+              <a:bodyPr rtlCol="0" anchor="ctr"/>
+              <a:lstStyle/>
+              <a:p>
+                <a:pPr algn="ctr"/>
+                <a:endParaRPr lang="zh-CN" altLang="en-US"/>
+              </a:p>
+            </p:txBody>
+          </p:sp>
+          <p:sp>
+            <p:nvSpPr>
+              <p:cNvPr id="11" name="矩形 10"/>
+              <p:cNvSpPr/>
+              <p:nvPr/>
+            </p:nvSpPr>
+            <p:spPr>
+              <a:xfrm>
+                <a:off x="4428990" y="4251956"/>
+                <a:ext cx="215152" cy="1108038"/>
+              </a:xfrm>
+              <a:prstGeom prst="rect">
+                <a:avLst/>
+              </a:prstGeom>
+              <a:solidFill>
+                <a:schemeClr val="accent1"/>
+              </a:solidFill>
+              <a:ln>
+                <a:noFill/>
+              </a:ln>
+            </p:spPr>
+            <p:style>
+              <a:lnRef idx="2">
+                <a:schemeClr val="accent1">
+                  <a:shade val="50000"/>
+                </a:schemeClr>
+              </a:lnRef>
+              <a:fillRef idx="1">
+                <a:schemeClr val="accent1"/>
+              </a:fillRef>
+              <a:effectRef idx="0">
+                <a:schemeClr val="accent1"/>
+              </a:effectRef>
+              <a:fontRef idx="minor">
+                <a:schemeClr val="lt1"/>
+              </a:fontRef>
+            </p:style>
+            <p:txBody>
+              <a:bodyPr rtlCol="0" anchor="ctr"/>
+              <a:lstStyle/>
+              <a:p>
+                <a:pPr algn="ctr"/>
+                <a:endParaRPr lang="zh-CN" altLang="en-US"/>
+              </a:p>
+            </p:txBody>
+          </p:sp>
+          <p:sp>
+            <p:nvSpPr>
+              <p:cNvPr id="12" name="矩形 11"/>
+              <p:cNvSpPr/>
+              <p:nvPr/>
+            </p:nvSpPr>
+            <p:spPr>
+              <a:xfrm>
+                <a:off x="5215098" y="4251956"/>
+                <a:ext cx="215152" cy="1108038"/>
+              </a:xfrm>
+              <a:prstGeom prst="rect">
+                <a:avLst/>
+              </a:prstGeom>
+              <a:solidFill>
+                <a:srgbClr val="ED1C24"/>
+              </a:solidFill>
+              <a:ln>
+                <a:noFill/>
+              </a:ln>
+            </p:spPr>
+            <p:style>
+              <a:lnRef idx="2">
+                <a:schemeClr val="accent1">
+                  <a:shade val="50000"/>
+                </a:schemeClr>
+              </a:lnRef>
+              <a:fillRef idx="1">
+                <a:schemeClr val="accent1"/>
+              </a:fillRef>
+              <a:effectRef idx="0">
+                <a:schemeClr val="accent1"/>
+              </a:effectRef>
+              <a:fontRef idx="minor">
+                <a:schemeClr val="lt1"/>
+              </a:fontRef>
+            </p:style>
+            <p:txBody>
+              <a:bodyPr rtlCol="0" anchor="ctr"/>
+              <a:lstStyle/>
+              <a:p>
+                <a:pPr algn="ctr"/>
+                <a:endParaRPr lang="zh-CN" altLang="en-US"/>
+              </a:p>
+            </p:txBody>
+          </p:sp>
+          <p:sp>
+            <p:nvSpPr>
+              <p:cNvPr id="13" name="矩形 12"/>
+              <p:cNvSpPr/>
+              <p:nvPr/>
+            </p:nvSpPr>
+            <p:spPr>
+              <a:xfrm>
+                <a:off x="6251642" y="4251956"/>
+                <a:ext cx="215152" cy="1108038"/>
+              </a:xfrm>
+              <a:prstGeom prst="rect">
+                <a:avLst/>
+              </a:prstGeom>
+              <a:solidFill>
+                <a:srgbClr val="ED1C24"/>
+              </a:solidFill>
+              <a:ln>
+                <a:noFill/>
+              </a:ln>
+            </p:spPr>
+            <p:style>
+              <a:lnRef idx="2">
+                <a:schemeClr val="accent1">
+                  <a:shade val="50000"/>
+                </a:schemeClr>
+              </a:lnRef>
+              <a:fillRef idx="1">
+                <a:schemeClr val="accent1"/>
+              </a:fillRef>
+              <a:effectRef idx="0">
+                <a:schemeClr val="accent1"/>
+              </a:effectRef>
+              <a:fontRef idx="minor">
+                <a:schemeClr val="lt1"/>
+              </a:fontRef>
+            </p:style>
+            <p:txBody>
+              <a:bodyPr rtlCol="0" anchor="ctr"/>
+              <a:lstStyle/>
+              <a:p>
+                <a:pPr algn="ctr"/>
+                <a:endParaRPr lang="zh-CN" altLang="en-US"/>
+              </a:p>
+            </p:txBody>
+          </p:sp>
+          <p:sp>
+            <p:nvSpPr>
+              <p:cNvPr id="14" name="矩形 13"/>
+              <p:cNvSpPr/>
+              <p:nvPr/>
+            </p:nvSpPr>
+            <p:spPr>
+              <a:xfrm>
+                <a:off x="7040393" y="4251956"/>
+                <a:ext cx="215152" cy="1108038"/>
+              </a:xfrm>
+              <a:prstGeom prst="rect">
+                <a:avLst/>
+              </a:prstGeom>
+              <a:solidFill>
+                <a:srgbClr val="006F3B"/>
+              </a:solidFill>
+              <a:ln>
+                <a:noFill/>
+              </a:ln>
+            </p:spPr>
+            <p:style>
+              <a:lnRef idx="2">
+                <a:schemeClr val="accent1">
+                  <a:shade val="50000"/>
+                </a:schemeClr>
+              </a:lnRef>
+              <a:fillRef idx="1">
+                <a:schemeClr val="accent1"/>
+              </a:fillRef>
+              <a:effectRef idx="0">
+                <a:schemeClr val="accent1"/>
+              </a:effectRef>
+              <a:fontRef idx="minor">
+                <a:schemeClr val="lt1"/>
+              </a:fontRef>
+            </p:style>
+            <p:txBody>
+              <a:bodyPr rtlCol="0" anchor="ctr"/>
+              <a:lstStyle/>
+              <a:p>
+                <a:pPr algn="ctr"/>
+                <a:endParaRPr lang="zh-CN" altLang="en-US"/>
+              </a:p>
+            </p:txBody>
+          </p:sp>
+          <p:sp>
+            <p:nvSpPr>
+              <p:cNvPr id="15" name="矩形 14"/>
+              <p:cNvSpPr/>
+              <p:nvPr/>
+            </p:nvSpPr>
+            <p:spPr>
+              <a:xfrm>
+                <a:off x="8078108" y="4251956"/>
+                <a:ext cx="215152" cy="1108038"/>
+              </a:xfrm>
+              <a:prstGeom prst="rect">
+                <a:avLst/>
+              </a:prstGeom>
+              <a:solidFill>
+                <a:srgbClr val="006F3B"/>
+              </a:solidFill>
+              <a:ln>
+                <a:noFill/>
+              </a:ln>
+            </p:spPr>
+            <p:style>
+              <a:lnRef idx="2">
+                <a:schemeClr val="accent1">
+                  <a:shade val="50000"/>
+                </a:schemeClr>
+              </a:lnRef>
+              <a:fillRef idx="1">
+                <a:schemeClr val="accent1"/>
+              </a:fillRef>
+              <a:effectRef idx="0">
+                <a:schemeClr val="accent1"/>
+              </a:effectRef>
+              <a:fontRef idx="minor">
+                <a:schemeClr val="lt1"/>
+              </a:fontRef>
+            </p:style>
+            <p:txBody>
+              <a:bodyPr rtlCol="0" anchor="ctr"/>
+              <a:lstStyle/>
+              <a:p>
+                <a:pPr algn="ctr"/>
+                <a:endParaRPr lang="zh-CN" altLang="en-US"/>
+              </a:p>
+            </p:txBody>
+          </p:sp>
+          <p:sp>
+            <p:nvSpPr>
+              <p:cNvPr id="16" name="矩形 15"/>
+              <p:cNvSpPr/>
+              <p:nvPr/>
+            </p:nvSpPr>
+            <p:spPr>
+              <a:xfrm>
+                <a:off x="9132699" y="4251956"/>
+                <a:ext cx="215152" cy="1108038"/>
+              </a:xfrm>
+              <a:prstGeom prst="rect">
+                <a:avLst/>
+              </a:prstGeom>
+              <a:solidFill>
+                <a:srgbClr val="2E3192"/>
+              </a:solidFill>
+              <a:ln>
+                <a:noFill/>
+              </a:ln>
+            </p:spPr>
+            <p:style>
+              <a:lnRef idx="2">
+                <a:schemeClr val="accent1">
+                  <a:shade val="50000"/>
+                </a:schemeClr>
+              </a:lnRef>
+              <a:fillRef idx="1">
+                <a:schemeClr val="accent1"/>
+              </a:fillRef>
+              <a:effectRef idx="0">
+                <a:schemeClr val="accent1"/>
+              </a:effectRef>
+              <a:fontRef idx="minor">
+                <a:schemeClr val="lt1"/>
+              </a:fontRef>
+            </p:style>
+            <p:txBody>
+              <a:bodyPr rtlCol="0" anchor="ctr"/>
+              <a:lstStyle/>
+              <a:p>
+                <a:pPr algn="ctr"/>
+                <a:endParaRPr lang="zh-CN" altLang="en-US"/>
+              </a:p>
+            </p:txBody>
+          </p:sp>
+          <p:sp>
+            <p:nvSpPr>
+              <p:cNvPr id="17" name="矩形 16"/>
+              <p:cNvSpPr/>
+              <p:nvPr/>
+            </p:nvSpPr>
+            <p:spPr>
+              <a:xfrm>
+                <a:off x="10175919" y="4251956"/>
+                <a:ext cx="215152" cy="1108038"/>
+              </a:xfrm>
+              <a:prstGeom prst="rect">
+                <a:avLst/>
+              </a:prstGeom>
+              <a:solidFill>
+                <a:srgbClr val="2E3192"/>
+              </a:solidFill>
+              <a:ln>
+                <a:noFill/>
+              </a:ln>
+            </p:spPr>
+            <p:style>
+              <a:lnRef idx="2">
+                <a:schemeClr val="accent1">
+                  <a:shade val="50000"/>
+                </a:schemeClr>
+              </a:lnRef>
+              <a:fillRef idx="1">
+                <a:schemeClr val="accent1"/>
+              </a:fillRef>
+              <a:effectRef idx="0">
+                <a:schemeClr val="accent1"/>
+              </a:effectRef>
+              <a:fontRef idx="minor">
+                <a:schemeClr val="lt1"/>
+              </a:fontRef>
+            </p:style>
+            <p:txBody>
+              <a:bodyPr rtlCol="0" anchor="ctr"/>
+              <a:lstStyle/>
+              <a:p>
+                <a:pPr algn="ctr"/>
+                <a:endParaRPr lang="zh-CN" altLang="en-US"/>
+              </a:p>
+            </p:txBody>
+          </p:sp>
+          <p:sp>
+            <p:nvSpPr>
+              <p:cNvPr id="19" name="矩形 18"/>
+              <p:cNvSpPr/>
+              <p:nvPr/>
+            </p:nvSpPr>
+            <p:spPr>
+              <a:xfrm>
+                <a:off x="8619067" y="4508697"/>
+                <a:ext cx="219290" cy="473337"/>
+              </a:xfrm>
+              <a:prstGeom prst="rect">
+                <a:avLst/>
+              </a:prstGeom>
+              <a:solidFill>
+                <a:srgbClr val="8CC63F"/>
+              </a:solidFill>
+              <a:ln>
+                <a:noFill/>
+              </a:ln>
+            </p:spPr>
+            <p:style>
+              <a:lnRef idx="2">
+                <a:schemeClr val="accent1">
+                  <a:shade val="50000"/>
+                </a:schemeClr>
+              </a:lnRef>
+              <a:fillRef idx="1">
+                <a:schemeClr val="accent1"/>
+              </a:fillRef>
+              <a:effectRef idx="0">
+                <a:schemeClr val="accent1"/>
+              </a:effectRef>
+              <a:fontRef idx="minor">
+                <a:schemeClr val="lt1"/>
+              </a:fontRef>
+            </p:style>
+            <p:txBody>
+              <a:bodyPr rtlCol="0" anchor="ctr"/>
+              <a:lstStyle/>
+              <a:p>
+                <a:pPr algn="ctr"/>
+                <a:endParaRPr lang="zh-CN" altLang="en-US"/>
+              </a:p>
+            </p:txBody>
+          </p:sp>
+        </p:grpSp>
+        <p:sp>
+          <p:nvSpPr>
+            <p:cNvPr id="21" name="文本框 20"/>
+            <p:cNvSpPr txBox="1"/>
+            <p:nvPr/>
+          </p:nvSpPr>
+          <p:spPr>
+            <a:xfrm>
+              <a:off x="3736407" y="3685819"/>
+              <a:ext cx="419522" cy="584775"/>
+            </a:xfrm>
+            <a:prstGeom prst="rect">
+              <a:avLst/>
+            </a:prstGeom>
+            <a:noFill/>
+          </p:spPr>
+          <p:txBody>
+            <a:bodyPr wrap="square" rtlCol="0">
+              <a:spAutoFit/>
+            </a:bodyPr>
+            <a:lstStyle/>
+            <a:p>
+              <a:r>
+                <a:rPr lang="en-US" altLang="zh-CN" sz="3200" dirty="0" smtClean="0"/>
+                <a:t>4</a:t>
+              </a:r>
+              <a:endParaRPr lang="zh-CN" altLang="en-US" sz="3200" dirty="0"/>
+            </a:p>
+          </p:txBody>
+        </p:sp>
+        <p:sp>
+          <p:nvSpPr>
+            <p:cNvPr id="22" name="文本框 21"/>
+            <p:cNvSpPr txBox="1"/>
+            <p:nvPr/>
+          </p:nvSpPr>
+          <p:spPr>
+            <a:xfrm>
+              <a:off x="5589729" y="3685819"/>
+              <a:ext cx="352623" cy="584775"/>
+            </a:xfrm>
+            <a:prstGeom prst="rect">
+              <a:avLst/>
+            </a:prstGeom>
+            <a:noFill/>
+          </p:spPr>
+          <p:txBody>
+            <a:bodyPr wrap="square" rtlCol="0">
+              <a:spAutoFit/>
+            </a:bodyPr>
+            <a:lstStyle/>
+            <a:p>
+              <a:r>
+                <a:rPr lang="en-US" altLang="zh-CN" sz="3200" dirty="0"/>
+                <a:t>1</a:t>
+              </a:r>
+              <a:endParaRPr lang="zh-CN" altLang="en-US" sz="3200" dirty="0"/>
+            </a:p>
+          </p:txBody>
+        </p:sp>
+        <p:sp>
+          <p:nvSpPr>
+            <p:cNvPr id="23" name="文本框 22"/>
+            <p:cNvSpPr txBox="1"/>
+            <p:nvPr/>
+          </p:nvSpPr>
+          <p:spPr>
+            <a:xfrm>
+              <a:off x="7349422" y="3685819"/>
+              <a:ext cx="419522" cy="584775"/>
+            </a:xfrm>
+            <a:prstGeom prst="rect">
+              <a:avLst/>
+            </a:prstGeom>
+            <a:noFill/>
+          </p:spPr>
+          <p:txBody>
+            <a:bodyPr wrap="square" rtlCol="0">
+              <a:spAutoFit/>
+            </a:bodyPr>
+            <a:lstStyle/>
+            <a:p>
+              <a:r>
+                <a:rPr lang="en-US" altLang="zh-CN" sz="3200" dirty="0" smtClean="0"/>
+                <a:t>3</a:t>
+              </a:r>
+              <a:endParaRPr lang="zh-CN" altLang="en-US" sz="3200" dirty="0"/>
+            </a:p>
+          </p:txBody>
+        </p:sp>
+        <p:sp>
+          <p:nvSpPr>
+            <p:cNvPr id="37" name="文本框 36"/>
+            <p:cNvSpPr txBox="1"/>
+            <p:nvPr/>
+          </p:nvSpPr>
+          <p:spPr>
+            <a:xfrm>
+              <a:off x="9476819" y="3673885"/>
+              <a:ext cx="419522" cy="584775"/>
+            </a:xfrm>
+            <a:prstGeom prst="rect">
+              <a:avLst/>
+            </a:prstGeom>
+            <a:noFill/>
+          </p:spPr>
+          <p:txBody>
+            <a:bodyPr wrap="square" rtlCol="0">
+              <a:spAutoFit/>
+            </a:bodyPr>
+            <a:lstStyle/>
+            <a:p>
+              <a:r>
+                <a:rPr lang="en-US" altLang="zh-CN" sz="3200" dirty="0" smtClean="0"/>
+                <a:t>2</a:t>
+              </a:r>
+              <a:endParaRPr lang="zh-CN" altLang="en-US" sz="3200" dirty="0"/>
+            </a:p>
+          </p:txBody>
+        </p:sp>
+        <p:sp>
+          <p:nvSpPr>
+            <p:cNvPr id="38" name="文本框 37"/>
+            <p:cNvSpPr txBox="1"/>
+            <p:nvPr/>
+          </p:nvSpPr>
+          <p:spPr>
+            <a:xfrm>
+              <a:off x="8468690" y="3685819"/>
+              <a:ext cx="419522" cy="584775"/>
+            </a:xfrm>
+            <a:prstGeom prst="rect">
+              <a:avLst/>
+            </a:prstGeom>
+            <a:noFill/>
+          </p:spPr>
+          <p:txBody>
+            <a:bodyPr wrap="square" rtlCol="0">
+              <a:spAutoFit/>
+            </a:bodyPr>
+            <a:lstStyle/>
+            <a:p>
+              <a:r>
+                <a:rPr lang="en-US" altLang="zh-CN" sz="3200" dirty="0"/>
+                <a:t>5</a:t>
+              </a:r>
+              <a:endParaRPr lang="zh-CN" altLang="en-US" sz="3200" dirty="0"/>
+            </a:p>
+          </p:txBody>
+        </p:sp>
+      </p:grpSp>
+    </p:spTree>
+    <p:extLst>
+      <p:ext uri="{BB962C8B-B14F-4D97-AF65-F5344CB8AC3E}">
+        <p14:creationId xmlns:p14="http://schemas.microsoft.com/office/powerpoint/2010/main" val="28815979"/>
+      </p:ext>
+    </p:extLst>
+  </p:cSld>
+  <p:clrMapOvr>
+    <a:masterClrMapping/>
+  </p:clrMapOvr>
+</p:sld>
+</file>
+
+<file path=ppt/slides/slide20.xml><?xml version="1.0" encoding="utf-8"?>
+<p:sld xmlns:a="http://schemas.openxmlformats.org/drawingml/2006/main" xmlns:r="http://schemas.openxmlformats.org/officeDocument/2006/relationships" xmlns:p="http://schemas.openxmlformats.org/presentationml/2006/main">
+  <p:cSld>
+    <p:spTree>
+      <p:nvGrpSpPr>
+        <p:cNvPr id="1" name=""/>
+        <p:cNvGrpSpPr/>
+        <p:nvPr/>
+      </p:nvGrpSpPr>
+      <p:grpSpPr>
+        <a:xfrm>
+          <a:off x="0" y="0"/>
+          <a:ext cx="0" cy="0"/>
+          <a:chOff x="0" y="0"/>
+          <a:chExt cx="0" cy="0"/>
+        </a:xfrm>
+      </p:grpSpPr>
+      <p:sp>
+        <p:nvSpPr>
+          <p:cNvPr id="3" name="文本框 2"/>
+          <p:cNvSpPr txBox="1"/>
+          <p:nvPr/>
+        </p:nvSpPr>
+        <p:spPr>
+          <a:xfrm>
+            <a:off x="3372477" y="1560007"/>
+            <a:ext cx="5433897" cy="1200329"/>
+          </a:xfrm>
+          <a:prstGeom prst="rect">
+            <a:avLst/>
+          </a:prstGeom>
+          <a:noFill/>
+        </p:spPr>
+        <p:txBody>
+          <a:bodyPr wrap="square" rtlCol="0">
+            <a:spAutoFit/>
+          </a:bodyPr>
+          <a:lstStyle/>
+          <a:p>
+            <a:pPr>
+              <a:lnSpc>
+                <a:spcPct val="150000"/>
+              </a:lnSpc>
+            </a:pPr>
+            <a:r>
+              <a:rPr lang="zh-CN" altLang="en-US" sz="2400" dirty="0" smtClean="0">
+                <a:latin typeface="Comic Sans MS" panose="030F0702030302020204" pitchFamily="66" charset="0"/>
+              </a:rPr>
+              <a:t>听到声音时方块是</a:t>
+            </a:r>
+            <a:r>
+              <a:rPr lang="zh-CN" altLang="en-US" sz="2400" dirty="0" smtClean="0">
+                <a:solidFill>
+                  <a:srgbClr val="00B050"/>
+                </a:solidFill>
+                <a:latin typeface="Comic Sans MS" panose="030F0702030302020204" pitchFamily="66" charset="0"/>
+              </a:rPr>
+              <a:t>绿</a:t>
+            </a:r>
+            <a:r>
+              <a:rPr lang="zh-CN" altLang="en-US" sz="2400" dirty="0" smtClean="0">
+                <a:latin typeface="Comic Sans MS" panose="030F0702030302020204" pitchFamily="66" charset="0"/>
+              </a:rPr>
+              <a:t>色按下</a:t>
+            </a:r>
+            <a:r>
+              <a:rPr lang="zh-CN" altLang="en-US" sz="2400" b="1" dirty="0" smtClean="0">
+                <a:latin typeface="Comic Sans MS" panose="030F0702030302020204" pitchFamily="66" charset="0"/>
+              </a:rPr>
+              <a:t>左</a:t>
+            </a:r>
+            <a:r>
+              <a:rPr lang="zh-CN" altLang="en-US" sz="2400" dirty="0" smtClean="0">
+                <a:latin typeface="Comic Sans MS" panose="030F0702030302020204" pitchFamily="66" charset="0"/>
+              </a:rPr>
+              <a:t>方向键；</a:t>
+            </a:r>
+            <a:endParaRPr lang="en-US" altLang="zh-CN" sz="2400" dirty="0" smtClean="0">
+              <a:latin typeface="Comic Sans MS" panose="030F0702030302020204" pitchFamily="66" charset="0"/>
+            </a:endParaRPr>
+          </a:p>
+          <a:p>
+            <a:pPr>
+              <a:lnSpc>
+                <a:spcPct val="150000"/>
+              </a:lnSpc>
+            </a:pPr>
+            <a:r>
+              <a:rPr lang="zh-CN" altLang="en-US" sz="2400" dirty="0">
+                <a:latin typeface="Comic Sans MS" panose="030F0702030302020204" pitchFamily="66" charset="0"/>
+              </a:rPr>
+              <a:t>听到声音时方块</a:t>
+            </a:r>
+            <a:r>
+              <a:rPr lang="zh-CN" altLang="en-US" sz="2400" dirty="0" smtClean="0">
+                <a:latin typeface="Comic Sans MS" panose="030F0702030302020204" pitchFamily="66" charset="0"/>
+              </a:rPr>
+              <a:t>是</a:t>
+            </a:r>
+            <a:r>
+              <a:rPr lang="zh-CN" altLang="en-US" sz="2400" dirty="0" smtClean="0">
+                <a:solidFill>
+                  <a:srgbClr val="C00000"/>
+                </a:solidFill>
+                <a:latin typeface="Comic Sans MS" panose="030F0702030302020204" pitchFamily="66" charset="0"/>
+              </a:rPr>
+              <a:t>红</a:t>
+            </a:r>
+            <a:r>
+              <a:rPr lang="zh-CN" altLang="en-US" sz="2400" dirty="0" smtClean="0">
+                <a:latin typeface="Comic Sans MS" panose="030F0702030302020204" pitchFamily="66" charset="0"/>
+              </a:rPr>
+              <a:t>色</a:t>
+            </a:r>
+            <a:r>
+              <a:rPr lang="zh-CN" altLang="en-US" sz="2400" dirty="0">
+                <a:latin typeface="Comic Sans MS" panose="030F0702030302020204" pitchFamily="66" charset="0"/>
+              </a:rPr>
+              <a:t>按下</a:t>
+            </a:r>
+            <a:r>
+              <a:rPr lang="zh-CN" altLang="en-US" sz="2400" b="1" dirty="0" smtClean="0">
+                <a:latin typeface="Comic Sans MS" panose="030F0702030302020204" pitchFamily="66" charset="0"/>
+              </a:rPr>
+              <a:t>右</a:t>
+            </a:r>
+            <a:r>
+              <a:rPr lang="zh-CN" altLang="en-US" sz="2400" dirty="0" smtClean="0">
+                <a:latin typeface="Comic Sans MS" panose="030F0702030302020204" pitchFamily="66" charset="0"/>
+              </a:rPr>
+              <a:t>方向键。</a:t>
+            </a:r>
+            <a:endParaRPr lang="zh-CN" altLang="en-US" sz="2400" dirty="0">
+              <a:latin typeface="Comic Sans MS" panose="030F0702030302020204" pitchFamily="66" charset="0"/>
+            </a:endParaRPr>
+          </a:p>
+        </p:txBody>
+      </p:sp>
+      <p:sp>
+        <p:nvSpPr>
+          <p:cNvPr id="5" name="右箭头 4"/>
+          <p:cNvSpPr/>
+          <p:nvPr/>
+        </p:nvSpPr>
+        <p:spPr>
+          <a:xfrm>
+            <a:off x="7005709" y="4079627"/>
+            <a:ext cx="1800665" cy="886265"/>
+          </a:xfrm>
+          <a:prstGeom prst="rightArrow">
+            <a:avLst/>
+          </a:prstGeom>
+          <a:noFill/>
+        </p:spPr>
+        <p:style>
+          <a:lnRef idx="2">
+            <a:schemeClr val="accent1">
+              <a:shade val="50000"/>
+            </a:schemeClr>
+          </a:lnRef>
+          <a:fillRef idx="1">
+            <a:schemeClr val="accent1"/>
+          </a:fillRef>
+          <a:effectRef idx="0">
+            <a:schemeClr val="accent1"/>
+          </a:effectRef>
+          <a:fontRef idx="minor">
+            <a:schemeClr val="lt1"/>
+          </a:fontRef>
+        </p:style>
+        <p:txBody>
+          <a:bodyPr rtlCol="0" anchor="ctr"/>
+          <a:lstStyle/>
+          <a:p>
+            <a:pPr algn="ctr"/>
+            <a:endParaRPr lang="zh-CN" altLang="en-US"/>
+          </a:p>
+        </p:txBody>
+      </p:sp>
+      <p:sp>
+        <p:nvSpPr>
+          <p:cNvPr id="6" name="右箭头 5"/>
+          <p:cNvSpPr/>
+          <p:nvPr/>
+        </p:nvSpPr>
+        <p:spPr>
+          <a:xfrm rot="10800000">
+            <a:off x="3372477" y="4079628"/>
+            <a:ext cx="1800665" cy="886265"/>
+          </a:xfrm>
+          <a:prstGeom prst="rightArrow">
+            <a:avLst/>
+          </a:prstGeom>
+          <a:noFill/>
+        </p:spPr>
+        <p:style>
+          <a:lnRef idx="2">
+            <a:schemeClr val="accent1">
+              <a:shade val="50000"/>
+            </a:schemeClr>
+          </a:lnRef>
+          <a:fillRef idx="1">
+            <a:schemeClr val="accent1"/>
+          </a:fillRef>
+          <a:effectRef idx="0">
+            <a:schemeClr val="accent1"/>
+          </a:effectRef>
+          <a:fontRef idx="minor">
+            <a:schemeClr val="lt1"/>
+          </a:fontRef>
+        </p:style>
+        <p:txBody>
+          <a:bodyPr rtlCol="0" anchor="ctr"/>
+          <a:lstStyle/>
+          <a:p>
+            <a:pPr algn="ctr"/>
+            <a:endParaRPr lang="zh-CN" altLang="en-US"/>
+          </a:p>
+        </p:txBody>
+      </p:sp>
+    </p:spTree>
+    <p:extLst>
+      <p:ext uri="{BB962C8B-B14F-4D97-AF65-F5344CB8AC3E}">
+        <p14:creationId xmlns:p14="http://schemas.microsoft.com/office/powerpoint/2010/main" val="2152115663"/>
+      </p:ext>
+    </p:extLst>
+  </p:cSld>
+  <p:clrMapOvr>
+    <a:masterClrMapping/>
+  </p:clrMapOvr>
+  <p:timing>
+    <p:tnLst>
+      <p:par>
+        <p:cTn id="1" dur="indefinite" restart="never" nodeType="tmRoot"/>
+      </p:par>
+    </p:tnLst>
+  </p:timing>
+</p:sld>
+</file>
+
+<file path=ppt/slides/slide3.xml><?xml version="1.0" encoding="utf-8"?>
+<p:sld xmlns:a="http://schemas.openxmlformats.org/drawingml/2006/main" xmlns:r="http://schemas.openxmlformats.org/officeDocument/2006/relationships" xmlns:p="http://schemas.openxmlformats.org/presentationml/2006/main">
+  <p:cSld>
+    <p:spTree>
+      <p:nvGrpSpPr>
+        <p:cNvPr id="1" name=""/>
+        <p:cNvGrpSpPr/>
+        <p:nvPr/>
+      </p:nvGrpSpPr>
+      <p:grpSpPr>
+        <a:xfrm>
+          <a:off x="0" y="0"/>
+          <a:ext cx="0" cy="0"/>
+          <a:chOff x="0" y="0"/>
+          <a:chExt cx="0" cy="0"/>
+        </a:xfrm>
+      </p:grpSpPr>
+      <p:sp>
+        <p:nvSpPr>
+          <p:cNvPr id="5" name="文本框 4"/>
+          <p:cNvSpPr txBox="1"/>
+          <p:nvPr/>
+        </p:nvSpPr>
+        <p:spPr>
+          <a:xfrm>
+            <a:off x="3720663" y="1797270"/>
+            <a:ext cx="7809186" cy="1862048"/>
+          </a:xfrm>
+          <a:prstGeom prst="rect">
+            <a:avLst/>
+          </a:prstGeom>
+          <a:noFill/>
+        </p:spPr>
+        <p:txBody>
+          <a:bodyPr wrap="square" rtlCol="0">
+            <a:spAutoFit/>
+          </a:bodyPr>
+          <a:lstStyle/>
+          <a:p>
+            <a:r>
+              <a:rPr lang="zh-CN" altLang="en-US" sz="11500" dirty="0" smtClean="0"/>
+              <a:t>休  息</a:t>
+            </a:r>
+            <a:endParaRPr lang="zh-CN" altLang="en-US" sz="11500" dirty="0"/>
+          </a:p>
+        </p:txBody>
+      </p:sp>
+      <p:sp>
+        <p:nvSpPr>
+          <p:cNvPr id="6" name="文本框 5"/>
+          <p:cNvSpPr txBox="1"/>
+          <p:nvPr/>
+        </p:nvSpPr>
+        <p:spPr>
+          <a:xfrm>
+            <a:off x="5328745" y="4141076"/>
+            <a:ext cx="5065987" cy="461665"/>
+          </a:xfrm>
+          <a:prstGeom prst="rect">
+            <a:avLst/>
+          </a:prstGeom>
+          <a:noFill/>
+        </p:spPr>
+        <p:txBody>
+          <a:bodyPr wrap="square" rtlCol="0">
+            <a:spAutoFit/>
+          </a:bodyPr>
+          <a:lstStyle/>
+          <a:p>
+            <a:r>
+              <a:rPr lang="zh-CN" altLang="en-US" sz="2400" dirty="0" smtClean="0"/>
+              <a:t>按空格可停止休息，继续实验。。。</a:t>
+            </a:r>
+            <a:endParaRPr lang="zh-CN" altLang="en-US" sz="2400" dirty="0"/>
+          </a:p>
+        </p:txBody>
+      </p:sp>
+    </p:spTree>
+    <p:extLst>
+      <p:ext uri="{BB962C8B-B14F-4D97-AF65-F5344CB8AC3E}">
+        <p14:creationId xmlns:p14="http://schemas.microsoft.com/office/powerpoint/2010/main" val="3347510085"/>
+      </p:ext>
+    </p:extLst>
+  </p:cSld>
+  <p:clrMapOvr>
+    <a:masterClrMapping/>
+  </p:clrMapOvr>
+</p:sld>
+</file>
+
+<file path=ppt/slides/slide4.xml><?xml version="1.0" encoding="utf-8"?>
+<p:sld xmlns:a="http://schemas.openxmlformats.org/drawingml/2006/main" xmlns:r="http://schemas.openxmlformats.org/officeDocument/2006/relationships" xmlns:p="http://schemas.openxmlformats.org/presentationml/2006/main">
+  <p:cSld>
+    <p:spTree>
+      <p:nvGrpSpPr>
+        <p:cNvPr id="1" name=""/>
+        <p:cNvGrpSpPr/>
+        <p:nvPr/>
+      </p:nvGrpSpPr>
+      <p:grpSpPr>
+        <a:xfrm>
+          <a:off x="0" y="0"/>
+          <a:ext cx="0" cy="0"/>
+          <a:chOff x="0" y="0"/>
+          <a:chExt cx="0" cy="0"/>
+        </a:xfrm>
+      </p:grpSpPr>
+      <p:sp>
+        <p:nvSpPr>
+          <p:cNvPr id="5" name="文本框 4"/>
+          <p:cNvSpPr txBox="1"/>
+          <p:nvPr/>
+        </p:nvSpPr>
+        <p:spPr>
+          <a:xfrm>
+            <a:off x="2391192" y="2371701"/>
+            <a:ext cx="7568354" cy="1200329"/>
+          </a:xfrm>
+          <a:prstGeom prst="rect">
+            <a:avLst/>
+          </a:prstGeom>
+          <a:noFill/>
+        </p:spPr>
+        <p:txBody>
+          <a:bodyPr wrap="square" rtlCol="0">
+            <a:spAutoFit/>
+          </a:bodyPr>
+          <a:lstStyle/>
+          <a:p>
+            <a:r>
+              <a:rPr lang="zh-CN" altLang="en-US" sz="7200" dirty="0" smtClean="0"/>
+              <a:t>按空格键开始实验</a:t>
+            </a:r>
+            <a:endParaRPr lang="zh-CN" altLang="en-US" sz="7200" dirty="0"/>
+          </a:p>
+        </p:txBody>
+      </p:sp>
+    </p:spTree>
+    <p:extLst>
+      <p:ext uri="{BB962C8B-B14F-4D97-AF65-F5344CB8AC3E}">
+        <p14:creationId xmlns:p14="http://schemas.microsoft.com/office/powerpoint/2010/main" val="321681873"/>
+      </p:ext>
+    </p:extLst>
+  </p:cSld>
+  <p:clrMapOvr>
+    <a:masterClrMapping/>
+  </p:clrMapOvr>
+</p:sld>
+</file>
+
+<file path=ppt/slides/slide5.xml><?xml version="1.0" encoding="utf-8"?>
+<p:sld xmlns:a="http://schemas.openxmlformats.org/drawingml/2006/main" xmlns:r="http://schemas.openxmlformats.org/officeDocument/2006/relationships" xmlns:p="http://schemas.openxmlformats.org/presentationml/2006/main">
+  <p:cSld>
+    <p:spTree>
+      <p:nvGrpSpPr>
+        <p:cNvPr id="1" name=""/>
+        <p:cNvGrpSpPr/>
+        <p:nvPr/>
+      </p:nvGrpSpPr>
+      <p:grpSpPr>
+        <a:xfrm>
+          <a:off x="0" y="0"/>
+          <a:ext cx="0" cy="0"/>
+          <a:chOff x="0" y="0"/>
+          <a:chExt cx="0" cy="0"/>
+        </a:xfrm>
+      </p:grpSpPr>
+      <p:sp>
+        <p:nvSpPr>
+          <p:cNvPr id="5" name="文本框 4"/>
+          <p:cNvSpPr txBox="1"/>
+          <p:nvPr/>
+        </p:nvSpPr>
+        <p:spPr>
+          <a:xfrm>
+            <a:off x="2895472" y="1953387"/>
+            <a:ext cx="7809186" cy="1862048"/>
+          </a:xfrm>
+          <a:prstGeom prst="rect">
+            <a:avLst/>
+          </a:prstGeom>
+          <a:noFill/>
+        </p:spPr>
+        <p:txBody>
+          <a:bodyPr wrap="square" rtlCol="0">
+            <a:spAutoFit/>
+          </a:bodyPr>
+          <a:lstStyle/>
+          <a:p>
+            <a:r>
+              <a:rPr lang="zh-CN" altLang="en-US" sz="11500" dirty="0"/>
+              <a:t>训练开始</a:t>
+            </a:r>
+          </a:p>
+        </p:txBody>
+      </p:sp>
+      <p:sp>
+        <p:nvSpPr>
+          <p:cNvPr id="6" name="文本框 5"/>
+          <p:cNvSpPr txBox="1"/>
+          <p:nvPr/>
+        </p:nvSpPr>
+        <p:spPr>
+          <a:xfrm>
+            <a:off x="3013330" y="3996110"/>
+            <a:ext cx="6019158" cy="461665"/>
+          </a:xfrm>
+          <a:prstGeom prst="rect">
+            <a:avLst/>
+          </a:prstGeom>
+          <a:noFill/>
+        </p:spPr>
+        <p:txBody>
+          <a:bodyPr wrap="square" rtlCol="0">
+            <a:spAutoFit/>
+          </a:bodyPr>
+          <a:lstStyle/>
+          <a:p>
+            <a:r>
+              <a:rPr lang="zh-CN" altLang="en-US" sz="2400" dirty="0" smtClean="0"/>
+              <a:t>请调整好坐姿，关闭手机，按空格继续实验</a:t>
+            </a:r>
+            <a:endParaRPr lang="zh-CN" altLang="en-US" sz="2400" dirty="0"/>
+          </a:p>
+        </p:txBody>
+      </p:sp>
+    </p:spTree>
+    <p:extLst>
+      <p:ext uri="{BB962C8B-B14F-4D97-AF65-F5344CB8AC3E}">
+        <p14:creationId xmlns:p14="http://schemas.microsoft.com/office/powerpoint/2010/main" val="1374055157"/>
+      </p:ext>
+    </p:extLst>
+  </p:cSld>
+  <p:clrMapOvr>
+    <a:masterClrMapping/>
+  </p:clrMapOvr>
+</p:sld>
+</file>
+
+<file path=ppt/slides/slide6.xml><?xml version="1.0" encoding="utf-8"?>
+<p:sld xmlns:a="http://schemas.openxmlformats.org/drawingml/2006/main" xmlns:r="http://schemas.openxmlformats.org/officeDocument/2006/relationships" xmlns:p="http://schemas.openxmlformats.org/presentationml/2006/main">
+  <p:cSld>
+    <p:spTree>
+      <p:nvGrpSpPr>
+        <p:cNvPr id="1" name=""/>
+        <p:cNvGrpSpPr/>
+        <p:nvPr/>
+      </p:nvGrpSpPr>
+      <p:grpSpPr>
+        <a:xfrm>
+          <a:off x="0" y="0"/>
+          <a:ext cx="0" cy="0"/>
+          <a:chOff x="0" y="0"/>
+          <a:chExt cx="0" cy="0"/>
+        </a:xfrm>
+      </p:grpSpPr>
+      <p:sp>
+        <p:nvSpPr>
+          <p:cNvPr id="5" name="文本框 4"/>
+          <p:cNvSpPr txBox="1"/>
+          <p:nvPr/>
+        </p:nvSpPr>
+        <p:spPr>
+          <a:xfrm>
+            <a:off x="3017447" y="1975689"/>
+            <a:ext cx="6100134" cy="1862048"/>
+          </a:xfrm>
+          <a:prstGeom prst="rect">
+            <a:avLst/>
+          </a:prstGeom>
+          <a:noFill/>
+        </p:spPr>
+        <p:txBody>
+          <a:bodyPr wrap="square" rtlCol="0">
+            <a:spAutoFit/>
+          </a:bodyPr>
+          <a:lstStyle/>
+          <a:p>
+            <a:r>
+              <a:rPr lang="zh-CN" altLang="en-US" sz="11500" dirty="0" smtClean="0"/>
+              <a:t>训练结束</a:t>
+            </a:r>
+            <a:endParaRPr lang="zh-CN" altLang="en-US" sz="11500" dirty="0"/>
+          </a:p>
+        </p:txBody>
+      </p:sp>
+      <p:sp>
+        <p:nvSpPr>
+          <p:cNvPr id="6" name="文本框 5"/>
+          <p:cNvSpPr txBox="1"/>
+          <p:nvPr/>
+        </p:nvSpPr>
+        <p:spPr>
+          <a:xfrm>
+            <a:off x="3470529" y="4029563"/>
+            <a:ext cx="5193969" cy="461665"/>
+          </a:xfrm>
+          <a:prstGeom prst="rect">
+            <a:avLst/>
+          </a:prstGeom>
+          <a:noFill/>
+        </p:spPr>
+        <p:txBody>
+          <a:bodyPr wrap="square" rtlCol="0">
+            <a:spAutoFit/>
+          </a:bodyPr>
+          <a:lstStyle/>
+          <a:p>
+            <a:r>
+              <a:rPr lang="zh-CN" altLang="en-US" sz="2400" dirty="0" smtClean="0"/>
+              <a:t>感谢您的参与，按空格结束本次实验。</a:t>
+            </a:r>
+            <a:endParaRPr lang="zh-CN" altLang="en-US" sz="2400" dirty="0"/>
+          </a:p>
+        </p:txBody>
+      </p:sp>
+    </p:spTree>
+    <p:extLst>
+      <p:ext uri="{BB962C8B-B14F-4D97-AF65-F5344CB8AC3E}">
+        <p14:creationId xmlns:p14="http://schemas.microsoft.com/office/powerpoint/2010/main" val="2898792875"/>
+      </p:ext>
+    </p:extLst>
+  </p:cSld>
+  <p:clrMapOvr>
+    <a:masterClrMapping/>
+  </p:clrMapOvr>
+</p:sld>
+</file>
+
+<file path=ppt/slides/slide7.xml><?xml version="1.0" encoding="utf-8"?>
+<p:sld xmlns:a="http://schemas.openxmlformats.org/drawingml/2006/main" xmlns:r="http://schemas.openxmlformats.org/officeDocument/2006/relationships" xmlns:p="http://schemas.openxmlformats.org/presentationml/2006/main">
+  <p:cSld>
+    <p:spTree>
+      <p:nvGrpSpPr>
+        <p:cNvPr id="1" name=""/>
+        <p:cNvGrpSpPr/>
+        <p:nvPr/>
+      </p:nvGrpSpPr>
+      <p:grpSpPr>
+        <a:xfrm>
+          <a:off x="0" y="0"/>
+          <a:ext cx="0" cy="0"/>
+          <a:chOff x="0" y="0"/>
+          <a:chExt cx="0" cy="0"/>
+        </a:xfrm>
+      </p:grpSpPr>
+      <p:sp>
+        <p:nvSpPr>
+          <p:cNvPr id="5" name="文本框 4"/>
+          <p:cNvSpPr txBox="1"/>
+          <p:nvPr/>
+        </p:nvSpPr>
+        <p:spPr>
+          <a:xfrm>
+            <a:off x="2225350" y="2109242"/>
+            <a:ext cx="7809186" cy="1200329"/>
+          </a:xfrm>
+          <a:prstGeom prst="rect">
+            <a:avLst/>
+          </a:prstGeom>
+          <a:noFill/>
+        </p:spPr>
+        <p:txBody>
+          <a:bodyPr wrap="square" rtlCol="0">
+            <a:spAutoFit/>
+          </a:bodyPr>
+          <a:lstStyle/>
+          <a:p>
+            <a:r>
+              <a:rPr lang="zh-CN" altLang="en-US" sz="7200" dirty="0" smtClean="0"/>
+              <a:t>请准备并熟悉节奏</a:t>
+            </a:r>
+            <a:endParaRPr lang="zh-CN" altLang="en-US" sz="7200" dirty="0"/>
+          </a:p>
+        </p:txBody>
+      </p:sp>
+    </p:spTree>
+    <p:extLst>
+      <p:ext uri="{BB962C8B-B14F-4D97-AF65-F5344CB8AC3E}">
+        <p14:creationId xmlns:p14="http://schemas.microsoft.com/office/powerpoint/2010/main" val="358921956"/>
+      </p:ext>
+    </p:extLst>
+  </p:cSld>
+  <p:clrMapOvr>
+    <a:masterClrMapping/>
+  </p:clrMapOvr>
+</p:sld>
+</file>
+
+<file path=ppt/slides/slide8.xml><?xml version="1.0" encoding="utf-8"?>
+<p:sld xmlns:a="http://schemas.openxmlformats.org/drawingml/2006/main" xmlns:r="http://schemas.openxmlformats.org/officeDocument/2006/relationships" xmlns:p="http://schemas.openxmlformats.org/presentationml/2006/main">
+  <p:cSld>
+    <p:spTree>
+      <p:nvGrpSpPr>
+        <p:cNvPr id="1" name=""/>
+        <p:cNvGrpSpPr/>
+        <p:nvPr/>
+      </p:nvGrpSpPr>
+      <p:grpSpPr>
+        <a:xfrm>
+          <a:off x="0" y="0"/>
+          <a:ext cx="0" cy="0"/>
+          <a:chOff x="0" y="0"/>
+          <a:chExt cx="0" cy="0"/>
+        </a:xfrm>
+      </p:grpSpPr>
+      <p:sp>
+        <p:nvSpPr>
+          <p:cNvPr id="2" name="文本框 1"/>
+          <p:cNvSpPr txBox="1"/>
+          <p:nvPr/>
+        </p:nvSpPr>
+        <p:spPr>
+          <a:xfrm>
+            <a:off x="1850834" y="1299990"/>
+            <a:ext cx="9033831" cy="3416320"/>
+          </a:xfrm>
+          <a:prstGeom prst="rect">
+            <a:avLst/>
+          </a:prstGeom>
+          <a:noFill/>
+        </p:spPr>
+        <p:txBody>
+          <a:bodyPr wrap="square" rtlCol="0">
+            <a:spAutoFit/>
+          </a:bodyPr>
+          <a:lstStyle/>
+          <a:p>
+            <a:pPr algn="ctr"/>
+            <a:r>
+              <a:rPr lang="zh-CN" altLang="en-US" sz="5400" dirty="0"/>
+              <a:t>请拿</a:t>
+            </a:r>
+            <a:r>
+              <a:rPr lang="zh-CN" altLang="en-US" sz="5400" dirty="0" smtClean="0"/>
+              <a:t>好握柄。</a:t>
+            </a:r>
+            <a:endParaRPr lang="en-US" altLang="zh-CN" sz="5400" dirty="0" smtClean="0"/>
+          </a:p>
+          <a:p>
+            <a:pPr algn="ctr"/>
+            <a:r>
+              <a:rPr lang="zh-CN" altLang="en-US" sz="5400" dirty="0" smtClean="0"/>
+              <a:t>传感器靠近手指内侧，</a:t>
+            </a:r>
+            <a:endParaRPr lang="en-US" altLang="zh-CN" sz="5400" smtClean="0"/>
+          </a:p>
+          <a:p>
+            <a:pPr algn="ctr"/>
+            <a:r>
+              <a:rPr lang="zh-CN" altLang="en-US" sz="5400" smtClean="0"/>
+              <a:t>木</a:t>
+            </a:r>
+            <a:r>
+              <a:rPr lang="zh-CN" altLang="en-US" sz="5400" dirty="0" smtClean="0"/>
+              <a:t>杆靠近手心。放松持握。</a:t>
+            </a:r>
+            <a:endParaRPr lang="en-US" altLang="zh-CN" sz="5400" dirty="0" smtClean="0"/>
+          </a:p>
+          <a:p>
+            <a:pPr algn="ctr"/>
+            <a:r>
+              <a:rPr lang="zh-CN" altLang="en-US" sz="5400" dirty="0" smtClean="0"/>
+              <a:t>然后按空格继续。</a:t>
+            </a:r>
+            <a:endParaRPr lang="zh-CN" altLang="en-US" sz="5400" dirty="0"/>
+          </a:p>
+        </p:txBody>
+      </p:sp>
+    </p:spTree>
+    <p:extLst>
+      <p:ext uri="{BB962C8B-B14F-4D97-AF65-F5344CB8AC3E}">
+        <p14:creationId xmlns:p14="http://schemas.microsoft.com/office/powerpoint/2010/main" val="661219804"/>
+      </p:ext>
+    </p:extLst>
+  </p:cSld>
+  <p:clrMapOvr>
+    <a:masterClrMapping/>
+  </p:clrMapOvr>
+</p:sld>
+</file>
+
+<file path=ppt/slides/slide9.xml><?xml version="1.0" encoding="utf-8"?>
+<p:sld xmlns:a="http://schemas.openxmlformats.org/drawingml/2006/main" xmlns:r="http://schemas.openxmlformats.org/officeDocument/2006/relationships" xmlns:p="http://schemas.openxmlformats.org/presentationml/2006/main">
+  <p:cSld>
+    <p:spTree>
+      <p:nvGrpSpPr>
+        <p:cNvPr id="1" name=""/>
+        <p:cNvGrpSpPr/>
+        <p:nvPr/>
+      </p:nvGrpSpPr>
+      <p:grpSpPr>
+        <a:xfrm>
+          <a:off x="0" y="0"/>
+          <a:ext cx="0" cy="0"/>
+          <a:chOff x="0" y="0"/>
+          <a:chExt cx="0" cy="0"/>
+        </a:xfrm>
+      </p:grpSpPr>
+      <p:pic>
+        <p:nvPicPr>
+          <p:cNvPr id="10" name="图片 9"/>
+          <p:cNvPicPr>
+            <a:picLocks noChangeAspect="1"/>
+          </p:cNvPicPr>
+          <p:nvPr/>
+        </p:nvPicPr>
+        <p:blipFill>
+          <a:blip r:embed="rId2" cstate="print">
+            <a:extLst>
+              <a:ext uri="{28A0092B-C50C-407E-A947-70E740481C1C}">
+                <a14:useLocalDpi xmlns:a14="http://schemas.microsoft.com/office/drawing/2010/main" val="0"/>
+              </a:ext>
+            </a:extLst>
+          </a:blip>
+          <a:stretch>
+            <a:fillRect/>
+          </a:stretch>
+        </p:blipFill>
+        <p:spPr>
+          <a:xfrm>
+            <a:off x="6217919" y="2849432"/>
+            <a:ext cx="4485940" cy="2523341"/>
+          </a:xfrm>
+          <a:prstGeom prst="rect">
+            <a:avLst/>
+          </a:prstGeom>
+          <a:ln w="88900" cap="sq" cmpd="thickThin">
+            <a:solidFill>
+              <a:srgbClr val="000000"/>
+            </a:solidFill>
+            <a:prstDash val="solid"/>
+            <a:miter lim="800000"/>
+          </a:ln>
+          <a:effectLst>
+            <a:innerShdw blurRad="76200">
+              <a:srgbClr val="000000"/>
+            </a:innerShdw>
+          </a:effectLst>
+        </p:spPr>
+      </p:pic>
+      <p:sp>
+        <p:nvSpPr>
+          <p:cNvPr id="2" name="文本框 1"/>
+          <p:cNvSpPr txBox="1"/>
+          <p:nvPr/>
+        </p:nvSpPr>
+        <p:spPr>
+          <a:xfrm>
+            <a:off x="914400" y="537882"/>
+            <a:ext cx="9789459" cy="2215991"/>
+          </a:xfrm>
+          <a:prstGeom prst="rect">
+            <a:avLst/>
+          </a:prstGeom>
+          <a:noFill/>
+        </p:spPr>
+        <p:txBody>
+          <a:bodyPr wrap="square" rtlCol="0">
+            <a:spAutoFit/>
+          </a:bodyPr>
+          <a:lstStyle/>
+          <a:p>
+            <a:r>
+              <a:rPr lang="zh-CN" altLang="en-US" sz="2000" dirty="0" smtClean="0"/>
+              <a:t>您好，现在您将完成的是握力运动任务。</a:t>
+            </a:r>
+            <a:endParaRPr lang="en-US" altLang="zh-CN" sz="2000" dirty="0" smtClean="0"/>
+          </a:p>
+          <a:p>
+            <a:endParaRPr lang="en-US" altLang="zh-CN" sz="2000" dirty="0" smtClean="0"/>
+          </a:p>
+          <a:p>
+            <a:r>
+              <a:rPr lang="en-US" altLang="zh-CN" sz="2000" dirty="0" smtClean="0"/>
+              <a:t>1.</a:t>
+            </a:r>
+            <a:r>
+              <a:rPr lang="zh-CN" altLang="en-US" sz="2000" dirty="0" smtClean="0"/>
+              <a:t>在实验开始前，先检测您的握力大小范围。请用惯用手握住握力装置，木质杆对应手心，传感器对应手指。请放松持握。之后画面出现“用力握”三个字。请您在进度条指示内，“一阵、一阵”地用力握紧装置。当画面出现“放松”时，请您放松持握即可。上述两种画面分别交替出现两次。</a:t>
+            </a:r>
+            <a:endParaRPr lang="en-US" altLang="zh-CN" sz="2000" dirty="0" smtClean="0"/>
+          </a:p>
+          <a:p>
+            <a:endParaRPr lang="zh-CN" altLang="en-US" dirty="0"/>
+          </a:p>
+        </p:txBody>
+      </p:sp>
+      <p:grpSp>
+        <p:nvGrpSpPr>
+          <p:cNvPr id="9" name="组合 8"/>
+          <p:cNvGrpSpPr/>
+          <p:nvPr/>
+        </p:nvGrpSpPr>
+        <p:grpSpPr>
+          <a:xfrm>
+            <a:off x="1183340" y="2849432"/>
+            <a:ext cx="8907333" cy="2529392"/>
+            <a:chOff x="1215613" y="2569733"/>
+            <a:chExt cx="8907333" cy="2529392"/>
+          </a:xfrm>
+        </p:grpSpPr>
+        <p:pic>
+          <p:nvPicPr>
+            <p:cNvPr id="5" name="图片 4"/>
+            <p:cNvPicPr>
+              <a:picLocks noChangeAspect="1"/>
+            </p:cNvPicPr>
+            <p:nvPr/>
+          </p:nvPicPr>
+          <p:blipFill>
+            <a:blip r:embed="rId3" cstate="print">
+              <a:extLst>
+                <a:ext uri="{28A0092B-C50C-407E-A947-70E740481C1C}">
+                  <a14:useLocalDpi xmlns:a14="http://schemas.microsoft.com/office/drawing/2010/main" val="0"/>
+                </a:ext>
+              </a:extLst>
+            </a:blip>
+            <a:stretch>
+              <a:fillRect/>
+            </a:stretch>
+          </p:blipFill>
+          <p:spPr>
+            <a:xfrm>
+              <a:off x="1215613" y="2569733"/>
+              <a:ext cx="4496696" cy="2529392"/>
+            </a:xfrm>
+            <a:prstGeom prst="rect">
+              <a:avLst/>
+            </a:prstGeom>
+            <a:ln w="88900" cap="sq" cmpd="thickThin">
+              <a:solidFill>
+                <a:srgbClr val="000000"/>
+              </a:solidFill>
+              <a:prstDash val="solid"/>
+              <a:miter lim="800000"/>
+            </a:ln>
+            <a:effectLst>
+              <a:innerShdw blurRad="76200">
+                <a:srgbClr val="000000"/>
+              </a:innerShdw>
+            </a:effectLst>
+          </p:spPr>
+        </p:pic>
+        <p:sp>
+          <p:nvSpPr>
+            <p:cNvPr id="7" name="矩形 6"/>
+            <p:cNvSpPr/>
+            <p:nvPr/>
+          </p:nvSpPr>
+          <p:spPr>
+            <a:xfrm>
+              <a:off x="1753496" y="4292301"/>
+              <a:ext cx="3345629" cy="279699"/>
+            </a:xfrm>
+            <a:prstGeom prst="rect">
+              <a:avLst/>
+            </a:prstGeom>
+            <a:ln w="28575"/>
+          </p:spPr>
+          <p:style>
+            <a:lnRef idx="2">
+              <a:schemeClr val="dk1"/>
+            </a:lnRef>
+            <a:fillRef idx="1">
+              <a:schemeClr val="lt1"/>
+            </a:fillRef>
+            <a:effectRef idx="0">
+              <a:schemeClr val="dk1"/>
+            </a:effectRef>
+            <a:fontRef idx="minor">
+              <a:schemeClr val="dk1"/>
+            </a:fontRef>
+          </p:style>
+          <p:txBody>
+            <a:bodyPr rtlCol="0" anchor="ctr"/>
+            <a:lstStyle/>
+            <a:p>
+              <a:pPr algn="ctr"/>
+              <a:endParaRPr lang="zh-CN" altLang="en-US"/>
+            </a:p>
+          </p:txBody>
+        </p:sp>
+        <p:sp>
+          <p:nvSpPr>
+            <p:cNvPr id="8" name="矩形 7"/>
+            <p:cNvSpPr/>
+            <p:nvPr/>
+          </p:nvSpPr>
+          <p:spPr>
+            <a:xfrm>
+              <a:off x="1785770" y="4346089"/>
+              <a:ext cx="2592593" cy="172122"/>
+            </a:xfrm>
+            <a:prstGeom prst="rect">
+              <a:avLst/>
+            </a:prstGeom>
+          </p:spPr>
+          <p:style>
+            <a:lnRef idx="2">
+              <a:schemeClr val="dk1">
+                <a:shade val="50000"/>
+              </a:schemeClr>
+            </a:lnRef>
+            <a:fillRef idx="1">
+              <a:schemeClr val="dk1"/>
+            </a:fillRef>
+            <a:effectRef idx="0">
+              <a:schemeClr val="dk1"/>
+            </a:effectRef>
+            <a:fontRef idx="minor">
+              <a:schemeClr val="lt1"/>
+            </a:fontRef>
+          </p:style>
+          <p:txBody>
+            <a:bodyPr rtlCol="0" anchor="ctr"/>
+            <a:lstStyle/>
+            <a:p>
+              <a:pPr algn="ctr"/>
+              <a:endParaRPr lang="zh-CN" altLang="en-US"/>
+            </a:p>
+          </p:txBody>
+        </p:sp>
+        <p:sp>
+          <p:nvSpPr>
+            <p:cNvPr id="11" name="矩形 10"/>
+            <p:cNvSpPr/>
+            <p:nvPr/>
+          </p:nvSpPr>
+          <p:spPr>
+            <a:xfrm>
+              <a:off x="6777317" y="4324574"/>
+              <a:ext cx="3345629" cy="279699"/>
+            </a:xfrm>
+            <a:prstGeom prst="rect">
+              <a:avLst/>
+            </a:prstGeom>
+            <a:ln w="28575"/>
+          </p:spPr>
+          <p:style>
+            <a:lnRef idx="2">
+              <a:schemeClr val="dk1"/>
+            </a:lnRef>
+            <a:fillRef idx="1">
+              <a:schemeClr val="lt1"/>
+            </a:fillRef>
+            <a:effectRef idx="0">
+              <a:schemeClr val="dk1"/>
+            </a:effectRef>
+            <a:fontRef idx="minor">
+              <a:schemeClr val="dk1"/>
+            </a:fontRef>
+          </p:style>
+          <p:txBody>
+            <a:bodyPr rtlCol="0" anchor="ctr"/>
+            <a:lstStyle/>
+            <a:p>
+              <a:pPr algn="ctr"/>
+              <a:endParaRPr lang="zh-CN" altLang="en-US"/>
+            </a:p>
+          </p:txBody>
+        </p:sp>
+        <p:sp>
+          <p:nvSpPr>
+            <p:cNvPr id="12" name="矩形 11"/>
+            <p:cNvSpPr/>
+            <p:nvPr/>
+          </p:nvSpPr>
+          <p:spPr>
+            <a:xfrm>
+              <a:off x="6809591" y="4367604"/>
+              <a:ext cx="1839557" cy="193638"/>
+            </a:xfrm>
+            <a:prstGeom prst="rect">
+              <a:avLst/>
+            </a:prstGeom>
+          </p:spPr>
+          <p:style>
+            <a:lnRef idx="2">
+              <a:schemeClr val="dk1">
+                <a:shade val="50000"/>
+              </a:schemeClr>
+            </a:lnRef>
+            <a:fillRef idx="1">
+              <a:schemeClr val="dk1"/>
+            </a:fillRef>
+            <a:effectRef idx="0">
+              <a:schemeClr val="dk1"/>
+            </a:effectRef>
+            <a:fontRef idx="minor">
+              <a:schemeClr val="lt1"/>
+            </a:fontRef>
+          </p:style>
+          <p:txBody>
+            <a:bodyPr rtlCol="0" anchor="ctr"/>
+            <a:lstStyle/>
+            <a:p>
+              <a:pPr algn="ctr"/>
+              <a:endParaRPr lang="zh-CN" altLang="en-US"/>
+            </a:p>
+          </p:txBody>
+        </p:sp>
+      </p:grpSp>
+    </p:spTree>
+    <p:extLst>
+      <p:ext uri="{BB962C8B-B14F-4D97-AF65-F5344CB8AC3E}">
+        <p14:creationId xmlns:p14="http://schemas.microsoft.com/office/powerpoint/2010/main" val="1874260258"/>
+      </p:ext>
+    </p:extLst>
+  </p:cSld>
+  <p:clrMapOvr>
+    <a:masterClrMapping/>
+  </p:clrMapOvr>
+</p:sld>
+</file>
+
 <file path=ppt/theme/theme1.xml><?xml version="1.0" encoding="utf-8"?>
 <a:theme xmlns:a="http://schemas.openxmlformats.org/drawingml/2006/main" name="Office 主题">
   <a:themeElements>
